--- a/评审PPT/SE2019春-G11_ZUCCLazyBone可行性分析报告ppt.pptx
+++ b/评审PPT/SE2019春-G11_ZUCCLazyBone可行性分析报告ppt.pptx
@@ -4457,7 +4457,7 @@
           </a:ln>
           <a:extLst>
             <a:ext uri="{C572A759-6A51-4108-AA02-DFA0A04FC94B}">
-              <ma14:wrappingTextBoxFlag xmlns="" xmlns:ma14="http://schemas.microsoft.com/office/mac/drawingml/2011/main" val="1"/>
+              <ma14:wrappingTextBoxFlag xmlns:ma14="http://schemas.microsoft.com/office/mac/drawingml/2011/main" xmlns="" val="1"/>
             </a:ext>
           </a:extLst>
         </p:spPr>
@@ -4496,7 +4496,7 @@
           </a:ln>
           <a:extLst>
             <a:ext uri="{C572A759-6A51-4108-AA02-DFA0A04FC94B}">
-              <ma14:wrappingTextBoxFlag xmlns="" xmlns:ma14="http://schemas.microsoft.com/office/mac/drawingml/2011/main" val="1"/>
+              <ma14:wrappingTextBoxFlag xmlns:ma14="http://schemas.microsoft.com/office/mac/drawingml/2011/main" xmlns="" val="1"/>
             </a:ext>
           </a:extLst>
         </p:spPr>
@@ -5472,7 +5472,7 @@
           </a:ln>
           <a:extLst>
             <a:ext uri="{C572A759-6A51-4108-AA02-DFA0A04FC94B}">
-              <ma14:wrappingTextBoxFlag xmlns="" xmlns:ma14="http://schemas.microsoft.com/office/mac/drawingml/2011/main" val="1"/>
+              <ma14:wrappingTextBoxFlag xmlns:ma14="http://schemas.microsoft.com/office/mac/drawingml/2011/main" xmlns="" val="1"/>
             </a:ext>
           </a:extLst>
         </p:spPr>
@@ -5640,7 +5640,7 @@
           </a:ln>
           <a:extLst>
             <a:ext uri="{C572A759-6A51-4108-AA02-DFA0A04FC94B}">
-              <ma14:wrappingTextBoxFlag xmlns="" xmlns:ma14="http://schemas.microsoft.com/office/mac/drawingml/2011/main" val="1"/>
+              <ma14:wrappingTextBoxFlag xmlns:ma14="http://schemas.microsoft.com/office/mac/drawingml/2011/main" xmlns="" val="1"/>
             </a:ext>
           </a:extLst>
         </p:spPr>
@@ -5739,7 +5739,7 @@
           </a:ln>
           <a:extLst>
             <a:ext uri="{C572A759-6A51-4108-AA02-DFA0A04FC94B}">
-              <ma14:wrappingTextBoxFlag xmlns="" xmlns:ma14="http://schemas.microsoft.com/office/mac/drawingml/2011/main" val="1"/>
+              <ma14:wrappingTextBoxFlag xmlns:ma14="http://schemas.microsoft.com/office/mac/drawingml/2011/main" xmlns="" val="1"/>
             </a:ext>
           </a:extLst>
         </p:spPr>
@@ -5788,7 +5788,7 @@
           </a:ln>
           <a:extLst>
             <a:ext uri="{C572A759-6A51-4108-AA02-DFA0A04FC94B}">
-              <ma14:wrappingTextBoxFlag xmlns="" xmlns:ma14="http://schemas.microsoft.com/office/mac/drawingml/2011/main" val="1"/>
+              <ma14:wrappingTextBoxFlag xmlns:ma14="http://schemas.microsoft.com/office/mac/drawingml/2011/main" xmlns="" val="1"/>
             </a:ext>
           </a:extLst>
         </p:spPr>
@@ -5842,7 +5842,7 @@
           </a:ln>
           <a:extLst>
             <a:ext uri="{C572A759-6A51-4108-AA02-DFA0A04FC94B}">
-              <ma14:wrappingTextBoxFlag xmlns="" xmlns:ma14="http://schemas.microsoft.com/office/mac/drawingml/2011/main" val="1"/>
+              <ma14:wrappingTextBoxFlag xmlns:ma14="http://schemas.microsoft.com/office/mac/drawingml/2011/main" xmlns="" val="1"/>
             </a:ext>
           </a:extLst>
         </p:spPr>
@@ -6580,7 +6580,7 @@
           </a:ln>
           <a:extLst>
             <a:ext uri="{C572A759-6A51-4108-AA02-DFA0A04FC94B}">
-              <ma14:wrappingTextBoxFlag xmlns="" xmlns:ma14="http://schemas.microsoft.com/office/mac/drawingml/2011/main" val="1"/>
+              <ma14:wrappingTextBoxFlag xmlns:ma14="http://schemas.microsoft.com/office/mac/drawingml/2011/main" xmlns="" val="1"/>
             </a:ext>
           </a:extLst>
         </p:spPr>
@@ -6788,7 +6788,7 @@
           </a:ln>
           <a:extLst>
             <a:ext uri="{C572A759-6A51-4108-AA02-DFA0A04FC94B}">
-              <ma14:wrappingTextBoxFlag xmlns="" xmlns:ma14="http://schemas.microsoft.com/office/mac/drawingml/2011/main" val="1"/>
+              <ma14:wrappingTextBoxFlag xmlns:ma14="http://schemas.microsoft.com/office/mac/drawingml/2011/main" xmlns="" val="1"/>
             </a:ext>
           </a:extLst>
         </p:spPr>
@@ -7416,7 +7416,7 @@
           </a:ln>
           <a:extLst>
             <a:ext uri="{C572A759-6A51-4108-AA02-DFA0A04FC94B}">
-              <ma14:wrappingTextBoxFlag xmlns="" xmlns:ma14="http://schemas.microsoft.com/office/mac/drawingml/2011/main" val="1"/>
+              <ma14:wrappingTextBoxFlag xmlns:ma14="http://schemas.microsoft.com/office/mac/drawingml/2011/main" xmlns="" val="1"/>
             </a:ext>
           </a:extLst>
         </p:spPr>
@@ -7465,7 +7465,7 @@
           </a:ln>
           <a:extLst>
             <a:ext uri="{C572A759-6A51-4108-AA02-DFA0A04FC94B}">
-              <ma14:wrappingTextBoxFlag xmlns="" xmlns:ma14="http://schemas.microsoft.com/office/mac/drawingml/2011/main" val="1"/>
+              <ma14:wrappingTextBoxFlag xmlns:ma14="http://schemas.microsoft.com/office/mac/drawingml/2011/main" xmlns="" val="1"/>
             </a:ext>
           </a:extLst>
         </p:spPr>
@@ -7513,7 +7513,7 @@
           </a:ln>
           <a:extLst>
             <a:ext uri="{C572A759-6A51-4108-AA02-DFA0A04FC94B}">
-              <ma14:wrappingTextBoxFlag xmlns="" xmlns:ma14="http://schemas.microsoft.com/office/mac/drawingml/2011/main" val="1"/>
+              <ma14:wrappingTextBoxFlag xmlns:ma14="http://schemas.microsoft.com/office/mac/drawingml/2011/main" xmlns="" val="1"/>
             </a:ext>
           </a:extLst>
         </p:spPr>
@@ -8181,7 +8181,7 @@
           </a:ln>
           <a:extLst>
             <a:ext uri="{C572A759-6A51-4108-AA02-DFA0A04FC94B}">
-              <ma14:wrappingTextBoxFlag xmlns="" xmlns:ma14="http://schemas.microsoft.com/office/mac/drawingml/2011/main" val="1"/>
+              <ma14:wrappingTextBoxFlag xmlns:ma14="http://schemas.microsoft.com/office/mac/drawingml/2011/main" xmlns="" val="1"/>
             </a:ext>
           </a:extLst>
         </p:spPr>
@@ -8230,7 +8230,7 @@
           </a:ln>
           <a:extLst>
             <a:ext uri="{C572A759-6A51-4108-AA02-DFA0A04FC94B}">
-              <ma14:wrappingTextBoxFlag xmlns="" xmlns:ma14="http://schemas.microsoft.com/office/mac/drawingml/2011/main" val="1"/>
+              <ma14:wrappingTextBoxFlag xmlns:ma14="http://schemas.microsoft.com/office/mac/drawingml/2011/main" xmlns="" val="1"/>
             </a:ext>
           </a:extLst>
         </p:spPr>
@@ -8349,7 +8349,7 @@
           </a:ln>
           <a:extLst>
             <a:ext uri="{C572A759-6A51-4108-AA02-DFA0A04FC94B}">
-              <ma14:wrappingTextBoxFlag xmlns="" xmlns:ma14="http://schemas.microsoft.com/office/mac/drawingml/2011/main" val="1"/>
+              <ma14:wrappingTextBoxFlag xmlns:ma14="http://schemas.microsoft.com/office/mac/drawingml/2011/main" xmlns="" val="1"/>
             </a:ext>
           </a:extLst>
         </p:spPr>
@@ -8668,7 +8668,7 @@
           </a:ln>
           <a:extLst>
             <a:ext uri="{C572A759-6A51-4108-AA02-DFA0A04FC94B}">
-              <ma14:wrappingTextBoxFlag xmlns="" xmlns:ma14="http://schemas.microsoft.com/office/mac/drawingml/2011/main" val="1"/>
+              <ma14:wrappingTextBoxFlag xmlns:ma14="http://schemas.microsoft.com/office/mac/drawingml/2011/main" xmlns="" val="1"/>
             </a:ext>
           </a:extLst>
         </p:spPr>
@@ -8741,7 +8741,7 @@
         <p15:prstTrans prst="pageCurlDouble"/>
       </p:transition>
     </mc:Choice>
-    <mc:Choice xmlns="" xmlns:p14="http://schemas.microsoft.com/office/powerpoint/2010/main" Requires="p14">
+    <mc:Choice xmlns:p14="http://schemas.microsoft.com/office/powerpoint/2010/main" xmlns="" Requires="p14">
       <p:transition spd="slow" advClick="0" advTm="9000" p14:dur="1200">
         <p14:prism dir="l"/>
       </p:transition>
@@ -9411,244 +9411,6 @@
           </a:p>
         </p:txBody>
       </p:sp>
-      <p:grpSp>
-        <p:nvGrpSpPr>
-          <p:cNvPr id="358" name="图片 2"/>
-          <p:cNvGrpSpPr/>
-          <p:nvPr/>
-        </p:nvGrpSpPr>
-        <p:grpSpPr>
-          <a:xfrm>
-            <a:off x="7200900" y="549273"/>
-            <a:ext cx="4295775" cy="5369718"/>
-            <a:chOff x="0" y="0"/>
-            <a:chExt cx="4295773" cy="5369716"/>
-          </a:xfrm>
-        </p:grpSpPr>
-        <p:sp>
-          <p:nvSpPr>
-            <p:cNvPr id="356" name="矩形"/>
-            <p:cNvSpPr/>
-            <p:nvPr/>
-          </p:nvSpPr>
-          <p:spPr>
-            <a:xfrm>
-              <a:off x="0" y="0"/>
-              <a:ext cx="4295774" cy="5369717"/>
-            </a:xfrm>
-            <a:prstGeom prst="rect">
-              <a:avLst/>
-            </a:prstGeom>
-            <a:solidFill>
-              <a:srgbClr val="FCFCFD"/>
-            </a:solidFill>
-            <a:ln w="12700" cap="flat">
-              <a:noFill/>
-              <a:miter lim="400000"/>
-            </a:ln>
-            <a:effectLst/>
-          </p:spPr>
-          <p:txBody>
-            <a:bodyPr wrap="square" lIns="45719" tIns="45719" rIns="45719" bIns="45719" numCol="1" anchor="ctr">
-              <a:noAutofit/>
-            </a:bodyPr>
-            <a:lstStyle/>
-            <a:p>
-              <a:endParaRPr/>
-            </a:p>
-          </p:txBody>
-        </p:sp>
-        <p:pic>
-          <p:nvPicPr>
-            <p:cNvPr id="357" name="image6.jpeg" descr="image6.jpeg"/>
-            <p:cNvPicPr>
-              <a:picLocks noChangeAspect="1"/>
-            </p:cNvPicPr>
-            <p:nvPr/>
-          </p:nvPicPr>
-          <p:blipFill>
-            <a:blip r:embed="rId2">
-              <a:extLst/>
-            </a:blip>
-            <a:srcRect l="14134" r="32532"/>
-            <a:stretch>
-              <a:fillRect/>
-            </a:stretch>
-          </p:blipFill>
-          <p:spPr>
-            <a:xfrm>
-              <a:off x="-1" y="0"/>
-              <a:ext cx="4295775" cy="5369717"/>
-            </a:xfrm>
-            <a:prstGeom prst="rect">
-              <a:avLst/>
-            </a:prstGeom>
-            <a:ln w="12700" cap="flat">
-              <a:noFill/>
-              <a:miter lim="400000"/>
-            </a:ln>
-            <a:effectLst>
-              <a:outerShdw blurRad="127000" dist="38100" dir="5400000" rotWithShape="0">
-                <a:srgbClr val="969F98">
-                  <a:alpha val="40000"/>
-                </a:srgbClr>
-              </a:outerShdw>
-            </a:effectLst>
-          </p:spPr>
-        </p:pic>
-      </p:grpSp>
-      <p:sp>
-        <p:nvSpPr>
-          <p:cNvPr id="359" name="文本框 3"/>
-          <p:cNvSpPr txBox="1"/>
-          <p:nvPr/>
-        </p:nvSpPr>
-        <p:spPr>
-          <a:xfrm>
-            <a:off x="644956" y="1928493"/>
-            <a:ext cx="5538961" cy="3784690"/>
-          </a:xfrm>
-          <a:prstGeom prst="rect">
-            <a:avLst/>
-          </a:prstGeom>
-          <a:ln w="12700">
-            <a:miter lim="400000"/>
-          </a:ln>
-          <a:extLst>
-            <a:ext uri="{C572A759-6A51-4108-AA02-DFA0A04FC94B}">
-              <ma14:wrappingTextBoxFlag xmlns="" xmlns:ma14="http://schemas.microsoft.com/office/mac/drawingml/2011/main" val="1"/>
-            </a:ext>
-          </a:extLst>
-        </p:spPr>
-        <p:txBody>
-          <a:bodyPr wrap="square" lIns="45719" rIns="45719">
-            <a:spAutoFit/>
-          </a:bodyPr>
-          <a:lstStyle>
-            <a:lvl1pPr>
-              <a:lnSpc>
-                <a:spcPct val="120000"/>
-              </a:lnSpc>
-              <a:defRPr>
-                <a:solidFill>
-                  <a:srgbClr val="3F403E"/>
-                </a:solidFill>
-                <a:latin typeface="微软雅黑 Light"/>
-                <a:ea typeface="微软雅黑 Light"/>
-                <a:cs typeface="微软雅黑 Light"/>
-                <a:sym typeface="微软雅黑 Light"/>
-              </a:defRPr>
-            </a:lvl1pPr>
-          </a:lstStyle>
-          <a:p>
-            <a:pPr lvl="0">
-              <a:lnSpc>
-                <a:spcPct val="150000"/>
-              </a:lnSpc>
-            </a:pPr>
-            <a:r>
-              <a:rPr lang="en-US" altLang="zh-CN" b="1" dirty="0"/>
-              <a:t>Java</a:t>
-            </a:r>
-            <a:r>
-              <a:rPr lang="zh-CN" altLang="zh-CN" dirty="0"/>
-              <a:t>：一门面向对象编程语言，不仅吸收了</a:t>
-            </a:r>
-            <a:r>
-              <a:rPr lang="en-US" altLang="zh-CN" dirty="0"/>
-              <a:t>C++</a:t>
-            </a:r>
-            <a:r>
-              <a:rPr lang="zh-CN" altLang="zh-CN" dirty="0"/>
-              <a:t>语言的各种优点，还摒弃了</a:t>
-            </a:r>
-            <a:r>
-              <a:rPr lang="en-US" altLang="zh-CN" dirty="0"/>
-              <a:t>C++</a:t>
-            </a:r>
-            <a:r>
-              <a:rPr lang="zh-CN" altLang="zh-CN" dirty="0"/>
-              <a:t>里难以理解的多继承、指针等概念，极好地实现了面向对象理论。</a:t>
-            </a:r>
-          </a:p>
-          <a:p>
-            <a:pPr lvl="0">
-              <a:lnSpc>
-                <a:spcPct val="150000"/>
-              </a:lnSpc>
-            </a:pPr>
-            <a:r>
-              <a:rPr lang="en-US" altLang="zh-CN" b="1" dirty="0" err="1"/>
-              <a:t>mySQL</a:t>
-            </a:r>
-            <a:r>
-              <a:rPr lang="zh-CN" altLang="zh-CN" dirty="0"/>
-              <a:t>：用于访问和处理数据库的标准的计算机语言。</a:t>
-            </a:r>
-          </a:p>
-          <a:p>
-            <a:pPr lvl="0">
-              <a:lnSpc>
-                <a:spcPct val="150000"/>
-              </a:lnSpc>
-            </a:pPr>
-            <a:r>
-              <a:rPr lang="en-US" altLang="zh-CN" b="1" dirty="0"/>
-              <a:t>JavaScript</a:t>
-            </a:r>
-            <a:r>
-              <a:rPr lang="zh-CN" altLang="zh-CN" dirty="0"/>
-              <a:t>：一种直译式脚本语言，是一种动态类型、弱类型、基于原型的语言，内置支持类型。</a:t>
-            </a:r>
-          </a:p>
-          <a:p>
-            <a:pPr lvl="0">
-              <a:lnSpc>
-                <a:spcPct val="150000"/>
-              </a:lnSpc>
-            </a:pPr>
-            <a:r>
-              <a:rPr lang="en-US" altLang="zh-CN" b="1" dirty="0"/>
-              <a:t>WXML(</a:t>
-            </a:r>
-            <a:r>
-              <a:rPr lang="en-US" altLang="zh-CN" b="1" dirty="0" err="1"/>
-              <a:t>WeiXin</a:t>
-            </a:r>
-            <a:r>
-              <a:rPr lang="en-US" altLang="zh-CN" b="1" dirty="0"/>
-              <a:t> Mark Language)</a:t>
-            </a:r>
-            <a:r>
-              <a:rPr lang="zh-CN" altLang="zh-CN" dirty="0"/>
-              <a:t>：微信标记语言。</a:t>
-            </a:r>
-          </a:p>
-          <a:p>
-            <a:pPr lvl="0">
-              <a:lnSpc>
-                <a:spcPct val="150000"/>
-              </a:lnSpc>
-            </a:pPr>
-            <a:r>
-              <a:rPr lang="en-US" altLang="zh-CN" b="1" dirty="0"/>
-              <a:t>WXSS(</a:t>
-            </a:r>
-            <a:r>
-              <a:rPr lang="en-US" altLang="zh-CN" b="1" dirty="0" err="1"/>
-              <a:t>WeiXin</a:t>
-            </a:r>
-            <a:r>
-              <a:rPr lang="en-US" altLang="zh-CN" b="1" dirty="0"/>
-              <a:t> Style Sheet)</a:t>
-            </a:r>
-            <a:r>
-              <a:rPr lang="zh-CN" altLang="zh-CN" dirty="0"/>
-              <a:t>：微信样式表。</a:t>
-            </a:r>
-          </a:p>
-        </p:txBody>
-      </p:sp>
       <p:sp>
         <p:nvSpPr>
           <p:cNvPr id="360" name="文本框 4"/>
@@ -9668,7 +9430,7 @@
           </a:ln>
           <a:extLst>
             <a:ext uri="{C572A759-6A51-4108-AA02-DFA0A04FC94B}">
-              <ma14:wrappingTextBoxFlag xmlns="" xmlns:ma14="http://schemas.microsoft.com/office/mac/drawingml/2011/main" val="1"/>
+              <ma14:wrappingTextBoxFlag xmlns:ma14="http://schemas.microsoft.com/office/mac/drawingml/2011/main" xmlns="" val="1"/>
             </a:ext>
           </a:extLst>
         </p:spPr>
@@ -9738,7 +9500,7 @@
           <p:nvPr/>
         </p:nvPicPr>
         <p:blipFill>
-          <a:blip r:embed="rId3" cstate="print">
+          <a:blip r:embed="rId2" cstate="print">
             <a:extLst>
               <a:ext uri="{28A0092B-C50C-407E-A947-70E740481C1C}">
                 <a14:useLocalDpi xmlns:a14="http://schemas.microsoft.com/office/drawing/2010/main" val="0"/>
@@ -9759,6 +9521,854 @@
           </a:prstGeom>
         </p:spPr>
       </p:pic>
+      <p:pic>
+        <p:nvPicPr>
+          <p:cNvPr id="3075" name="Picture 3" descr="APP参考"/>
+          <p:cNvPicPr>
+            <a:picLocks noChangeAspect="1" noChangeArrowheads="1"/>
+          </p:cNvPicPr>
+          <p:nvPr/>
+        </p:nvPicPr>
+        <p:blipFill>
+          <a:blip r:embed="rId3" cstate="print">
+            <a:extLst>
+              <a:ext uri="{28A0092B-C50C-407E-A947-70E740481C1C}">
+                <a14:useLocalDpi xmlns:a14="http://schemas.microsoft.com/office/drawing/2010/main" val="0"/>
+              </a:ext>
+            </a:extLst>
+          </a:blip>
+          <a:srcRect/>
+          <a:stretch>
+            <a:fillRect/>
+          </a:stretch>
+        </p:blipFill>
+        <p:spPr bwMode="auto">
+          <a:xfrm>
+            <a:off x="7115085" y="819400"/>
+            <a:ext cx="2886075" cy="5124450"/>
+          </a:xfrm>
+          <a:prstGeom prst="rect">
+            <a:avLst/>
+          </a:prstGeom>
+          <a:noFill/>
+          <a:ln>
+            <a:noFill/>
+          </a:ln>
+          <a:extLst>
+            <a:ext uri="{909E8E84-426E-40DD-AFC4-6F175D3DCCD1}">
+              <a14:hiddenFill xmlns:a14="http://schemas.microsoft.com/office/drawing/2010/main">
+                <a:solidFill>
+                  <a:srgbClr val="FFFFFF"/>
+                </a:solidFill>
+              </a14:hiddenFill>
+            </a:ext>
+            <a:ext uri="{91240B29-F687-4F45-9708-019B960494DF}">
+              <a14:hiddenLine xmlns:a14="http://schemas.microsoft.com/office/drawing/2010/main" w="9525">
+                <a:solidFill>
+                  <a:srgbClr val="000000"/>
+                </a:solidFill>
+                <a:miter lim="800000"/>
+                <a:headEnd/>
+                <a:tailEnd/>
+              </a14:hiddenLine>
+            </a:ext>
+          </a:extLst>
+        </p:spPr>
+      </p:pic>
+      <p:graphicFrame>
+        <p:nvGraphicFramePr>
+          <p:cNvPr id="2" name="表格 1"/>
+          <p:cNvGraphicFramePr>
+            <a:graphicFrameLocks noGrp="1"/>
+          </p:cNvGraphicFramePr>
+          <p:nvPr>
+            <p:extLst>
+              <p:ext uri="{D42A27DB-BD31-4B8C-83A1-F6EECF244321}">
+                <p14:modId xmlns:p14="http://schemas.microsoft.com/office/powerpoint/2010/main" val="1644895963"/>
+              </p:ext>
+            </p:extLst>
+          </p:nvPr>
+        </p:nvGraphicFramePr>
+        <p:xfrm>
+          <a:off x="452884" y="2016513"/>
+          <a:ext cx="6311598" cy="3095813"/>
+        </p:xfrm>
+        <a:graphic>
+          <a:graphicData uri="http://schemas.openxmlformats.org/drawingml/2006/table">
+            <a:tbl>
+              <a:tblPr firstRow="1" firstCol="1" bandRow="1">
+                <a:tableStyleId>{5940675A-B579-460E-94D1-54222C63F5DA}</a:tableStyleId>
+              </a:tblPr>
+              <a:tblGrid>
+                <a:gridCol w="2291803">
+                  <a:extLst>
+                    <a:ext uri="{9D8B030D-6E8A-4147-A177-3AD203B41FA5}">
+                      <a16:colId xmlns:a16="http://schemas.microsoft.com/office/drawing/2014/main" val="973793514"/>
+                    </a:ext>
+                  </a:extLst>
+                </a:gridCol>
+                <a:gridCol w="2291803">
+                  <a:extLst>
+                    <a:ext uri="{9D8B030D-6E8A-4147-A177-3AD203B41FA5}">
+                      <a16:colId xmlns:a16="http://schemas.microsoft.com/office/drawing/2014/main" val="3775734842"/>
+                    </a:ext>
+                  </a:extLst>
+                </a:gridCol>
+                <a:gridCol w="1727992">
+                  <a:extLst>
+                    <a:ext uri="{9D8B030D-6E8A-4147-A177-3AD203B41FA5}">
+                      <a16:colId xmlns:a16="http://schemas.microsoft.com/office/drawing/2014/main" val="2153100600"/>
+                    </a:ext>
+                  </a:extLst>
+                </a:gridCol>
+              </a:tblGrid>
+              <a:tr h="527489">
+                <a:tc rowSpan="2">
+                  <a:txBody>
+                    <a:bodyPr/>
+                    <a:lstStyle/>
+                    <a:p>
+                      <a:pPr indent="127000" algn="r">
+                        <a:spcAft>
+                          <a:spcPts val="0"/>
+                        </a:spcAft>
+                      </a:pPr>
+                      <a:r>
+                        <a:rPr lang="zh-CN" sz="1050" kern="100" dirty="0">
+                          <a:effectLst/>
+                        </a:rPr>
+                        <a:t>内部能力</a:t>
+                      </a:r>
+                    </a:p>
+                    <a:p>
+                      <a:pPr indent="127000" algn="just">
+                        <a:spcAft>
+                          <a:spcPts val="0"/>
+                        </a:spcAft>
+                      </a:pPr>
+                      <a:r>
+                        <a:rPr lang="en-US" sz="1050" kern="100" dirty="0">
+                          <a:effectLst/>
+                        </a:rPr>
+                        <a:t> </a:t>
+                      </a:r>
+                      <a:endParaRPr lang="zh-CN" sz="1050" kern="100" dirty="0">
+                        <a:effectLst/>
+                      </a:endParaRPr>
+                    </a:p>
+                    <a:p>
+                      <a:pPr indent="127000" algn="just">
+                        <a:spcAft>
+                          <a:spcPts val="0"/>
+                        </a:spcAft>
+                      </a:pPr>
+                      <a:r>
+                        <a:rPr lang="en-US" sz="1050" kern="100" dirty="0">
+                          <a:effectLst/>
+                        </a:rPr>
+                        <a:t> </a:t>
+                      </a:r>
+                      <a:endParaRPr lang="zh-CN" sz="1050" kern="100" dirty="0">
+                        <a:effectLst/>
+                      </a:endParaRPr>
+                    </a:p>
+                    <a:p>
+                      <a:pPr indent="127000" algn="just">
+                        <a:spcAft>
+                          <a:spcPts val="0"/>
+                        </a:spcAft>
+                      </a:pPr>
+                      <a:r>
+                        <a:rPr lang="zh-CN" sz="1050" kern="100" dirty="0">
+                          <a:effectLst/>
+                        </a:rPr>
+                        <a:t>外部因素</a:t>
+                      </a:r>
+                      <a:endParaRPr lang="zh-CN" sz="1050" kern="100" dirty="0">
+                        <a:effectLst/>
+                        <a:latin typeface="Times New Roman" panose="02020603050405020304" pitchFamily="18" charset="0"/>
+                        <a:ea typeface="宋体" panose="02010600030101010101" pitchFamily="2" charset="-122"/>
+                        <a:cs typeface="Times New Roman" panose="02020603050405020304" pitchFamily="18" charset="0"/>
+                      </a:endParaRPr>
+                    </a:p>
+                  </a:txBody>
+                  <a:tcPr marL="68580" marR="68580" marT="0" marB="0" anchor="ctr"/>
+                </a:tc>
+                <a:tc>
+                  <a:txBody>
+                    <a:bodyPr/>
+                    <a:lstStyle/>
+                    <a:p>
+                      <a:pPr indent="127000" algn="just">
+                        <a:spcAft>
+                          <a:spcPts val="0"/>
+                        </a:spcAft>
+                      </a:pPr>
+                      <a:r>
+                        <a:rPr lang="zh-CN" sz="1050" kern="100" dirty="0">
+                          <a:effectLst/>
+                        </a:rPr>
+                        <a:t>优势（</a:t>
+                      </a:r>
+                      <a:r>
+                        <a:rPr lang="en-US" sz="1050" kern="100" dirty="0">
+                          <a:effectLst/>
+                        </a:rPr>
+                        <a:t>Strength</a:t>
+                      </a:r>
+                      <a:r>
+                        <a:rPr lang="zh-CN" sz="1050" kern="100" dirty="0">
+                          <a:effectLst/>
+                        </a:rPr>
+                        <a:t>）</a:t>
+                      </a:r>
+                      <a:endParaRPr lang="zh-CN" sz="1050" kern="100" dirty="0">
+                        <a:effectLst/>
+                        <a:latin typeface="Times New Roman" panose="02020603050405020304" pitchFamily="18" charset="0"/>
+                        <a:ea typeface="宋体" panose="02010600030101010101" pitchFamily="2" charset="-122"/>
+                        <a:cs typeface="Times New Roman" panose="02020603050405020304" pitchFamily="18" charset="0"/>
+                      </a:endParaRPr>
+                    </a:p>
+                  </a:txBody>
+                  <a:tcPr marL="68580" marR="68580" marT="0" marB="0" anchor="ctr"/>
+                </a:tc>
+                <a:tc>
+                  <a:txBody>
+                    <a:bodyPr/>
+                    <a:lstStyle/>
+                    <a:p>
+                      <a:pPr indent="127000" algn="just">
+                        <a:spcAft>
+                          <a:spcPts val="0"/>
+                        </a:spcAft>
+                      </a:pPr>
+                      <a:r>
+                        <a:rPr lang="zh-CN" sz="1050" kern="100">
+                          <a:effectLst/>
+                        </a:rPr>
+                        <a:t>劣势（</a:t>
+                      </a:r>
+                      <a:r>
+                        <a:rPr lang="en-US" sz="1050" kern="100">
+                          <a:effectLst/>
+                        </a:rPr>
+                        <a:t>Weakness</a:t>
+                      </a:r>
+                      <a:r>
+                        <a:rPr lang="zh-CN" sz="1050" kern="100">
+                          <a:effectLst/>
+                        </a:rPr>
+                        <a:t>）</a:t>
+                      </a:r>
+                      <a:endParaRPr lang="zh-CN" sz="1050" kern="100">
+                        <a:effectLst/>
+                        <a:latin typeface="Times New Roman" panose="02020603050405020304" pitchFamily="18" charset="0"/>
+                        <a:ea typeface="宋体" panose="02010600030101010101" pitchFamily="2" charset="-122"/>
+                        <a:cs typeface="Times New Roman" panose="02020603050405020304" pitchFamily="18" charset="0"/>
+                      </a:endParaRPr>
+                    </a:p>
+                  </a:txBody>
+                  <a:tcPr marL="68580" marR="68580" marT="0" marB="0" anchor="ctr"/>
+                </a:tc>
+                <a:extLst>
+                  <a:ext uri="{0D108BD9-81ED-4DB2-BD59-A6C34878D82A}">
+                    <a16:rowId xmlns:a16="http://schemas.microsoft.com/office/drawing/2014/main" val="1502170381"/>
+                  </a:ext>
+                </a:extLst>
+              </a:tr>
+              <a:tr h="687554">
+                <a:tc vMerge="1">
+                  <a:txBody>
+                    <a:bodyPr/>
+                    <a:lstStyle/>
+                    <a:p>
+                      <a:endParaRPr lang="zh-CN" altLang="en-US"/>
+                    </a:p>
+                  </a:txBody>
+                  <a:tcPr/>
+                </a:tc>
+                <a:tc>
+                  <a:txBody>
+                    <a:bodyPr/>
+                    <a:lstStyle/>
+                    <a:p>
+                      <a:pPr marL="342900" lvl="0" indent="-342900" algn="l">
+                        <a:spcAft>
+                          <a:spcPts val="0"/>
+                        </a:spcAft>
+                        <a:buFont typeface="+mj-lt"/>
+                        <a:buAutoNum type="arabicPeriod"/>
+                      </a:pPr>
+                      <a:r>
+                        <a:rPr lang="zh-CN" sz="1050" kern="100" dirty="0">
+                          <a:effectLst/>
+                        </a:rPr>
+                        <a:t>原生</a:t>
+                      </a:r>
+                      <a:r>
+                        <a:rPr lang="en-US" sz="1050" kern="100" dirty="0">
+                          <a:effectLst/>
+                        </a:rPr>
+                        <a:t>APP</a:t>
+                      </a:r>
+                      <a:r>
+                        <a:rPr lang="zh-CN" sz="1050" kern="100" dirty="0">
+                          <a:effectLst/>
+                        </a:rPr>
+                        <a:t>实现最丰富的功能和最华丽的交互</a:t>
+                      </a:r>
+                    </a:p>
+                    <a:p>
+                      <a:pPr marL="342900" lvl="0" indent="-342900" algn="l">
+                        <a:spcAft>
+                          <a:spcPts val="0"/>
+                        </a:spcAft>
+                        <a:buFont typeface="+mj-lt"/>
+                        <a:buAutoNum type="arabicPeriod"/>
+                      </a:pPr>
+                      <a:r>
+                        <a:rPr lang="zh-CN" sz="1050" kern="100" dirty="0">
+                          <a:effectLst/>
+                        </a:rPr>
+                        <a:t>合作学校多。</a:t>
+                      </a:r>
+                      <a:endParaRPr lang="zh-CN" sz="1050" kern="100" dirty="0">
+                        <a:effectLst/>
+                        <a:latin typeface="Times New Roman" panose="02020603050405020304" pitchFamily="18" charset="0"/>
+                        <a:ea typeface="宋体" panose="02010600030101010101" pitchFamily="2" charset="-122"/>
+                        <a:cs typeface="Times New Roman" panose="02020603050405020304" pitchFamily="18" charset="0"/>
+                      </a:endParaRPr>
+                    </a:p>
+                  </a:txBody>
+                  <a:tcPr marL="68580" marR="68580" marT="0" marB="0" anchor="ctr"/>
+                </a:tc>
+                <a:tc>
+                  <a:txBody>
+                    <a:bodyPr/>
+                    <a:lstStyle/>
+                    <a:p>
+                      <a:pPr marL="342900" lvl="0" indent="-342900" algn="just">
+                        <a:spcAft>
+                          <a:spcPts val="0"/>
+                        </a:spcAft>
+                        <a:buFont typeface="+mj-lt"/>
+                        <a:buAutoNum type="arabicPeriod"/>
+                      </a:pPr>
+                      <a:r>
+                        <a:rPr lang="zh-CN" sz="1050" kern="100">
+                          <a:effectLst/>
+                        </a:rPr>
+                        <a:t>功能过多。</a:t>
+                      </a:r>
+                    </a:p>
+                    <a:p>
+                      <a:pPr marL="342900" lvl="0" indent="-342900" algn="just">
+                        <a:spcAft>
+                          <a:spcPts val="0"/>
+                        </a:spcAft>
+                        <a:buFont typeface="+mj-lt"/>
+                        <a:buAutoNum type="arabicPeriod"/>
+                      </a:pPr>
+                      <a:r>
+                        <a:rPr lang="zh-CN" sz="1050" kern="100">
+                          <a:effectLst/>
+                        </a:rPr>
+                        <a:t>推送广告。</a:t>
+                      </a:r>
+                    </a:p>
+                    <a:p>
+                      <a:pPr marL="342900" lvl="0" indent="-342900" algn="just">
+                        <a:spcAft>
+                          <a:spcPts val="0"/>
+                        </a:spcAft>
+                        <a:buFont typeface="+mj-lt"/>
+                        <a:buAutoNum type="arabicPeriod"/>
+                      </a:pPr>
+                      <a:r>
+                        <a:rPr lang="zh-CN" sz="1050" kern="100">
+                          <a:effectLst/>
+                        </a:rPr>
+                        <a:t>城院无法使用</a:t>
+                      </a:r>
+                      <a:endParaRPr lang="zh-CN" sz="1050" kern="100">
+                        <a:effectLst/>
+                        <a:latin typeface="Times New Roman" panose="02020603050405020304" pitchFamily="18" charset="0"/>
+                        <a:ea typeface="宋体" panose="02010600030101010101" pitchFamily="2" charset="-122"/>
+                        <a:cs typeface="Times New Roman" panose="02020603050405020304" pitchFamily="18" charset="0"/>
+                      </a:endParaRPr>
+                    </a:p>
+                  </a:txBody>
+                  <a:tcPr marL="68580" marR="68580" marT="0" marB="0" anchor="ctr"/>
+                </a:tc>
+                <a:extLst>
+                  <a:ext uri="{0D108BD9-81ED-4DB2-BD59-A6C34878D82A}">
+                    <a16:rowId xmlns:a16="http://schemas.microsoft.com/office/drawing/2014/main" val="2940034000"/>
+                  </a:ext>
+                </a:extLst>
+              </a:tr>
+              <a:tr h="252831">
+                <a:tc>
+                  <a:txBody>
+                    <a:bodyPr/>
+                    <a:lstStyle/>
+                    <a:p>
+                      <a:pPr indent="127000" algn="just">
+                        <a:spcAft>
+                          <a:spcPts val="0"/>
+                        </a:spcAft>
+                      </a:pPr>
+                      <a:r>
+                        <a:rPr lang="zh-CN" sz="1050" kern="100">
+                          <a:effectLst/>
+                        </a:rPr>
+                        <a:t>机会（</a:t>
+                      </a:r>
+                      <a:r>
+                        <a:rPr lang="en-US" sz="1050" kern="100">
+                          <a:effectLst/>
+                        </a:rPr>
+                        <a:t>Opportunities</a:t>
+                      </a:r>
+                      <a:r>
+                        <a:rPr lang="zh-CN" sz="1050" kern="100">
+                          <a:effectLst/>
+                        </a:rPr>
+                        <a:t>）</a:t>
+                      </a:r>
+                      <a:endParaRPr lang="zh-CN" sz="1050" kern="100">
+                        <a:effectLst/>
+                        <a:latin typeface="Times New Roman" panose="02020603050405020304" pitchFamily="18" charset="0"/>
+                        <a:ea typeface="宋体" panose="02010600030101010101" pitchFamily="2" charset="-122"/>
+                        <a:cs typeface="Times New Roman" panose="02020603050405020304" pitchFamily="18" charset="0"/>
+                      </a:endParaRPr>
+                    </a:p>
+                  </a:txBody>
+                  <a:tcPr marL="68580" marR="68580" marT="0" marB="0" anchor="ctr"/>
+                </a:tc>
+                <a:tc>
+                  <a:txBody>
+                    <a:bodyPr/>
+                    <a:lstStyle/>
+                    <a:p>
+                      <a:pPr indent="127000" algn="just">
+                        <a:spcAft>
+                          <a:spcPts val="0"/>
+                        </a:spcAft>
+                      </a:pPr>
+                      <a:r>
+                        <a:rPr lang="en-US" sz="1050" kern="100">
+                          <a:effectLst/>
+                        </a:rPr>
+                        <a:t>SO</a:t>
+                      </a:r>
+                      <a:endParaRPr lang="zh-CN" sz="1050" kern="100">
+                        <a:effectLst/>
+                        <a:latin typeface="Times New Roman" panose="02020603050405020304" pitchFamily="18" charset="0"/>
+                        <a:ea typeface="宋体" panose="02010600030101010101" pitchFamily="2" charset="-122"/>
+                        <a:cs typeface="Times New Roman" panose="02020603050405020304" pitchFamily="18" charset="0"/>
+                      </a:endParaRPr>
+                    </a:p>
+                  </a:txBody>
+                  <a:tcPr marL="68580" marR="68580" marT="0" marB="0" anchor="ctr"/>
+                </a:tc>
+                <a:tc>
+                  <a:txBody>
+                    <a:bodyPr/>
+                    <a:lstStyle/>
+                    <a:p>
+                      <a:pPr indent="127000" algn="just">
+                        <a:spcAft>
+                          <a:spcPts val="0"/>
+                        </a:spcAft>
+                      </a:pPr>
+                      <a:r>
+                        <a:rPr lang="en-US" sz="1050" kern="100">
+                          <a:effectLst/>
+                        </a:rPr>
+                        <a:t>WO</a:t>
+                      </a:r>
+                      <a:endParaRPr lang="zh-CN" sz="1050" kern="100">
+                        <a:effectLst/>
+                        <a:latin typeface="Times New Roman" panose="02020603050405020304" pitchFamily="18" charset="0"/>
+                        <a:ea typeface="宋体" panose="02010600030101010101" pitchFamily="2" charset="-122"/>
+                        <a:cs typeface="Times New Roman" panose="02020603050405020304" pitchFamily="18" charset="0"/>
+                      </a:endParaRPr>
+                    </a:p>
+                  </a:txBody>
+                  <a:tcPr marL="68580" marR="68580" marT="0" marB="0" anchor="ctr"/>
+                </a:tc>
+                <a:extLst>
+                  <a:ext uri="{0D108BD9-81ED-4DB2-BD59-A6C34878D82A}">
+                    <a16:rowId xmlns:a16="http://schemas.microsoft.com/office/drawing/2014/main" val="3745663660"/>
+                  </a:ext>
+                </a:extLst>
+              </a:tr>
+              <a:tr h="916739">
+                <a:tc>
+                  <a:txBody>
+                    <a:bodyPr/>
+                    <a:lstStyle/>
+                    <a:p>
+                      <a:pPr indent="127000" algn="just">
+                        <a:spcAft>
+                          <a:spcPts val="0"/>
+                        </a:spcAft>
+                      </a:pPr>
+                      <a:r>
+                        <a:rPr lang="en-US" sz="1050" kern="100">
+                          <a:effectLst/>
+                        </a:rPr>
+                        <a:t>1</a:t>
+                      </a:r>
+                      <a:r>
+                        <a:rPr lang="zh-CN" sz="1050" kern="100">
+                          <a:effectLst/>
+                        </a:rPr>
+                        <a:t>．大学生在校内繁忙时或不在学校时需要快递代拿、代寄</a:t>
+                      </a:r>
+                    </a:p>
+                    <a:p>
+                      <a:pPr indent="127000" algn="just">
+                        <a:spcAft>
+                          <a:spcPts val="0"/>
+                        </a:spcAft>
+                      </a:pPr>
+                      <a:r>
+                        <a:rPr lang="en-US" sz="1050" kern="100">
+                          <a:effectLst/>
+                        </a:rPr>
+                        <a:t>2</a:t>
+                      </a:r>
+                      <a:r>
+                        <a:rPr lang="zh-CN" sz="1050" kern="100">
+                          <a:effectLst/>
+                        </a:rPr>
+                        <a:t>．不想出寝室，繁忙时校内餐饮代买。</a:t>
+                      </a:r>
+                      <a:endParaRPr lang="zh-CN" sz="1050" kern="100">
+                        <a:effectLst/>
+                        <a:latin typeface="Times New Roman" panose="02020603050405020304" pitchFamily="18" charset="0"/>
+                        <a:ea typeface="宋体" panose="02010600030101010101" pitchFamily="2" charset="-122"/>
+                        <a:cs typeface="Times New Roman" panose="02020603050405020304" pitchFamily="18" charset="0"/>
+                      </a:endParaRPr>
+                    </a:p>
+                  </a:txBody>
+                  <a:tcPr marL="68580" marR="68580" marT="0" marB="0" anchor="ctr"/>
+                </a:tc>
+                <a:tc>
+                  <a:txBody>
+                    <a:bodyPr/>
+                    <a:lstStyle/>
+                    <a:p>
+                      <a:pPr indent="127000" algn="just">
+                        <a:spcAft>
+                          <a:spcPts val="0"/>
+                        </a:spcAft>
+                      </a:pPr>
+                      <a:r>
+                        <a:rPr lang="en-US" sz="1050" kern="100" dirty="0">
+                          <a:effectLst/>
+                        </a:rPr>
+                        <a:t>1</a:t>
+                      </a:r>
+                      <a:r>
+                        <a:rPr lang="zh-CN" sz="1050" kern="100" dirty="0">
+                          <a:effectLst/>
+                        </a:rPr>
+                        <a:t>．充分实现代拿代寄、餐饮代买功能</a:t>
+                      </a:r>
+                    </a:p>
+                    <a:p>
+                      <a:pPr indent="127000" algn="just">
+                        <a:spcAft>
+                          <a:spcPts val="0"/>
+                        </a:spcAft>
+                      </a:pPr>
+                      <a:r>
+                        <a:rPr lang="en-US" sz="1050" kern="100" dirty="0">
+                          <a:effectLst/>
+                        </a:rPr>
+                        <a:t>2</a:t>
+                      </a:r>
+                      <a:r>
+                        <a:rPr lang="zh-CN" sz="1050" kern="100" dirty="0">
+                          <a:effectLst/>
+                        </a:rPr>
+                        <a:t>．适用学校多</a:t>
+                      </a:r>
+                      <a:endParaRPr lang="zh-CN" sz="1050" kern="100" dirty="0">
+                        <a:effectLst/>
+                        <a:latin typeface="Times New Roman" panose="02020603050405020304" pitchFamily="18" charset="0"/>
+                        <a:ea typeface="宋体" panose="02010600030101010101" pitchFamily="2" charset="-122"/>
+                        <a:cs typeface="Times New Roman" panose="02020603050405020304" pitchFamily="18" charset="0"/>
+                      </a:endParaRPr>
+                    </a:p>
+                  </a:txBody>
+                  <a:tcPr marL="68580" marR="68580" marT="0" marB="0" anchor="ctr"/>
+                </a:tc>
+                <a:tc>
+                  <a:txBody>
+                    <a:bodyPr/>
+                    <a:lstStyle/>
+                    <a:p>
+                      <a:pPr indent="127000" algn="just">
+                        <a:spcAft>
+                          <a:spcPts val="0"/>
+                        </a:spcAft>
+                      </a:pPr>
+                      <a:r>
+                        <a:rPr lang="en-US" sz="1050" kern="100">
+                          <a:effectLst/>
+                        </a:rPr>
+                        <a:t>1</a:t>
+                      </a:r>
+                      <a:r>
+                        <a:rPr lang="zh-CN" sz="1050" kern="100">
+                          <a:effectLst/>
+                        </a:rPr>
+                        <a:t>．适合我们针对城院推出类似工具</a:t>
+                      </a:r>
+                      <a:endParaRPr lang="zh-CN" sz="1050" kern="100">
+                        <a:effectLst/>
+                        <a:latin typeface="Times New Roman" panose="02020603050405020304" pitchFamily="18" charset="0"/>
+                        <a:ea typeface="宋体" panose="02010600030101010101" pitchFamily="2" charset="-122"/>
+                        <a:cs typeface="Times New Roman" panose="02020603050405020304" pitchFamily="18" charset="0"/>
+                      </a:endParaRPr>
+                    </a:p>
+                  </a:txBody>
+                  <a:tcPr marL="68580" marR="68580" marT="0" marB="0" anchor="ctr"/>
+                </a:tc>
+                <a:extLst>
+                  <a:ext uri="{0D108BD9-81ED-4DB2-BD59-A6C34878D82A}">
+                    <a16:rowId xmlns:a16="http://schemas.microsoft.com/office/drawing/2014/main" val="1240387990"/>
+                  </a:ext>
+                </a:extLst>
+              </a:tr>
+              <a:tr h="252831">
+                <a:tc>
+                  <a:txBody>
+                    <a:bodyPr/>
+                    <a:lstStyle/>
+                    <a:p>
+                      <a:pPr indent="127000" algn="just">
+                        <a:spcAft>
+                          <a:spcPts val="0"/>
+                        </a:spcAft>
+                      </a:pPr>
+                      <a:r>
+                        <a:rPr lang="zh-CN" sz="1050" kern="100">
+                          <a:effectLst/>
+                        </a:rPr>
+                        <a:t>风险（</a:t>
+                      </a:r>
+                      <a:r>
+                        <a:rPr lang="en-US" sz="1050" kern="100">
+                          <a:effectLst/>
+                        </a:rPr>
+                        <a:t>Threats</a:t>
+                      </a:r>
+                      <a:r>
+                        <a:rPr lang="zh-CN" sz="1050" kern="100">
+                          <a:effectLst/>
+                        </a:rPr>
+                        <a:t>）</a:t>
+                      </a:r>
+                      <a:endParaRPr lang="zh-CN" sz="1050" kern="100">
+                        <a:effectLst/>
+                        <a:latin typeface="Times New Roman" panose="02020603050405020304" pitchFamily="18" charset="0"/>
+                        <a:ea typeface="宋体" panose="02010600030101010101" pitchFamily="2" charset="-122"/>
+                        <a:cs typeface="Times New Roman" panose="02020603050405020304" pitchFamily="18" charset="0"/>
+                      </a:endParaRPr>
+                    </a:p>
+                  </a:txBody>
+                  <a:tcPr marL="68580" marR="68580" marT="0" marB="0" anchor="ctr"/>
+                </a:tc>
+                <a:tc>
+                  <a:txBody>
+                    <a:bodyPr/>
+                    <a:lstStyle/>
+                    <a:p>
+                      <a:pPr indent="127000" algn="just">
+                        <a:spcAft>
+                          <a:spcPts val="0"/>
+                        </a:spcAft>
+                      </a:pPr>
+                      <a:r>
+                        <a:rPr lang="en-US" sz="1050" kern="100">
+                          <a:effectLst/>
+                        </a:rPr>
+                        <a:t>ST</a:t>
+                      </a:r>
+                      <a:endParaRPr lang="zh-CN" sz="1050" kern="100">
+                        <a:effectLst/>
+                        <a:latin typeface="Times New Roman" panose="02020603050405020304" pitchFamily="18" charset="0"/>
+                        <a:ea typeface="宋体" panose="02010600030101010101" pitchFamily="2" charset="-122"/>
+                        <a:cs typeface="Times New Roman" panose="02020603050405020304" pitchFamily="18" charset="0"/>
+                      </a:endParaRPr>
+                    </a:p>
+                  </a:txBody>
+                  <a:tcPr marL="68580" marR="68580" marT="0" marB="0" anchor="ctr"/>
+                </a:tc>
+                <a:tc>
+                  <a:txBody>
+                    <a:bodyPr/>
+                    <a:lstStyle/>
+                    <a:p>
+                      <a:pPr indent="127000" algn="just">
+                        <a:spcAft>
+                          <a:spcPts val="0"/>
+                        </a:spcAft>
+                      </a:pPr>
+                      <a:r>
+                        <a:rPr lang="en-US" sz="1050" kern="100">
+                          <a:effectLst/>
+                        </a:rPr>
+                        <a:t>WT</a:t>
+                      </a:r>
+                      <a:endParaRPr lang="zh-CN" sz="1050" kern="100">
+                        <a:effectLst/>
+                        <a:latin typeface="Times New Roman" panose="02020603050405020304" pitchFamily="18" charset="0"/>
+                        <a:ea typeface="宋体" panose="02010600030101010101" pitchFamily="2" charset="-122"/>
+                        <a:cs typeface="Times New Roman" panose="02020603050405020304" pitchFamily="18" charset="0"/>
+                      </a:endParaRPr>
+                    </a:p>
+                  </a:txBody>
+                  <a:tcPr marL="68580" marR="68580" marT="0" marB="0" anchor="ctr"/>
+                </a:tc>
+                <a:extLst>
+                  <a:ext uri="{0D108BD9-81ED-4DB2-BD59-A6C34878D82A}">
+                    <a16:rowId xmlns:a16="http://schemas.microsoft.com/office/drawing/2014/main" val="3264426329"/>
+                  </a:ext>
+                </a:extLst>
+              </a:tr>
+              <a:tr h="458369">
+                <a:tc>
+                  <a:txBody>
+                    <a:bodyPr/>
+                    <a:lstStyle/>
+                    <a:p>
+                      <a:pPr indent="127000" algn="just">
+                        <a:spcAft>
+                          <a:spcPts val="0"/>
+                        </a:spcAft>
+                      </a:pPr>
+                      <a:r>
+                        <a:rPr lang="zh-CN" sz="1050" kern="100">
+                          <a:effectLst/>
+                        </a:rPr>
+                        <a:t>产生纠纷</a:t>
+                      </a:r>
+                      <a:endParaRPr lang="zh-CN" sz="1050" kern="100">
+                        <a:effectLst/>
+                        <a:latin typeface="Times New Roman" panose="02020603050405020304" pitchFamily="18" charset="0"/>
+                        <a:ea typeface="宋体" panose="02010600030101010101" pitchFamily="2" charset="-122"/>
+                        <a:cs typeface="Times New Roman" panose="02020603050405020304" pitchFamily="18" charset="0"/>
+                      </a:endParaRPr>
+                    </a:p>
+                  </a:txBody>
+                  <a:tcPr marL="68580" marR="68580" marT="0" marB="0" anchor="ctr"/>
+                </a:tc>
+                <a:tc>
+                  <a:txBody>
+                    <a:bodyPr/>
+                    <a:lstStyle/>
+                    <a:p>
+                      <a:pPr indent="127000" algn="just">
+                        <a:spcAft>
+                          <a:spcPts val="0"/>
+                        </a:spcAft>
+                      </a:pPr>
+                      <a:r>
+                        <a:rPr lang="en-US" sz="1050" kern="100">
+                          <a:effectLst/>
+                        </a:rPr>
+                        <a:t>1</a:t>
+                      </a:r>
+                      <a:r>
+                        <a:rPr lang="zh-CN" sz="1050" kern="100">
+                          <a:effectLst/>
+                        </a:rPr>
+                        <a:t>．纠纷处理经验成熟</a:t>
+                      </a:r>
+                      <a:endParaRPr lang="zh-CN" sz="1050" kern="100">
+                        <a:effectLst/>
+                        <a:latin typeface="Times New Roman" panose="02020603050405020304" pitchFamily="18" charset="0"/>
+                        <a:ea typeface="宋体" panose="02010600030101010101" pitchFamily="2" charset="-122"/>
+                        <a:cs typeface="Times New Roman" panose="02020603050405020304" pitchFamily="18" charset="0"/>
+                      </a:endParaRPr>
+                    </a:p>
+                  </a:txBody>
+                  <a:tcPr marL="68580" marR="68580" marT="0" marB="0" anchor="ctr"/>
+                </a:tc>
+                <a:tc>
+                  <a:txBody>
+                    <a:bodyPr/>
+                    <a:lstStyle/>
+                    <a:p>
+                      <a:pPr marL="342900" lvl="0" indent="-342900" algn="just">
+                        <a:spcAft>
+                          <a:spcPts val="0"/>
+                        </a:spcAft>
+                        <a:buFont typeface="+mj-lt"/>
+                        <a:buAutoNum type="arabicPeriod"/>
+                      </a:pPr>
+                      <a:r>
+                        <a:rPr lang="zh-CN" sz="1050" kern="100" dirty="0">
+                          <a:effectLst/>
+                        </a:rPr>
+                        <a:t>用户体验差，界面不简洁</a:t>
+                      </a:r>
+                      <a:endParaRPr lang="zh-CN" sz="1050" kern="100" dirty="0">
+                        <a:effectLst/>
+                        <a:latin typeface="Times New Roman" panose="02020603050405020304" pitchFamily="18" charset="0"/>
+                        <a:ea typeface="宋体" panose="02010600030101010101" pitchFamily="2" charset="-122"/>
+                        <a:cs typeface="Times New Roman" panose="02020603050405020304" pitchFamily="18" charset="0"/>
+                      </a:endParaRPr>
+                    </a:p>
+                  </a:txBody>
+                  <a:tcPr marL="68580" marR="68580" marT="0" marB="0" anchor="ctr"/>
+                </a:tc>
+                <a:extLst>
+                  <a:ext uri="{0D108BD9-81ED-4DB2-BD59-A6C34878D82A}">
+                    <a16:rowId xmlns:a16="http://schemas.microsoft.com/office/drawing/2014/main" val="2612816798"/>
+                  </a:ext>
+                </a:extLst>
+              </a:tr>
+            </a:tbl>
+          </a:graphicData>
+        </a:graphic>
+      </p:graphicFrame>
+      <p:cxnSp>
+        <p:nvCxnSpPr>
+          <p:cNvPr id="4" name="直接连接符 3"/>
+          <p:cNvCxnSpPr/>
+          <p:nvPr/>
+        </p:nvCxnSpPr>
+        <p:spPr>
+          <a:xfrm>
+            <a:off x="452884" y="2016513"/>
+            <a:ext cx="2290316" cy="1204669"/>
+          </a:xfrm>
+          <a:prstGeom prst="line">
+            <a:avLst/>
+          </a:prstGeom>
+          <a:ln/>
+        </p:spPr>
+        <p:style>
+          <a:lnRef idx="1">
+            <a:schemeClr val="dk1"/>
+          </a:lnRef>
+          <a:fillRef idx="0">
+            <a:schemeClr val="dk1"/>
+          </a:fillRef>
+          <a:effectRef idx="0">
+            <a:schemeClr val="dk1"/>
+          </a:effectRef>
+          <a:fontRef idx="minor">
+            <a:schemeClr val="tx1"/>
+          </a:fontRef>
+        </p:style>
+      </p:cxnSp>
     </p:spTree>
   </p:cSld>
   <p:clrMapOvr>
@@ -9881,7 +10491,7 @@
                             </p:stCondLst>
                             <p:childTnLst>
                               <p:par>
-                                <p:cTn id="10" presetID="2" presetClass="entr" presetSubtype="4" fill="hold" grpId="2" nodeType="afterEffect">
+                                <p:cTn id="10" presetID="9" presetClass="entr" fill="hold" grpId="3" nodeType="afterEffect">
                                   <p:stCondLst>
                                     <p:cond delay="0"/>
                                   </p:stCondLst>
@@ -9893,7 +10503,7 @@
                                       <p:cBhvr>
                                         <p:cTn id="11" fill="hold"/>
                                         <p:tgtEl>
-                                          <p:spTgt spid="358"/>
+                                          <p:spTgt spid="354"/>
                                         </p:tgtEl>
                                         <p:attrNameLst>
                                           <p:attrName>style.visibility</p:attrName>
@@ -9903,52 +10513,14 @@
                                         <p:strVal val="visible"/>
                                       </p:to>
                                     </p:set>
-                                    <p:anim calcmode="lin" valueType="num">
-                                      <p:cBhvr>
-                                        <p:cTn id="12" dur="1000" fill="hold"/>
-                                        <p:tgtEl>
-                                          <p:spTgt spid="358"/>
-                                        </p:tgtEl>
-                                        <p:attrNameLst>
-                                          <p:attrName>ppt_x</p:attrName>
-                                        </p:attrNameLst>
-                                      </p:cBhvr>
-                                      <p:tavLst>
-                                        <p:tav tm="0">
-                                          <p:val>
-                                            <p:strVal val="#ppt_x"/>
-                                          </p:val>
-                                        </p:tav>
-                                        <p:tav tm="100000">
-                                          <p:val>
-                                            <p:strVal val="#ppt_x"/>
-                                          </p:val>
-                                        </p:tav>
-                                      </p:tavLst>
-                                    </p:anim>
-                                    <p:anim calcmode="lin" valueType="num">
-                                      <p:cBhvr>
-                                        <p:cTn id="13" dur="1000" fill="hold"/>
-                                        <p:tgtEl>
-                                          <p:spTgt spid="358"/>
-                                        </p:tgtEl>
-                                        <p:attrNameLst>
-                                          <p:attrName>ppt_y</p:attrName>
-                                        </p:attrNameLst>
-                                      </p:cBhvr>
-                                      <p:tavLst>
-                                        <p:tav tm="0">
-                                          <p:val>
-                                            <p:strVal val="1+#ppt_h/2"/>
-                                          </p:val>
-                                        </p:tav>
-                                        <p:tav tm="100000">
-                                          <p:val>
-                                            <p:strVal val="#ppt_y"/>
-                                          </p:val>
-                                        </p:tav>
-                                      </p:tavLst>
-                                    </p:anim>
+                                    <p:animEffect transition="in" filter="dissolve">
+                                      <p:cBhvr>
+                                        <p:cTn id="12" dur="2000"/>
+                                        <p:tgtEl>
+                                          <p:spTgt spid="354"/>
+                                        </p:tgtEl>
+                                      </p:cBhvr>
+                                    </p:animEffect>
                                   </p:childTnLst>
                                 </p:cTn>
                               </p:par>
@@ -9956,13 +10528,13 @@
                           </p:cTn>
                         </p:par>
                         <p:par>
-                          <p:cTn id="14" fill="hold">
+                          <p:cTn id="13" fill="hold">
                             <p:stCondLst>
-                              <p:cond delay="1500"/>
+                              <p:cond delay="2500"/>
                             </p:stCondLst>
                             <p:childTnLst>
                               <p:par>
-                                <p:cTn id="15" presetID="9" presetClass="entr" fill="hold" grpId="3" nodeType="afterEffect">
+                                <p:cTn id="14" presetID="9" presetClass="entr" fill="hold" grpId="12" nodeType="afterEffect">
                                   <p:stCondLst>
                                     <p:cond delay="0"/>
                                   </p:stCondLst>
@@ -9972,9 +10544,9 @@
                                   <p:childTnLst>
                                     <p:set>
                                       <p:cBhvr>
-                                        <p:cTn id="16" fill="hold"/>
-                                        <p:tgtEl>
-                                          <p:spTgt spid="354"/>
+                                        <p:cTn id="15" fill="hold"/>
+                                        <p:tgtEl>
+                                          <p:spTgt spid="360"/>
                                         </p:tgtEl>
                                         <p:attrNameLst>
                                           <p:attrName>style.visibility</p:attrName>
@@ -9986,9 +10558,9 @@
                                     </p:set>
                                     <p:animEffect transition="in" filter="dissolve">
                                       <p:cBhvr>
-                                        <p:cTn id="17" dur="2000"/>
-                                        <p:tgtEl>
-                                          <p:spTgt spid="354"/>
+                                        <p:cTn id="16" dur="500"/>
+                                        <p:tgtEl>
+                                          <p:spTgt spid="360"/>
                                         </p:tgtEl>
                                       </p:cBhvr>
                                     </p:animEffect>
@@ -9999,13 +10571,13 @@
                           </p:cTn>
                         </p:par>
                         <p:par>
-                          <p:cTn id="18" fill="hold">
+                          <p:cTn id="17" fill="hold">
                             <p:stCondLst>
-                              <p:cond delay="3500"/>
+                              <p:cond delay="3000"/>
                             </p:stCondLst>
                             <p:childTnLst>
                               <p:par>
-                                <p:cTn id="19" presetID="9" presetClass="entr" fill="hold" grpId="12" nodeType="afterEffect">
+                                <p:cTn id="18" presetID="22" presetClass="entr" presetSubtype="8" fill="hold" grpId="13" nodeType="afterEffect">
                                   <p:stCondLst>
                                     <p:cond delay="0"/>
                                   </p:stCondLst>
@@ -10015,50 +10587,7 @@
                                   <p:childTnLst>
                                     <p:set>
                                       <p:cBhvr>
-                                        <p:cTn id="20" fill="hold"/>
-                                        <p:tgtEl>
-                                          <p:spTgt spid="360"/>
-                                        </p:tgtEl>
-                                        <p:attrNameLst>
-                                          <p:attrName>style.visibility</p:attrName>
-                                        </p:attrNameLst>
-                                      </p:cBhvr>
-                                      <p:to>
-                                        <p:strVal val="visible"/>
-                                      </p:to>
-                                    </p:set>
-                                    <p:animEffect transition="in" filter="dissolve">
-                                      <p:cBhvr>
-                                        <p:cTn id="21" dur="500"/>
-                                        <p:tgtEl>
-                                          <p:spTgt spid="360"/>
-                                        </p:tgtEl>
-                                      </p:cBhvr>
-                                    </p:animEffect>
-                                  </p:childTnLst>
-                                </p:cTn>
-                              </p:par>
-                            </p:childTnLst>
-                          </p:cTn>
-                        </p:par>
-                        <p:par>
-                          <p:cTn id="22" fill="hold">
-                            <p:stCondLst>
-                              <p:cond delay="4000"/>
-                            </p:stCondLst>
-                            <p:childTnLst>
-                              <p:par>
-                                <p:cTn id="23" presetID="22" presetClass="entr" presetSubtype="8" fill="hold" grpId="13" nodeType="afterEffect">
-                                  <p:stCondLst>
-                                    <p:cond delay="0"/>
-                                  </p:stCondLst>
-                                  <p:iterate>
-                                    <p:tmAbs val="0"/>
-                                  </p:iterate>
-                                  <p:childTnLst>
-                                    <p:set>
-                                      <p:cBhvr>
-                                        <p:cTn id="24" fill="hold"/>
+                                        <p:cTn id="19" fill="hold"/>
                                         <p:tgtEl>
                                           <p:spTgt spid="361"/>
                                         </p:tgtEl>
@@ -10072,52 +10601,9 @@
                                     </p:set>
                                     <p:animEffect transition="in" filter="wipe(left)">
                                       <p:cBhvr>
-                                        <p:cTn id="25" dur="500"/>
+                                        <p:cTn id="20" dur="500"/>
                                         <p:tgtEl>
                                           <p:spTgt spid="361"/>
-                                        </p:tgtEl>
-                                      </p:cBhvr>
-                                    </p:animEffect>
-                                  </p:childTnLst>
-                                </p:cTn>
-                              </p:par>
-                            </p:childTnLst>
-                          </p:cTn>
-                        </p:par>
-                        <p:par>
-                          <p:cTn id="26" fill="hold">
-                            <p:stCondLst>
-                              <p:cond delay="4500"/>
-                            </p:stCondLst>
-                            <p:childTnLst>
-                              <p:par>
-                                <p:cTn id="27" presetID="22" presetClass="entr" presetSubtype="1" fill="hold" grpId="14" nodeType="afterEffect">
-                                  <p:stCondLst>
-                                    <p:cond delay="0"/>
-                                  </p:stCondLst>
-                                  <p:iterate>
-                                    <p:tmAbs val="0"/>
-                                  </p:iterate>
-                                  <p:childTnLst>
-                                    <p:set>
-                                      <p:cBhvr>
-                                        <p:cTn id="28" fill="hold"/>
-                                        <p:tgtEl>
-                                          <p:spTgt spid="359"/>
-                                        </p:tgtEl>
-                                        <p:attrNameLst>
-                                          <p:attrName>style.visibility</p:attrName>
-                                        </p:attrNameLst>
-                                      </p:cBhvr>
-                                      <p:to>
-                                        <p:strVal val="visible"/>
-                                      </p:to>
-                                    </p:set>
-                                    <p:animEffect transition="in" filter="wipe(up)">
-                                      <p:cBhvr>
-                                        <p:cTn id="29" dur="1000"/>
-                                        <p:tgtEl>
-                                          <p:spTgt spid="359"/>
                                         </p:tgtEl>
                                       </p:cBhvr>
                                     </p:animEffect>
@@ -10154,8 +10640,6 @@
     <p:bldLst>
       <p:bldP spid="354" grpId="3" animBg="1" advAuto="0"/>
       <p:bldP spid="355" grpId="1" animBg="1" advAuto="0"/>
-      <p:bldP spid="358" grpId="2" animBg="1" advAuto="0"/>
-      <p:bldP spid="359" grpId="14" animBg="1" advAuto="0"/>
       <p:bldP spid="360" grpId="12" animBg="1" advAuto="0"/>
       <p:bldP spid="361" grpId="13" animBg="1" advAuto="0"/>
     </p:bldLst>
@@ -10321,7 +10805,7 @@
           </a:ln>
           <a:extLst>
             <a:ext uri="{C572A759-6A51-4108-AA02-DFA0A04FC94B}">
-              <ma14:wrappingTextBoxFlag xmlns="" xmlns:ma14="http://schemas.microsoft.com/office/mac/drawingml/2011/main" val="1"/>
+              <ma14:wrappingTextBoxFlag xmlns:ma14="http://schemas.microsoft.com/office/mac/drawingml/2011/main" xmlns="" val="1"/>
             </a:ext>
           </a:extLst>
         </p:spPr>
@@ -10471,7 +10955,7 @@
           </a:ln>
           <a:extLst>
             <a:ext uri="{C572A759-6A51-4108-AA02-DFA0A04FC94B}">
-              <ma14:wrappingTextBoxFlag xmlns="" xmlns:ma14="http://schemas.microsoft.com/office/mac/drawingml/2011/main" val="1"/>
+              <ma14:wrappingTextBoxFlag xmlns:ma14="http://schemas.microsoft.com/office/mac/drawingml/2011/main" xmlns="" val="1"/>
             </a:ext>
           </a:extLst>
         </p:spPr>
@@ -11787,7 +12271,7 @@
           </a:ln>
           <a:extLst>
             <a:ext uri="{C572A759-6A51-4108-AA02-DFA0A04FC94B}">
-              <ma14:wrappingTextBoxFlag xmlns="" xmlns:ma14="http://schemas.microsoft.com/office/mac/drawingml/2011/main" val="1"/>
+              <ma14:wrappingTextBoxFlag xmlns:ma14="http://schemas.microsoft.com/office/mac/drawingml/2011/main" xmlns="" val="1"/>
             </a:ext>
           </a:extLst>
         </p:spPr>
@@ -11914,7 +12398,7 @@
           </a:ln>
           <a:extLst>
             <a:ext uri="{C572A759-6A51-4108-AA02-DFA0A04FC94B}">
-              <ma14:wrappingTextBoxFlag xmlns="" xmlns:ma14="http://schemas.microsoft.com/office/mac/drawingml/2011/main" val="1"/>
+              <ma14:wrappingTextBoxFlag xmlns:ma14="http://schemas.microsoft.com/office/mac/drawingml/2011/main" xmlns="" val="1"/>
             </a:ext>
           </a:extLst>
         </p:spPr>
@@ -14754,7 +15238,7 @@
           </a:ln>
           <a:extLst>
             <a:ext uri="{C572A759-6A51-4108-AA02-DFA0A04FC94B}">
-              <ma14:wrappingTextBoxFlag xmlns="" xmlns:ma14="http://schemas.microsoft.com/office/mac/drawingml/2011/main" val="1"/>
+              <ma14:wrappingTextBoxFlag xmlns:ma14="http://schemas.microsoft.com/office/mac/drawingml/2011/main" xmlns="" val="1"/>
             </a:ext>
           </a:extLst>
         </p:spPr>
@@ -14889,7 +15373,7 @@
           </a:ln>
           <a:extLst>
             <a:ext uri="{C572A759-6A51-4108-AA02-DFA0A04FC94B}">
-              <ma14:wrappingTextBoxFlag xmlns="" xmlns:ma14="http://schemas.microsoft.com/office/mac/drawingml/2011/main" val="1"/>
+              <ma14:wrappingTextBoxFlag xmlns:ma14="http://schemas.microsoft.com/office/mac/drawingml/2011/main" xmlns="" val="1"/>
             </a:ext>
           </a:extLst>
         </p:spPr>
@@ -14969,7 +15453,7 @@
           </a:ln>
           <a:extLst>
             <a:ext uri="{C572A759-6A51-4108-AA02-DFA0A04FC94B}">
-              <ma14:wrappingTextBoxFlag xmlns="" xmlns:ma14="http://schemas.microsoft.com/office/mac/drawingml/2011/main" val="1"/>
+              <ma14:wrappingTextBoxFlag xmlns:ma14="http://schemas.microsoft.com/office/mac/drawingml/2011/main" xmlns="" val="1"/>
             </a:ext>
           </a:extLst>
         </p:spPr>
@@ -15165,7 +15649,7 @@
           </a:ln>
           <a:extLst>
             <a:ext uri="{C572A759-6A51-4108-AA02-DFA0A04FC94B}">
-              <ma14:wrappingTextBoxFlag xmlns="" xmlns:ma14="http://schemas.microsoft.com/office/mac/drawingml/2011/main" val="1"/>
+              <ma14:wrappingTextBoxFlag xmlns:ma14="http://schemas.microsoft.com/office/mac/drawingml/2011/main" xmlns="" val="1"/>
             </a:ext>
           </a:extLst>
         </p:spPr>
@@ -15245,7 +15729,7 @@
           </a:ln>
           <a:extLst>
             <a:ext uri="{C572A759-6A51-4108-AA02-DFA0A04FC94B}">
-              <ma14:wrappingTextBoxFlag xmlns="" xmlns:ma14="http://schemas.microsoft.com/office/mac/drawingml/2011/main" val="1"/>
+              <ma14:wrappingTextBoxFlag xmlns:ma14="http://schemas.microsoft.com/office/mac/drawingml/2011/main" xmlns="" val="1"/>
             </a:ext>
           </a:extLst>
         </p:spPr>
@@ -15380,7 +15864,7 @@
           </a:ln>
           <a:extLst>
             <a:ext uri="{C572A759-6A51-4108-AA02-DFA0A04FC94B}">
-              <ma14:wrappingTextBoxFlag xmlns="" xmlns:ma14="http://schemas.microsoft.com/office/mac/drawingml/2011/main" val="1"/>
+              <ma14:wrappingTextBoxFlag xmlns:ma14="http://schemas.microsoft.com/office/mac/drawingml/2011/main" xmlns="" val="1"/>
             </a:ext>
           </a:extLst>
         </p:spPr>
@@ -15432,7 +15916,7 @@
           </a:ln>
           <a:extLst>
             <a:ext uri="{C572A759-6A51-4108-AA02-DFA0A04FC94B}">
-              <ma14:wrappingTextBoxFlag xmlns="" xmlns:ma14="http://schemas.microsoft.com/office/mac/drawingml/2011/main" val="1"/>
+              <ma14:wrappingTextBoxFlag xmlns:ma14="http://schemas.microsoft.com/office/mac/drawingml/2011/main" xmlns="" val="1"/>
             </a:ext>
           </a:extLst>
         </p:spPr>
@@ -17185,7 +17669,7 @@
           </a:ln>
           <a:extLst>
             <a:ext uri="{C572A759-6A51-4108-AA02-DFA0A04FC94B}">
-              <ma14:wrappingTextBoxFlag xmlns="" xmlns:ma14="http://schemas.microsoft.com/office/mac/drawingml/2011/main" val="1"/>
+              <ma14:wrappingTextBoxFlag xmlns:ma14="http://schemas.microsoft.com/office/mac/drawingml/2011/main" xmlns="" val="1"/>
             </a:ext>
           </a:extLst>
         </p:spPr>
@@ -17234,7 +17718,7 @@
           </a:ln>
           <a:extLst>
             <a:ext uri="{C572A759-6A51-4108-AA02-DFA0A04FC94B}">
-              <ma14:wrappingTextBoxFlag xmlns="" xmlns:ma14="http://schemas.microsoft.com/office/mac/drawingml/2011/main" val="1"/>
+              <ma14:wrappingTextBoxFlag xmlns:ma14="http://schemas.microsoft.com/office/mac/drawingml/2011/main" xmlns="" val="1"/>
             </a:ext>
           </a:extLst>
         </p:spPr>
@@ -17282,7 +17766,7 @@
           </a:ln>
           <a:extLst>
             <a:ext uri="{C572A759-6A51-4108-AA02-DFA0A04FC94B}">
-              <ma14:wrappingTextBoxFlag xmlns="" xmlns:ma14="http://schemas.microsoft.com/office/mac/drawingml/2011/main" val="1"/>
+              <ma14:wrappingTextBoxFlag xmlns:ma14="http://schemas.microsoft.com/office/mac/drawingml/2011/main" xmlns="" val="1"/>
             </a:ext>
           </a:extLst>
         </p:spPr>
@@ -17864,7 +18348,7 @@
           </a:ln>
           <a:extLst>
             <a:ext uri="{C572A759-6A51-4108-AA02-DFA0A04FC94B}">
-              <ma14:wrappingTextBoxFlag xmlns="" xmlns:ma14="http://schemas.microsoft.com/office/mac/drawingml/2011/main" val="1"/>
+              <ma14:wrappingTextBoxFlag xmlns:ma14="http://schemas.microsoft.com/office/mac/drawingml/2011/main" xmlns="" val="1"/>
             </a:ext>
           </a:extLst>
         </p:spPr>
@@ -17915,7 +18399,7 @@
           </a:ln>
           <a:extLst>
             <a:ext uri="{C572A759-6A51-4108-AA02-DFA0A04FC94B}">
-              <ma14:wrappingTextBoxFlag xmlns="" xmlns:ma14="http://schemas.microsoft.com/office/mac/drawingml/2011/main" val="1"/>
+              <ma14:wrappingTextBoxFlag xmlns:ma14="http://schemas.microsoft.com/office/mac/drawingml/2011/main" xmlns="" val="1"/>
             </a:ext>
           </a:extLst>
         </p:spPr>
@@ -18530,7 +19014,7 @@
           </a:ln>
           <a:extLst>
             <a:ext uri="{C572A759-6A51-4108-AA02-DFA0A04FC94B}">
-              <ma14:wrappingTextBoxFlag xmlns="" xmlns:ma14="http://schemas.microsoft.com/office/mac/drawingml/2011/main" val="1"/>
+              <ma14:wrappingTextBoxFlag xmlns:ma14="http://schemas.microsoft.com/office/mac/drawingml/2011/main" xmlns="" val="1"/>
             </a:ext>
           </a:extLst>
         </p:spPr>
@@ -18579,7 +19063,7 @@
           </a:ln>
           <a:extLst>
             <a:ext uri="{C572A759-6A51-4108-AA02-DFA0A04FC94B}">
-              <ma14:wrappingTextBoxFlag xmlns="" xmlns:ma14="http://schemas.microsoft.com/office/mac/drawingml/2011/main" val="1"/>
+              <ma14:wrappingTextBoxFlag xmlns:ma14="http://schemas.microsoft.com/office/mac/drawingml/2011/main" xmlns="" val="1"/>
             </a:ext>
           </a:extLst>
         </p:spPr>
@@ -18631,7 +19115,7 @@
           </a:ln>
           <a:extLst>
             <a:ext uri="{C572A759-6A51-4108-AA02-DFA0A04FC94B}">
-              <ma14:wrappingTextBoxFlag xmlns="" xmlns:ma14="http://schemas.microsoft.com/office/mac/drawingml/2011/main" val="1"/>
+              <ma14:wrappingTextBoxFlag xmlns:ma14="http://schemas.microsoft.com/office/mac/drawingml/2011/main" xmlns="" val="1"/>
             </a:ext>
           </a:extLst>
         </p:spPr>
@@ -18709,7 +19193,7 @@
           </a:ln>
           <a:extLst>
             <a:ext uri="{C572A759-6A51-4108-AA02-DFA0A04FC94B}">
-              <ma14:wrappingTextBoxFlag xmlns="" xmlns:ma14="http://schemas.microsoft.com/office/mac/drawingml/2011/main" val="1"/>
+              <ma14:wrappingTextBoxFlag xmlns:ma14="http://schemas.microsoft.com/office/mac/drawingml/2011/main" xmlns="" val="1"/>
             </a:ext>
           </a:extLst>
         </p:spPr>
@@ -18758,7 +19242,7 @@
           </a:ln>
           <a:extLst>
             <a:ext uri="{C572A759-6A51-4108-AA02-DFA0A04FC94B}">
-              <ma14:wrappingTextBoxFlag xmlns="" xmlns:ma14="http://schemas.microsoft.com/office/mac/drawingml/2011/main" val="1"/>
+              <ma14:wrappingTextBoxFlag xmlns:ma14="http://schemas.microsoft.com/office/mac/drawingml/2011/main" xmlns="" val="1"/>
             </a:ext>
           </a:extLst>
         </p:spPr>
@@ -18811,7 +19295,7 @@
           </a:ln>
           <a:extLst>
             <a:ext uri="{C572A759-6A51-4108-AA02-DFA0A04FC94B}">
-              <ma14:wrappingTextBoxFlag xmlns="" xmlns:ma14="http://schemas.microsoft.com/office/mac/drawingml/2011/main" val="1"/>
+              <ma14:wrappingTextBoxFlag xmlns:ma14="http://schemas.microsoft.com/office/mac/drawingml/2011/main" xmlns="" val="1"/>
             </a:ext>
           </a:extLst>
         </p:spPr>
@@ -18858,7 +19342,7 @@
           </a:ln>
           <a:extLst>
             <a:ext uri="{C572A759-6A51-4108-AA02-DFA0A04FC94B}">
-              <ma14:wrappingTextBoxFlag xmlns="" xmlns:ma14="http://schemas.microsoft.com/office/mac/drawingml/2011/main" val="1"/>
+              <ma14:wrappingTextBoxFlag xmlns:ma14="http://schemas.microsoft.com/office/mac/drawingml/2011/main" xmlns="" val="1"/>
             </a:ext>
           </a:extLst>
         </p:spPr>
@@ -18907,7 +19391,7 @@
           </a:ln>
           <a:extLst>
             <a:ext uri="{C572A759-6A51-4108-AA02-DFA0A04FC94B}">
-              <ma14:wrappingTextBoxFlag xmlns="" xmlns:ma14="http://schemas.microsoft.com/office/mac/drawingml/2011/main" val="1"/>
+              <ma14:wrappingTextBoxFlag xmlns:ma14="http://schemas.microsoft.com/office/mac/drawingml/2011/main" xmlns="" val="1"/>
             </a:ext>
           </a:extLst>
         </p:spPr>
@@ -18960,7 +19444,7 @@
           </a:ln>
           <a:extLst>
             <a:ext uri="{C572A759-6A51-4108-AA02-DFA0A04FC94B}">
-              <ma14:wrappingTextBoxFlag xmlns="" xmlns:ma14="http://schemas.microsoft.com/office/mac/drawingml/2011/main" val="1"/>
+              <ma14:wrappingTextBoxFlag xmlns:ma14="http://schemas.microsoft.com/office/mac/drawingml/2011/main" xmlns="" val="1"/>
             </a:ext>
           </a:extLst>
         </p:spPr>
@@ -19007,7 +19491,7 @@
           </a:ln>
           <a:extLst>
             <a:ext uri="{C572A759-6A51-4108-AA02-DFA0A04FC94B}">
-              <ma14:wrappingTextBoxFlag xmlns="" xmlns:ma14="http://schemas.microsoft.com/office/mac/drawingml/2011/main" val="1"/>
+              <ma14:wrappingTextBoxFlag xmlns:ma14="http://schemas.microsoft.com/office/mac/drawingml/2011/main" xmlns="" val="1"/>
             </a:ext>
           </a:extLst>
         </p:spPr>
@@ -19064,7 +19548,7 @@
           </a:ln>
           <a:extLst>
             <a:ext uri="{C572A759-6A51-4108-AA02-DFA0A04FC94B}">
-              <ma14:wrappingTextBoxFlag xmlns="" xmlns:ma14="http://schemas.microsoft.com/office/mac/drawingml/2011/main" val="1"/>
+              <ma14:wrappingTextBoxFlag xmlns:ma14="http://schemas.microsoft.com/office/mac/drawingml/2011/main" xmlns="" val="1"/>
             </a:ext>
           </a:extLst>
         </p:spPr>
@@ -19117,7 +19601,7 @@
           </a:ln>
           <a:extLst>
             <a:ext uri="{C572A759-6A51-4108-AA02-DFA0A04FC94B}">
-              <ma14:wrappingTextBoxFlag xmlns="" xmlns:ma14="http://schemas.microsoft.com/office/mac/drawingml/2011/main" val="1"/>
+              <ma14:wrappingTextBoxFlag xmlns:ma14="http://schemas.microsoft.com/office/mac/drawingml/2011/main" xmlns="" val="1"/>
             </a:ext>
           </a:extLst>
         </p:spPr>
@@ -19207,7 +19691,7 @@
           </a:ln>
           <a:extLst>
             <a:ext uri="{C572A759-6A51-4108-AA02-DFA0A04FC94B}">
-              <ma14:wrappingTextBoxFlag xmlns="" xmlns:ma14="http://schemas.microsoft.com/office/mac/drawingml/2011/main" val="1"/>
+              <ma14:wrappingTextBoxFlag xmlns:ma14="http://schemas.microsoft.com/office/mac/drawingml/2011/main" xmlns="" val="1"/>
             </a:ext>
           </a:extLst>
         </p:spPr>
@@ -20321,7 +20805,7 @@
           <a:graphicData uri="http://schemas.openxmlformats.org/presentationml/2006/ole">
             <mc:AlternateContent xmlns:mc="http://schemas.openxmlformats.org/markup-compatibility/2006">
               <mc:Choice xmlns:v="urn:schemas-microsoft-com:vml" Requires="v">
-                <p:oleObj spid="_x0000_s1031" r:id="rId3" imgW="6296069" imgH="5810289" progId="Visio.Drawing.15">
+                <p:oleObj spid="_x0000_s1033" r:id="rId3" imgW="6296069" imgH="5810289" progId="Visio.Drawing.15">
                   <p:embed/>
                 </p:oleObj>
               </mc:Choice>
@@ -20645,7 +21129,7 @@
           <a:graphicData uri="http://schemas.openxmlformats.org/presentationml/2006/ole">
             <mc:AlternateContent xmlns:mc="http://schemas.openxmlformats.org/markup-compatibility/2006">
               <mc:Choice xmlns:v="urn:schemas-microsoft-com:vml" Requires="v">
-                <p:oleObj spid="_x0000_s2055" r:id="rId3" imgW="6505390" imgH="4419736" progId="Visio.Drawing.15">
+                <p:oleObj spid="_x0000_s2057" r:id="rId3" imgW="6505390" imgH="4419736" progId="Visio.Drawing.15">
                   <p:embed/>
                 </p:oleObj>
               </mc:Choice>
@@ -22664,7 +23148,7 @@
           </a:ln>
           <a:extLst>
             <a:ext uri="{C572A759-6A51-4108-AA02-DFA0A04FC94B}">
-              <ma14:wrappingTextBoxFlag xmlns="" xmlns:ma14="http://schemas.microsoft.com/office/mac/drawingml/2011/main" val="1"/>
+              <ma14:wrappingTextBoxFlag xmlns:ma14="http://schemas.microsoft.com/office/mac/drawingml/2011/main" xmlns="" val="1"/>
             </a:ext>
           </a:extLst>
         </p:spPr>
@@ -22758,7 +23242,7 @@
           </a:ln>
           <a:extLst>
             <a:ext uri="{C572A759-6A51-4108-AA02-DFA0A04FC94B}">
-              <ma14:wrappingTextBoxFlag xmlns="" xmlns:ma14="http://schemas.microsoft.com/office/mac/drawingml/2011/main" val="1"/>
+              <ma14:wrappingTextBoxFlag xmlns:ma14="http://schemas.microsoft.com/office/mac/drawingml/2011/main" xmlns="" val="1"/>
             </a:ext>
           </a:extLst>
         </p:spPr>
@@ -22838,7 +23322,7 @@
           </a:ln>
           <a:extLst>
             <a:ext uri="{C572A759-6A51-4108-AA02-DFA0A04FC94B}">
-              <ma14:wrappingTextBoxFlag xmlns="" xmlns:ma14="http://schemas.microsoft.com/office/mac/drawingml/2011/main" val="1"/>
+              <ma14:wrappingTextBoxFlag xmlns:ma14="http://schemas.microsoft.com/office/mac/drawingml/2011/main" xmlns="" val="1"/>
             </a:ext>
           </a:extLst>
         </p:spPr>
@@ -22911,7 +23395,7 @@
           </a:ln>
           <a:extLst>
             <a:ext uri="{C572A759-6A51-4108-AA02-DFA0A04FC94B}">
-              <ma14:wrappingTextBoxFlag xmlns="" xmlns:ma14="http://schemas.microsoft.com/office/mac/drawingml/2011/main" val="1"/>
+              <ma14:wrappingTextBoxFlag xmlns:ma14="http://schemas.microsoft.com/office/mac/drawingml/2011/main" xmlns="" val="1"/>
             </a:ext>
           </a:extLst>
         </p:spPr>
@@ -22991,7 +23475,7 @@
           </a:ln>
           <a:extLst>
             <a:ext uri="{C572A759-6A51-4108-AA02-DFA0A04FC94B}">
-              <ma14:wrappingTextBoxFlag xmlns="" xmlns:ma14="http://schemas.microsoft.com/office/mac/drawingml/2011/main" val="1"/>
+              <ma14:wrappingTextBoxFlag xmlns:ma14="http://schemas.microsoft.com/office/mac/drawingml/2011/main" xmlns="" val="1"/>
             </a:ext>
           </a:extLst>
         </p:spPr>
@@ -23101,7 +23585,7 @@
           </a:ln>
           <a:extLst>
             <a:ext uri="{C572A759-6A51-4108-AA02-DFA0A04FC94B}">
-              <ma14:wrappingTextBoxFlag xmlns="" xmlns:ma14="http://schemas.microsoft.com/office/mac/drawingml/2011/main" val="1"/>
+              <ma14:wrappingTextBoxFlag xmlns:ma14="http://schemas.microsoft.com/office/mac/drawingml/2011/main" xmlns="" val="1"/>
             </a:ext>
           </a:extLst>
         </p:spPr>
@@ -23181,7 +23665,7 @@
           </a:ln>
           <a:extLst>
             <a:ext uri="{C572A759-6A51-4108-AA02-DFA0A04FC94B}">
-              <ma14:wrappingTextBoxFlag xmlns="" xmlns:ma14="http://schemas.microsoft.com/office/mac/drawingml/2011/main" val="1"/>
+              <ma14:wrappingTextBoxFlag xmlns:ma14="http://schemas.microsoft.com/office/mac/drawingml/2011/main" xmlns="" val="1"/>
             </a:ext>
           </a:extLst>
         </p:spPr>
@@ -23245,7 +23729,7 @@
           </a:ln>
           <a:extLst>
             <a:ext uri="{C572A759-6A51-4108-AA02-DFA0A04FC94B}">
-              <ma14:wrappingTextBoxFlag xmlns="" xmlns:ma14="http://schemas.microsoft.com/office/mac/drawingml/2011/main" val="1"/>
+              <ma14:wrappingTextBoxFlag xmlns:ma14="http://schemas.microsoft.com/office/mac/drawingml/2011/main" xmlns="" val="1"/>
             </a:ext>
           </a:extLst>
         </p:spPr>
@@ -24616,7 +25100,7 @@
           </a:ln>
           <a:extLst>
             <a:ext uri="{C572A759-6A51-4108-AA02-DFA0A04FC94B}">
-              <ma14:wrappingTextBoxFlag xmlns="" xmlns:ma14="http://schemas.microsoft.com/office/mac/drawingml/2011/main" val="1"/>
+              <ma14:wrappingTextBoxFlag xmlns:ma14="http://schemas.microsoft.com/office/mac/drawingml/2011/main" xmlns="" val="1"/>
             </a:ext>
           </a:extLst>
         </p:spPr>
@@ -24672,7 +25156,7 @@
           </a:ln>
           <a:extLst>
             <a:ext uri="{C572A759-6A51-4108-AA02-DFA0A04FC94B}">
-              <ma14:wrappingTextBoxFlag xmlns="" xmlns:ma14="http://schemas.microsoft.com/office/mac/drawingml/2011/main" val="1"/>
+              <ma14:wrappingTextBoxFlag xmlns:ma14="http://schemas.microsoft.com/office/mac/drawingml/2011/main" xmlns="" val="1"/>
             </a:ext>
           </a:extLst>
         </p:spPr>
@@ -24720,7 +25204,7 @@
           </a:ln>
           <a:extLst>
             <a:ext uri="{C572A759-6A51-4108-AA02-DFA0A04FC94B}">
-              <ma14:wrappingTextBoxFlag xmlns="" xmlns:ma14="http://schemas.microsoft.com/office/mac/drawingml/2011/main" val="1"/>
+              <ma14:wrappingTextBoxFlag xmlns:ma14="http://schemas.microsoft.com/office/mac/drawingml/2011/main" xmlns="" val="1"/>
             </a:ext>
           </a:extLst>
         </p:spPr>
@@ -25312,7 +25796,7 @@
           </a:ln>
           <a:extLst>
             <a:ext uri="{C572A759-6A51-4108-AA02-DFA0A04FC94B}">
-              <ma14:wrappingTextBoxFlag xmlns="" xmlns:ma14="http://schemas.microsoft.com/office/mac/drawingml/2011/main" val="1"/>
+              <ma14:wrappingTextBoxFlag xmlns:ma14="http://schemas.microsoft.com/office/mac/drawingml/2011/main" xmlns="" val="1"/>
             </a:ext>
           </a:extLst>
         </p:spPr>
@@ -25391,7 +25875,7 @@
           </a:effectLst>
           <a:extLst>
             <a:ext uri="{C572A759-6A51-4108-AA02-DFA0A04FC94B}">
-              <ma14:wrappingTextBoxFlag xmlns="" xmlns:ma14="http://schemas.microsoft.com/office/mac/drawingml/2011/main" val="1"/>
+              <ma14:wrappingTextBoxFlag xmlns:ma14="http://schemas.microsoft.com/office/mac/drawingml/2011/main" xmlns="" val="1"/>
             </a:ext>
           </a:extLst>
         </p:spPr>
@@ -25447,7 +25931,7 @@
           </a:ln>
           <a:extLst>
             <a:ext uri="{C572A759-6A51-4108-AA02-DFA0A04FC94B}">
-              <ma14:wrappingTextBoxFlag xmlns="" xmlns:ma14="http://schemas.microsoft.com/office/mac/drawingml/2011/main" val="1"/>
+              <ma14:wrappingTextBoxFlag xmlns:ma14="http://schemas.microsoft.com/office/mac/drawingml/2011/main" xmlns="" val="1"/>
             </a:ext>
           </a:extLst>
         </p:spPr>
@@ -25501,7 +25985,7 @@
           </a:effectLst>
           <a:extLst>
             <a:ext uri="{C572A759-6A51-4108-AA02-DFA0A04FC94B}">
-              <ma14:wrappingTextBoxFlag xmlns="" xmlns:ma14="http://schemas.microsoft.com/office/mac/drawingml/2011/main" val="1"/>
+              <ma14:wrappingTextBoxFlag xmlns:ma14="http://schemas.microsoft.com/office/mac/drawingml/2011/main" xmlns="" val="1"/>
             </a:ext>
           </a:extLst>
         </p:spPr>
@@ -26772,7 +27256,7 @@
           </a:ln>
           <a:extLst>
             <a:ext uri="{C572A759-6A51-4108-AA02-DFA0A04FC94B}">
-              <ma14:wrappingTextBoxFlag xmlns="" xmlns:ma14="http://schemas.microsoft.com/office/mac/drawingml/2011/main" val="1"/>
+              <ma14:wrappingTextBoxFlag xmlns:ma14="http://schemas.microsoft.com/office/mac/drawingml/2011/main" xmlns="" val="1"/>
             </a:ext>
           </a:extLst>
         </p:spPr>
@@ -27899,7 +28383,7 @@
           </a:ln>
           <a:extLst>
             <a:ext uri="{C572A759-6A51-4108-AA02-DFA0A04FC94B}">
-              <ma14:wrappingTextBoxFlag xmlns="" xmlns:ma14="http://schemas.microsoft.com/office/mac/drawingml/2011/main" val="1"/>
+              <ma14:wrappingTextBoxFlag xmlns:ma14="http://schemas.microsoft.com/office/mac/drawingml/2011/main" xmlns="" val="1"/>
             </a:ext>
           </a:extLst>
         </p:spPr>
@@ -27982,7 +28466,7 @@
           </a:effectLst>
           <a:extLst>
             <a:ext uri="{C572A759-6A51-4108-AA02-DFA0A04FC94B}">
-              <ma14:wrappingTextBoxFlag xmlns="" xmlns:ma14="http://schemas.microsoft.com/office/mac/drawingml/2011/main" val="1"/>
+              <ma14:wrappingTextBoxFlag xmlns:ma14="http://schemas.microsoft.com/office/mac/drawingml/2011/main" xmlns="" val="1"/>
             </a:ext>
           </a:extLst>
         </p:spPr>
@@ -28034,7 +28518,7 @@
           </a:effectLst>
           <a:extLst>
             <a:ext uri="{C572A759-6A51-4108-AA02-DFA0A04FC94B}">
-              <ma14:wrappingTextBoxFlag xmlns="" xmlns:ma14="http://schemas.microsoft.com/office/mac/drawingml/2011/main" val="1"/>
+              <ma14:wrappingTextBoxFlag xmlns:ma14="http://schemas.microsoft.com/office/mac/drawingml/2011/main" xmlns="" val="1"/>
             </a:ext>
           </a:extLst>
         </p:spPr>
@@ -28083,7 +28567,7 @@
           </a:ln>
           <a:extLst>
             <a:ext uri="{C572A759-6A51-4108-AA02-DFA0A04FC94B}">
-              <ma14:wrappingTextBoxFlag xmlns="" xmlns:ma14="http://schemas.microsoft.com/office/mac/drawingml/2011/main" val="1"/>
+              <ma14:wrappingTextBoxFlag xmlns:ma14="http://schemas.microsoft.com/office/mac/drawingml/2011/main" xmlns="" val="1"/>
             </a:ext>
           </a:extLst>
         </p:spPr>
@@ -28150,7 +28634,7 @@
           </a:effectLst>
           <a:extLst>
             <a:ext uri="{C572A759-6A51-4108-AA02-DFA0A04FC94B}">
-              <ma14:wrappingTextBoxFlag xmlns="" xmlns:ma14="http://schemas.microsoft.com/office/mac/drawingml/2011/main" val="1"/>
+              <ma14:wrappingTextBoxFlag xmlns:ma14="http://schemas.microsoft.com/office/mac/drawingml/2011/main" xmlns="" val="1"/>
             </a:ext>
           </a:extLst>
         </p:spPr>
@@ -29211,7 +29695,7 @@
           </a:ln>
           <a:extLst>
             <a:ext uri="{C572A759-6A51-4108-AA02-DFA0A04FC94B}">
-              <ma14:wrappingTextBoxFlag xmlns="" xmlns:ma14="http://schemas.microsoft.com/office/mac/drawingml/2011/main" val="1"/>
+              <ma14:wrappingTextBoxFlag xmlns:ma14="http://schemas.microsoft.com/office/mac/drawingml/2011/main" xmlns="" val="1"/>
             </a:ext>
           </a:extLst>
         </p:spPr>
@@ -29278,7 +29762,7 @@
           </a:effectLst>
           <a:extLst>
             <a:ext uri="{C572A759-6A51-4108-AA02-DFA0A04FC94B}">
-              <ma14:wrappingTextBoxFlag xmlns="" xmlns:ma14="http://schemas.microsoft.com/office/mac/drawingml/2011/main" val="1"/>
+              <ma14:wrappingTextBoxFlag xmlns:ma14="http://schemas.microsoft.com/office/mac/drawingml/2011/main" xmlns="" val="1"/>
             </a:ext>
           </a:extLst>
         </p:spPr>
@@ -29361,7 +29845,7 @@
           </a:effectLst>
           <a:extLst>
             <a:ext uri="{C572A759-6A51-4108-AA02-DFA0A04FC94B}">
-              <ma14:wrappingTextBoxFlag xmlns="" xmlns:ma14="http://schemas.microsoft.com/office/mac/drawingml/2011/main" val="1"/>
+              <ma14:wrappingTextBoxFlag xmlns:ma14="http://schemas.microsoft.com/office/mac/drawingml/2011/main" xmlns="" val="1"/>
             </a:ext>
           </a:extLst>
         </p:spPr>
@@ -29413,7 +29897,7 @@
           </a:ln>
           <a:extLst>
             <a:ext uri="{C572A759-6A51-4108-AA02-DFA0A04FC94B}">
-              <ma14:wrappingTextBoxFlag xmlns="" xmlns:ma14="http://schemas.microsoft.com/office/mac/drawingml/2011/main" val="1"/>
+              <ma14:wrappingTextBoxFlag xmlns:ma14="http://schemas.microsoft.com/office/mac/drawingml/2011/main" xmlns="" val="1"/>
             </a:ext>
           </a:extLst>
         </p:spPr>
@@ -29485,7 +29969,7 @@
           </a:effectLst>
           <a:extLst>
             <a:ext uri="{C572A759-6A51-4108-AA02-DFA0A04FC94B}">
-              <ma14:wrappingTextBoxFlag xmlns="" xmlns:ma14="http://schemas.microsoft.com/office/mac/drawingml/2011/main" val="1"/>
+              <ma14:wrappingTextBoxFlag xmlns:ma14="http://schemas.microsoft.com/office/mac/drawingml/2011/main" xmlns="" val="1"/>
             </a:ext>
           </a:extLst>
         </p:spPr>
@@ -30544,7 +31028,7 @@
           </a:ln>
           <a:extLst>
             <a:ext uri="{C572A759-6A51-4108-AA02-DFA0A04FC94B}">
-              <ma14:wrappingTextBoxFlag xmlns="" xmlns:ma14="http://schemas.microsoft.com/office/mac/drawingml/2011/main" val="1"/>
+              <ma14:wrappingTextBoxFlag xmlns:ma14="http://schemas.microsoft.com/office/mac/drawingml/2011/main" xmlns="" val="1"/>
             </a:ext>
           </a:extLst>
         </p:spPr>
@@ -30601,7 +31085,7 @@
           </a:ln>
           <a:extLst>
             <a:ext uri="{C572A759-6A51-4108-AA02-DFA0A04FC94B}">
-              <ma14:wrappingTextBoxFlag xmlns="" xmlns:ma14="http://schemas.microsoft.com/office/mac/drawingml/2011/main" val="1"/>
+              <ma14:wrappingTextBoxFlag xmlns:ma14="http://schemas.microsoft.com/office/mac/drawingml/2011/main" xmlns="" val="1"/>
             </a:ext>
           </a:extLst>
         </p:spPr>
@@ -30978,7 +31462,7 @@
         <p15:prstTrans prst="pageCurlDouble"/>
       </p:transition>
     </mc:Choice>
-    <mc:Choice xmlns="" xmlns:p14="http://schemas.microsoft.com/office/powerpoint/2010/main" Requires="p14">
+    <mc:Choice xmlns:p14="http://schemas.microsoft.com/office/powerpoint/2010/main" xmlns="" Requires="p14">
       <p:transition spd="slow" advClick="1" p14:dur="1200">
         <p14:prism dir="l"/>
       </p:transition>
@@ -33470,7 +33954,7 @@
           </a:ln>
           <a:extLst>
             <a:ext uri="{C572A759-6A51-4108-AA02-DFA0A04FC94B}">
-              <ma14:wrappingTextBoxFlag xmlns="" xmlns:ma14="http://schemas.microsoft.com/office/mac/drawingml/2011/main" val="1"/>
+              <ma14:wrappingTextBoxFlag xmlns:ma14="http://schemas.microsoft.com/office/mac/drawingml/2011/main" xmlns="" val="1"/>
             </a:ext>
           </a:extLst>
         </p:spPr>
@@ -33577,7 +34061,7 @@
           </a:effectLst>
           <a:extLst>
             <a:ext uri="{C572A759-6A51-4108-AA02-DFA0A04FC94B}">
-              <ma14:wrappingTextBoxFlag xmlns="" xmlns:ma14="http://schemas.microsoft.com/office/mac/drawingml/2011/main" val="1"/>
+              <ma14:wrappingTextBoxFlag xmlns:ma14="http://schemas.microsoft.com/office/mac/drawingml/2011/main" xmlns="" val="1"/>
             </a:ext>
           </a:extLst>
         </p:spPr>
@@ -34069,7 +34553,7 @@
           </a:ln>
           <a:extLst>
             <a:ext uri="{C572A759-6A51-4108-AA02-DFA0A04FC94B}">
-              <ma14:wrappingTextBoxFlag xmlns="" xmlns:ma14="http://schemas.microsoft.com/office/mac/drawingml/2011/main" val="1"/>
+              <ma14:wrappingTextBoxFlag xmlns:ma14="http://schemas.microsoft.com/office/mac/drawingml/2011/main" xmlns="" val="1"/>
             </a:ext>
           </a:extLst>
         </p:spPr>
@@ -34237,7 +34721,7 @@
           </a:ln>
           <a:extLst>
             <a:ext uri="{C572A759-6A51-4108-AA02-DFA0A04FC94B}">
-              <ma14:wrappingTextBoxFlag xmlns="" xmlns:ma14="http://schemas.microsoft.com/office/mac/drawingml/2011/main" val="1"/>
+              <ma14:wrappingTextBoxFlag xmlns:ma14="http://schemas.microsoft.com/office/mac/drawingml/2011/main" xmlns="" val="1"/>
             </a:ext>
           </a:extLst>
         </p:spPr>
@@ -34296,7 +34780,7 @@
           </a:ln>
           <a:extLst>
             <a:ext uri="{C572A759-6A51-4108-AA02-DFA0A04FC94B}">
-              <ma14:wrappingTextBoxFlag xmlns="" xmlns:ma14="http://schemas.microsoft.com/office/mac/drawingml/2011/main" val="1"/>
+              <ma14:wrappingTextBoxFlag xmlns:ma14="http://schemas.microsoft.com/office/mac/drawingml/2011/main" xmlns="" val="1"/>
             </a:ext>
           </a:extLst>
         </p:spPr>
@@ -34365,7 +34849,7 @@
         <p15:prstTrans prst="pageCurlDouble"/>
       </p:transition>
     </mc:Choice>
-    <mc:Choice xmlns="" xmlns:p14="http://schemas.microsoft.com/office/powerpoint/2010/main" Requires="p14">
+    <mc:Choice xmlns:p14="http://schemas.microsoft.com/office/powerpoint/2010/main" xmlns="" Requires="p14">
       <p:transition spd="slow" advClick="1" p14:dur="1200">
         <p14:prism dir="d"/>
       </p:transition>
@@ -35117,7 +35601,7 @@
           </a:ln>
           <a:extLst>
             <a:ext uri="{C572A759-6A51-4108-AA02-DFA0A04FC94B}">
-              <ma14:wrappingTextBoxFlag xmlns="" xmlns:ma14="http://schemas.microsoft.com/office/mac/drawingml/2011/main" val="1"/>
+              <ma14:wrappingTextBoxFlag xmlns:ma14="http://schemas.microsoft.com/office/mac/drawingml/2011/main" xmlns="" val="1"/>
             </a:ext>
           </a:extLst>
         </p:spPr>
@@ -35190,7 +35674,7 @@
           </a:ln>
           <a:extLst>
             <a:ext uri="{C572A759-6A51-4108-AA02-DFA0A04FC94B}">
-              <ma14:wrappingTextBoxFlag xmlns="" xmlns:ma14="http://schemas.microsoft.com/office/mac/drawingml/2011/main" val="1"/>
+              <ma14:wrappingTextBoxFlag xmlns:ma14="http://schemas.microsoft.com/office/mac/drawingml/2011/main" xmlns="" val="1"/>
             </a:ext>
           </a:extLst>
         </p:spPr>
@@ -35848,7 +36332,7 @@
           </a:ln>
           <a:extLst>
             <a:ext uri="{C572A759-6A51-4108-AA02-DFA0A04FC94B}">
-              <ma14:wrappingTextBoxFlag xmlns="" xmlns:ma14="http://schemas.microsoft.com/office/mac/drawingml/2011/main" val="1"/>
+              <ma14:wrappingTextBoxFlag xmlns:ma14="http://schemas.microsoft.com/office/mac/drawingml/2011/main" xmlns="" val="1"/>
             </a:ext>
           </a:extLst>
         </p:spPr>
@@ -35973,7 +36457,7 @@
           </a:ln>
           <a:extLst>
             <a:ext uri="{C572A759-6A51-4108-AA02-DFA0A04FC94B}">
-              <ma14:wrappingTextBoxFlag xmlns="" xmlns:ma14="http://schemas.microsoft.com/office/mac/drawingml/2011/main" val="1"/>
+              <ma14:wrappingTextBoxFlag xmlns:ma14="http://schemas.microsoft.com/office/mac/drawingml/2011/main" xmlns="" val="1"/>
             </a:ext>
           </a:extLst>
         </p:spPr>
@@ -36631,7 +37115,7 @@
           </a:ln>
           <a:extLst>
             <a:ext uri="{C572A759-6A51-4108-AA02-DFA0A04FC94B}">
-              <ma14:wrappingTextBoxFlag xmlns="" xmlns:ma14="http://schemas.microsoft.com/office/mac/drawingml/2011/main" val="1"/>
+              <ma14:wrappingTextBoxFlag xmlns:ma14="http://schemas.microsoft.com/office/mac/drawingml/2011/main" xmlns="" val="1"/>
             </a:ext>
           </a:extLst>
         </p:spPr>
@@ -36849,7 +37333,7 @@
           </a:ln>
           <a:extLst>
             <a:ext uri="{C572A759-6A51-4108-AA02-DFA0A04FC94B}">
-              <ma14:wrappingTextBoxFlag xmlns="" xmlns:ma14="http://schemas.microsoft.com/office/mac/drawingml/2011/main" val="1"/>
+              <ma14:wrappingTextBoxFlag xmlns:ma14="http://schemas.microsoft.com/office/mac/drawingml/2011/main" xmlns="" val="1"/>
             </a:ext>
           </a:extLst>
         </p:spPr>
@@ -37509,7 +37993,7 @@
           </a:ln>
           <a:extLst>
             <a:ext uri="{C572A759-6A51-4108-AA02-DFA0A04FC94B}">
-              <ma14:wrappingTextBoxFlag xmlns="" xmlns:ma14="http://schemas.microsoft.com/office/mac/drawingml/2011/main" val="1"/>
+              <ma14:wrappingTextBoxFlag xmlns:ma14="http://schemas.microsoft.com/office/mac/drawingml/2011/main" xmlns="" val="1"/>
             </a:ext>
           </a:extLst>
         </p:spPr>
@@ -37558,7 +38042,7 @@
           </a:ln>
           <a:extLst>
             <a:ext uri="{C572A759-6A51-4108-AA02-DFA0A04FC94B}">
-              <ma14:wrappingTextBoxFlag xmlns="" xmlns:ma14="http://schemas.microsoft.com/office/mac/drawingml/2011/main" val="1"/>
+              <ma14:wrappingTextBoxFlag xmlns:ma14="http://schemas.microsoft.com/office/mac/drawingml/2011/main" xmlns="" val="1"/>
             </a:ext>
           </a:extLst>
         </p:spPr>
@@ -37606,7 +38090,7 @@
           </a:ln>
           <a:extLst>
             <a:ext uri="{C572A759-6A51-4108-AA02-DFA0A04FC94B}">
-              <ma14:wrappingTextBoxFlag xmlns="" xmlns:ma14="http://schemas.microsoft.com/office/mac/drawingml/2011/main" val="1"/>
+              <ma14:wrappingTextBoxFlag xmlns:ma14="http://schemas.microsoft.com/office/mac/drawingml/2011/main" xmlns="" val="1"/>
             </a:ext>
           </a:extLst>
         </p:spPr>
@@ -38182,7 +38666,7 @@
           </a:ln>
           <a:extLst>
             <a:ext uri="{C572A759-6A51-4108-AA02-DFA0A04FC94B}">
-              <ma14:wrappingTextBoxFlag xmlns="" xmlns:ma14="http://schemas.microsoft.com/office/mac/drawingml/2011/main" val="1"/>
+              <ma14:wrappingTextBoxFlag xmlns:ma14="http://schemas.microsoft.com/office/mac/drawingml/2011/main" xmlns="" val="1"/>
             </a:ext>
           </a:extLst>
         </p:spPr>
@@ -38308,7 +38792,7 @@
           </a:ln>
           <a:extLst>
             <a:ext uri="{C572A759-6A51-4108-AA02-DFA0A04FC94B}">
-              <ma14:wrappingTextBoxFlag xmlns="" xmlns:ma14="http://schemas.microsoft.com/office/mac/drawingml/2011/main" val="1"/>
+              <ma14:wrappingTextBoxFlag xmlns:ma14="http://schemas.microsoft.com/office/mac/drawingml/2011/main" xmlns="" val="1"/>
             </a:ext>
           </a:extLst>
         </p:spPr>
@@ -38357,7 +38841,7 @@
           </a:ln>
           <a:extLst>
             <a:ext uri="{C572A759-6A51-4108-AA02-DFA0A04FC94B}">
-              <ma14:wrappingTextBoxFlag xmlns="" xmlns:ma14="http://schemas.microsoft.com/office/mac/drawingml/2011/main" val="1"/>
+              <ma14:wrappingTextBoxFlag xmlns:ma14="http://schemas.microsoft.com/office/mac/drawingml/2011/main" xmlns="" val="1"/>
             </a:ext>
           </a:extLst>
         </p:spPr>
@@ -38657,7 +39141,7 @@
         <p15:prstTrans prst="pageCurlDouble"/>
       </p:transition>
     </mc:Choice>
-    <mc:Choice xmlns="" xmlns:p14="http://schemas.microsoft.com/office/powerpoint/2010/main" Requires="p14">
+    <mc:Choice xmlns:p14="http://schemas.microsoft.com/office/powerpoint/2010/main" xmlns="" Requires="p14">
       <p:transition spd="slow" advClick="0" advTm="4000" p14:dur="1200">
         <p14:prism dir="l"/>
       </p:transition>
@@ -39465,7 +39949,7 @@
           </a:ln>
           <a:extLst>
             <a:ext uri="{C572A759-6A51-4108-AA02-DFA0A04FC94B}">
-              <ma14:wrappingTextBoxFlag xmlns="" xmlns:ma14="http://schemas.microsoft.com/office/mac/drawingml/2011/main" val="1"/>
+              <ma14:wrappingTextBoxFlag xmlns:ma14="http://schemas.microsoft.com/office/mac/drawingml/2011/main" xmlns="" val="1"/>
             </a:ext>
           </a:extLst>
         </p:spPr>
@@ -39617,7 +40101,7 @@
           </a:ln>
           <a:extLst>
             <a:ext uri="{C572A759-6A51-4108-AA02-DFA0A04FC94B}">
-              <ma14:wrappingTextBoxFlag xmlns="" xmlns:ma14="http://schemas.microsoft.com/office/mac/drawingml/2011/main" val="1"/>
+              <ma14:wrappingTextBoxFlag xmlns:ma14="http://schemas.microsoft.com/office/mac/drawingml/2011/main" xmlns="" val="1"/>
             </a:ext>
           </a:extLst>
         </p:spPr>
@@ -39697,7 +40181,7 @@
           </a:ln>
           <a:extLst>
             <a:ext uri="{C572A759-6A51-4108-AA02-DFA0A04FC94B}">
-              <ma14:wrappingTextBoxFlag xmlns="" xmlns:ma14="http://schemas.microsoft.com/office/mac/drawingml/2011/main" val="1"/>
+              <ma14:wrappingTextBoxFlag xmlns:ma14="http://schemas.microsoft.com/office/mac/drawingml/2011/main" xmlns="" val="1"/>
             </a:ext>
           </a:extLst>
         </p:spPr>
@@ -39767,7 +40251,7 @@
           </a:ln>
           <a:extLst>
             <a:ext uri="{C572A759-6A51-4108-AA02-DFA0A04FC94B}">
-              <ma14:wrappingTextBoxFlag xmlns="" xmlns:ma14="http://schemas.microsoft.com/office/mac/drawingml/2011/main" val="1"/>
+              <ma14:wrappingTextBoxFlag xmlns:ma14="http://schemas.microsoft.com/office/mac/drawingml/2011/main" xmlns="" val="1"/>
             </a:ext>
           </a:extLst>
         </p:spPr>
@@ -39876,7 +40360,7 @@
           </a:ln>
           <a:extLst>
             <a:ext uri="{C572A759-6A51-4108-AA02-DFA0A04FC94B}">
-              <ma14:wrappingTextBoxFlag xmlns="" xmlns:ma14="http://schemas.microsoft.com/office/mac/drawingml/2011/main" val="1"/>
+              <ma14:wrappingTextBoxFlag xmlns:ma14="http://schemas.microsoft.com/office/mac/drawingml/2011/main" xmlns="" val="1"/>
             </a:ext>
           </a:extLst>
         </p:spPr>
@@ -39947,7 +40431,7 @@
           </a:ln>
           <a:extLst>
             <a:ext uri="{C572A759-6A51-4108-AA02-DFA0A04FC94B}">
-              <ma14:wrappingTextBoxFlag xmlns="" xmlns:ma14="http://schemas.microsoft.com/office/mac/drawingml/2011/main" val="1"/>
+              <ma14:wrappingTextBoxFlag xmlns:ma14="http://schemas.microsoft.com/office/mac/drawingml/2011/main" xmlns="" val="1"/>
             </a:ext>
           </a:extLst>
         </p:spPr>
@@ -40030,7 +40514,7 @@
           </a:ln>
           <a:extLst>
             <a:ext uri="{C572A759-6A51-4108-AA02-DFA0A04FC94B}">
-              <ma14:wrappingTextBoxFlag xmlns="" xmlns:ma14="http://schemas.microsoft.com/office/mac/drawingml/2011/main" val="1"/>
+              <ma14:wrappingTextBoxFlag xmlns:ma14="http://schemas.microsoft.com/office/mac/drawingml/2011/main" xmlns="" val="1"/>
             </a:ext>
           </a:extLst>
         </p:spPr>
@@ -41503,7 +41987,7 @@
           </a:ln>
           <a:extLst>
             <a:ext uri="{C572A759-6A51-4108-AA02-DFA0A04FC94B}">
-              <ma14:wrappingTextBoxFlag xmlns="" xmlns:ma14="http://schemas.microsoft.com/office/mac/drawingml/2011/main" val="1"/>
+              <ma14:wrappingTextBoxFlag xmlns:ma14="http://schemas.microsoft.com/office/mac/drawingml/2011/main" xmlns="" val="1"/>
             </a:ext>
           </a:extLst>
         </p:spPr>
@@ -41581,7 +42065,7 @@
           </a:ln>
           <a:extLst>
             <a:ext uri="{C572A759-6A51-4108-AA02-DFA0A04FC94B}">
-              <ma14:wrappingTextBoxFlag xmlns="" xmlns:ma14="http://schemas.microsoft.com/office/mac/drawingml/2011/main" val="1"/>
+              <ma14:wrappingTextBoxFlag xmlns:ma14="http://schemas.microsoft.com/office/mac/drawingml/2011/main" xmlns="" val="1"/>
             </a:ext>
           </a:extLst>
         </p:spPr>

--- a/评审PPT/SE2019春-G11_ZUCCLazyBone可行性分析报告ppt.pptx
+++ b/评审PPT/SE2019春-G11_ZUCCLazyBone可行性分析报告ppt.pptx
@@ -5,7 +5,7 @@
     <p:sldMasterId id="2147483648" r:id="rId1"/>
   </p:sldMasterIdLst>
   <p:notesMasterIdLst>
-    <p:notesMasterId r:id="rId31"/>
+    <p:notesMasterId r:id="rId32"/>
   </p:notesMasterIdLst>
   <p:sldIdLst>
     <p:sldId id="256" r:id="rId2"/>
@@ -29,14 +29,15 @@
     <p:sldId id="293" r:id="rId20"/>
     <p:sldId id="273" r:id="rId21"/>
     <p:sldId id="294" r:id="rId22"/>
-    <p:sldId id="275" r:id="rId23"/>
-    <p:sldId id="279" r:id="rId24"/>
-    <p:sldId id="274" r:id="rId25"/>
-    <p:sldId id="281" r:id="rId26"/>
-    <p:sldId id="282" r:id="rId27"/>
-    <p:sldId id="283" r:id="rId28"/>
-    <p:sldId id="271" r:id="rId29"/>
-    <p:sldId id="285" r:id="rId30"/>
+    <p:sldId id="295" r:id="rId23"/>
+    <p:sldId id="275" r:id="rId24"/>
+    <p:sldId id="279" r:id="rId25"/>
+    <p:sldId id="274" r:id="rId26"/>
+    <p:sldId id="281" r:id="rId27"/>
+    <p:sldId id="282" r:id="rId28"/>
+    <p:sldId id="283" r:id="rId29"/>
+    <p:sldId id="271" r:id="rId30"/>
+    <p:sldId id="285" r:id="rId31"/>
   </p:sldIdLst>
   <p:sldSz cx="12192000" cy="6858000"/>
   <p:notesSz cx="6858000" cy="9144000"/>
@@ -4457,7 +4458,7 @@
           </a:ln>
           <a:extLst>
             <a:ext uri="{C572A759-6A51-4108-AA02-DFA0A04FC94B}">
-              <ma14:wrappingTextBoxFlag xmlns:ma14="http://schemas.microsoft.com/office/mac/drawingml/2011/main" xmlns="" val="1"/>
+              <ma14:wrappingTextBoxFlag xmlns="" xmlns:ma14="http://schemas.microsoft.com/office/mac/drawingml/2011/main" val="1"/>
             </a:ext>
           </a:extLst>
         </p:spPr>
@@ -4496,7 +4497,7 @@
           </a:ln>
           <a:extLst>
             <a:ext uri="{C572A759-6A51-4108-AA02-DFA0A04FC94B}">
-              <ma14:wrappingTextBoxFlag xmlns:ma14="http://schemas.microsoft.com/office/mac/drawingml/2011/main" xmlns="" val="1"/>
+              <ma14:wrappingTextBoxFlag xmlns="" xmlns:ma14="http://schemas.microsoft.com/office/mac/drawingml/2011/main" val="1"/>
             </a:ext>
           </a:extLst>
         </p:spPr>
@@ -5472,7 +5473,7 @@
           </a:ln>
           <a:extLst>
             <a:ext uri="{C572A759-6A51-4108-AA02-DFA0A04FC94B}">
-              <ma14:wrappingTextBoxFlag xmlns:ma14="http://schemas.microsoft.com/office/mac/drawingml/2011/main" xmlns="" val="1"/>
+              <ma14:wrappingTextBoxFlag xmlns="" xmlns:ma14="http://schemas.microsoft.com/office/mac/drawingml/2011/main" val="1"/>
             </a:ext>
           </a:extLst>
         </p:spPr>
@@ -5640,7 +5641,7 @@
           </a:ln>
           <a:extLst>
             <a:ext uri="{C572A759-6A51-4108-AA02-DFA0A04FC94B}">
-              <ma14:wrappingTextBoxFlag xmlns:ma14="http://schemas.microsoft.com/office/mac/drawingml/2011/main" xmlns="" val="1"/>
+              <ma14:wrappingTextBoxFlag xmlns="" xmlns:ma14="http://schemas.microsoft.com/office/mac/drawingml/2011/main" val="1"/>
             </a:ext>
           </a:extLst>
         </p:spPr>
@@ -5739,7 +5740,7 @@
           </a:ln>
           <a:extLst>
             <a:ext uri="{C572A759-6A51-4108-AA02-DFA0A04FC94B}">
-              <ma14:wrappingTextBoxFlag xmlns:ma14="http://schemas.microsoft.com/office/mac/drawingml/2011/main" xmlns="" val="1"/>
+              <ma14:wrappingTextBoxFlag xmlns="" xmlns:ma14="http://schemas.microsoft.com/office/mac/drawingml/2011/main" val="1"/>
             </a:ext>
           </a:extLst>
         </p:spPr>
@@ -5788,7 +5789,7 @@
           </a:ln>
           <a:extLst>
             <a:ext uri="{C572A759-6A51-4108-AA02-DFA0A04FC94B}">
-              <ma14:wrappingTextBoxFlag xmlns:ma14="http://schemas.microsoft.com/office/mac/drawingml/2011/main" xmlns="" val="1"/>
+              <ma14:wrappingTextBoxFlag xmlns="" xmlns:ma14="http://schemas.microsoft.com/office/mac/drawingml/2011/main" val="1"/>
             </a:ext>
           </a:extLst>
         </p:spPr>
@@ -5842,7 +5843,7 @@
           </a:ln>
           <a:extLst>
             <a:ext uri="{C572A759-6A51-4108-AA02-DFA0A04FC94B}">
-              <ma14:wrappingTextBoxFlag xmlns:ma14="http://schemas.microsoft.com/office/mac/drawingml/2011/main" xmlns="" val="1"/>
+              <ma14:wrappingTextBoxFlag xmlns="" xmlns:ma14="http://schemas.microsoft.com/office/mac/drawingml/2011/main" val="1"/>
             </a:ext>
           </a:extLst>
         </p:spPr>
@@ -6580,7 +6581,7 @@
           </a:ln>
           <a:extLst>
             <a:ext uri="{C572A759-6A51-4108-AA02-DFA0A04FC94B}">
-              <ma14:wrappingTextBoxFlag xmlns:ma14="http://schemas.microsoft.com/office/mac/drawingml/2011/main" xmlns="" val="1"/>
+              <ma14:wrappingTextBoxFlag xmlns="" xmlns:ma14="http://schemas.microsoft.com/office/mac/drawingml/2011/main" val="1"/>
             </a:ext>
           </a:extLst>
         </p:spPr>
@@ -6788,7 +6789,7 @@
           </a:ln>
           <a:extLst>
             <a:ext uri="{C572A759-6A51-4108-AA02-DFA0A04FC94B}">
-              <ma14:wrappingTextBoxFlag xmlns:ma14="http://schemas.microsoft.com/office/mac/drawingml/2011/main" xmlns="" val="1"/>
+              <ma14:wrappingTextBoxFlag xmlns="" xmlns:ma14="http://schemas.microsoft.com/office/mac/drawingml/2011/main" val="1"/>
             </a:ext>
           </a:extLst>
         </p:spPr>
@@ -7416,7 +7417,7 @@
           </a:ln>
           <a:extLst>
             <a:ext uri="{C572A759-6A51-4108-AA02-DFA0A04FC94B}">
-              <ma14:wrappingTextBoxFlag xmlns:ma14="http://schemas.microsoft.com/office/mac/drawingml/2011/main" xmlns="" val="1"/>
+              <ma14:wrappingTextBoxFlag xmlns="" xmlns:ma14="http://schemas.microsoft.com/office/mac/drawingml/2011/main" val="1"/>
             </a:ext>
           </a:extLst>
         </p:spPr>
@@ -7465,7 +7466,7 @@
           </a:ln>
           <a:extLst>
             <a:ext uri="{C572A759-6A51-4108-AA02-DFA0A04FC94B}">
-              <ma14:wrappingTextBoxFlag xmlns:ma14="http://schemas.microsoft.com/office/mac/drawingml/2011/main" xmlns="" val="1"/>
+              <ma14:wrappingTextBoxFlag xmlns="" xmlns:ma14="http://schemas.microsoft.com/office/mac/drawingml/2011/main" val="1"/>
             </a:ext>
           </a:extLst>
         </p:spPr>
@@ -7513,7 +7514,7 @@
           </a:ln>
           <a:extLst>
             <a:ext uri="{C572A759-6A51-4108-AA02-DFA0A04FC94B}">
-              <ma14:wrappingTextBoxFlag xmlns:ma14="http://schemas.microsoft.com/office/mac/drawingml/2011/main" xmlns="" val="1"/>
+              <ma14:wrappingTextBoxFlag xmlns="" xmlns:ma14="http://schemas.microsoft.com/office/mac/drawingml/2011/main" val="1"/>
             </a:ext>
           </a:extLst>
         </p:spPr>
@@ -8181,7 +8182,7 @@
           </a:ln>
           <a:extLst>
             <a:ext uri="{C572A759-6A51-4108-AA02-DFA0A04FC94B}">
-              <ma14:wrappingTextBoxFlag xmlns:ma14="http://schemas.microsoft.com/office/mac/drawingml/2011/main" xmlns="" val="1"/>
+              <ma14:wrappingTextBoxFlag xmlns="" xmlns:ma14="http://schemas.microsoft.com/office/mac/drawingml/2011/main" val="1"/>
             </a:ext>
           </a:extLst>
         </p:spPr>
@@ -8230,7 +8231,7 @@
           </a:ln>
           <a:extLst>
             <a:ext uri="{C572A759-6A51-4108-AA02-DFA0A04FC94B}">
-              <ma14:wrappingTextBoxFlag xmlns:ma14="http://schemas.microsoft.com/office/mac/drawingml/2011/main" xmlns="" val="1"/>
+              <ma14:wrappingTextBoxFlag xmlns="" xmlns:ma14="http://schemas.microsoft.com/office/mac/drawingml/2011/main" val="1"/>
             </a:ext>
           </a:extLst>
         </p:spPr>
@@ -8349,7 +8350,7 @@
           </a:ln>
           <a:extLst>
             <a:ext uri="{C572A759-6A51-4108-AA02-DFA0A04FC94B}">
-              <ma14:wrappingTextBoxFlag xmlns:ma14="http://schemas.microsoft.com/office/mac/drawingml/2011/main" xmlns="" val="1"/>
+              <ma14:wrappingTextBoxFlag xmlns="" xmlns:ma14="http://schemas.microsoft.com/office/mac/drawingml/2011/main" val="1"/>
             </a:ext>
           </a:extLst>
         </p:spPr>
@@ -8668,7 +8669,7 @@
           </a:ln>
           <a:extLst>
             <a:ext uri="{C572A759-6A51-4108-AA02-DFA0A04FC94B}">
-              <ma14:wrappingTextBoxFlag xmlns:ma14="http://schemas.microsoft.com/office/mac/drawingml/2011/main" xmlns="" val="1"/>
+              <ma14:wrappingTextBoxFlag xmlns="" xmlns:ma14="http://schemas.microsoft.com/office/mac/drawingml/2011/main" val="1"/>
             </a:ext>
           </a:extLst>
         </p:spPr>
@@ -8741,7 +8742,7 @@
         <p15:prstTrans prst="pageCurlDouble"/>
       </p:transition>
     </mc:Choice>
-    <mc:Choice xmlns:p14="http://schemas.microsoft.com/office/powerpoint/2010/main" xmlns="" Requires="p14">
+    <mc:Choice xmlns="" xmlns:p14="http://schemas.microsoft.com/office/powerpoint/2010/main" Requires="p14">
       <p:transition spd="slow" advClick="0" advTm="9000" p14:dur="1200">
         <p14:prism dir="l"/>
       </p:transition>
@@ -9430,7 +9431,7 @@
           </a:ln>
           <a:extLst>
             <a:ext uri="{C572A759-6A51-4108-AA02-DFA0A04FC94B}">
-              <ma14:wrappingTextBoxFlag xmlns:ma14="http://schemas.microsoft.com/office/mac/drawingml/2011/main" xmlns="" val="1"/>
+              <ma14:wrappingTextBoxFlag xmlns="" xmlns:ma14="http://schemas.microsoft.com/office/mac/drawingml/2011/main" val="1"/>
             </a:ext>
           </a:extLst>
         </p:spPr>
@@ -10788,156 +10789,6 @@
       </p:sp>
       <p:sp>
         <p:nvSpPr>
-          <p:cNvPr id="298" name="文本框 4"/>
-          <p:cNvSpPr txBox="1"/>
-          <p:nvPr/>
-        </p:nvSpPr>
-        <p:spPr>
-          <a:xfrm>
-            <a:off x="2413905" y="2022551"/>
-            <a:ext cx="7175654" cy="3057568"/>
-          </a:xfrm>
-          <a:prstGeom prst="rect">
-            <a:avLst/>
-          </a:prstGeom>
-          <a:ln w="12700">
-            <a:miter lim="400000"/>
-          </a:ln>
-          <a:extLst>
-            <a:ext uri="{C572A759-6A51-4108-AA02-DFA0A04FC94B}">
-              <ma14:wrappingTextBoxFlag xmlns:ma14="http://schemas.microsoft.com/office/mac/drawingml/2011/main" xmlns="" val="1"/>
-            </a:ext>
-          </a:extLst>
-        </p:spPr>
-        <p:txBody>
-          <a:bodyPr lIns="45719" rIns="45719">
-            <a:spAutoFit/>
-          </a:bodyPr>
-          <a:lstStyle>
-            <a:lvl1pPr algn="ctr">
-              <a:lnSpc>
-                <a:spcPct val="120000"/>
-              </a:lnSpc>
-              <a:defRPr>
-                <a:solidFill>
-                  <a:srgbClr val="3F403E"/>
-                </a:solidFill>
-                <a:latin typeface="微软雅黑 Light"/>
-                <a:ea typeface="微软雅黑 Light"/>
-                <a:cs typeface="微软雅黑 Light"/>
-                <a:sym typeface="微软雅黑 Light"/>
-              </a:defRPr>
-            </a:lvl1pPr>
-          </a:lstStyle>
-          <a:p>
-            <a:r>
-              <a:rPr lang="x-none" altLang="zh-CN" b="1" dirty="0"/>
-              <a:t>1</a:t>
-            </a:r>
-            <a:r>
-              <a:rPr lang="zh-CN" altLang="zh-CN" b="1" dirty="0"/>
-              <a:t>．做微信小程序</a:t>
-            </a:r>
-            <a:endParaRPr lang="en-US" altLang="zh-CN" b="1" dirty="0"/>
-          </a:p>
-          <a:p>
-            <a:r>
-              <a:rPr lang="zh-CN" altLang="zh-CN" dirty="0"/>
-              <a:t>使用</a:t>
-            </a:r>
-            <a:r>
-              <a:rPr lang="x-none" altLang="zh-CN" dirty="0"/>
-              <a:t>WXML</a:t>
-            </a:r>
-            <a:r>
-              <a:rPr lang="zh-CN" altLang="zh-CN" dirty="0"/>
-              <a:t>、</a:t>
-            </a:r>
-            <a:r>
-              <a:rPr lang="x-none" altLang="zh-CN" dirty="0"/>
-              <a:t>WXSS</a:t>
-            </a:r>
-            <a:r>
-              <a:rPr lang="zh-CN" altLang="zh-CN" dirty="0"/>
-              <a:t>、</a:t>
-            </a:r>
-            <a:r>
-              <a:rPr lang="x-none" altLang="zh-CN" dirty="0"/>
-              <a:t>JavaScript</a:t>
-            </a:r>
-            <a:r>
-              <a:rPr lang="zh-CN" altLang="zh-CN" dirty="0"/>
-              <a:t>结合微信</a:t>
-            </a:r>
-            <a:r>
-              <a:rPr lang="x-none" altLang="zh-CN" dirty="0"/>
-              <a:t>web</a:t>
-            </a:r>
-            <a:r>
-              <a:rPr lang="zh-CN" altLang="zh-CN" dirty="0"/>
-              <a:t>开发者工具。</a:t>
-            </a:r>
-          </a:p>
-          <a:p>
-            <a:r>
-              <a:rPr lang="x-none" altLang="zh-CN" b="1" dirty="0"/>
-              <a:t>2</a:t>
-            </a:r>
-            <a:r>
-              <a:rPr lang="zh-CN" altLang="zh-CN" b="1" dirty="0"/>
-              <a:t>．优点</a:t>
-            </a:r>
-            <a:endParaRPr lang="en-US" altLang="zh-CN" b="1" dirty="0"/>
-          </a:p>
-          <a:p>
-            <a:r>
-              <a:rPr lang="x-none" altLang="zh-CN" dirty="0"/>
-              <a:t>即点即用，用户使用成本低。开发、维护成本低</a:t>
-            </a:r>
-            <a:r>
-              <a:rPr lang="zh-CN" altLang="zh-CN" dirty="0"/>
-              <a:t>。微信拥有庞大的用户量，方便推广，更容易让人们了解、使用到该小程序。</a:t>
-            </a:r>
-          </a:p>
-          <a:p>
-            <a:r>
-              <a:rPr lang="x-none" altLang="zh-CN" b="1" dirty="0"/>
-              <a:t>3</a:t>
-            </a:r>
-            <a:r>
-              <a:rPr lang="zh-CN" altLang="zh-CN" b="1" dirty="0"/>
-              <a:t>．缺点</a:t>
-            </a:r>
-            <a:endParaRPr lang="en-US" altLang="zh-CN" b="1" dirty="0"/>
-          </a:p>
-          <a:p>
-            <a:r>
-              <a:rPr lang="x-none" altLang="zh-CN" dirty="0"/>
-              <a:t>小程序的大小受微信限制，需要经常维护</a:t>
-            </a:r>
-            <a:endParaRPr lang="zh-CN" altLang="zh-CN" dirty="0"/>
-          </a:p>
-          <a:p>
-            <a:r>
-              <a:rPr lang="x-none" altLang="zh-CN" b="1" dirty="0"/>
-              <a:t>4</a:t>
-            </a:r>
-            <a:r>
-              <a:rPr lang="zh-CN" altLang="zh-CN" b="1" dirty="0"/>
-              <a:t>．局限性及存在的问题</a:t>
-            </a:r>
-            <a:endParaRPr lang="en-US" altLang="zh-CN" b="1" dirty="0"/>
-          </a:p>
-          <a:p>
-            <a:r>
-              <a:rPr lang="zh-CN" altLang="zh-CN" dirty="0"/>
-              <a:t>受微信限制，时常审核，审核失败会被封号。</a:t>
-            </a:r>
-          </a:p>
-        </p:txBody>
-      </p:sp>
-      <p:sp>
-        <p:nvSpPr>
           <p:cNvPr id="299" name="文本框 5"/>
           <p:cNvSpPr txBox="1"/>
           <p:nvPr/>
@@ -10955,7 +10806,7 @@
           </a:ln>
           <a:extLst>
             <a:ext uri="{C572A759-6A51-4108-AA02-DFA0A04FC94B}">
-              <ma14:wrappingTextBoxFlag xmlns:ma14="http://schemas.microsoft.com/office/mac/drawingml/2011/main" xmlns="" val="1"/>
+              <ma14:wrappingTextBoxFlag xmlns="" xmlns:ma14="http://schemas.microsoft.com/office/mac/drawingml/2011/main" val="1"/>
             </a:ext>
           </a:extLst>
         </p:spPr>
@@ -11019,6 +10870,911 @@
           </a:prstGeom>
         </p:spPr>
       </p:pic>
+      <p:graphicFrame>
+        <p:nvGraphicFramePr>
+          <p:cNvPr id="2" name="表格 1"/>
+          <p:cNvGraphicFramePr>
+            <a:graphicFrameLocks noGrp="1"/>
+          </p:cNvGraphicFramePr>
+          <p:nvPr>
+            <p:extLst>
+              <p:ext uri="{D42A27DB-BD31-4B8C-83A1-F6EECF244321}">
+                <p14:modId xmlns:p14="http://schemas.microsoft.com/office/powerpoint/2010/main" val="1579640760"/>
+              </p:ext>
+            </p:extLst>
+          </p:nvPr>
+        </p:nvGraphicFramePr>
+        <p:xfrm>
+          <a:off x="2919847" y="1866846"/>
+          <a:ext cx="6660514" cy="3341391"/>
+        </p:xfrm>
+        <a:graphic>
+          <a:graphicData uri="http://schemas.openxmlformats.org/drawingml/2006/table">
+            <a:tbl>
+              <a:tblPr firstRow="1" firstCol="1" bandRow="1">
+                <a:tableStyleId>{5940675A-B579-460E-94D1-54222C63F5DA}</a:tableStyleId>
+              </a:tblPr>
+              <a:tblGrid>
+                <a:gridCol w="2418498">
+                  <a:extLst>
+                    <a:ext uri="{9D8B030D-6E8A-4147-A177-3AD203B41FA5}">
+                      <a16:colId xmlns:a16="http://schemas.microsoft.com/office/drawing/2014/main" val="686713048"/>
+                    </a:ext>
+                  </a:extLst>
+                </a:gridCol>
+                <a:gridCol w="2418498">
+                  <a:extLst>
+                    <a:ext uri="{9D8B030D-6E8A-4147-A177-3AD203B41FA5}">
+                      <a16:colId xmlns:a16="http://schemas.microsoft.com/office/drawing/2014/main" val="3992074723"/>
+                    </a:ext>
+                  </a:extLst>
+                </a:gridCol>
+                <a:gridCol w="1823518">
+                  <a:extLst>
+                    <a:ext uri="{9D8B030D-6E8A-4147-A177-3AD203B41FA5}">
+                      <a16:colId xmlns:a16="http://schemas.microsoft.com/office/drawing/2014/main" val="3275551140"/>
+                    </a:ext>
+                  </a:extLst>
+                </a:gridCol>
+              </a:tblGrid>
+              <a:tr h="569332">
+                <a:tc rowSpan="2">
+                  <a:txBody>
+                    <a:bodyPr/>
+                    <a:lstStyle/>
+                    <a:p>
+                      <a:pPr indent="127000" algn="r">
+                        <a:spcAft>
+                          <a:spcPts val="0"/>
+                        </a:spcAft>
+                      </a:pPr>
+                      <a:r>
+                        <a:rPr lang="zh-CN" sz="1050" kern="100">
+                          <a:effectLst/>
+                        </a:rPr>
+                        <a:t>内部能力</a:t>
+                      </a:r>
+                    </a:p>
+                    <a:p>
+                      <a:pPr indent="127000" algn="just">
+                        <a:spcAft>
+                          <a:spcPts val="0"/>
+                        </a:spcAft>
+                      </a:pPr>
+                      <a:r>
+                        <a:rPr lang="en-US" sz="1050" kern="100">
+                          <a:effectLst/>
+                        </a:rPr>
+                        <a:t> </a:t>
+                      </a:r>
+                      <a:endParaRPr lang="zh-CN" sz="1050" kern="100">
+                        <a:effectLst/>
+                      </a:endParaRPr>
+                    </a:p>
+                    <a:p>
+                      <a:pPr indent="127000" algn="just">
+                        <a:spcAft>
+                          <a:spcPts val="0"/>
+                        </a:spcAft>
+                      </a:pPr>
+                      <a:r>
+                        <a:rPr lang="en-US" sz="1050" kern="100">
+                          <a:effectLst/>
+                        </a:rPr>
+                        <a:t> </a:t>
+                      </a:r>
+                      <a:endParaRPr lang="zh-CN" sz="1050" kern="100">
+                        <a:effectLst/>
+                      </a:endParaRPr>
+                    </a:p>
+                    <a:p>
+                      <a:pPr indent="127000" algn="just">
+                        <a:spcAft>
+                          <a:spcPts val="0"/>
+                        </a:spcAft>
+                      </a:pPr>
+                      <a:r>
+                        <a:rPr lang="en-US" sz="1050" kern="100">
+                          <a:effectLst/>
+                        </a:rPr>
+                        <a:t> </a:t>
+                      </a:r>
+                      <a:endParaRPr lang="zh-CN" sz="1050" kern="100">
+                        <a:effectLst/>
+                      </a:endParaRPr>
+                    </a:p>
+                    <a:p>
+                      <a:pPr indent="127000" algn="just">
+                        <a:spcAft>
+                          <a:spcPts val="0"/>
+                        </a:spcAft>
+                      </a:pPr>
+                      <a:r>
+                        <a:rPr lang="en-US" sz="1050" kern="100">
+                          <a:effectLst/>
+                        </a:rPr>
+                        <a:t> </a:t>
+                      </a:r>
+                      <a:endParaRPr lang="zh-CN" sz="1050" kern="100">
+                        <a:effectLst/>
+                      </a:endParaRPr>
+                    </a:p>
+                    <a:p>
+                      <a:pPr indent="127000" algn="just">
+                        <a:spcAft>
+                          <a:spcPts val="0"/>
+                        </a:spcAft>
+                      </a:pPr>
+                      <a:r>
+                        <a:rPr lang="zh-CN" sz="1050" kern="100">
+                          <a:effectLst/>
+                        </a:rPr>
+                        <a:t>外部因素</a:t>
+                      </a:r>
+                      <a:endParaRPr lang="zh-CN" sz="1050" kern="100">
+                        <a:effectLst/>
+                        <a:latin typeface="Times New Roman" panose="02020603050405020304" pitchFamily="18" charset="0"/>
+                        <a:ea typeface="宋体" panose="02010600030101010101" pitchFamily="2" charset="-122"/>
+                        <a:cs typeface="Times New Roman" panose="02020603050405020304" pitchFamily="18" charset="0"/>
+                      </a:endParaRPr>
+                    </a:p>
+                  </a:txBody>
+                  <a:tcPr marL="68580" marR="68580" marT="0" marB="0" anchor="ctr"/>
+                </a:tc>
+                <a:tc>
+                  <a:txBody>
+                    <a:bodyPr/>
+                    <a:lstStyle/>
+                    <a:p>
+                      <a:pPr indent="127000" algn="just">
+                        <a:spcAft>
+                          <a:spcPts val="0"/>
+                        </a:spcAft>
+                      </a:pPr>
+                      <a:r>
+                        <a:rPr lang="zh-CN" sz="1050" kern="100" dirty="0">
+                          <a:effectLst/>
+                        </a:rPr>
+                        <a:t>优势（</a:t>
+                      </a:r>
+                      <a:r>
+                        <a:rPr lang="en-US" sz="1050" kern="100" dirty="0">
+                          <a:effectLst/>
+                        </a:rPr>
+                        <a:t>Strength</a:t>
+                      </a:r>
+                      <a:r>
+                        <a:rPr lang="zh-CN" sz="1050" kern="100" dirty="0">
+                          <a:effectLst/>
+                        </a:rPr>
+                        <a:t>）</a:t>
+                      </a:r>
+                      <a:endParaRPr lang="zh-CN" sz="1050" kern="100" dirty="0">
+                        <a:effectLst/>
+                        <a:latin typeface="Times New Roman" panose="02020603050405020304" pitchFamily="18" charset="0"/>
+                        <a:ea typeface="宋体" panose="02010600030101010101" pitchFamily="2" charset="-122"/>
+                        <a:cs typeface="Times New Roman" panose="02020603050405020304" pitchFamily="18" charset="0"/>
+                      </a:endParaRPr>
+                    </a:p>
+                  </a:txBody>
+                  <a:tcPr marL="68580" marR="68580" marT="0" marB="0" anchor="ctr"/>
+                </a:tc>
+                <a:tc>
+                  <a:txBody>
+                    <a:bodyPr/>
+                    <a:lstStyle/>
+                    <a:p>
+                      <a:pPr indent="127000" algn="just">
+                        <a:spcAft>
+                          <a:spcPts val="0"/>
+                        </a:spcAft>
+                      </a:pPr>
+                      <a:r>
+                        <a:rPr lang="zh-CN" sz="1050" kern="100">
+                          <a:effectLst/>
+                        </a:rPr>
+                        <a:t>劣势（</a:t>
+                      </a:r>
+                      <a:r>
+                        <a:rPr lang="en-US" sz="1050" kern="100">
+                          <a:effectLst/>
+                        </a:rPr>
+                        <a:t>Weakness</a:t>
+                      </a:r>
+                      <a:r>
+                        <a:rPr lang="zh-CN" sz="1050" kern="100">
+                          <a:effectLst/>
+                        </a:rPr>
+                        <a:t>）</a:t>
+                      </a:r>
+                      <a:endParaRPr lang="zh-CN" sz="1050" kern="100">
+                        <a:effectLst/>
+                        <a:latin typeface="Times New Roman" panose="02020603050405020304" pitchFamily="18" charset="0"/>
+                        <a:ea typeface="宋体" panose="02010600030101010101" pitchFamily="2" charset="-122"/>
+                        <a:cs typeface="Times New Roman" panose="02020603050405020304" pitchFamily="18" charset="0"/>
+                      </a:endParaRPr>
+                    </a:p>
+                  </a:txBody>
+                  <a:tcPr marL="68580" marR="68580" marT="0" marB="0" anchor="ctr"/>
+                </a:tc>
+                <a:extLst>
+                  <a:ext uri="{0D108BD9-81ED-4DB2-BD59-A6C34878D82A}">
+                    <a16:rowId xmlns:a16="http://schemas.microsoft.com/office/drawing/2014/main" val="3133793532"/>
+                  </a:ext>
+                </a:extLst>
+              </a:tr>
+              <a:tr h="1236825">
+                <a:tc vMerge="1">
+                  <a:txBody>
+                    <a:bodyPr/>
+                    <a:lstStyle/>
+                    <a:p>
+                      <a:endParaRPr lang="zh-CN" altLang="en-US"/>
+                    </a:p>
+                  </a:txBody>
+                  <a:tcPr/>
+                </a:tc>
+                <a:tc>
+                  <a:txBody>
+                    <a:bodyPr/>
+                    <a:lstStyle/>
+                    <a:p>
+                      <a:pPr indent="127000" algn="l">
+                        <a:spcAft>
+                          <a:spcPts val="0"/>
+                        </a:spcAft>
+                      </a:pPr>
+                      <a:r>
+                        <a:rPr lang="x-none" sz="1050" kern="100">
+                          <a:effectLst/>
+                        </a:rPr>
+                        <a:t>1. 无需安装、随用随点 </a:t>
+                      </a:r>
+                      <a:endParaRPr lang="zh-CN" sz="1050" kern="100">
+                        <a:effectLst/>
+                      </a:endParaRPr>
+                    </a:p>
+                    <a:p>
+                      <a:pPr indent="127000" algn="l">
+                        <a:spcAft>
+                          <a:spcPts val="0"/>
+                        </a:spcAft>
+                      </a:pPr>
+                      <a:r>
+                        <a:rPr lang="x-none" sz="1050" kern="100">
+                          <a:effectLst/>
+                        </a:rPr>
+                        <a:t>2. 跨平台开发 </a:t>
+                      </a:r>
+                      <a:endParaRPr lang="zh-CN" sz="1050" kern="100">
+                        <a:effectLst/>
+                      </a:endParaRPr>
+                    </a:p>
+                    <a:p>
+                      <a:pPr indent="127000" algn="l">
+                        <a:spcAft>
+                          <a:spcPts val="0"/>
+                        </a:spcAft>
+                      </a:pPr>
+                      <a:r>
+                        <a:rPr lang="x-none" sz="1050" kern="100">
+                          <a:effectLst/>
+                        </a:rPr>
+                        <a:t>3. 丰富的组件和API </a:t>
+                      </a:r>
+                      <a:endParaRPr lang="zh-CN" sz="1050" kern="100">
+                        <a:effectLst/>
+                        <a:latin typeface="Times New Roman" panose="02020603050405020304" pitchFamily="18" charset="0"/>
+                        <a:ea typeface="宋体" panose="02010600030101010101" pitchFamily="2" charset="-122"/>
+                        <a:cs typeface="Times New Roman" panose="02020603050405020304" pitchFamily="18" charset="0"/>
+                      </a:endParaRPr>
+                    </a:p>
+                  </a:txBody>
+                  <a:tcPr marL="68580" marR="68580" marT="0" marB="0" anchor="ctr"/>
+                </a:tc>
+                <a:tc>
+                  <a:txBody>
+                    <a:bodyPr/>
+                    <a:lstStyle/>
+                    <a:p>
+                      <a:pPr indent="127000" algn="just">
+                        <a:spcAft>
+                          <a:spcPts val="0"/>
+                        </a:spcAft>
+                      </a:pPr>
+                      <a:r>
+                        <a:rPr lang="x-none" sz="1050" kern="100">
+                          <a:effectLst/>
+                        </a:rPr>
+                        <a:t>1</a:t>
+                      </a:r>
+                      <a:r>
+                        <a:rPr lang="zh-CN" sz="1050" kern="100">
+                          <a:effectLst/>
+                        </a:rPr>
+                        <a:t>．</a:t>
+                      </a:r>
+                      <a:r>
+                        <a:rPr lang="x-none" sz="1050" kern="100">
+                          <a:effectLst/>
+                        </a:rPr>
+                        <a:t>小程序的大小受微信限制</a:t>
+                      </a:r>
+                      <a:endParaRPr lang="zh-CN" sz="1050" kern="100">
+                        <a:effectLst/>
+                      </a:endParaRPr>
+                    </a:p>
+                    <a:p>
+                      <a:pPr indent="127000" algn="just">
+                        <a:spcAft>
+                          <a:spcPts val="0"/>
+                        </a:spcAft>
+                      </a:pPr>
+                      <a:r>
+                        <a:rPr lang="x-none" sz="1050" kern="100">
+                          <a:effectLst/>
+                        </a:rPr>
+                        <a:t>2</a:t>
+                      </a:r>
+                      <a:r>
+                        <a:rPr lang="zh-CN" sz="1050" kern="100">
+                          <a:effectLst/>
+                        </a:rPr>
+                        <a:t>．只能在微信中使用</a:t>
+                      </a:r>
+                    </a:p>
+                    <a:p>
+                      <a:pPr indent="127000" algn="just">
+                        <a:spcAft>
+                          <a:spcPts val="0"/>
+                        </a:spcAft>
+                      </a:pPr>
+                      <a:r>
+                        <a:rPr lang="x-none" sz="1050" kern="100">
+                          <a:effectLst/>
+                        </a:rPr>
+                        <a:t>3</a:t>
+                      </a:r>
+                      <a:r>
+                        <a:rPr lang="zh-CN" sz="1050" kern="100">
+                          <a:effectLst/>
+                        </a:rPr>
+                        <a:t>．需要审核</a:t>
+                      </a:r>
+                    </a:p>
+                    <a:p>
+                      <a:pPr indent="127000" algn="just">
+                        <a:spcAft>
+                          <a:spcPts val="0"/>
+                        </a:spcAft>
+                      </a:pPr>
+                      <a:r>
+                        <a:rPr lang="x-none" sz="1050" kern="100">
+                          <a:effectLst/>
+                        </a:rPr>
+                        <a:t>4</a:t>
+                      </a:r>
+                      <a:r>
+                        <a:rPr lang="zh-CN" sz="1050" kern="100">
+                          <a:effectLst/>
+                        </a:rPr>
+                        <a:t>．能力不如</a:t>
+                      </a:r>
+                      <a:r>
+                        <a:rPr lang="x-none" sz="1050" kern="100">
+                          <a:effectLst/>
+                        </a:rPr>
+                        <a:t>APP</a:t>
+                      </a:r>
+                      <a:endParaRPr lang="zh-CN" sz="1050" kern="100">
+                        <a:effectLst/>
+                        <a:latin typeface="Times New Roman" panose="02020603050405020304" pitchFamily="18" charset="0"/>
+                        <a:ea typeface="宋体" panose="02010600030101010101" pitchFamily="2" charset="-122"/>
+                        <a:cs typeface="Times New Roman" panose="02020603050405020304" pitchFamily="18" charset="0"/>
+                      </a:endParaRPr>
+                    </a:p>
+                  </a:txBody>
+                  <a:tcPr marL="68580" marR="68580" marT="0" marB="0" anchor="ctr"/>
+                </a:tc>
+                <a:extLst>
+                  <a:ext uri="{0D108BD9-81ED-4DB2-BD59-A6C34878D82A}">
+                    <a16:rowId xmlns:a16="http://schemas.microsoft.com/office/drawing/2014/main" val="3772729454"/>
+                  </a:ext>
+                </a:extLst>
+              </a:tr>
+              <a:tr h="272887">
+                <a:tc>
+                  <a:txBody>
+                    <a:bodyPr/>
+                    <a:lstStyle/>
+                    <a:p>
+                      <a:pPr indent="127000" algn="just">
+                        <a:spcAft>
+                          <a:spcPts val="0"/>
+                        </a:spcAft>
+                      </a:pPr>
+                      <a:r>
+                        <a:rPr lang="zh-CN" sz="1050" kern="100">
+                          <a:effectLst/>
+                        </a:rPr>
+                        <a:t>机会（</a:t>
+                      </a:r>
+                      <a:r>
+                        <a:rPr lang="en-US" sz="1050" kern="100">
+                          <a:effectLst/>
+                        </a:rPr>
+                        <a:t>Opportunities</a:t>
+                      </a:r>
+                      <a:r>
+                        <a:rPr lang="zh-CN" sz="1050" kern="100">
+                          <a:effectLst/>
+                        </a:rPr>
+                        <a:t>）</a:t>
+                      </a:r>
+                      <a:endParaRPr lang="zh-CN" sz="1050" kern="100">
+                        <a:effectLst/>
+                        <a:latin typeface="Times New Roman" panose="02020603050405020304" pitchFamily="18" charset="0"/>
+                        <a:ea typeface="宋体" panose="02010600030101010101" pitchFamily="2" charset="-122"/>
+                        <a:cs typeface="Times New Roman" panose="02020603050405020304" pitchFamily="18" charset="0"/>
+                      </a:endParaRPr>
+                    </a:p>
+                  </a:txBody>
+                  <a:tcPr marL="68580" marR="68580" marT="0" marB="0" anchor="ctr"/>
+                </a:tc>
+                <a:tc>
+                  <a:txBody>
+                    <a:bodyPr/>
+                    <a:lstStyle/>
+                    <a:p>
+                      <a:pPr indent="127000" algn="just">
+                        <a:spcAft>
+                          <a:spcPts val="0"/>
+                        </a:spcAft>
+                      </a:pPr>
+                      <a:r>
+                        <a:rPr lang="en-US" sz="1050" kern="100">
+                          <a:effectLst/>
+                        </a:rPr>
+                        <a:t>SO</a:t>
+                      </a:r>
+                      <a:endParaRPr lang="zh-CN" sz="1050" kern="100">
+                        <a:effectLst/>
+                        <a:latin typeface="Times New Roman" panose="02020603050405020304" pitchFamily="18" charset="0"/>
+                        <a:ea typeface="宋体" panose="02010600030101010101" pitchFamily="2" charset="-122"/>
+                        <a:cs typeface="Times New Roman" panose="02020603050405020304" pitchFamily="18" charset="0"/>
+                      </a:endParaRPr>
+                    </a:p>
+                  </a:txBody>
+                  <a:tcPr marL="68580" marR="68580" marT="0" marB="0" anchor="ctr"/>
+                </a:tc>
+                <a:tc>
+                  <a:txBody>
+                    <a:bodyPr/>
+                    <a:lstStyle/>
+                    <a:p>
+                      <a:pPr indent="127000" algn="just">
+                        <a:spcAft>
+                          <a:spcPts val="0"/>
+                        </a:spcAft>
+                      </a:pPr>
+                      <a:r>
+                        <a:rPr lang="en-US" sz="1050" kern="100">
+                          <a:effectLst/>
+                        </a:rPr>
+                        <a:t>WO</a:t>
+                      </a:r>
+                      <a:endParaRPr lang="zh-CN" sz="1050" kern="100">
+                        <a:effectLst/>
+                        <a:latin typeface="Times New Roman" panose="02020603050405020304" pitchFamily="18" charset="0"/>
+                        <a:ea typeface="宋体" panose="02010600030101010101" pitchFamily="2" charset="-122"/>
+                        <a:cs typeface="Times New Roman" panose="02020603050405020304" pitchFamily="18" charset="0"/>
+                      </a:endParaRPr>
+                    </a:p>
+                  </a:txBody>
+                  <a:tcPr marL="68580" marR="68580" marT="0" marB="0" anchor="ctr"/>
+                </a:tc>
+                <a:extLst>
+                  <a:ext uri="{0D108BD9-81ED-4DB2-BD59-A6C34878D82A}">
+                    <a16:rowId xmlns:a16="http://schemas.microsoft.com/office/drawing/2014/main" val="1058534478"/>
+                  </a:ext>
+                </a:extLst>
+              </a:tr>
+              <a:tr h="494730">
+                <a:tc>
+                  <a:txBody>
+                    <a:bodyPr/>
+                    <a:lstStyle/>
+                    <a:p>
+                      <a:pPr marL="342900" lvl="0" indent="-342900" algn="just">
+                        <a:spcAft>
+                          <a:spcPts val="0"/>
+                        </a:spcAft>
+                        <a:buFont typeface="+mj-lt"/>
+                        <a:buAutoNum type="arabicPeriod"/>
+                      </a:pPr>
+                      <a:r>
+                        <a:rPr lang="zh-CN" sz="1050" kern="100">
+                          <a:effectLst/>
+                        </a:rPr>
+                        <a:t>微信拥有庞大的用户量</a:t>
+                      </a:r>
+                    </a:p>
+                    <a:p>
+                      <a:pPr marL="342900" lvl="0" indent="-342900" algn="just">
+                        <a:spcAft>
+                          <a:spcPts val="0"/>
+                        </a:spcAft>
+                        <a:buFont typeface="+mj-lt"/>
+                        <a:buAutoNum type="arabicPeriod"/>
+                      </a:pPr>
+                      <a:r>
+                        <a:rPr lang="zh-CN" sz="1050" kern="100">
+                          <a:effectLst/>
+                        </a:rPr>
+                        <a:t>技术较为成熟</a:t>
+                      </a:r>
+                      <a:endParaRPr lang="zh-CN" sz="1050" kern="100">
+                        <a:effectLst/>
+                        <a:latin typeface="Times New Roman" panose="02020603050405020304" pitchFamily="18" charset="0"/>
+                        <a:ea typeface="宋体" panose="02010600030101010101" pitchFamily="2" charset="-122"/>
+                        <a:cs typeface="Times New Roman" panose="02020603050405020304" pitchFamily="18" charset="0"/>
+                      </a:endParaRPr>
+                    </a:p>
+                  </a:txBody>
+                  <a:tcPr marL="68580" marR="68580" marT="0" marB="0" anchor="ctr"/>
+                </a:tc>
+                <a:tc>
+                  <a:txBody>
+                    <a:bodyPr/>
+                    <a:lstStyle/>
+                    <a:p>
+                      <a:pPr indent="127000" algn="just">
+                        <a:spcAft>
+                          <a:spcPts val="0"/>
+                        </a:spcAft>
+                      </a:pPr>
+                      <a:r>
+                        <a:rPr lang="zh-CN" sz="1050" kern="100">
+                          <a:effectLst/>
+                        </a:rPr>
+                        <a:t>方便推广，更容易让人们了解、使用到该小程序。</a:t>
+                      </a:r>
+                      <a:endParaRPr lang="zh-CN" sz="1050" kern="100">
+                        <a:effectLst/>
+                        <a:latin typeface="Times New Roman" panose="02020603050405020304" pitchFamily="18" charset="0"/>
+                        <a:ea typeface="宋体" panose="02010600030101010101" pitchFamily="2" charset="-122"/>
+                        <a:cs typeface="Times New Roman" panose="02020603050405020304" pitchFamily="18" charset="0"/>
+                      </a:endParaRPr>
+                    </a:p>
+                  </a:txBody>
+                  <a:tcPr marL="68580" marR="68580" marT="0" marB="0" anchor="ctr"/>
+                </a:tc>
+                <a:tc>
+                  <a:txBody>
+                    <a:bodyPr/>
+                    <a:lstStyle/>
+                    <a:p>
+                      <a:pPr indent="127000" algn="just">
+                        <a:spcAft>
+                          <a:spcPts val="0"/>
+                        </a:spcAft>
+                      </a:pPr>
+                      <a:r>
+                        <a:rPr lang="zh-CN" sz="1050" kern="100">
+                          <a:effectLst/>
+                        </a:rPr>
+                        <a:t>不用占用过多用户内存，带来流畅的体验</a:t>
+                      </a:r>
+                      <a:endParaRPr lang="zh-CN" sz="1050" kern="100">
+                        <a:effectLst/>
+                        <a:latin typeface="Times New Roman" panose="02020603050405020304" pitchFamily="18" charset="0"/>
+                        <a:ea typeface="宋体" panose="02010600030101010101" pitchFamily="2" charset="-122"/>
+                        <a:cs typeface="Times New Roman" panose="02020603050405020304" pitchFamily="18" charset="0"/>
+                      </a:endParaRPr>
+                    </a:p>
+                  </a:txBody>
+                  <a:tcPr marL="68580" marR="68580" marT="0" marB="0" anchor="ctr"/>
+                </a:tc>
+                <a:extLst>
+                  <a:ext uri="{0D108BD9-81ED-4DB2-BD59-A6C34878D82A}">
+                    <a16:rowId xmlns:a16="http://schemas.microsoft.com/office/drawing/2014/main" val="823180938"/>
+                  </a:ext>
+                </a:extLst>
+              </a:tr>
+              <a:tr h="272887">
+                <a:tc>
+                  <a:txBody>
+                    <a:bodyPr/>
+                    <a:lstStyle/>
+                    <a:p>
+                      <a:pPr indent="127000" algn="just">
+                        <a:spcAft>
+                          <a:spcPts val="0"/>
+                        </a:spcAft>
+                      </a:pPr>
+                      <a:r>
+                        <a:rPr lang="zh-CN" sz="1050" kern="100">
+                          <a:effectLst/>
+                        </a:rPr>
+                        <a:t>风险（</a:t>
+                      </a:r>
+                      <a:r>
+                        <a:rPr lang="en-US" sz="1050" kern="100">
+                          <a:effectLst/>
+                        </a:rPr>
+                        <a:t>Threats</a:t>
+                      </a:r>
+                      <a:r>
+                        <a:rPr lang="zh-CN" sz="1050" kern="100">
+                          <a:effectLst/>
+                        </a:rPr>
+                        <a:t>）</a:t>
+                      </a:r>
+                      <a:endParaRPr lang="zh-CN" sz="1050" kern="100">
+                        <a:effectLst/>
+                        <a:latin typeface="Times New Roman" panose="02020603050405020304" pitchFamily="18" charset="0"/>
+                        <a:ea typeface="宋体" panose="02010600030101010101" pitchFamily="2" charset="-122"/>
+                        <a:cs typeface="Times New Roman" panose="02020603050405020304" pitchFamily="18" charset="0"/>
+                      </a:endParaRPr>
+                    </a:p>
+                  </a:txBody>
+                  <a:tcPr marL="68580" marR="68580" marT="0" marB="0" anchor="ctr"/>
+                </a:tc>
+                <a:tc>
+                  <a:txBody>
+                    <a:bodyPr/>
+                    <a:lstStyle/>
+                    <a:p>
+                      <a:pPr indent="127000" algn="just">
+                        <a:spcAft>
+                          <a:spcPts val="0"/>
+                        </a:spcAft>
+                      </a:pPr>
+                      <a:r>
+                        <a:rPr lang="en-US" sz="1050" kern="100">
+                          <a:effectLst/>
+                        </a:rPr>
+                        <a:t>ST</a:t>
+                      </a:r>
+                      <a:endParaRPr lang="zh-CN" sz="1050" kern="100">
+                        <a:effectLst/>
+                        <a:latin typeface="Times New Roman" panose="02020603050405020304" pitchFamily="18" charset="0"/>
+                        <a:ea typeface="宋体" panose="02010600030101010101" pitchFamily="2" charset="-122"/>
+                        <a:cs typeface="Times New Roman" panose="02020603050405020304" pitchFamily="18" charset="0"/>
+                      </a:endParaRPr>
+                    </a:p>
+                  </a:txBody>
+                  <a:tcPr marL="68580" marR="68580" marT="0" marB="0" anchor="ctr"/>
+                </a:tc>
+                <a:tc>
+                  <a:txBody>
+                    <a:bodyPr/>
+                    <a:lstStyle/>
+                    <a:p>
+                      <a:pPr indent="127000" algn="just">
+                        <a:spcAft>
+                          <a:spcPts val="0"/>
+                        </a:spcAft>
+                      </a:pPr>
+                      <a:r>
+                        <a:rPr lang="en-US" sz="1050" kern="100">
+                          <a:effectLst/>
+                        </a:rPr>
+                        <a:t>WT</a:t>
+                      </a:r>
+                      <a:endParaRPr lang="zh-CN" sz="1050" kern="100">
+                        <a:effectLst/>
+                        <a:latin typeface="Times New Roman" panose="02020603050405020304" pitchFamily="18" charset="0"/>
+                        <a:ea typeface="宋体" panose="02010600030101010101" pitchFamily="2" charset="-122"/>
+                        <a:cs typeface="Times New Roman" panose="02020603050405020304" pitchFamily="18" charset="0"/>
+                      </a:endParaRPr>
+                    </a:p>
+                  </a:txBody>
+                  <a:tcPr marL="68580" marR="68580" marT="0" marB="0" anchor="ctr"/>
+                </a:tc>
+                <a:extLst>
+                  <a:ext uri="{0D108BD9-81ED-4DB2-BD59-A6C34878D82A}">
+                    <a16:rowId xmlns:a16="http://schemas.microsoft.com/office/drawing/2014/main" val="2343218541"/>
+                  </a:ext>
+                </a:extLst>
+              </a:tr>
+              <a:tr h="494730">
+                <a:tc>
+                  <a:txBody>
+                    <a:bodyPr/>
+                    <a:lstStyle/>
+                    <a:p>
+                      <a:pPr marL="342900" lvl="0" indent="-342900" algn="just">
+                        <a:spcAft>
+                          <a:spcPts val="0"/>
+                        </a:spcAft>
+                        <a:buFont typeface="+mj-lt"/>
+                        <a:buAutoNum type="arabicPeriod"/>
+                      </a:pPr>
+                      <a:r>
+                        <a:rPr lang="zh-CN" sz="1050" kern="100">
+                          <a:effectLst/>
+                        </a:rPr>
+                        <a:t>违规操作会被封号。</a:t>
+                      </a:r>
+                    </a:p>
+                    <a:p>
+                      <a:pPr marL="342900" lvl="0" indent="-342900" algn="just">
+                        <a:spcAft>
+                          <a:spcPts val="0"/>
+                        </a:spcAft>
+                        <a:buFont typeface="+mj-lt"/>
+                        <a:buAutoNum type="arabicPeriod"/>
+                      </a:pPr>
+                      <a:r>
+                        <a:rPr lang="zh-CN" sz="1050" kern="100">
+                          <a:effectLst/>
+                        </a:rPr>
+                        <a:t>受限于微信</a:t>
+                      </a:r>
+                      <a:endParaRPr lang="zh-CN" sz="1050" kern="100">
+                        <a:effectLst/>
+                        <a:latin typeface="Times New Roman" panose="02020603050405020304" pitchFamily="18" charset="0"/>
+                        <a:ea typeface="宋体" panose="02010600030101010101" pitchFamily="2" charset="-122"/>
+                        <a:cs typeface="Times New Roman" panose="02020603050405020304" pitchFamily="18" charset="0"/>
+                      </a:endParaRPr>
+                    </a:p>
+                  </a:txBody>
+                  <a:tcPr marL="68580" marR="68580" marT="0" marB="0" anchor="ctr"/>
+                </a:tc>
+                <a:tc>
+                  <a:txBody>
+                    <a:bodyPr/>
+                    <a:lstStyle/>
+                    <a:p>
+                      <a:pPr indent="127000" algn="just">
+                        <a:spcAft>
+                          <a:spcPts val="0"/>
+                        </a:spcAft>
+                      </a:pPr>
+                      <a:r>
+                        <a:rPr lang="zh-CN" sz="1050" kern="100">
+                          <a:effectLst/>
+                        </a:rPr>
+                        <a:t>注意开发、设计符合微信小程序规则</a:t>
+                      </a:r>
+                      <a:endParaRPr lang="zh-CN" sz="1050" kern="100">
+                        <a:effectLst/>
+                        <a:latin typeface="Times New Roman" panose="02020603050405020304" pitchFamily="18" charset="0"/>
+                        <a:ea typeface="宋体" panose="02010600030101010101" pitchFamily="2" charset="-122"/>
+                        <a:cs typeface="Times New Roman" panose="02020603050405020304" pitchFamily="18" charset="0"/>
+                      </a:endParaRPr>
+                    </a:p>
+                  </a:txBody>
+                  <a:tcPr marL="68580" marR="68580" marT="0" marB="0" anchor="ctr"/>
+                </a:tc>
+                <a:tc>
+                  <a:txBody>
+                    <a:bodyPr/>
+                    <a:lstStyle/>
+                    <a:p>
+                      <a:pPr indent="127000" algn="just">
+                        <a:spcAft>
+                          <a:spcPts val="0"/>
+                        </a:spcAft>
+                      </a:pPr>
+                      <a:r>
+                        <a:rPr lang="zh-CN" sz="1050" kern="100" dirty="0">
+                          <a:effectLst/>
+                        </a:rPr>
+                        <a:t>开发、设计规则严格，受微信限制</a:t>
+                      </a:r>
+                      <a:endParaRPr lang="zh-CN" sz="1050" kern="100" dirty="0">
+                        <a:effectLst/>
+                        <a:latin typeface="Times New Roman" panose="02020603050405020304" pitchFamily="18" charset="0"/>
+                        <a:ea typeface="宋体" panose="02010600030101010101" pitchFamily="2" charset="-122"/>
+                        <a:cs typeface="Times New Roman" panose="02020603050405020304" pitchFamily="18" charset="0"/>
+                      </a:endParaRPr>
+                    </a:p>
+                  </a:txBody>
+                  <a:tcPr marL="68580" marR="68580" marT="0" marB="0" anchor="ctr"/>
+                </a:tc>
+                <a:extLst>
+                  <a:ext uri="{0D108BD9-81ED-4DB2-BD59-A6C34878D82A}">
+                    <a16:rowId xmlns:a16="http://schemas.microsoft.com/office/drawing/2014/main" val="1712556971"/>
+                  </a:ext>
+                </a:extLst>
+              </a:tr>
+            </a:tbl>
+          </a:graphicData>
+        </a:graphic>
+      </p:graphicFrame>
+      <p:cxnSp>
+        <p:nvCxnSpPr>
+          <p:cNvPr id="4" name="直接连接符 3"/>
+          <p:cNvCxnSpPr/>
+          <p:nvPr/>
+        </p:nvCxnSpPr>
+        <p:spPr>
+          <a:xfrm>
+            <a:off x="2919845" y="1892629"/>
+            <a:ext cx="2421082" cy="1775362"/>
+          </a:xfrm>
+          <a:prstGeom prst="line">
+            <a:avLst/>
+          </a:prstGeom>
+          <a:ln/>
+        </p:spPr>
+        <p:style>
+          <a:lnRef idx="1">
+            <a:schemeClr val="dk1"/>
+          </a:lnRef>
+          <a:fillRef idx="0">
+            <a:schemeClr val="dk1"/>
+          </a:fillRef>
+          <a:effectRef idx="0">
+            <a:schemeClr val="dk1"/>
+          </a:effectRef>
+          <a:fontRef idx="minor">
+            <a:schemeClr val="tx1"/>
+          </a:fontRef>
+        </p:style>
+      </p:cxnSp>
+      <p:sp>
+        <p:nvSpPr>
+          <p:cNvPr id="11" name="文本框 4"/>
+          <p:cNvSpPr txBox="1"/>
+          <p:nvPr/>
+        </p:nvSpPr>
+        <p:spPr>
+          <a:xfrm>
+            <a:off x="2484843" y="1273808"/>
+            <a:ext cx="7168312" cy="424732"/>
+          </a:xfrm>
+          <a:prstGeom prst="rect">
+            <a:avLst/>
+          </a:prstGeom>
+          <a:ln w="12700">
+            <a:miter lim="400000"/>
+          </a:ln>
+          <a:extLst>
+            <a:ext uri="{C572A759-6A51-4108-AA02-DFA0A04FC94B}">
+              <ma14:wrappingTextBoxFlag xmlns="" xmlns:ma14="http://schemas.microsoft.com/office/mac/drawingml/2011/main" val="1"/>
+            </a:ext>
+          </a:extLst>
+        </p:spPr>
+        <p:txBody>
+          <a:bodyPr wrap="square" lIns="45719" rIns="45719">
+            <a:spAutoFit/>
+          </a:bodyPr>
+          <a:lstStyle>
+            <a:lvl1pPr algn="ctr">
+              <a:lnSpc>
+                <a:spcPct val="120000"/>
+              </a:lnSpc>
+              <a:defRPr>
+                <a:solidFill>
+                  <a:srgbClr val="3F403E"/>
+                </a:solidFill>
+                <a:latin typeface="微软雅黑 Light"/>
+                <a:ea typeface="微软雅黑 Light"/>
+                <a:cs typeface="微软雅黑 Light"/>
+                <a:sym typeface="微软雅黑 Light"/>
+              </a:defRPr>
+            </a:lvl1pPr>
+          </a:lstStyle>
+          <a:p>
+            <a:r>
+              <a:rPr lang="x-none" altLang="zh-CN" b="1" dirty="0"/>
+              <a:t>1</a:t>
+            </a:r>
+            <a:r>
+              <a:rPr lang="zh-CN" altLang="zh-CN" b="1" dirty="0"/>
+              <a:t>．做微信小</a:t>
+            </a:r>
+            <a:r>
+              <a:rPr lang="zh-CN" altLang="zh-CN" b="1" dirty="0" smtClean="0"/>
+              <a:t>程序</a:t>
+            </a:r>
+            <a:endParaRPr lang="zh-CN" altLang="zh-CN" dirty="0"/>
+          </a:p>
+        </p:txBody>
+      </p:sp>
     </p:spTree>
   </p:cSld>
   <p:clrMapOvr>
@@ -11308,7 +12064,7 @@
                             </p:stCondLst>
                             <p:childTnLst>
                               <p:par>
-                                <p:cTn id="23" presetID="22" presetClass="entr" presetSubtype="1" fill="hold" grpId="6" nodeType="afterEffect">
+                                <p:cTn id="23" presetID="22" presetClass="entr" presetSubtype="1" fill="hold" grpId="0" nodeType="afterEffect">
                                   <p:stCondLst>
                                     <p:cond delay="0"/>
                                   </p:stCondLst>
@@ -11320,7 +12076,7 @@
                                       <p:cBhvr>
                                         <p:cTn id="24" fill="hold"/>
                                         <p:tgtEl>
-                                          <p:spTgt spid="298"/>
+                                          <p:spTgt spid="11"/>
                                         </p:tgtEl>
                                         <p:attrNameLst>
                                           <p:attrName>style.visibility</p:attrName>
@@ -11334,7 +12090,7 @@
                                       <p:cBhvr>
                                         <p:cTn id="25" dur="1000"/>
                                         <p:tgtEl>
-                                          <p:spTgt spid="298"/>
+                                          <p:spTgt spid="11"/>
                                         </p:tgtEl>
                                       </p:cBhvr>
                                     </p:animEffect>
@@ -11372,8 +12128,8 @@
       <p:bldP spid="295" grpId="2" animBg="1" advAuto="0"/>
       <p:bldP spid="296" grpId="1" animBg="1" advAuto="0"/>
       <p:bldP spid="297" grpId="3" animBg="1" advAuto="0"/>
-      <p:bldP spid="298" grpId="6" animBg="1" advAuto="0"/>
       <p:bldP spid="299" grpId="4" animBg="1" advAuto="0"/>
+      <p:bldP spid="11" grpId="0" animBg="1" advAuto="0"/>
     </p:bldLst>
   </p:timing>
 </p:sld>
@@ -12260,8 +13016,8 @@
         </p:nvSpPr>
         <p:spPr>
           <a:xfrm>
-            <a:off x="2508173" y="4270788"/>
-            <a:ext cx="7175654" cy="1395575"/>
+            <a:off x="2545528" y="3527296"/>
+            <a:ext cx="7175654" cy="398379"/>
           </a:xfrm>
           <a:prstGeom prst="rect">
             <a:avLst/>
@@ -12271,7 +13027,7 @@
           </a:ln>
           <a:extLst>
             <a:ext uri="{C572A759-6A51-4108-AA02-DFA0A04FC94B}">
-              <ma14:wrappingTextBoxFlag xmlns:ma14="http://schemas.microsoft.com/office/mac/drawingml/2011/main" xmlns="" val="1"/>
+              <ma14:wrappingTextBoxFlag xmlns="" xmlns:ma14="http://schemas.microsoft.com/office/mac/drawingml/2011/main" val="1"/>
             </a:ext>
           </a:extLst>
         </p:spPr>
@@ -12310,72 +13066,13 @@
             </a:r>
             <a:r>
               <a:rPr lang="zh-CN" altLang="zh-CN" dirty="0"/>
-              <a:t>实现手机端小浏览器访问。</a:t>
-            </a:r>
-          </a:p>
-          <a:p>
-            <a:r>
-              <a:rPr lang="x-none" altLang="zh-CN" dirty="0"/>
-              <a:t>2</a:t>
-            </a:r>
-            <a:r>
-              <a:rPr lang="zh-CN" altLang="zh-CN" dirty="0"/>
-              <a:t>．</a:t>
-            </a:r>
-            <a:r>
-              <a:rPr lang="zh-CN" altLang="zh-CN" b="1" dirty="0"/>
-              <a:t>优点</a:t>
-            </a:r>
-            <a:r>
-              <a:rPr lang="zh-CN" altLang="zh-CN" dirty="0"/>
-              <a:t>：</a:t>
-            </a:r>
-            <a:r>
-              <a:rPr lang="x-none" altLang="zh-CN" dirty="0"/>
-              <a:t>跨平台，即点即用，用户使用成本低。</a:t>
+              <a:t>实现手机端小浏览器访问</a:t>
+            </a:r>
+            <a:r>
+              <a:rPr lang="zh-CN" altLang="zh-CN" dirty="0" smtClean="0"/>
+              <a:t>。</a:t>
             </a:r>
             <a:endParaRPr lang="zh-CN" altLang="zh-CN" dirty="0"/>
-          </a:p>
-          <a:p>
-            <a:r>
-              <a:rPr lang="x-none" altLang="zh-CN" dirty="0"/>
-              <a:t>3</a:t>
-            </a:r>
-            <a:r>
-              <a:rPr lang="zh-CN" altLang="zh-CN" dirty="0"/>
-              <a:t>．</a:t>
-            </a:r>
-            <a:r>
-              <a:rPr lang="zh-CN" altLang="zh-CN" b="1" dirty="0"/>
-              <a:t>缺点</a:t>
-            </a:r>
-            <a:r>
-              <a:rPr lang="zh-CN" altLang="zh-CN" dirty="0"/>
-              <a:t>：</a:t>
-            </a:r>
-            <a:r>
-              <a:rPr lang="x-none" altLang="zh-CN" dirty="0"/>
-              <a:t>用户体验差，运行速度慢</a:t>
-            </a:r>
-            <a:endParaRPr lang="zh-CN" altLang="zh-CN" dirty="0"/>
-          </a:p>
-          <a:p>
-            <a:r>
-              <a:rPr lang="x-none" altLang="zh-CN" dirty="0"/>
-              <a:t>4</a:t>
-            </a:r>
-            <a:r>
-              <a:rPr lang="zh-CN" altLang="zh-CN" dirty="0"/>
-              <a:t>．</a:t>
-            </a:r>
-            <a:r>
-              <a:rPr lang="zh-CN" altLang="zh-CN" b="1" dirty="0"/>
-              <a:t>局限性及存在的问题</a:t>
-            </a:r>
-            <a:r>
-              <a:rPr lang="zh-CN" altLang="zh-CN" dirty="0"/>
-              <a:t>：功能单一，应用场景简单。</a:t>
-            </a:r>
           </a:p>
         </p:txBody>
       </p:sp>
@@ -12387,7 +13084,7 @@
         </p:nvSpPr>
         <p:spPr>
           <a:xfrm>
-            <a:off x="4060507" y="3338743"/>
+            <a:off x="3994374" y="2910086"/>
             <a:ext cx="4070985" cy="646331"/>
           </a:xfrm>
           <a:prstGeom prst="rect">
@@ -12398,7 +13095,7 @@
           </a:ln>
           <a:extLst>
             <a:ext uri="{C572A759-6A51-4108-AA02-DFA0A04FC94B}">
-              <ma14:wrappingTextBoxFlag xmlns:ma14="http://schemas.microsoft.com/office/mac/drawingml/2011/main" xmlns="" val="1"/>
+              <ma14:wrappingTextBoxFlag xmlns="" xmlns:ma14="http://schemas.microsoft.com/office/mac/drawingml/2011/main" val="1"/>
             </a:ext>
           </a:extLst>
         </p:spPr>
@@ -12440,7 +13137,7 @@
         </p:nvSpPr>
         <p:spPr>
           <a:xfrm flipH="1" flipV="1">
-            <a:off x="4095991" y="4115537"/>
+            <a:off x="3994374" y="3533673"/>
             <a:ext cx="4000016" cy="1"/>
           </a:xfrm>
           <a:prstGeom prst="line">
@@ -12493,6 +13190,727 @@
           </a:prstGeom>
         </p:spPr>
       </p:pic>
+      <p:graphicFrame>
+        <p:nvGraphicFramePr>
+          <p:cNvPr id="2" name="表格 1"/>
+          <p:cNvGraphicFramePr>
+            <a:graphicFrameLocks noGrp="1"/>
+          </p:cNvGraphicFramePr>
+          <p:nvPr>
+            <p:extLst>
+              <p:ext uri="{D42A27DB-BD31-4B8C-83A1-F6EECF244321}">
+                <p14:modId xmlns:p14="http://schemas.microsoft.com/office/powerpoint/2010/main" val="833410798"/>
+              </p:ext>
+            </p:extLst>
+          </p:nvPr>
+        </p:nvGraphicFramePr>
+        <p:xfrm>
+          <a:off x="3191138" y="3912777"/>
+          <a:ext cx="5848952" cy="2093167"/>
+        </p:xfrm>
+        <a:graphic>
+          <a:graphicData uri="http://schemas.openxmlformats.org/drawingml/2006/table">
+            <a:tbl>
+              <a:tblPr firstRow="1" firstCol="1" bandRow="1">
+                <a:tableStyleId>{5940675A-B579-460E-94D1-54222C63F5DA}</a:tableStyleId>
+              </a:tblPr>
+              <a:tblGrid>
+                <a:gridCol w="2123812">
+                  <a:extLst>
+                    <a:ext uri="{9D8B030D-6E8A-4147-A177-3AD203B41FA5}">
+                      <a16:colId xmlns:a16="http://schemas.microsoft.com/office/drawing/2014/main" val="1337723056"/>
+                    </a:ext>
+                  </a:extLst>
+                </a:gridCol>
+                <a:gridCol w="2123812">
+                  <a:extLst>
+                    <a:ext uri="{9D8B030D-6E8A-4147-A177-3AD203B41FA5}">
+                      <a16:colId xmlns:a16="http://schemas.microsoft.com/office/drawing/2014/main" val="2843887828"/>
+                    </a:ext>
+                  </a:extLst>
+                </a:gridCol>
+                <a:gridCol w="1601328">
+                  <a:extLst>
+                    <a:ext uri="{9D8B030D-6E8A-4147-A177-3AD203B41FA5}">
+                      <a16:colId xmlns:a16="http://schemas.microsoft.com/office/drawing/2014/main" val="267340357"/>
+                    </a:ext>
+                  </a:extLst>
+                </a:gridCol>
+              </a:tblGrid>
+              <a:tr h="389614">
+                <a:tc rowSpan="2">
+                  <a:txBody>
+                    <a:bodyPr/>
+                    <a:lstStyle/>
+                    <a:p>
+                      <a:pPr indent="127000" algn="r">
+                        <a:spcAft>
+                          <a:spcPts val="0"/>
+                        </a:spcAft>
+                      </a:pPr>
+                      <a:r>
+                        <a:rPr lang="zh-CN" sz="1050" kern="100" dirty="0">
+                          <a:effectLst/>
+                        </a:rPr>
+                        <a:t>内部能力</a:t>
+                      </a:r>
+                    </a:p>
+                    <a:p>
+                      <a:pPr indent="127000" algn="just">
+                        <a:spcAft>
+                          <a:spcPts val="0"/>
+                        </a:spcAft>
+                      </a:pPr>
+                      <a:r>
+                        <a:rPr lang="en-US" sz="1050" kern="100" dirty="0">
+                          <a:effectLst/>
+                        </a:rPr>
+                        <a:t> </a:t>
+                      </a:r>
+                      <a:endParaRPr lang="zh-CN" sz="1050" kern="100" dirty="0">
+                        <a:effectLst/>
+                      </a:endParaRPr>
+                    </a:p>
+                    <a:p>
+                      <a:pPr indent="127000" algn="just">
+                        <a:spcAft>
+                          <a:spcPts val="0"/>
+                        </a:spcAft>
+                      </a:pPr>
+                      <a:r>
+                        <a:rPr lang="en-US" sz="1050" kern="100" dirty="0">
+                          <a:effectLst/>
+                        </a:rPr>
+                        <a:t> </a:t>
+                      </a:r>
+                      <a:endParaRPr lang="zh-CN" sz="1050" kern="100" dirty="0">
+                        <a:effectLst/>
+                      </a:endParaRPr>
+                    </a:p>
+                    <a:p>
+                      <a:pPr indent="127000" algn="just">
+                        <a:spcAft>
+                          <a:spcPts val="0"/>
+                        </a:spcAft>
+                      </a:pPr>
+                      <a:r>
+                        <a:rPr lang="zh-CN" sz="1050" kern="100" dirty="0">
+                          <a:effectLst/>
+                        </a:rPr>
+                        <a:t>外部因素</a:t>
+                      </a:r>
+                      <a:endParaRPr lang="zh-CN" sz="1050" kern="100" dirty="0">
+                        <a:effectLst/>
+                        <a:latin typeface="Times New Roman" panose="02020603050405020304" pitchFamily="18" charset="0"/>
+                        <a:ea typeface="宋体" panose="02010600030101010101" pitchFamily="2" charset="-122"/>
+                        <a:cs typeface="Times New Roman" panose="02020603050405020304" pitchFamily="18" charset="0"/>
+                      </a:endParaRPr>
+                    </a:p>
+                  </a:txBody>
+                  <a:tcPr marL="68580" marR="68580" marT="0" marB="0" anchor="ctr"/>
+                </a:tc>
+                <a:tc>
+                  <a:txBody>
+                    <a:bodyPr/>
+                    <a:lstStyle/>
+                    <a:p>
+                      <a:pPr indent="127000" algn="just">
+                        <a:spcAft>
+                          <a:spcPts val="0"/>
+                        </a:spcAft>
+                      </a:pPr>
+                      <a:r>
+                        <a:rPr lang="zh-CN" sz="1050" kern="100">
+                          <a:effectLst/>
+                        </a:rPr>
+                        <a:t>优势（</a:t>
+                      </a:r>
+                      <a:r>
+                        <a:rPr lang="en-US" sz="1050" kern="100">
+                          <a:effectLst/>
+                        </a:rPr>
+                        <a:t>Strength</a:t>
+                      </a:r>
+                      <a:r>
+                        <a:rPr lang="zh-CN" sz="1050" kern="100">
+                          <a:effectLst/>
+                        </a:rPr>
+                        <a:t>）</a:t>
+                      </a:r>
+                      <a:endParaRPr lang="zh-CN" sz="1050" kern="100">
+                        <a:effectLst/>
+                        <a:latin typeface="Times New Roman" panose="02020603050405020304" pitchFamily="18" charset="0"/>
+                        <a:ea typeface="宋体" panose="02010600030101010101" pitchFamily="2" charset="-122"/>
+                        <a:cs typeface="Times New Roman" panose="02020603050405020304" pitchFamily="18" charset="0"/>
+                      </a:endParaRPr>
+                    </a:p>
+                  </a:txBody>
+                  <a:tcPr marL="68580" marR="68580" marT="0" marB="0" anchor="ctr"/>
+                </a:tc>
+                <a:tc>
+                  <a:txBody>
+                    <a:bodyPr/>
+                    <a:lstStyle/>
+                    <a:p>
+                      <a:pPr indent="127000" algn="just">
+                        <a:spcAft>
+                          <a:spcPts val="0"/>
+                        </a:spcAft>
+                      </a:pPr>
+                      <a:r>
+                        <a:rPr lang="zh-CN" sz="1050" kern="100">
+                          <a:effectLst/>
+                        </a:rPr>
+                        <a:t>劣势（</a:t>
+                      </a:r>
+                      <a:r>
+                        <a:rPr lang="en-US" sz="1050" kern="100">
+                          <a:effectLst/>
+                        </a:rPr>
+                        <a:t>Weakness</a:t>
+                      </a:r>
+                      <a:r>
+                        <a:rPr lang="zh-CN" sz="1050" kern="100">
+                          <a:effectLst/>
+                        </a:rPr>
+                        <a:t>）</a:t>
+                      </a:r>
+                      <a:endParaRPr lang="zh-CN" sz="1050" kern="100">
+                        <a:effectLst/>
+                        <a:latin typeface="Times New Roman" panose="02020603050405020304" pitchFamily="18" charset="0"/>
+                        <a:ea typeface="宋体" panose="02010600030101010101" pitchFamily="2" charset="-122"/>
+                        <a:cs typeface="Times New Roman" panose="02020603050405020304" pitchFamily="18" charset="0"/>
+                      </a:endParaRPr>
+                    </a:p>
+                  </a:txBody>
+                  <a:tcPr marL="68580" marR="68580" marT="0" marB="0" anchor="ctr"/>
+                </a:tc>
+                <a:extLst>
+                  <a:ext uri="{0D108BD9-81ED-4DB2-BD59-A6C34878D82A}">
+                    <a16:rowId xmlns:a16="http://schemas.microsoft.com/office/drawing/2014/main" val="3642848374"/>
+                  </a:ext>
+                </a:extLst>
+              </a:tr>
+              <a:tr h="652939">
+                <a:tc vMerge="1">
+                  <a:txBody>
+                    <a:bodyPr/>
+                    <a:lstStyle/>
+                    <a:p>
+                      <a:endParaRPr lang="zh-CN" altLang="en-US"/>
+                    </a:p>
+                  </a:txBody>
+                  <a:tcPr/>
+                </a:tc>
+                <a:tc>
+                  <a:txBody>
+                    <a:bodyPr/>
+                    <a:lstStyle/>
+                    <a:p>
+                      <a:pPr marL="342900" lvl="0" indent="-342900" algn="l">
+                        <a:spcAft>
+                          <a:spcPts val="0"/>
+                        </a:spcAft>
+                        <a:buFont typeface="+mj-lt"/>
+                        <a:buAutoNum type="arabicPeriod"/>
+                      </a:pPr>
+                      <a:r>
+                        <a:rPr lang="zh-CN" sz="1050" kern="100">
+                          <a:effectLst/>
+                        </a:rPr>
+                        <a:t>用户可以</a:t>
+                      </a:r>
+                      <a:r>
+                        <a:rPr lang="x-none" sz="1050" kern="100">
+                          <a:effectLst/>
+                        </a:rPr>
+                        <a:t>即点即用</a:t>
+                      </a:r>
+                      <a:endParaRPr lang="zh-CN" sz="1050" kern="100">
+                        <a:effectLst/>
+                      </a:endParaRPr>
+                    </a:p>
+                    <a:p>
+                      <a:pPr marL="342900" lvl="0" indent="-342900" algn="l">
+                        <a:spcAft>
+                          <a:spcPts val="0"/>
+                        </a:spcAft>
+                        <a:buFont typeface="+mj-lt"/>
+                        <a:buAutoNum type="arabicPeriod"/>
+                      </a:pPr>
+                      <a:r>
+                        <a:rPr lang="zh-CN" sz="1050" kern="100">
+                          <a:effectLst/>
+                        </a:rPr>
+                        <a:t>开发可以即做即发布 </a:t>
+                      </a:r>
+                      <a:endParaRPr lang="zh-CN" sz="1050" kern="100">
+                        <a:effectLst/>
+                        <a:latin typeface="Times New Roman" panose="02020603050405020304" pitchFamily="18" charset="0"/>
+                        <a:ea typeface="宋体" panose="02010600030101010101" pitchFamily="2" charset="-122"/>
+                        <a:cs typeface="Times New Roman" panose="02020603050405020304" pitchFamily="18" charset="0"/>
+                      </a:endParaRPr>
+                    </a:p>
+                  </a:txBody>
+                  <a:tcPr marL="68580" marR="68580" marT="0" marB="0" anchor="ctr"/>
+                </a:tc>
+                <a:tc>
+                  <a:txBody>
+                    <a:bodyPr/>
+                    <a:lstStyle/>
+                    <a:p>
+                      <a:pPr marL="342900" lvl="0" indent="-342900" algn="just">
+                        <a:spcAft>
+                          <a:spcPts val="0"/>
+                        </a:spcAft>
+                        <a:buFont typeface="+mj-lt"/>
+                        <a:buAutoNum type="arabicPeriod"/>
+                      </a:pPr>
+                      <a:r>
+                        <a:rPr lang="x-none" sz="1050" kern="100">
+                          <a:effectLst/>
+                        </a:rPr>
+                        <a:t>运行速度慢</a:t>
+                      </a:r>
+                      <a:endParaRPr lang="zh-CN" sz="1050" kern="100">
+                        <a:effectLst/>
+                      </a:endParaRPr>
+                    </a:p>
+                    <a:p>
+                      <a:pPr marL="342900" lvl="0" indent="-342900" algn="just">
+                        <a:spcAft>
+                          <a:spcPts val="0"/>
+                        </a:spcAft>
+                        <a:buFont typeface="+mj-lt"/>
+                        <a:buAutoNum type="arabicPeriod"/>
+                      </a:pPr>
+                      <a:r>
+                        <a:rPr lang="zh-CN" sz="1050" kern="100">
+                          <a:effectLst/>
+                        </a:rPr>
+                        <a:t>可调用的手机系统功能少</a:t>
+                      </a:r>
+                      <a:endParaRPr lang="zh-CN" sz="1050" kern="100">
+                        <a:effectLst/>
+                        <a:latin typeface="Times New Roman" panose="02020603050405020304" pitchFamily="18" charset="0"/>
+                        <a:ea typeface="宋体" panose="02010600030101010101" pitchFamily="2" charset="-122"/>
+                        <a:cs typeface="Times New Roman" panose="02020603050405020304" pitchFamily="18" charset="0"/>
+                      </a:endParaRPr>
+                    </a:p>
+                  </a:txBody>
+                  <a:tcPr marL="68580" marR="68580" marT="0" marB="0" anchor="ctr"/>
+                </a:tc>
+                <a:extLst>
+                  <a:ext uri="{0D108BD9-81ED-4DB2-BD59-A6C34878D82A}">
+                    <a16:rowId xmlns:a16="http://schemas.microsoft.com/office/drawing/2014/main" val="2219867992"/>
+                  </a:ext>
+                </a:extLst>
+              </a:tr>
+              <a:tr h="186746">
+                <a:tc>
+                  <a:txBody>
+                    <a:bodyPr/>
+                    <a:lstStyle/>
+                    <a:p>
+                      <a:pPr indent="127000" algn="just">
+                        <a:spcAft>
+                          <a:spcPts val="0"/>
+                        </a:spcAft>
+                      </a:pPr>
+                      <a:r>
+                        <a:rPr lang="zh-CN" sz="1050" kern="100">
+                          <a:effectLst/>
+                        </a:rPr>
+                        <a:t>机会（</a:t>
+                      </a:r>
+                      <a:r>
+                        <a:rPr lang="en-US" sz="1050" kern="100">
+                          <a:effectLst/>
+                        </a:rPr>
+                        <a:t>Opportunities</a:t>
+                      </a:r>
+                      <a:r>
+                        <a:rPr lang="zh-CN" sz="1050" kern="100">
+                          <a:effectLst/>
+                        </a:rPr>
+                        <a:t>）</a:t>
+                      </a:r>
+                      <a:endParaRPr lang="zh-CN" sz="1050" kern="100">
+                        <a:effectLst/>
+                        <a:latin typeface="Times New Roman" panose="02020603050405020304" pitchFamily="18" charset="0"/>
+                        <a:ea typeface="宋体" panose="02010600030101010101" pitchFamily="2" charset="-122"/>
+                        <a:cs typeface="Times New Roman" panose="02020603050405020304" pitchFamily="18" charset="0"/>
+                      </a:endParaRPr>
+                    </a:p>
+                  </a:txBody>
+                  <a:tcPr marL="68580" marR="68580" marT="0" marB="0" anchor="ctr"/>
+                </a:tc>
+                <a:tc>
+                  <a:txBody>
+                    <a:bodyPr/>
+                    <a:lstStyle/>
+                    <a:p>
+                      <a:pPr indent="127000" algn="just">
+                        <a:spcAft>
+                          <a:spcPts val="0"/>
+                        </a:spcAft>
+                      </a:pPr>
+                      <a:r>
+                        <a:rPr lang="en-US" sz="1050" kern="100">
+                          <a:effectLst/>
+                        </a:rPr>
+                        <a:t>SO</a:t>
+                      </a:r>
+                      <a:endParaRPr lang="zh-CN" sz="1050" kern="100">
+                        <a:effectLst/>
+                        <a:latin typeface="Times New Roman" panose="02020603050405020304" pitchFamily="18" charset="0"/>
+                        <a:ea typeface="宋体" panose="02010600030101010101" pitchFamily="2" charset="-122"/>
+                        <a:cs typeface="Times New Roman" panose="02020603050405020304" pitchFamily="18" charset="0"/>
+                      </a:endParaRPr>
+                    </a:p>
+                  </a:txBody>
+                  <a:tcPr marL="68580" marR="68580" marT="0" marB="0" anchor="ctr"/>
+                </a:tc>
+                <a:tc>
+                  <a:txBody>
+                    <a:bodyPr/>
+                    <a:lstStyle/>
+                    <a:p>
+                      <a:pPr indent="127000" algn="just">
+                        <a:spcAft>
+                          <a:spcPts val="0"/>
+                        </a:spcAft>
+                      </a:pPr>
+                      <a:r>
+                        <a:rPr lang="en-US" sz="1050" kern="100" dirty="0">
+                          <a:effectLst/>
+                        </a:rPr>
+                        <a:t>WO</a:t>
+                      </a:r>
+                      <a:endParaRPr lang="zh-CN" sz="1050" kern="100" dirty="0">
+                        <a:effectLst/>
+                        <a:latin typeface="Times New Roman" panose="02020603050405020304" pitchFamily="18" charset="0"/>
+                        <a:ea typeface="宋体" panose="02010600030101010101" pitchFamily="2" charset="-122"/>
+                        <a:cs typeface="Times New Roman" panose="02020603050405020304" pitchFamily="18" charset="0"/>
+                      </a:endParaRPr>
+                    </a:p>
+                  </a:txBody>
+                  <a:tcPr marL="68580" marR="68580" marT="0" marB="0" anchor="ctr"/>
+                </a:tc>
+                <a:extLst>
+                  <a:ext uri="{0D108BD9-81ED-4DB2-BD59-A6C34878D82A}">
+                    <a16:rowId xmlns:a16="http://schemas.microsoft.com/office/drawing/2014/main" val="1443990103"/>
+                  </a:ext>
+                </a:extLst>
+              </a:tr>
+              <a:tr h="338561">
+                <a:tc>
+                  <a:txBody>
+                    <a:bodyPr/>
+                    <a:lstStyle/>
+                    <a:p>
+                      <a:pPr indent="127000" algn="just">
+                        <a:spcAft>
+                          <a:spcPts val="0"/>
+                        </a:spcAft>
+                      </a:pPr>
+                      <a:r>
+                        <a:rPr lang="zh-CN" sz="1050" kern="100">
+                          <a:effectLst/>
+                        </a:rPr>
+                        <a:t>技术较为成熟</a:t>
+                      </a:r>
+                      <a:endParaRPr lang="zh-CN" sz="1050" kern="100">
+                        <a:effectLst/>
+                        <a:latin typeface="Times New Roman" panose="02020603050405020304" pitchFamily="18" charset="0"/>
+                        <a:ea typeface="宋体" panose="02010600030101010101" pitchFamily="2" charset="-122"/>
+                        <a:cs typeface="Times New Roman" panose="02020603050405020304" pitchFamily="18" charset="0"/>
+                      </a:endParaRPr>
+                    </a:p>
+                  </a:txBody>
+                  <a:tcPr marL="68580" marR="68580" marT="0" marB="0" anchor="ctr"/>
+                </a:tc>
+                <a:tc>
+                  <a:txBody>
+                    <a:bodyPr/>
+                    <a:lstStyle/>
+                    <a:p>
+                      <a:pPr indent="127000" algn="just">
+                        <a:spcAft>
+                          <a:spcPts val="0"/>
+                        </a:spcAft>
+                      </a:pPr>
+                      <a:r>
+                        <a:rPr lang="zh-CN" sz="1050" kern="100">
+                          <a:effectLst/>
+                        </a:rPr>
+                        <a:t>开发难度不高</a:t>
+                      </a:r>
+                      <a:endParaRPr lang="zh-CN" sz="1050" kern="100">
+                        <a:effectLst/>
+                        <a:latin typeface="Times New Roman" panose="02020603050405020304" pitchFamily="18" charset="0"/>
+                        <a:ea typeface="宋体" panose="02010600030101010101" pitchFamily="2" charset="-122"/>
+                        <a:cs typeface="Times New Roman" panose="02020603050405020304" pitchFamily="18" charset="0"/>
+                      </a:endParaRPr>
+                    </a:p>
+                  </a:txBody>
+                  <a:tcPr marL="68580" marR="68580" marT="0" marB="0" anchor="ctr"/>
+                </a:tc>
+                <a:tc>
+                  <a:txBody>
+                    <a:bodyPr/>
+                    <a:lstStyle/>
+                    <a:p>
+                      <a:pPr indent="127000" algn="just">
+                        <a:spcAft>
+                          <a:spcPts val="0"/>
+                        </a:spcAft>
+                      </a:pPr>
+                      <a:r>
+                        <a:rPr lang="zh-CN" sz="1050" kern="100">
+                          <a:effectLst/>
+                        </a:rPr>
+                        <a:t>功能单一，应用场景简单</a:t>
+                      </a:r>
+                      <a:endParaRPr lang="zh-CN" sz="1050" kern="100">
+                        <a:effectLst/>
+                        <a:latin typeface="Times New Roman" panose="02020603050405020304" pitchFamily="18" charset="0"/>
+                        <a:ea typeface="宋体" panose="02010600030101010101" pitchFamily="2" charset="-122"/>
+                        <a:cs typeface="Times New Roman" panose="02020603050405020304" pitchFamily="18" charset="0"/>
+                      </a:endParaRPr>
+                    </a:p>
+                  </a:txBody>
+                  <a:tcPr marL="68580" marR="68580" marT="0" marB="0" anchor="ctr"/>
+                </a:tc>
+                <a:extLst>
+                  <a:ext uri="{0D108BD9-81ED-4DB2-BD59-A6C34878D82A}">
+                    <a16:rowId xmlns:a16="http://schemas.microsoft.com/office/drawing/2014/main" val="2811012355"/>
+                  </a:ext>
+                </a:extLst>
+              </a:tr>
+              <a:tr h="186746">
+                <a:tc>
+                  <a:txBody>
+                    <a:bodyPr/>
+                    <a:lstStyle/>
+                    <a:p>
+                      <a:pPr indent="127000" algn="just">
+                        <a:spcAft>
+                          <a:spcPts val="0"/>
+                        </a:spcAft>
+                      </a:pPr>
+                      <a:r>
+                        <a:rPr lang="zh-CN" sz="1050" kern="100">
+                          <a:effectLst/>
+                        </a:rPr>
+                        <a:t>风险（</a:t>
+                      </a:r>
+                      <a:r>
+                        <a:rPr lang="en-US" sz="1050" kern="100">
+                          <a:effectLst/>
+                        </a:rPr>
+                        <a:t>Threats</a:t>
+                      </a:r>
+                      <a:r>
+                        <a:rPr lang="zh-CN" sz="1050" kern="100">
+                          <a:effectLst/>
+                        </a:rPr>
+                        <a:t>）</a:t>
+                      </a:r>
+                      <a:endParaRPr lang="zh-CN" sz="1050" kern="100">
+                        <a:effectLst/>
+                        <a:latin typeface="Times New Roman" panose="02020603050405020304" pitchFamily="18" charset="0"/>
+                        <a:ea typeface="宋体" panose="02010600030101010101" pitchFamily="2" charset="-122"/>
+                        <a:cs typeface="Times New Roman" panose="02020603050405020304" pitchFamily="18" charset="0"/>
+                      </a:endParaRPr>
+                    </a:p>
+                  </a:txBody>
+                  <a:tcPr marL="68580" marR="68580" marT="0" marB="0" anchor="ctr"/>
+                </a:tc>
+                <a:tc>
+                  <a:txBody>
+                    <a:bodyPr/>
+                    <a:lstStyle/>
+                    <a:p>
+                      <a:pPr indent="127000" algn="just">
+                        <a:spcAft>
+                          <a:spcPts val="0"/>
+                        </a:spcAft>
+                      </a:pPr>
+                      <a:r>
+                        <a:rPr lang="en-US" sz="1050" kern="100">
+                          <a:effectLst/>
+                        </a:rPr>
+                        <a:t>ST</a:t>
+                      </a:r>
+                      <a:endParaRPr lang="zh-CN" sz="1050" kern="100">
+                        <a:effectLst/>
+                        <a:latin typeface="Times New Roman" panose="02020603050405020304" pitchFamily="18" charset="0"/>
+                        <a:ea typeface="宋体" panose="02010600030101010101" pitchFamily="2" charset="-122"/>
+                        <a:cs typeface="Times New Roman" panose="02020603050405020304" pitchFamily="18" charset="0"/>
+                      </a:endParaRPr>
+                    </a:p>
+                  </a:txBody>
+                  <a:tcPr marL="68580" marR="68580" marT="0" marB="0" anchor="ctr"/>
+                </a:tc>
+                <a:tc>
+                  <a:txBody>
+                    <a:bodyPr/>
+                    <a:lstStyle/>
+                    <a:p>
+                      <a:pPr indent="127000" algn="just">
+                        <a:spcAft>
+                          <a:spcPts val="0"/>
+                        </a:spcAft>
+                      </a:pPr>
+                      <a:r>
+                        <a:rPr lang="en-US" sz="1050" kern="100">
+                          <a:effectLst/>
+                        </a:rPr>
+                        <a:t>WT</a:t>
+                      </a:r>
+                      <a:endParaRPr lang="zh-CN" sz="1050" kern="100">
+                        <a:effectLst/>
+                        <a:latin typeface="Times New Roman" panose="02020603050405020304" pitchFamily="18" charset="0"/>
+                        <a:ea typeface="宋体" panose="02010600030101010101" pitchFamily="2" charset="-122"/>
+                        <a:cs typeface="Times New Roman" panose="02020603050405020304" pitchFamily="18" charset="0"/>
+                      </a:endParaRPr>
+                    </a:p>
+                  </a:txBody>
+                  <a:tcPr marL="68580" marR="68580" marT="0" marB="0" anchor="ctr"/>
+                </a:tc>
+                <a:extLst>
+                  <a:ext uri="{0D108BD9-81ED-4DB2-BD59-A6C34878D82A}">
+                    <a16:rowId xmlns:a16="http://schemas.microsoft.com/office/drawing/2014/main" val="1441014078"/>
+                  </a:ext>
+                </a:extLst>
+              </a:tr>
+              <a:tr h="338561">
+                <a:tc>
+                  <a:txBody>
+                    <a:bodyPr/>
+                    <a:lstStyle/>
+                    <a:p>
+                      <a:pPr indent="127000" algn="just">
+                        <a:spcAft>
+                          <a:spcPts val="0"/>
+                        </a:spcAft>
+                      </a:pPr>
+                      <a:r>
+                        <a:rPr lang="en-US" sz="1050" kern="100">
+                          <a:effectLst/>
+                        </a:rPr>
+                        <a:t>APP</a:t>
+                      </a:r>
+                      <a:r>
+                        <a:rPr lang="zh-CN" sz="1050" kern="100">
+                          <a:effectLst/>
+                        </a:rPr>
+                        <a:t>与小程序的竞争</a:t>
+                      </a:r>
+                      <a:endParaRPr lang="zh-CN" sz="1050" kern="100">
+                        <a:effectLst/>
+                        <a:latin typeface="Times New Roman" panose="02020603050405020304" pitchFamily="18" charset="0"/>
+                        <a:ea typeface="宋体" panose="02010600030101010101" pitchFamily="2" charset="-122"/>
+                        <a:cs typeface="Times New Roman" panose="02020603050405020304" pitchFamily="18" charset="0"/>
+                      </a:endParaRPr>
+                    </a:p>
+                  </a:txBody>
+                  <a:tcPr marL="68580" marR="68580" marT="0" marB="0" anchor="ctr"/>
+                </a:tc>
+                <a:tc>
+                  <a:txBody>
+                    <a:bodyPr/>
+                    <a:lstStyle/>
+                    <a:p>
+                      <a:pPr indent="127000" algn="just">
+                        <a:spcAft>
+                          <a:spcPts val="0"/>
+                        </a:spcAft>
+                      </a:pPr>
+                      <a:r>
+                        <a:rPr lang="zh-CN" sz="1050" kern="100">
+                          <a:effectLst/>
+                        </a:rPr>
+                        <a:t>可以做到即做即发布，不需要审核</a:t>
+                      </a:r>
+                      <a:endParaRPr lang="zh-CN" sz="1050" kern="100">
+                        <a:effectLst/>
+                        <a:latin typeface="Times New Roman" panose="02020603050405020304" pitchFamily="18" charset="0"/>
+                        <a:ea typeface="宋体" panose="02010600030101010101" pitchFamily="2" charset="-122"/>
+                        <a:cs typeface="Times New Roman" panose="02020603050405020304" pitchFamily="18" charset="0"/>
+                      </a:endParaRPr>
+                    </a:p>
+                  </a:txBody>
+                  <a:tcPr marL="68580" marR="68580" marT="0" marB="0" anchor="ctr"/>
+                </a:tc>
+                <a:tc>
+                  <a:txBody>
+                    <a:bodyPr/>
+                    <a:lstStyle/>
+                    <a:p>
+                      <a:pPr indent="127000" algn="just">
+                        <a:spcAft>
+                          <a:spcPts val="0"/>
+                        </a:spcAft>
+                      </a:pPr>
+                      <a:r>
+                        <a:rPr lang="zh-CN" sz="1050" kern="100" dirty="0">
+                          <a:effectLst/>
+                        </a:rPr>
+                        <a:t>用户体验差</a:t>
+                      </a:r>
+                      <a:endParaRPr lang="zh-CN" sz="1050" kern="100" dirty="0">
+                        <a:effectLst/>
+                        <a:latin typeface="Times New Roman" panose="02020603050405020304" pitchFamily="18" charset="0"/>
+                        <a:ea typeface="宋体" panose="02010600030101010101" pitchFamily="2" charset="-122"/>
+                        <a:cs typeface="Times New Roman" panose="02020603050405020304" pitchFamily="18" charset="0"/>
+                      </a:endParaRPr>
+                    </a:p>
+                  </a:txBody>
+                  <a:tcPr marL="68580" marR="68580" marT="0" marB="0" anchor="ctr"/>
+                </a:tc>
+                <a:extLst>
+                  <a:ext uri="{0D108BD9-81ED-4DB2-BD59-A6C34878D82A}">
+                    <a16:rowId xmlns:a16="http://schemas.microsoft.com/office/drawing/2014/main" val="1833181749"/>
+                  </a:ext>
+                </a:extLst>
+              </a:tr>
+            </a:tbl>
+          </a:graphicData>
+        </a:graphic>
+      </p:graphicFrame>
+      <p:cxnSp>
+        <p:nvCxnSpPr>
+          <p:cNvPr id="15" name="直接连接符 14"/>
+          <p:cNvCxnSpPr/>
+          <p:nvPr/>
+        </p:nvCxnSpPr>
+        <p:spPr>
+          <a:xfrm>
+            <a:off x="3191138" y="3912777"/>
+            <a:ext cx="2154983" cy="1043687"/>
+          </a:xfrm>
+          <a:prstGeom prst="line">
+            <a:avLst/>
+          </a:prstGeom>
+          <a:ln/>
+        </p:spPr>
+        <p:style>
+          <a:lnRef idx="1">
+            <a:schemeClr val="dk1"/>
+          </a:lnRef>
+          <a:fillRef idx="0">
+            <a:schemeClr val="dk1"/>
+          </a:fillRef>
+          <a:effectRef idx="0">
+            <a:schemeClr val="dk1"/>
+          </a:effectRef>
+          <a:fontRef idx="minor">
+            <a:schemeClr val="tx1"/>
+          </a:fontRef>
+        </p:style>
+      </p:cxnSp>
     </p:spTree>
   </p:cSld>
   <p:clrMapOvr>
@@ -12972,7 +14390,7 @@
         </p:nvSpPr>
         <p:spPr>
           <a:xfrm>
-            <a:off x="3926175" y="265463"/>
+            <a:off x="4526250" y="247243"/>
             <a:ext cx="4339650" cy="646331"/>
           </a:xfrm>
           <a:prstGeom prst="rect">
@@ -13026,999 +14444,6 @@
           </a:p>
         </p:txBody>
       </p:sp>
-      <p:graphicFrame>
-        <p:nvGraphicFramePr>
-          <p:cNvPr id="3" name="表格 2">
-            <a:extLst>
-              <a:ext uri="{FF2B5EF4-FFF2-40B4-BE49-F238E27FC236}">
-                <a16:creationId xmlns:a16="http://schemas.microsoft.com/office/drawing/2014/main" id="{ED7FBA4D-45A4-4D39-AFFA-E41EC61E7065}"/>
-              </a:ext>
-            </a:extLst>
-          </p:cNvPr>
-          <p:cNvGraphicFramePr>
-            <a:graphicFrameLocks noGrp="1"/>
-          </p:cNvGraphicFramePr>
-          <p:nvPr>
-            <p:extLst>
-              <p:ext uri="{D42A27DB-BD31-4B8C-83A1-F6EECF244321}">
-                <p14:modId xmlns:p14="http://schemas.microsoft.com/office/powerpoint/2010/main" val="2240209113"/>
-              </p:ext>
-            </p:extLst>
-          </p:nvPr>
-        </p:nvGraphicFramePr>
-        <p:xfrm>
-          <a:off x="1387312" y="1112363"/>
-          <a:ext cx="9417376" cy="5400000"/>
-        </p:xfrm>
-        <a:graphic>
-          <a:graphicData uri="http://schemas.openxmlformats.org/drawingml/2006/table">
-            <a:tbl>
-              <a:tblPr firstRow="1" bandRow="1">
-                <a:tableStyleId>{EEE7283C-3CF3-47DC-8721-378D4A62B228}</a:tableStyleId>
-              </a:tblPr>
-              <a:tblGrid>
-                <a:gridCol w="1800520">
-                  <a:extLst>
-                    <a:ext uri="{9D8B030D-6E8A-4147-A177-3AD203B41FA5}">
-                      <a16:colId xmlns:a16="http://schemas.microsoft.com/office/drawing/2014/main" val="3393408842"/>
-                    </a:ext>
-                  </a:extLst>
-                </a:gridCol>
-                <a:gridCol w="2705493">
-                  <a:extLst>
-                    <a:ext uri="{9D8B030D-6E8A-4147-A177-3AD203B41FA5}">
-                      <a16:colId xmlns:a16="http://schemas.microsoft.com/office/drawing/2014/main" val="1408876998"/>
-                    </a:ext>
-                  </a:extLst>
-                </a:gridCol>
-                <a:gridCol w="2762053">
-                  <a:extLst>
-                    <a:ext uri="{9D8B030D-6E8A-4147-A177-3AD203B41FA5}">
-                      <a16:colId xmlns:a16="http://schemas.microsoft.com/office/drawing/2014/main" val="685369617"/>
-                    </a:ext>
-                  </a:extLst>
-                </a:gridCol>
-                <a:gridCol w="2149310">
-                  <a:extLst>
-                    <a:ext uri="{9D8B030D-6E8A-4147-A177-3AD203B41FA5}">
-                      <a16:colId xmlns:a16="http://schemas.microsoft.com/office/drawing/2014/main" val="1525277136"/>
-                    </a:ext>
-                  </a:extLst>
-                </a:gridCol>
-              </a:tblGrid>
-              <a:tr h="560916">
-                <a:tc>
-                  <a:txBody>
-                    <a:bodyPr/>
-                    <a:lstStyle/>
-                    <a:p>
-                      <a:pPr indent="127000" algn="ctr">
-                        <a:spcAft>
-                          <a:spcPts val="0"/>
-                        </a:spcAft>
-                      </a:pPr>
-                      <a:r>
-                        <a:rPr lang="zh-CN" sz="1400" kern="100" dirty="0">
-                          <a:effectLst/>
-                          <a:latin typeface="微软雅黑 Light" panose="020B0502040204020203" pitchFamily="34" charset="-122"/>
-                          <a:ea typeface="微软雅黑 Light" panose="020B0502040204020203" pitchFamily="34" charset="-122"/>
-                        </a:rPr>
-                        <a:t>分析方面</a:t>
-                      </a:r>
-                      <a:r>
-                        <a:rPr lang="x-none" sz="1400" kern="100" dirty="0">
-                          <a:effectLst/>
-                          <a:latin typeface="微软雅黑 Light" panose="020B0502040204020203" pitchFamily="34" charset="-122"/>
-                          <a:ea typeface="微软雅黑 Light" panose="020B0502040204020203" pitchFamily="34" charset="-122"/>
-                        </a:rPr>
-                        <a:t>\</a:t>
-                      </a:r>
-                      <a:r>
-                        <a:rPr lang="zh-CN" sz="1400" kern="100" dirty="0">
-                          <a:effectLst/>
-                          <a:latin typeface="微软雅黑 Light" panose="020B0502040204020203" pitchFamily="34" charset="-122"/>
-                          <a:ea typeface="微软雅黑 Light" panose="020B0502040204020203" pitchFamily="34" charset="-122"/>
-                        </a:rPr>
-                        <a:t>实现方式</a:t>
-                      </a:r>
-                      <a:endParaRPr lang="zh-CN" sz="1400" kern="100" dirty="0">
-                        <a:effectLst/>
-                        <a:latin typeface="微软雅黑 Light" panose="020B0502040204020203" pitchFamily="34" charset="-122"/>
-                        <a:ea typeface="微软雅黑 Light" panose="020B0502040204020203" pitchFamily="34" charset="-122"/>
-                        <a:cs typeface="Times New Roman" panose="02020603050405020304" pitchFamily="18" charset="0"/>
-                      </a:endParaRPr>
-                    </a:p>
-                  </a:txBody>
-                  <a:tcPr marL="68580" marR="68580" marT="0" marB="0" anchor="ctr"/>
-                </a:tc>
-                <a:tc>
-                  <a:txBody>
-                    <a:bodyPr/>
-                    <a:lstStyle/>
-                    <a:p>
-                      <a:pPr indent="127000" algn="ctr">
-                        <a:spcAft>
-                          <a:spcPts val="0"/>
-                        </a:spcAft>
-                      </a:pPr>
-                      <a:r>
-                        <a:rPr lang="x-none" sz="1400" kern="100" dirty="0">
-                          <a:effectLst/>
-                          <a:latin typeface="微软雅黑 Light" panose="020B0502040204020203" pitchFamily="34" charset="-122"/>
-                          <a:ea typeface="微软雅黑 Light" panose="020B0502040204020203" pitchFamily="34" charset="-122"/>
-                        </a:rPr>
-                        <a:t>APP</a:t>
-                      </a:r>
-                      <a:endParaRPr lang="zh-CN" sz="1400" kern="100" dirty="0">
-                        <a:effectLst/>
-                        <a:latin typeface="微软雅黑 Light" panose="020B0502040204020203" pitchFamily="34" charset="-122"/>
-                        <a:ea typeface="微软雅黑 Light" panose="020B0502040204020203" pitchFamily="34" charset="-122"/>
-                        <a:cs typeface="Times New Roman" panose="02020603050405020304" pitchFamily="18" charset="0"/>
-                      </a:endParaRPr>
-                    </a:p>
-                  </a:txBody>
-                  <a:tcPr marL="68580" marR="68580" marT="0" marB="0" anchor="ctr"/>
-                </a:tc>
-                <a:tc>
-                  <a:txBody>
-                    <a:bodyPr/>
-                    <a:lstStyle/>
-                    <a:p>
-                      <a:pPr indent="127000" algn="ctr">
-                        <a:spcAft>
-                          <a:spcPts val="0"/>
-                        </a:spcAft>
-                      </a:pPr>
-                      <a:r>
-                        <a:rPr lang="zh-CN" sz="1400" kern="100">
-                          <a:effectLst/>
-                          <a:latin typeface="微软雅黑 Light" panose="020B0502040204020203" pitchFamily="34" charset="-122"/>
-                          <a:ea typeface="微软雅黑 Light" panose="020B0502040204020203" pitchFamily="34" charset="-122"/>
-                        </a:rPr>
-                        <a:t>小程序</a:t>
-                      </a:r>
-                      <a:endParaRPr lang="zh-CN" sz="1400" kern="100">
-                        <a:effectLst/>
-                        <a:latin typeface="微软雅黑 Light" panose="020B0502040204020203" pitchFamily="34" charset="-122"/>
-                        <a:ea typeface="微软雅黑 Light" panose="020B0502040204020203" pitchFamily="34" charset="-122"/>
-                        <a:cs typeface="Times New Roman" panose="02020603050405020304" pitchFamily="18" charset="0"/>
-                      </a:endParaRPr>
-                    </a:p>
-                  </a:txBody>
-                  <a:tcPr marL="68580" marR="68580" marT="0" marB="0" anchor="ctr"/>
-                </a:tc>
-                <a:tc>
-                  <a:txBody>
-                    <a:bodyPr/>
-                    <a:lstStyle/>
-                    <a:p>
-                      <a:pPr indent="127000" algn="ctr">
-                        <a:spcAft>
-                          <a:spcPts val="0"/>
-                        </a:spcAft>
-                      </a:pPr>
-                      <a:r>
-                        <a:rPr lang="x-none" sz="1400" kern="100" dirty="0">
-                          <a:effectLst/>
-                          <a:latin typeface="微软雅黑 Light" panose="020B0502040204020203" pitchFamily="34" charset="-122"/>
-                          <a:ea typeface="微软雅黑 Light" panose="020B0502040204020203" pitchFamily="34" charset="-122"/>
-                        </a:rPr>
-                        <a:t>H5</a:t>
-                      </a:r>
-                      <a:endParaRPr lang="zh-CN" sz="1400" kern="100" dirty="0">
-                        <a:effectLst/>
-                        <a:latin typeface="微软雅黑 Light" panose="020B0502040204020203" pitchFamily="34" charset="-122"/>
-                        <a:ea typeface="微软雅黑 Light" panose="020B0502040204020203" pitchFamily="34" charset="-122"/>
-                        <a:cs typeface="Times New Roman" panose="02020603050405020304" pitchFamily="18" charset="0"/>
-                      </a:endParaRPr>
-                    </a:p>
-                  </a:txBody>
-                  <a:tcPr marL="68580" marR="68580" marT="0" marB="0" anchor="ctr"/>
-                </a:tc>
-                <a:extLst>
-                  <a:ext uri="{0D108BD9-81ED-4DB2-BD59-A6C34878D82A}">
-                    <a16:rowId xmlns:a16="http://schemas.microsoft.com/office/drawing/2014/main" val="3733550440"/>
-                  </a:ext>
-                </a:extLst>
-              </a:tr>
-              <a:tr h="571144">
-                <a:tc>
-                  <a:txBody>
-                    <a:bodyPr/>
-                    <a:lstStyle/>
-                    <a:p>
-                      <a:pPr indent="127000" algn="ctr">
-                        <a:spcAft>
-                          <a:spcPts val="0"/>
-                        </a:spcAft>
-                      </a:pPr>
-                      <a:r>
-                        <a:rPr lang="zh-CN" sz="1400" kern="100">
-                          <a:effectLst/>
-                          <a:latin typeface="微软雅黑 Light" panose="020B0502040204020203" pitchFamily="34" charset="-122"/>
-                          <a:ea typeface="微软雅黑 Light" panose="020B0502040204020203" pitchFamily="34" charset="-122"/>
-                        </a:rPr>
-                        <a:t>运行环境</a:t>
-                      </a:r>
-                      <a:endParaRPr lang="zh-CN" sz="1400" kern="100">
-                        <a:effectLst/>
-                        <a:latin typeface="微软雅黑 Light" panose="020B0502040204020203" pitchFamily="34" charset="-122"/>
-                        <a:ea typeface="微软雅黑 Light" panose="020B0502040204020203" pitchFamily="34" charset="-122"/>
-                        <a:cs typeface="Times New Roman" panose="02020603050405020304" pitchFamily="18" charset="0"/>
-                      </a:endParaRPr>
-                    </a:p>
-                  </a:txBody>
-                  <a:tcPr marL="68580" marR="68580" marT="0" marB="0" anchor="ctr"/>
-                </a:tc>
-                <a:tc>
-                  <a:txBody>
-                    <a:bodyPr/>
-                    <a:lstStyle/>
-                    <a:p>
-                      <a:pPr indent="127000" algn="ctr">
-                        <a:spcAft>
-                          <a:spcPts val="0"/>
-                        </a:spcAft>
-                      </a:pPr>
-                      <a:r>
-                        <a:rPr lang="zh-CN" sz="1400" kern="100" dirty="0">
-                          <a:effectLst/>
-                          <a:latin typeface="微软雅黑 Light" panose="020B0502040204020203" pitchFamily="34" charset="-122"/>
-                          <a:ea typeface="微软雅黑 Light" panose="020B0502040204020203" pitchFamily="34" charset="-122"/>
-                        </a:rPr>
-                        <a:t>直接运行在手机的操作系统上，如</a:t>
-                      </a:r>
-                      <a:r>
-                        <a:rPr lang="x-none" sz="1400" kern="100" dirty="0">
-                          <a:effectLst/>
-                          <a:latin typeface="微软雅黑 Light" panose="020B0502040204020203" pitchFamily="34" charset="-122"/>
-                          <a:ea typeface="微软雅黑 Light" panose="020B0502040204020203" pitchFamily="34" charset="-122"/>
-                        </a:rPr>
-                        <a:t>IOS</a:t>
-                      </a:r>
-                      <a:r>
-                        <a:rPr lang="zh-CN" sz="1400" kern="100" dirty="0">
-                          <a:effectLst/>
-                          <a:latin typeface="微软雅黑 Light" panose="020B0502040204020203" pitchFamily="34" charset="-122"/>
-                          <a:ea typeface="微软雅黑 Light" panose="020B0502040204020203" pitchFamily="34" charset="-122"/>
-                        </a:rPr>
-                        <a:t>、</a:t>
-                      </a:r>
-                      <a:r>
-                        <a:rPr lang="x-none" sz="1400" kern="100" dirty="0">
-                          <a:effectLst/>
-                          <a:latin typeface="微软雅黑 Light" panose="020B0502040204020203" pitchFamily="34" charset="-122"/>
-                          <a:ea typeface="微软雅黑 Light" panose="020B0502040204020203" pitchFamily="34" charset="-122"/>
-                        </a:rPr>
-                        <a:t>Android</a:t>
-                      </a:r>
-                      <a:endParaRPr lang="zh-CN" sz="1400" kern="100" dirty="0">
-                        <a:effectLst/>
-                        <a:latin typeface="微软雅黑 Light" panose="020B0502040204020203" pitchFamily="34" charset="-122"/>
-                        <a:ea typeface="微软雅黑 Light" panose="020B0502040204020203" pitchFamily="34" charset="-122"/>
-                        <a:cs typeface="Times New Roman" panose="02020603050405020304" pitchFamily="18" charset="0"/>
-                      </a:endParaRPr>
-                    </a:p>
-                  </a:txBody>
-                  <a:tcPr marL="68580" marR="68580" marT="0" marB="0" anchor="ctr"/>
-                </a:tc>
-                <a:tc>
-                  <a:txBody>
-                    <a:bodyPr/>
-                    <a:lstStyle/>
-                    <a:p>
-                      <a:pPr indent="127000" algn="ctr">
-                        <a:spcAft>
-                          <a:spcPts val="0"/>
-                        </a:spcAft>
-                      </a:pPr>
-                      <a:r>
-                        <a:rPr lang="zh-CN" sz="1400" kern="100">
-                          <a:effectLst/>
-                          <a:latin typeface="微软雅黑 Light" panose="020B0502040204020203" pitchFamily="34" charset="-122"/>
-                          <a:ea typeface="微软雅黑 Light" panose="020B0502040204020203" pitchFamily="34" charset="-122"/>
-                        </a:rPr>
-                        <a:t>手机端微信</a:t>
-                      </a:r>
-                      <a:endParaRPr lang="zh-CN" sz="1400" kern="100">
-                        <a:effectLst/>
-                        <a:latin typeface="微软雅黑 Light" panose="020B0502040204020203" pitchFamily="34" charset="-122"/>
-                        <a:ea typeface="微软雅黑 Light" panose="020B0502040204020203" pitchFamily="34" charset="-122"/>
-                        <a:cs typeface="Times New Roman" panose="02020603050405020304" pitchFamily="18" charset="0"/>
-                      </a:endParaRPr>
-                    </a:p>
-                  </a:txBody>
-                  <a:tcPr marL="68580" marR="68580" marT="0" marB="0" anchor="ctr"/>
-                </a:tc>
-                <a:tc>
-                  <a:txBody>
-                    <a:bodyPr/>
-                    <a:lstStyle/>
-                    <a:p>
-                      <a:pPr indent="127000" algn="ctr">
-                        <a:spcAft>
-                          <a:spcPts val="0"/>
-                        </a:spcAft>
-                      </a:pPr>
-                      <a:r>
-                        <a:rPr lang="zh-CN" sz="1400" kern="100">
-                          <a:effectLst/>
-                          <a:latin typeface="微软雅黑 Light" panose="020B0502040204020203" pitchFamily="34" charset="-122"/>
-                          <a:ea typeface="微软雅黑 Light" panose="020B0502040204020203" pitchFamily="34" charset="-122"/>
-                        </a:rPr>
-                        <a:t>浏览器</a:t>
-                      </a:r>
-                      <a:endParaRPr lang="zh-CN" sz="1400" kern="100">
-                        <a:effectLst/>
-                        <a:latin typeface="微软雅黑 Light" panose="020B0502040204020203" pitchFamily="34" charset="-122"/>
-                        <a:ea typeface="微软雅黑 Light" panose="020B0502040204020203" pitchFamily="34" charset="-122"/>
-                        <a:cs typeface="Times New Roman" panose="02020603050405020304" pitchFamily="18" charset="0"/>
-                      </a:endParaRPr>
-                    </a:p>
-                  </a:txBody>
-                  <a:tcPr marL="68580" marR="68580" marT="0" marB="0" anchor="ctr"/>
-                </a:tc>
-                <a:extLst>
-                  <a:ext uri="{0D108BD9-81ED-4DB2-BD59-A6C34878D82A}">
-                    <a16:rowId xmlns:a16="http://schemas.microsoft.com/office/drawing/2014/main" val="3167188947"/>
-                  </a:ext>
-                </a:extLst>
-              </a:tr>
-              <a:tr h="1232264">
-                <a:tc>
-                  <a:txBody>
-                    <a:bodyPr/>
-                    <a:lstStyle/>
-                    <a:p>
-                      <a:pPr indent="127000" algn="ctr">
-                        <a:spcAft>
-                          <a:spcPts val="0"/>
-                        </a:spcAft>
-                      </a:pPr>
-                      <a:r>
-                        <a:rPr lang="zh-CN" sz="1400" kern="100">
-                          <a:effectLst/>
-                          <a:latin typeface="微软雅黑 Light" panose="020B0502040204020203" pitchFamily="34" charset="-122"/>
-                          <a:ea typeface="微软雅黑 Light" panose="020B0502040204020203" pitchFamily="34" charset="-122"/>
-                        </a:rPr>
-                        <a:t>开发成本</a:t>
-                      </a:r>
-                      <a:endParaRPr lang="zh-CN" sz="1400" kern="100">
-                        <a:effectLst/>
-                        <a:latin typeface="微软雅黑 Light" panose="020B0502040204020203" pitchFamily="34" charset="-122"/>
-                        <a:ea typeface="微软雅黑 Light" panose="020B0502040204020203" pitchFamily="34" charset="-122"/>
-                        <a:cs typeface="Times New Roman" panose="02020603050405020304" pitchFamily="18" charset="0"/>
-                      </a:endParaRPr>
-                    </a:p>
-                  </a:txBody>
-                  <a:tcPr marL="68580" marR="68580" marT="0" marB="0" anchor="ctr"/>
-                </a:tc>
-                <a:tc>
-                  <a:txBody>
-                    <a:bodyPr/>
-                    <a:lstStyle/>
-                    <a:p>
-                      <a:pPr indent="127000" algn="ctr">
-                        <a:spcAft>
-                          <a:spcPts val="0"/>
-                        </a:spcAft>
-                      </a:pPr>
-                      <a:r>
-                        <a:rPr lang="zh-CN" sz="1400" kern="100">
-                          <a:effectLst/>
-                          <a:latin typeface="微软雅黑 Light" panose="020B0502040204020203" pitchFamily="34" charset="-122"/>
-                          <a:ea typeface="微软雅黑 Light" panose="020B0502040204020203" pitchFamily="34" charset="-122"/>
-                        </a:rPr>
-                        <a:t>涉及到多个平台的开发工具、语言，以及不同设备的适配问题，特别是目前手机的刘海问题。所以三者中为难</a:t>
-                      </a:r>
-                      <a:endParaRPr lang="zh-CN" sz="1400" kern="100">
-                        <a:effectLst/>
-                        <a:latin typeface="微软雅黑 Light" panose="020B0502040204020203" pitchFamily="34" charset="-122"/>
-                        <a:ea typeface="微软雅黑 Light" panose="020B0502040204020203" pitchFamily="34" charset="-122"/>
-                        <a:cs typeface="Times New Roman" panose="02020603050405020304" pitchFamily="18" charset="0"/>
-                      </a:endParaRPr>
-                    </a:p>
-                  </a:txBody>
-                  <a:tcPr marL="68580" marR="68580" marT="0" marB="0" anchor="ctr"/>
-                </a:tc>
-                <a:tc>
-                  <a:txBody>
-                    <a:bodyPr/>
-                    <a:lstStyle/>
-                    <a:p>
-                      <a:pPr indent="127000" algn="ctr">
-                        <a:spcAft>
-                          <a:spcPts val="0"/>
-                        </a:spcAft>
-                      </a:pPr>
-                      <a:r>
-                        <a:rPr lang="zh-CN" sz="1400" kern="100">
-                          <a:effectLst/>
-                          <a:latin typeface="微软雅黑 Light" panose="020B0502040204020203" pitchFamily="34" charset="-122"/>
-                          <a:ea typeface="微软雅黑 Light" panose="020B0502040204020203" pitchFamily="34" charset="-122"/>
-                        </a:rPr>
-                        <a:t>小程序就是在微信中运行，微信团队提供了开发者工具，并且规范了开发标准，开发者不需要考虑不同平台、设备的适配问题。所以三者中为简单</a:t>
-                      </a:r>
-                      <a:endParaRPr lang="zh-CN" sz="1400" kern="100">
-                        <a:effectLst/>
-                        <a:latin typeface="微软雅黑 Light" panose="020B0502040204020203" pitchFamily="34" charset="-122"/>
-                        <a:ea typeface="微软雅黑 Light" panose="020B0502040204020203" pitchFamily="34" charset="-122"/>
-                        <a:cs typeface="Times New Roman" panose="02020603050405020304" pitchFamily="18" charset="0"/>
-                      </a:endParaRPr>
-                    </a:p>
-                  </a:txBody>
-                  <a:tcPr marL="68580" marR="68580" marT="0" marB="0" anchor="ctr"/>
-                </a:tc>
-                <a:tc>
-                  <a:txBody>
-                    <a:bodyPr/>
-                    <a:lstStyle/>
-                    <a:p>
-                      <a:pPr indent="127000" algn="ctr">
-                        <a:spcAft>
-                          <a:spcPts val="0"/>
-                        </a:spcAft>
-                      </a:pPr>
-                      <a:r>
-                        <a:rPr lang="zh-CN" sz="1400" kern="100">
-                          <a:effectLst/>
-                          <a:latin typeface="微软雅黑 Light" panose="020B0502040204020203" pitchFamily="34" charset="-122"/>
-                          <a:ea typeface="微软雅黑 Light" panose="020B0502040204020203" pitchFamily="34" charset="-122"/>
-                        </a:rPr>
-                        <a:t>与小程序开发成本差不多，开发形式比较标准，开发速度较快，所以三者中为中等。</a:t>
-                      </a:r>
-                      <a:endParaRPr lang="zh-CN" sz="1400" kern="100">
-                        <a:effectLst/>
-                        <a:latin typeface="微软雅黑 Light" panose="020B0502040204020203" pitchFamily="34" charset="-122"/>
-                        <a:ea typeface="微软雅黑 Light" panose="020B0502040204020203" pitchFamily="34" charset="-122"/>
-                        <a:cs typeface="Times New Roman" panose="02020603050405020304" pitchFamily="18" charset="0"/>
-                      </a:endParaRPr>
-                    </a:p>
-                  </a:txBody>
-                  <a:tcPr marL="68580" marR="68580" marT="0" marB="0" anchor="ctr"/>
-                </a:tc>
-                <a:extLst>
-                  <a:ext uri="{0D108BD9-81ED-4DB2-BD59-A6C34878D82A}">
-                    <a16:rowId xmlns:a16="http://schemas.microsoft.com/office/drawing/2014/main" val="897935017"/>
-                  </a:ext>
-                </a:extLst>
-              </a:tr>
-              <a:tr h="985812">
-                <a:tc>
-                  <a:txBody>
-                    <a:bodyPr/>
-                    <a:lstStyle/>
-                    <a:p>
-                      <a:pPr indent="127000" algn="ctr">
-                        <a:spcAft>
-                          <a:spcPts val="0"/>
-                        </a:spcAft>
-                      </a:pPr>
-                      <a:r>
-                        <a:rPr lang="zh-CN" sz="1400" kern="100">
-                          <a:effectLst/>
-                          <a:latin typeface="微软雅黑 Light" panose="020B0502040204020203" pitchFamily="34" charset="-122"/>
-                          <a:ea typeface="微软雅黑 Light" panose="020B0502040204020203" pitchFamily="34" charset="-122"/>
-                        </a:rPr>
-                        <a:t>系统权限</a:t>
-                      </a:r>
-                      <a:endParaRPr lang="zh-CN" sz="1400" kern="100">
-                        <a:effectLst/>
-                        <a:latin typeface="微软雅黑 Light" panose="020B0502040204020203" pitchFamily="34" charset="-122"/>
-                        <a:ea typeface="微软雅黑 Light" panose="020B0502040204020203" pitchFamily="34" charset="-122"/>
-                        <a:cs typeface="Times New Roman" panose="02020603050405020304" pitchFamily="18" charset="0"/>
-                      </a:endParaRPr>
-                    </a:p>
-                  </a:txBody>
-                  <a:tcPr marL="68580" marR="68580" marT="0" marB="0" anchor="ctr"/>
-                </a:tc>
-                <a:tc>
-                  <a:txBody>
-                    <a:bodyPr/>
-                    <a:lstStyle/>
-                    <a:p>
-                      <a:pPr indent="127000" algn="ctr">
-                        <a:spcAft>
-                          <a:spcPts val="0"/>
-                        </a:spcAft>
-                      </a:pPr>
-                      <a:r>
-                        <a:rPr lang="zh-CN" sz="1400" kern="100">
-                          <a:effectLst/>
-                          <a:latin typeface="微软雅黑 Light" panose="020B0502040204020203" pitchFamily="34" charset="-122"/>
-                          <a:ea typeface="微软雅黑 Light" panose="020B0502040204020203" pitchFamily="34" charset="-122"/>
-                        </a:rPr>
-                        <a:t>可以使用操作系统提供的</a:t>
-                      </a:r>
-                      <a:r>
-                        <a:rPr lang="x-none" sz="1400" kern="100">
-                          <a:effectLst/>
-                          <a:latin typeface="微软雅黑 Light" panose="020B0502040204020203" pitchFamily="34" charset="-122"/>
-                          <a:ea typeface="微软雅黑 Light" panose="020B0502040204020203" pitchFamily="34" charset="-122"/>
-                        </a:rPr>
-                        <a:t>API</a:t>
-                      </a:r>
-                      <a:r>
-                        <a:rPr lang="zh-CN" sz="1400" kern="100">
-                          <a:effectLst/>
-                          <a:latin typeface="微软雅黑 Light" panose="020B0502040204020203" pitchFamily="34" charset="-122"/>
-                          <a:ea typeface="微软雅黑 Light" panose="020B0502040204020203" pitchFamily="34" charset="-122"/>
-                        </a:rPr>
-                        <a:t>；可以给用户推送消息；需要通过手机应用商店下载</a:t>
-                      </a:r>
-                      <a:endParaRPr lang="zh-CN" sz="1400" kern="100">
-                        <a:effectLst/>
-                        <a:latin typeface="微软雅黑 Light" panose="020B0502040204020203" pitchFamily="34" charset="-122"/>
-                        <a:ea typeface="微软雅黑 Light" panose="020B0502040204020203" pitchFamily="34" charset="-122"/>
-                        <a:cs typeface="Times New Roman" panose="02020603050405020304" pitchFamily="18" charset="0"/>
-                      </a:endParaRPr>
-                    </a:p>
-                  </a:txBody>
-                  <a:tcPr marL="68580" marR="68580" marT="0" marB="0" anchor="ctr"/>
-                </a:tc>
-                <a:tc>
-                  <a:txBody>
-                    <a:bodyPr/>
-                    <a:lstStyle/>
-                    <a:p>
-                      <a:pPr indent="127000" algn="ctr">
-                        <a:spcAft>
-                          <a:spcPts val="0"/>
-                        </a:spcAft>
-                      </a:pPr>
-                      <a:r>
-                        <a:rPr lang="zh-CN" sz="1400" kern="100">
-                          <a:effectLst/>
-                          <a:latin typeface="微软雅黑 Light" panose="020B0502040204020203" pitchFamily="34" charset="-122"/>
-                          <a:ea typeface="微软雅黑 Light" panose="020B0502040204020203" pitchFamily="34" charset="-122"/>
-                        </a:rPr>
-                        <a:t>基于微信，受限于微信：只能使用微信提供的</a:t>
-                      </a:r>
-                      <a:r>
-                        <a:rPr lang="x-none" sz="1400" kern="100">
-                          <a:effectLst/>
-                          <a:latin typeface="微软雅黑 Light" panose="020B0502040204020203" pitchFamily="34" charset="-122"/>
-                          <a:ea typeface="微软雅黑 Light" panose="020B0502040204020203" pitchFamily="34" charset="-122"/>
-                        </a:rPr>
-                        <a:t>API</a:t>
-                      </a:r>
-                      <a:r>
-                        <a:rPr lang="zh-CN" sz="1400" kern="100">
-                          <a:effectLst/>
-                          <a:latin typeface="微软雅黑 Light" panose="020B0502040204020203" pitchFamily="34" charset="-122"/>
-                          <a:ea typeface="微软雅黑 Light" panose="020B0502040204020203" pitchFamily="34" charset="-122"/>
-                        </a:rPr>
-                        <a:t>；不能给用户推送信息；无需下载，通过小程序码在微信上打开。</a:t>
-                      </a:r>
-                      <a:endParaRPr lang="zh-CN" sz="1400" kern="100">
-                        <a:effectLst/>
-                        <a:latin typeface="微软雅黑 Light" panose="020B0502040204020203" pitchFamily="34" charset="-122"/>
-                        <a:ea typeface="微软雅黑 Light" panose="020B0502040204020203" pitchFamily="34" charset="-122"/>
-                        <a:cs typeface="Times New Roman" panose="02020603050405020304" pitchFamily="18" charset="0"/>
-                      </a:endParaRPr>
-                    </a:p>
-                  </a:txBody>
-                  <a:tcPr marL="68580" marR="68580" marT="0" marB="0" anchor="ctr"/>
-                </a:tc>
-                <a:tc>
-                  <a:txBody>
-                    <a:bodyPr/>
-                    <a:lstStyle/>
-                    <a:p>
-                      <a:pPr indent="127000" algn="ctr">
-                        <a:spcAft>
-                          <a:spcPts val="0"/>
-                        </a:spcAft>
-                      </a:pPr>
-                      <a:r>
-                        <a:rPr lang="x-none" sz="1400" kern="100">
-                          <a:effectLst/>
-                          <a:latin typeface="微软雅黑 Light" panose="020B0502040204020203" pitchFamily="34" charset="-122"/>
-                          <a:ea typeface="微软雅黑 Light" panose="020B0502040204020203" pitchFamily="34" charset="-122"/>
-                        </a:rPr>
-                        <a:t>H5</a:t>
-                      </a:r>
-                      <a:r>
-                        <a:rPr lang="zh-CN" sz="1400" kern="100">
-                          <a:effectLst/>
-                          <a:latin typeface="微软雅黑 Light" panose="020B0502040204020203" pitchFamily="34" charset="-122"/>
-                          <a:ea typeface="微软雅黑 Light" panose="020B0502040204020203" pitchFamily="34" charset="-122"/>
-                        </a:rPr>
-                        <a:t>获得的权限比小程序更少，导致其所能实现的功能单一。使用</a:t>
-                      </a:r>
-                      <a:r>
-                        <a:rPr lang="x-none" sz="1400" kern="100">
-                          <a:effectLst/>
-                          <a:latin typeface="微软雅黑 Light" panose="020B0502040204020203" pitchFamily="34" charset="-122"/>
-                          <a:ea typeface="微软雅黑 Light" panose="020B0502040204020203" pitchFamily="34" charset="-122"/>
-                        </a:rPr>
-                        <a:t>API</a:t>
-                      </a:r>
-                      <a:r>
-                        <a:rPr lang="zh-CN" sz="1400" kern="100">
-                          <a:effectLst/>
-                          <a:latin typeface="微软雅黑 Light" panose="020B0502040204020203" pitchFamily="34" charset="-122"/>
-                          <a:ea typeface="微软雅黑 Light" panose="020B0502040204020203" pitchFamily="34" charset="-122"/>
-                        </a:rPr>
-                        <a:t>时要考虑浏览器的兼容性。</a:t>
-                      </a:r>
-                      <a:endParaRPr lang="zh-CN" sz="1400" kern="100">
-                        <a:effectLst/>
-                        <a:latin typeface="微软雅黑 Light" panose="020B0502040204020203" pitchFamily="34" charset="-122"/>
-                        <a:ea typeface="微软雅黑 Light" panose="020B0502040204020203" pitchFamily="34" charset="-122"/>
-                        <a:cs typeface="Times New Roman" panose="02020603050405020304" pitchFamily="18" charset="0"/>
-                      </a:endParaRPr>
-                    </a:p>
-                  </a:txBody>
-                  <a:tcPr marL="68580" marR="68580" marT="0" marB="0" anchor="ctr"/>
-                </a:tc>
-                <a:extLst>
-                  <a:ext uri="{0D108BD9-81ED-4DB2-BD59-A6C34878D82A}">
-                    <a16:rowId xmlns:a16="http://schemas.microsoft.com/office/drawing/2014/main" val="3591045392"/>
-                  </a:ext>
-                </a:extLst>
-              </a:tr>
-              <a:tr h="739360">
-                <a:tc>
-                  <a:txBody>
-                    <a:bodyPr/>
-                    <a:lstStyle/>
-                    <a:p>
-                      <a:pPr indent="127000" algn="ctr">
-                        <a:spcAft>
-                          <a:spcPts val="0"/>
-                        </a:spcAft>
-                      </a:pPr>
-                      <a:r>
-                        <a:rPr lang="zh-CN" sz="1400" kern="100">
-                          <a:effectLst/>
-                          <a:latin typeface="微软雅黑 Light" panose="020B0502040204020203" pitchFamily="34" charset="-122"/>
-                          <a:ea typeface="微软雅黑 Light" panose="020B0502040204020203" pitchFamily="34" charset="-122"/>
-                        </a:rPr>
-                        <a:t>运行流畅度</a:t>
-                      </a:r>
-                      <a:endParaRPr lang="zh-CN" sz="1400" kern="100">
-                        <a:effectLst/>
-                        <a:latin typeface="微软雅黑 Light" panose="020B0502040204020203" pitchFamily="34" charset="-122"/>
-                        <a:ea typeface="微软雅黑 Light" panose="020B0502040204020203" pitchFamily="34" charset="-122"/>
-                        <a:cs typeface="Times New Roman" panose="02020603050405020304" pitchFamily="18" charset="0"/>
-                      </a:endParaRPr>
-                    </a:p>
-                  </a:txBody>
-                  <a:tcPr marL="68580" marR="68580" marT="0" marB="0" anchor="ctr"/>
-                </a:tc>
-                <a:tc>
-                  <a:txBody>
-                    <a:bodyPr/>
-                    <a:lstStyle/>
-                    <a:p>
-                      <a:pPr indent="127000" algn="ctr">
-                        <a:spcAft>
-                          <a:spcPts val="0"/>
-                        </a:spcAft>
-                      </a:pPr>
-                      <a:r>
-                        <a:rPr lang="zh-CN" sz="1400" kern="100">
-                          <a:effectLst/>
-                          <a:latin typeface="微软雅黑 Light" panose="020B0502040204020203" pitchFamily="34" charset="-122"/>
-                          <a:ea typeface="微软雅黑 Light" panose="020B0502040204020203" pitchFamily="34" charset="-122"/>
-                        </a:rPr>
-                        <a:t>直接在手机操作系统上运行，流畅度最好</a:t>
-                      </a:r>
-                      <a:endParaRPr lang="zh-CN" sz="1400" kern="100">
-                        <a:effectLst/>
-                        <a:latin typeface="微软雅黑 Light" panose="020B0502040204020203" pitchFamily="34" charset="-122"/>
-                        <a:ea typeface="微软雅黑 Light" panose="020B0502040204020203" pitchFamily="34" charset="-122"/>
-                        <a:cs typeface="Times New Roman" panose="02020603050405020304" pitchFamily="18" charset="0"/>
-                      </a:endParaRPr>
-                    </a:p>
-                  </a:txBody>
-                  <a:tcPr marL="68580" marR="68580" marT="0" marB="0" anchor="ctr"/>
-                </a:tc>
-                <a:tc>
-                  <a:txBody>
-                    <a:bodyPr/>
-                    <a:lstStyle/>
-                    <a:p>
-                      <a:pPr indent="127000" algn="ctr">
-                        <a:spcAft>
-                          <a:spcPts val="0"/>
-                        </a:spcAft>
-                      </a:pPr>
-                      <a:r>
-                        <a:rPr lang="zh-CN" sz="1400" kern="100">
-                          <a:effectLst/>
-                          <a:latin typeface="微软雅黑 Light" panose="020B0502040204020203" pitchFamily="34" charset="-122"/>
-                          <a:ea typeface="微软雅黑 Light" panose="020B0502040204020203" pitchFamily="34" charset="-122"/>
-                        </a:rPr>
-                        <a:t>运行在微信的进程中，流畅度中等</a:t>
-                      </a:r>
-                      <a:endParaRPr lang="zh-CN" sz="1400" kern="100">
-                        <a:effectLst/>
-                        <a:latin typeface="微软雅黑 Light" panose="020B0502040204020203" pitchFamily="34" charset="-122"/>
-                        <a:ea typeface="微软雅黑 Light" panose="020B0502040204020203" pitchFamily="34" charset="-122"/>
-                        <a:cs typeface="Times New Roman" panose="02020603050405020304" pitchFamily="18" charset="0"/>
-                      </a:endParaRPr>
-                    </a:p>
-                  </a:txBody>
-                  <a:tcPr marL="68580" marR="68580" marT="0" marB="0" anchor="ctr"/>
-                </a:tc>
-                <a:tc>
-                  <a:txBody>
-                    <a:bodyPr/>
-                    <a:lstStyle/>
-                    <a:p>
-                      <a:pPr indent="127000" algn="ctr">
-                        <a:spcAft>
-                          <a:spcPts val="0"/>
-                        </a:spcAft>
-                      </a:pPr>
-                      <a:r>
-                        <a:rPr lang="x-none" sz="1400" kern="100">
-                          <a:effectLst/>
-                          <a:latin typeface="微软雅黑 Light" panose="020B0502040204020203" pitchFamily="34" charset="-122"/>
-                          <a:ea typeface="微软雅黑 Light" panose="020B0502040204020203" pitchFamily="34" charset="-122"/>
-                        </a:rPr>
-                        <a:t>在面对丰富的页面交互时，体验较差。运行速度慢，耗费网速。流畅度差</a:t>
-                      </a:r>
-                      <a:endParaRPr lang="zh-CN" sz="1400" kern="100">
-                        <a:effectLst/>
-                        <a:latin typeface="微软雅黑 Light" panose="020B0502040204020203" pitchFamily="34" charset="-122"/>
-                        <a:ea typeface="微软雅黑 Light" panose="020B0502040204020203" pitchFamily="34" charset="-122"/>
-                        <a:cs typeface="Times New Roman" panose="02020603050405020304" pitchFamily="18" charset="0"/>
-                      </a:endParaRPr>
-                    </a:p>
-                  </a:txBody>
-                  <a:tcPr marL="68580" marR="68580" marT="0" marB="0" anchor="ctr"/>
-                </a:tc>
-                <a:extLst>
-                  <a:ext uri="{0D108BD9-81ED-4DB2-BD59-A6C34878D82A}">
-                    <a16:rowId xmlns:a16="http://schemas.microsoft.com/office/drawing/2014/main" val="3280165233"/>
-                  </a:ext>
-                </a:extLst>
-              </a:tr>
-              <a:tr h="739360">
-                <a:tc>
-                  <a:txBody>
-                    <a:bodyPr/>
-                    <a:lstStyle/>
-                    <a:p>
-                      <a:pPr indent="127000" algn="ctr">
-                        <a:spcAft>
-                          <a:spcPts val="0"/>
-                        </a:spcAft>
-                      </a:pPr>
-                      <a:r>
-                        <a:rPr lang="zh-CN" sz="1400" kern="100">
-                          <a:effectLst/>
-                          <a:latin typeface="微软雅黑 Light" panose="020B0502040204020203" pitchFamily="34" charset="-122"/>
-                          <a:ea typeface="微软雅黑 Light" panose="020B0502040204020203" pitchFamily="34" charset="-122"/>
-                        </a:rPr>
-                        <a:t>优点</a:t>
-                      </a:r>
-                      <a:endParaRPr lang="zh-CN" sz="1400" kern="100">
-                        <a:effectLst/>
-                        <a:latin typeface="微软雅黑 Light" panose="020B0502040204020203" pitchFamily="34" charset="-122"/>
-                        <a:ea typeface="微软雅黑 Light" panose="020B0502040204020203" pitchFamily="34" charset="-122"/>
-                        <a:cs typeface="Times New Roman" panose="02020603050405020304" pitchFamily="18" charset="0"/>
-                      </a:endParaRPr>
-                    </a:p>
-                  </a:txBody>
-                  <a:tcPr marL="68580" marR="68580" marT="0" marB="0" anchor="ctr"/>
-                </a:tc>
-                <a:tc>
-                  <a:txBody>
-                    <a:bodyPr/>
-                    <a:lstStyle/>
-                    <a:p>
-                      <a:pPr indent="127000" algn="ctr">
-                        <a:spcAft>
-                          <a:spcPts val="0"/>
-                        </a:spcAft>
-                      </a:pPr>
-                      <a:r>
-                        <a:rPr lang="x-none" sz="1400" kern="100">
-                          <a:effectLst/>
-                          <a:latin typeface="微软雅黑 Light" panose="020B0502040204020203" pitchFamily="34" charset="-122"/>
-                          <a:ea typeface="微软雅黑 Light" panose="020B0502040204020203" pitchFamily="34" charset="-122"/>
-                        </a:rPr>
-                        <a:t>实现最丰富的功能和最华丽的交互。</a:t>
-                      </a:r>
-                      <a:endParaRPr lang="zh-CN" sz="1400" kern="100">
-                        <a:effectLst/>
-                        <a:latin typeface="微软雅黑 Light" panose="020B0502040204020203" pitchFamily="34" charset="-122"/>
-                        <a:ea typeface="微软雅黑 Light" panose="020B0502040204020203" pitchFamily="34" charset="-122"/>
-                        <a:cs typeface="Times New Roman" panose="02020603050405020304" pitchFamily="18" charset="0"/>
-                      </a:endParaRPr>
-                    </a:p>
-                  </a:txBody>
-                  <a:tcPr marL="68580" marR="68580" marT="0" marB="0" anchor="ctr"/>
-                </a:tc>
-                <a:tc>
-                  <a:txBody>
-                    <a:bodyPr/>
-                    <a:lstStyle/>
-                    <a:p>
-                      <a:pPr indent="127000" algn="ctr">
-                        <a:spcAft>
-                          <a:spcPts val="0"/>
-                        </a:spcAft>
-                      </a:pPr>
-                      <a:r>
-                        <a:rPr lang="x-none" sz="1400" kern="100">
-                          <a:effectLst/>
-                          <a:latin typeface="微软雅黑 Light" panose="020B0502040204020203" pitchFamily="34" charset="-122"/>
-                          <a:ea typeface="微软雅黑 Light" panose="020B0502040204020203" pitchFamily="34" charset="-122"/>
-                        </a:rPr>
-                        <a:t>即点即用，用户使用成本低。开发、维护成本低。微信的用户量大，便于推广。</a:t>
-                      </a:r>
-                      <a:endParaRPr lang="zh-CN" sz="1400" kern="100">
-                        <a:effectLst/>
-                        <a:latin typeface="微软雅黑 Light" panose="020B0502040204020203" pitchFamily="34" charset="-122"/>
-                        <a:ea typeface="微软雅黑 Light" panose="020B0502040204020203" pitchFamily="34" charset="-122"/>
-                        <a:cs typeface="Times New Roman" panose="02020603050405020304" pitchFamily="18" charset="0"/>
-                      </a:endParaRPr>
-                    </a:p>
-                  </a:txBody>
-                  <a:tcPr marL="68580" marR="68580" marT="0" marB="0" anchor="ctr"/>
-                </a:tc>
-                <a:tc>
-                  <a:txBody>
-                    <a:bodyPr/>
-                    <a:lstStyle/>
-                    <a:p>
-                      <a:pPr indent="127000" algn="ctr">
-                        <a:spcAft>
-                          <a:spcPts val="0"/>
-                        </a:spcAft>
-                      </a:pPr>
-                      <a:r>
-                        <a:rPr lang="x-none" sz="1400" kern="100">
-                          <a:effectLst/>
-                          <a:latin typeface="微软雅黑 Light" panose="020B0502040204020203" pitchFamily="34" charset="-122"/>
-                          <a:ea typeface="微软雅黑 Light" panose="020B0502040204020203" pitchFamily="34" charset="-122"/>
-                        </a:rPr>
-                        <a:t>跨平台，即点即用，用户使用成本低。</a:t>
-                      </a:r>
-                      <a:endParaRPr lang="zh-CN" sz="1400" kern="100">
-                        <a:effectLst/>
-                        <a:latin typeface="微软雅黑 Light" panose="020B0502040204020203" pitchFamily="34" charset="-122"/>
-                        <a:ea typeface="微软雅黑 Light" panose="020B0502040204020203" pitchFamily="34" charset="-122"/>
-                        <a:cs typeface="Times New Roman" panose="02020603050405020304" pitchFamily="18" charset="0"/>
-                      </a:endParaRPr>
-                    </a:p>
-                  </a:txBody>
-                  <a:tcPr marL="68580" marR="68580" marT="0" marB="0" anchor="ctr"/>
-                </a:tc>
-                <a:extLst>
-                  <a:ext uri="{0D108BD9-81ED-4DB2-BD59-A6C34878D82A}">
-                    <a16:rowId xmlns:a16="http://schemas.microsoft.com/office/drawing/2014/main" val="2957820834"/>
-                  </a:ext>
-                </a:extLst>
-              </a:tr>
-              <a:tr h="571144">
-                <a:tc>
-                  <a:txBody>
-                    <a:bodyPr/>
-                    <a:lstStyle/>
-                    <a:p>
-                      <a:pPr indent="127000" algn="ctr">
-                        <a:spcAft>
-                          <a:spcPts val="0"/>
-                        </a:spcAft>
-                      </a:pPr>
-                      <a:r>
-                        <a:rPr lang="zh-CN" sz="1400" kern="100">
-                          <a:effectLst/>
-                          <a:latin typeface="微软雅黑 Light" panose="020B0502040204020203" pitchFamily="34" charset="-122"/>
-                          <a:ea typeface="微软雅黑 Light" panose="020B0502040204020203" pitchFamily="34" charset="-122"/>
-                        </a:rPr>
-                        <a:t>缺点</a:t>
-                      </a:r>
-                      <a:endParaRPr lang="zh-CN" sz="1400" kern="100">
-                        <a:effectLst/>
-                        <a:latin typeface="微软雅黑 Light" panose="020B0502040204020203" pitchFamily="34" charset="-122"/>
-                        <a:ea typeface="微软雅黑 Light" panose="020B0502040204020203" pitchFamily="34" charset="-122"/>
-                        <a:cs typeface="Times New Roman" panose="02020603050405020304" pitchFamily="18" charset="0"/>
-                      </a:endParaRPr>
-                    </a:p>
-                  </a:txBody>
-                  <a:tcPr marL="68580" marR="68580" marT="0" marB="0" anchor="ctr"/>
-                </a:tc>
-                <a:tc>
-                  <a:txBody>
-                    <a:bodyPr/>
-                    <a:lstStyle/>
-                    <a:p>
-                      <a:pPr indent="127000" algn="ctr">
-                        <a:spcAft>
-                          <a:spcPts val="0"/>
-                        </a:spcAft>
-                      </a:pPr>
-                      <a:r>
-                        <a:rPr lang="x-none" sz="1400" kern="100">
-                          <a:effectLst/>
-                          <a:latin typeface="微软雅黑 Light" panose="020B0502040204020203" pitchFamily="34" charset="-122"/>
-                          <a:ea typeface="微软雅黑 Light" panose="020B0502040204020203" pitchFamily="34" charset="-122"/>
-                        </a:rPr>
-                        <a:t>多平台所需要的技术多，成本高。需要下载安装。</a:t>
-                      </a:r>
-                      <a:endParaRPr lang="zh-CN" sz="1400" kern="100">
-                        <a:effectLst/>
-                        <a:latin typeface="微软雅黑 Light" panose="020B0502040204020203" pitchFamily="34" charset="-122"/>
-                        <a:ea typeface="微软雅黑 Light" panose="020B0502040204020203" pitchFamily="34" charset="-122"/>
-                        <a:cs typeface="Times New Roman" panose="02020603050405020304" pitchFamily="18" charset="0"/>
-                      </a:endParaRPr>
-                    </a:p>
-                  </a:txBody>
-                  <a:tcPr marL="68580" marR="68580" marT="0" marB="0" anchor="ctr"/>
-                </a:tc>
-                <a:tc>
-                  <a:txBody>
-                    <a:bodyPr/>
-                    <a:lstStyle/>
-                    <a:p>
-                      <a:pPr indent="127000" algn="ctr">
-                        <a:spcAft>
-                          <a:spcPts val="0"/>
-                        </a:spcAft>
-                      </a:pPr>
-                      <a:r>
-                        <a:rPr lang="x-none" sz="1400" kern="100">
-                          <a:effectLst/>
-                          <a:latin typeface="微软雅黑 Light" panose="020B0502040204020203" pitchFamily="34" charset="-122"/>
-                          <a:ea typeface="微软雅黑 Light" panose="020B0502040204020203" pitchFamily="34" charset="-122"/>
-                        </a:rPr>
-                        <a:t>小程序的大小受微信限制，需要经常维护</a:t>
-                      </a:r>
-                      <a:endParaRPr lang="zh-CN" sz="1400" kern="100">
-                        <a:effectLst/>
-                        <a:latin typeface="微软雅黑 Light" panose="020B0502040204020203" pitchFamily="34" charset="-122"/>
-                        <a:ea typeface="微软雅黑 Light" panose="020B0502040204020203" pitchFamily="34" charset="-122"/>
-                        <a:cs typeface="Times New Roman" panose="02020603050405020304" pitchFamily="18" charset="0"/>
-                      </a:endParaRPr>
-                    </a:p>
-                  </a:txBody>
-                  <a:tcPr marL="68580" marR="68580" marT="0" marB="0" anchor="ctr"/>
-                </a:tc>
-                <a:tc>
-                  <a:txBody>
-                    <a:bodyPr/>
-                    <a:lstStyle/>
-                    <a:p>
-                      <a:pPr indent="127000" algn="ctr">
-                        <a:spcAft>
-                          <a:spcPts val="0"/>
-                        </a:spcAft>
-                      </a:pPr>
-                      <a:r>
-                        <a:rPr lang="x-none" sz="1400" kern="100" dirty="0">
-                          <a:effectLst/>
-                          <a:latin typeface="微软雅黑 Light" panose="020B0502040204020203" pitchFamily="34" charset="-122"/>
-                          <a:ea typeface="微软雅黑 Light" panose="020B0502040204020203" pitchFamily="34" charset="-122"/>
-                        </a:rPr>
-                        <a:t>三者中用户体验差，运行速度慢。</a:t>
-                      </a:r>
-                      <a:endParaRPr lang="zh-CN" sz="1400" kern="100" dirty="0">
-                        <a:effectLst/>
-                        <a:latin typeface="微软雅黑 Light" panose="020B0502040204020203" pitchFamily="34" charset="-122"/>
-                        <a:ea typeface="微软雅黑 Light" panose="020B0502040204020203" pitchFamily="34" charset="-122"/>
-                        <a:cs typeface="Times New Roman" panose="02020603050405020304" pitchFamily="18" charset="0"/>
-                      </a:endParaRPr>
-                    </a:p>
-                  </a:txBody>
-                  <a:tcPr marL="68580" marR="68580" marT="0" marB="0" anchor="ctr"/>
-                </a:tc>
-                <a:extLst>
-                  <a:ext uri="{0D108BD9-81ED-4DB2-BD59-A6C34878D82A}">
-                    <a16:rowId xmlns:a16="http://schemas.microsoft.com/office/drawing/2014/main" val="3038071979"/>
-                  </a:ext>
-                </a:extLst>
-              </a:tr>
-            </a:tbl>
-          </a:graphicData>
-        </a:graphic>
-      </p:graphicFrame>
       <p:pic>
         <p:nvPicPr>
           <p:cNvPr id="4" name="图片 3"/>
@@ -14049,6 +14474,1137 @@
           </a:prstGeom>
         </p:spPr>
       </p:pic>
+      <p:graphicFrame>
+        <p:nvGraphicFramePr>
+          <p:cNvPr id="9" name="表格 8"/>
+          <p:cNvGraphicFramePr>
+            <a:graphicFrameLocks noGrp="1"/>
+          </p:cNvGraphicFramePr>
+          <p:nvPr>
+            <p:extLst>
+              <p:ext uri="{D42A27DB-BD31-4B8C-83A1-F6EECF244321}">
+                <p14:modId xmlns:p14="http://schemas.microsoft.com/office/powerpoint/2010/main" val="2898092831"/>
+              </p:ext>
+            </p:extLst>
+          </p:nvPr>
+        </p:nvGraphicFramePr>
+        <p:xfrm>
+          <a:off x="2177414" y="1224121"/>
+          <a:ext cx="8576311" cy="5129055"/>
+        </p:xfrm>
+        <a:graphic>
+          <a:graphicData uri="http://schemas.openxmlformats.org/drawingml/2006/table">
+            <a:tbl>
+              <a:tblPr firstRow="1" firstCol="1" bandRow="1">
+                <a:tableStyleId>{5940675A-B579-460E-94D1-54222C63F5DA}</a:tableStyleId>
+              </a:tblPr>
+              <a:tblGrid>
+                <a:gridCol w="3114219">
+                  <a:extLst>
+                    <a:ext uri="{9D8B030D-6E8A-4147-A177-3AD203B41FA5}">
+                      <a16:colId xmlns:a16="http://schemas.microsoft.com/office/drawing/2014/main" val="3237437110"/>
+                    </a:ext>
+                  </a:extLst>
+                </a:gridCol>
+                <a:gridCol w="3114219">
+                  <a:extLst>
+                    <a:ext uri="{9D8B030D-6E8A-4147-A177-3AD203B41FA5}">
+                      <a16:colId xmlns:a16="http://schemas.microsoft.com/office/drawing/2014/main" val="1367726537"/>
+                    </a:ext>
+                  </a:extLst>
+                </a:gridCol>
+                <a:gridCol w="2347873">
+                  <a:extLst>
+                    <a:ext uri="{9D8B030D-6E8A-4147-A177-3AD203B41FA5}">
+                      <a16:colId xmlns:a16="http://schemas.microsoft.com/office/drawing/2014/main" val="4009958615"/>
+                    </a:ext>
+                  </a:extLst>
+                </a:gridCol>
+              </a:tblGrid>
+              <a:tr h="353963">
+                <a:tc rowSpan="2">
+                  <a:txBody>
+                    <a:bodyPr/>
+                    <a:lstStyle/>
+                    <a:p>
+                      <a:pPr indent="127000" algn="r">
+                        <a:spcAft>
+                          <a:spcPts val="0"/>
+                        </a:spcAft>
+                      </a:pPr>
+                      <a:r>
+                        <a:rPr lang="zh-CN" sz="1050" kern="100">
+                          <a:effectLst/>
+                        </a:rPr>
+                        <a:t>内部能力</a:t>
+                      </a:r>
+                    </a:p>
+                    <a:p>
+                      <a:pPr indent="127000" algn="just">
+                        <a:spcAft>
+                          <a:spcPts val="0"/>
+                        </a:spcAft>
+                      </a:pPr>
+                      <a:r>
+                        <a:rPr lang="en-US" sz="1050" kern="100">
+                          <a:effectLst/>
+                        </a:rPr>
+                        <a:t> </a:t>
+                      </a:r>
+                      <a:endParaRPr lang="zh-CN" sz="1050" kern="100">
+                        <a:effectLst/>
+                      </a:endParaRPr>
+                    </a:p>
+                    <a:p>
+                      <a:pPr indent="127000" algn="just">
+                        <a:spcAft>
+                          <a:spcPts val="0"/>
+                        </a:spcAft>
+                      </a:pPr>
+                      <a:r>
+                        <a:rPr lang="en-US" sz="1050" kern="100">
+                          <a:effectLst/>
+                        </a:rPr>
+                        <a:t> </a:t>
+                      </a:r>
+                      <a:endParaRPr lang="zh-CN" sz="1050" kern="100">
+                        <a:effectLst/>
+                      </a:endParaRPr>
+                    </a:p>
+                    <a:p>
+                      <a:pPr indent="127000" algn="just">
+                        <a:spcAft>
+                          <a:spcPts val="0"/>
+                        </a:spcAft>
+                      </a:pPr>
+                      <a:r>
+                        <a:rPr lang="en-US" sz="1050" kern="100">
+                          <a:effectLst/>
+                        </a:rPr>
+                        <a:t> </a:t>
+                      </a:r>
+                      <a:endParaRPr lang="zh-CN" sz="1050" kern="100">
+                        <a:effectLst/>
+                      </a:endParaRPr>
+                    </a:p>
+                    <a:p>
+                      <a:pPr indent="127000" algn="just">
+                        <a:spcAft>
+                          <a:spcPts val="0"/>
+                        </a:spcAft>
+                      </a:pPr>
+                      <a:r>
+                        <a:rPr lang="en-US" sz="1050" kern="100">
+                          <a:effectLst/>
+                        </a:rPr>
+                        <a:t> </a:t>
+                      </a:r>
+                      <a:endParaRPr lang="zh-CN" sz="1050" kern="100">
+                        <a:effectLst/>
+                      </a:endParaRPr>
+                    </a:p>
+                    <a:p>
+                      <a:pPr indent="127000" algn="just">
+                        <a:spcAft>
+                          <a:spcPts val="0"/>
+                        </a:spcAft>
+                      </a:pPr>
+                      <a:r>
+                        <a:rPr lang="en-US" sz="1050" kern="100">
+                          <a:effectLst/>
+                        </a:rPr>
+                        <a:t> </a:t>
+                      </a:r>
+                      <a:endParaRPr lang="zh-CN" sz="1050" kern="100">
+                        <a:effectLst/>
+                      </a:endParaRPr>
+                    </a:p>
+                    <a:p>
+                      <a:pPr indent="127000" algn="just">
+                        <a:spcAft>
+                          <a:spcPts val="0"/>
+                        </a:spcAft>
+                      </a:pPr>
+                      <a:r>
+                        <a:rPr lang="en-US" sz="1050" kern="100">
+                          <a:effectLst/>
+                        </a:rPr>
+                        <a:t> </a:t>
+                      </a:r>
+                      <a:endParaRPr lang="zh-CN" sz="1050" kern="100">
+                        <a:effectLst/>
+                      </a:endParaRPr>
+                    </a:p>
+                    <a:p>
+                      <a:pPr indent="127000" algn="just">
+                        <a:spcAft>
+                          <a:spcPts val="0"/>
+                        </a:spcAft>
+                      </a:pPr>
+                      <a:r>
+                        <a:rPr lang="en-US" sz="1050" kern="100">
+                          <a:effectLst/>
+                        </a:rPr>
+                        <a:t> </a:t>
+                      </a:r>
+                      <a:endParaRPr lang="zh-CN" sz="1050" kern="100">
+                        <a:effectLst/>
+                      </a:endParaRPr>
+                    </a:p>
+                    <a:p>
+                      <a:pPr indent="127000" algn="just">
+                        <a:spcAft>
+                          <a:spcPts val="0"/>
+                        </a:spcAft>
+                      </a:pPr>
+                      <a:r>
+                        <a:rPr lang="en-US" sz="1050" kern="100">
+                          <a:effectLst/>
+                        </a:rPr>
+                        <a:t> </a:t>
+                      </a:r>
+                      <a:endParaRPr lang="zh-CN" sz="1050" kern="100">
+                        <a:effectLst/>
+                      </a:endParaRPr>
+                    </a:p>
+                    <a:p>
+                      <a:pPr indent="127000" algn="just">
+                        <a:spcAft>
+                          <a:spcPts val="0"/>
+                        </a:spcAft>
+                      </a:pPr>
+                      <a:r>
+                        <a:rPr lang="en-US" sz="1050" kern="100">
+                          <a:effectLst/>
+                        </a:rPr>
+                        <a:t> </a:t>
+                      </a:r>
+                      <a:endParaRPr lang="zh-CN" sz="1050" kern="100">
+                        <a:effectLst/>
+                      </a:endParaRPr>
+                    </a:p>
+                    <a:p>
+                      <a:pPr indent="127000" algn="just">
+                        <a:spcAft>
+                          <a:spcPts val="0"/>
+                        </a:spcAft>
+                      </a:pPr>
+                      <a:r>
+                        <a:rPr lang="en-US" sz="1050" kern="100">
+                          <a:effectLst/>
+                        </a:rPr>
+                        <a:t> </a:t>
+                      </a:r>
+                      <a:endParaRPr lang="zh-CN" sz="1050" kern="100">
+                        <a:effectLst/>
+                      </a:endParaRPr>
+                    </a:p>
+                    <a:p>
+                      <a:pPr indent="127000" algn="just">
+                        <a:spcAft>
+                          <a:spcPts val="0"/>
+                        </a:spcAft>
+                      </a:pPr>
+                      <a:r>
+                        <a:rPr lang="en-US" sz="1050" kern="100">
+                          <a:effectLst/>
+                        </a:rPr>
+                        <a:t> </a:t>
+                      </a:r>
+                      <a:endParaRPr lang="zh-CN" sz="1050" kern="100">
+                        <a:effectLst/>
+                      </a:endParaRPr>
+                    </a:p>
+                    <a:p>
+                      <a:pPr indent="127000" algn="just">
+                        <a:spcAft>
+                          <a:spcPts val="0"/>
+                        </a:spcAft>
+                      </a:pPr>
+                      <a:r>
+                        <a:rPr lang="zh-CN" sz="1050" kern="100">
+                          <a:effectLst/>
+                        </a:rPr>
+                        <a:t>外部因素</a:t>
+                      </a:r>
+                      <a:endParaRPr lang="zh-CN" sz="1050" kern="100">
+                        <a:effectLst/>
+                        <a:latin typeface="Times New Roman" panose="02020603050405020304" pitchFamily="18" charset="0"/>
+                        <a:ea typeface="宋体" panose="02010600030101010101" pitchFamily="2" charset="-122"/>
+                        <a:cs typeface="Times New Roman" panose="02020603050405020304" pitchFamily="18" charset="0"/>
+                      </a:endParaRPr>
+                    </a:p>
+                  </a:txBody>
+                  <a:tcPr marL="68580" marR="68580" marT="0" marB="0" anchor="ctr"/>
+                </a:tc>
+                <a:tc>
+                  <a:txBody>
+                    <a:bodyPr/>
+                    <a:lstStyle/>
+                    <a:p>
+                      <a:pPr indent="127000" algn="just">
+                        <a:spcAft>
+                          <a:spcPts val="0"/>
+                        </a:spcAft>
+                      </a:pPr>
+                      <a:r>
+                        <a:rPr lang="zh-CN" sz="1050" kern="100">
+                          <a:effectLst/>
+                        </a:rPr>
+                        <a:t>优势（</a:t>
+                      </a:r>
+                      <a:r>
+                        <a:rPr lang="en-US" sz="1050" kern="100">
+                          <a:effectLst/>
+                        </a:rPr>
+                        <a:t>Strength</a:t>
+                      </a:r>
+                      <a:r>
+                        <a:rPr lang="zh-CN" sz="1050" kern="100">
+                          <a:effectLst/>
+                        </a:rPr>
+                        <a:t>）</a:t>
+                      </a:r>
+                      <a:endParaRPr lang="zh-CN" sz="1050" kern="100">
+                        <a:effectLst/>
+                        <a:latin typeface="Times New Roman" panose="02020603050405020304" pitchFamily="18" charset="0"/>
+                        <a:ea typeface="宋体" panose="02010600030101010101" pitchFamily="2" charset="-122"/>
+                        <a:cs typeface="Times New Roman" panose="02020603050405020304" pitchFamily="18" charset="0"/>
+                      </a:endParaRPr>
+                    </a:p>
+                  </a:txBody>
+                  <a:tcPr marL="68580" marR="68580" marT="0" marB="0" anchor="ctr"/>
+                </a:tc>
+                <a:tc>
+                  <a:txBody>
+                    <a:bodyPr/>
+                    <a:lstStyle/>
+                    <a:p>
+                      <a:pPr indent="127000" algn="just">
+                        <a:spcAft>
+                          <a:spcPts val="0"/>
+                        </a:spcAft>
+                      </a:pPr>
+                      <a:r>
+                        <a:rPr lang="zh-CN" sz="1050" kern="100" dirty="0">
+                          <a:effectLst/>
+                        </a:rPr>
+                        <a:t>劣势（</a:t>
+                      </a:r>
+                      <a:r>
+                        <a:rPr lang="en-US" sz="1050" kern="100" dirty="0">
+                          <a:effectLst/>
+                        </a:rPr>
+                        <a:t>Weakness</a:t>
+                      </a:r>
+                      <a:r>
+                        <a:rPr lang="zh-CN" sz="1050" kern="100" dirty="0">
+                          <a:effectLst/>
+                        </a:rPr>
+                        <a:t>）</a:t>
+                      </a:r>
+                      <a:endParaRPr lang="zh-CN" sz="1050" kern="100" dirty="0">
+                        <a:effectLst/>
+                        <a:latin typeface="Times New Roman" panose="02020603050405020304" pitchFamily="18" charset="0"/>
+                        <a:ea typeface="宋体" panose="02010600030101010101" pitchFamily="2" charset="-122"/>
+                        <a:cs typeface="Times New Roman" panose="02020603050405020304" pitchFamily="18" charset="0"/>
+                      </a:endParaRPr>
+                    </a:p>
+                  </a:txBody>
+                  <a:tcPr marL="68580" marR="68580" marT="0" marB="0" anchor="ctr"/>
+                </a:tc>
+                <a:extLst>
+                  <a:ext uri="{0D108BD9-81ED-4DB2-BD59-A6C34878D82A}">
+                    <a16:rowId xmlns:a16="http://schemas.microsoft.com/office/drawing/2014/main" val="3294883234"/>
+                  </a:ext>
+                </a:extLst>
+              </a:tr>
+              <a:tr h="2292044">
+                <a:tc vMerge="1">
+                  <a:txBody>
+                    <a:bodyPr/>
+                    <a:lstStyle/>
+                    <a:p>
+                      <a:endParaRPr lang="zh-CN" altLang="en-US"/>
+                    </a:p>
+                  </a:txBody>
+                  <a:tcPr/>
+                </a:tc>
+                <a:tc>
+                  <a:txBody>
+                    <a:bodyPr/>
+                    <a:lstStyle/>
+                    <a:p>
+                      <a:pPr marL="342900" lvl="0" indent="-342900" algn="l">
+                        <a:spcAft>
+                          <a:spcPts val="0"/>
+                        </a:spcAft>
+                        <a:buFont typeface="+mj-lt"/>
+                        <a:buAutoNum type="arabicPeriod"/>
+                      </a:pPr>
+                      <a:r>
+                        <a:rPr lang="zh-CN" sz="1050" kern="100">
+                          <a:effectLst/>
+                        </a:rPr>
+                        <a:t>小程序即点即用，不占用手机内存</a:t>
+                      </a:r>
+                    </a:p>
+                    <a:p>
+                      <a:pPr marL="342900" lvl="0" indent="-342900" algn="l">
+                        <a:spcAft>
+                          <a:spcPts val="0"/>
+                        </a:spcAft>
+                        <a:buFont typeface="+mj-lt"/>
+                        <a:buAutoNum type="arabicPeriod"/>
+                      </a:pPr>
+                      <a:r>
+                        <a:rPr lang="zh-CN" sz="1050" kern="100">
+                          <a:effectLst/>
+                        </a:rPr>
+                        <a:t>小程序运行速度快于</a:t>
+                      </a:r>
+                      <a:r>
+                        <a:rPr lang="en-US" sz="1050" kern="100">
+                          <a:effectLst/>
+                        </a:rPr>
+                        <a:t>H5</a:t>
+                      </a:r>
+                      <a:r>
+                        <a:rPr lang="zh-CN" sz="1050" kern="100">
+                          <a:effectLst/>
+                        </a:rPr>
+                        <a:t>，接近</a:t>
+                      </a:r>
+                      <a:r>
+                        <a:rPr lang="en-US" sz="1050" kern="100">
+                          <a:effectLst/>
+                        </a:rPr>
+                        <a:t>APP</a:t>
+                      </a:r>
+                      <a:endParaRPr lang="zh-CN" sz="1050" kern="100">
+                        <a:effectLst/>
+                      </a:endParaRPr>
+                    </a:p>
+                    <a:p>
+                      <a:pPr marL="342900" lvl="0" indent="-342900" algn="l">
+                        <a:spcAft>
+                          <a:spcPts val="0"/>
+                        </a:spcAft>
+                        <a:buFont typeface="+mj-lt"/>
+                        <a:buAutoNum type="arabicPeriod"/>
+                      </a:pPr>
+                      <a:r>
+                        <a:rPr lang="zh-CN" sz="1050" kern="100">
+                          <a:effectLst/>
+                        </a:rPr>
+                        <a:t>小程序可以调用比</a:t>
+                      </a:r>
+                      <a:r>
+                        <a:rPr lang="en-US" sz="1050" kern="100">
+                          <a:effectLst/>
+                        </a:rPr>
+                        <a:t>H5</a:t>
+                      </a:r>
+                      <a:r>
+                        <a:rPr lang="zh-CN" sz="1050" kern="100">
+                          <a:effectLst/>
+                        </a:rPr>
+                        <a:t>多的手机系统功能，接近</a:t>
+                      </a:r>
+                      <a:r>
+                        <a:rPr lang="en-US" sz="1050" kern="100">
+                          <a:effectLst/>
+                        </a:rPr>
+                        <a:t>APP</a:t>
+                      </a:r>
+                      <a:endParaRPr lang="zh-CN" sz="1050" kern="100">
+                        <a:effectLst/>
+                      </a:endParaRPr>
+                    </a:p>
+                    <a:p>
+                      <a:pPr marL="342900" lvl="0" indent="-342900" algn="l">
+                        <a:spcAft>
+                          <a:spcPts val="0"/>
+                        </a:spcAft>
+                        <a:buFont typeface="+mj-lt"/>
+                        <a:buAutoNum type="arabicPeriod"/>
+                      </a:pPr>
+                      <a:r>
+                        <a:rPr lang="zh-CN" sz="1050" kern="100">
+                          <a:effectLst/>
+                        </a:rPr>
+                        <a:t>小程序开发成本接近</a:t>
+                      </a:r>
+                      <a:r>
+                        <a:rPr lang="en-US" sz="1050" kern="100">
+                          <a:effectLst/>
+                        </a:rPr>
+                        <a:t>H5</a:t>
+                      </a:r>
+                      <a:r>
+                        <a:rPr lang="zh-CN" sz="1050" kern="100">
+                          <a:effectLst/>
+                        </a:rPr>
+                        <a:t>，低于</a:t>
+                      </a:r>
+                      <a:r>
+                        <a:rPr lang="en-US" sz="1050" kern="100">
+                          <a:effectLst/>
+                        </a:rPr>
+                        <a:t>APP</a:t>
+                      </a:r>
+                      <a:endParaRPr lang="zh-CN" sz="1050" kern="100">
+                        <a:effectLst/>
+                        <a:latin typeface="Times New Roman" panose="02020603050405020304" pitchFamily="18" charset="0"/>
+                        <a:ea typeface="宋体" panose="02010600030101010101" pitchFamily="2" charset="-122"/>
+                        <a:cs typeface="Times New Roman" panose="02020603050405020304" pitchFamily="18" charset="0"/>
+                      </a:endParaRPr>
+                    </a:p>
+                  </a:txBody>
+                  <a:tcPr marL="68580" marR="68580" marT="0" marB="0" anchor="ctr"/>
+                </a:tc>
+                <a:tc>
+                  <a:txBody>
+                    <a:bodyPr/>
+                    <a:lstStyle/>
+                    <a:p>
+                      <a:pPr marL="342900" lvl="0" indent="-342900" algn="just">
+                        <a:spcAft>
+                          <a:spcPts val="0"/>
+                        </a:spcAft>
+                        <a:buFont typeface="+mj-lt"/>
+                        <a:buAutoNum type="arabicPeriod"/>
+                      </a:pPr>
+                      <a:r>
+                        <a:rPr lang="zh-CN" sz="1050" kern="100">
+                          <a:effectLst/>
+                        </a:rPr>
+                        <a:t>小程序大小受限制，</a:t>
+                      </a:r>
+                      <a:r>
+                        <a:rPr lang="x-none" sz="1050" kern="100">
+                          <a:effectLst/>
+                        </a:rPr>
+                        <a:t>H5</a:t>
+                      </a:r>
+                      <a:r>
+                        <a:rPr lang="zh-CN" sz="1050" kern="100">
+                          <a:effectLst/>
+                        </a:rPr>
+                        <a:t>和</a:t>
+                      </a:r>
+                      <a:r>
+                        <a:rPr lang="x-none" sz="1050" kern="100">
+                          <a:effectLst/>
+                        </a:rPr>
+                        <a:t>APP</a:t>
+                      </a:r>
+                      <a:r>
+                        <a:rPr lang="zh-CN" sz="1050" kern="100">
+                          <a:effectLst/>
+                        </a:rPr>
+                        <a:t>不受限制</a:t>
+                      </a:r>
+                    </a:p>
+                    <a:p>
+                      <a:pPr marL="342900" lvl="0" indent="-342900" algn="just">
+                        <a:spcAft>
+                          <a:spcPts val="0"/>
+                        </a:spcAft>
+                        <a:buFont typeface="+mj-lt"/>
+                        <a:buAutoNum type="arabicPeriod"/>
+                      </a:pPr>
+                      <a:r>
+                        <a:rPr lang="zh-CN" sz="1050" kern="100">
+                          <a:effectLst/>
+                        </a:rPr>
+                        <a:t>小程序不稳定，经常要升级维护</a:t>
+                      </a:r>
+                    </a:p>
+                    <a:p>
+                      <a:pPr marL="342900" lvl="0" indent="-342900" algn="just">
+                        <a:spcAft>
+                          <a:spcPts val="0"/>
+                        </a:spcAft>
+                        <a:buFont typeface="+mj-lt"/>
+                        <a:buAutoNum type="arabicPeriod"/>
+                      </a:pPr>
+                      <a:r>
+                        <a:rPr lang="zh-CN" sz="1050" kern="100">
+                          <a:effectLst/>
+                        </a:rPr>
+                        <a:t>小程序不能跳转外链网址</a:t>
+                      </a:r>
+                    </a:p>
+                    <a:p>
+                      <a:pPr marL="342900" lvl="0" indent="-342900" algn="just">
+                        <a:spcAft>
+                          <a:spcPts val="0"/>
+                        </a:spcAft>
+                        <a:buFont typeface="+mj-lt"/>
+                        <a:buAutoNum type="arabicPeriod"/>
+                      </a:pPr>
+                      <a:r>
+                        <a:rPr lang="zh-CN" sz="1050" kern="100">
+                          <a:effectLst/>
+                        </a:rPr>
+                        <a:t>只能运行在微信上，小程序不能分享朋友圈</a:t>
+                      </a:r>
+                    </a:p>
+                    <a:p>
+                      <a:pPr marL="342900" lvl="0" indent="-342900" algn="just">
+                        <a:spcAft>
+                          <a:spcPts val="0"/>
+                        </a:spcAft>
+                        <a:buFont typeface="+mj-lt"/>
+                        <a:buAutoNum type="arabicPeriod"/>
+                      </a:pPr>
+                      <a:r>
+                        <a:rPr lang="zh-CN" sz="1050" kern="100">
+                          <a:effectLst/>
+                        </a:rPr>
+                        <a:t>小程序需要审核，接近</a:t>
+                      </a:r>
+                      <a:r>
+                        <a:rPr lang="x-none" sz="1050" kern="100">
+                          <a:effectLst/>
+                        </a:rPr>
+                        <a:t>APP</a:t>
+                      </a:r>
+                      <a:r>
+                        <a:rPr lang="zh-CN" sz="1050" kern="100">
+                          <a:effectLst/>
+                        </a:rPr>
+                        <a:t>，</a:t>
+                      </a:r>
+                      <a:r>
+                        <a:rPr lang="x-none" sz="1050" kern="100">
+                          <a:effectLst/>
+                        </a:rPr>
+                        <a:t>H5</a:t>
+                      </a:r>
+                      <a:r>
+                        <a:rPr lang="zh-CN" sz="1050" kern="100">
+                          <a:effectLst/>
+                        </a:rPr>
+                        <a:t>不需审核</a:t>
+                      </a:r>
+                      <a:endParaRPr lang="zh-CN" sz="1050" kern="100">
+                        <a:effectLst/>
+                        <a:latin typeface="Times New Roman" panose="02020603050405020304" pitchFamily="18" charset="0"/>
+                        <a:ea typeface="宋体" panose="02010600030101010101" pitchFamily="2" charset="-122"/>
+                        <a:cs typeface="Times New Roman" panose="02020603050405020304" pitchFamily="18" charset="0"/>
+                      </a:endParaRPr>
+                    </a:p>
+                  </a:txBody>
+                  <a:tcPr marL="68580" marR="68580" marT="0" marB="0" anchor="ctr"/>
+                </a:tc>
+                <a:extLst>
+                  <a:ext uri="{0D108BD9-81ED-4DB2-BD59-A6C34878D82A}">
+                    <a16:rowId xmlns:a16="http://schemas.microsoft.com/office/drawing/2014/main" val="948871935"/>
+                  </a:ext>
+                </a:extLst>
+              </a:tr>
+              <a:tr h="191004">
+                <a:tc>
+                  <a:txBody>
+                    <a:bodyPr/>
+                    <a:lstStyle/>
+                    <a:p>
+                      <a:pPr indent="127000" algn="just">
+                        <a:spcAft>
+                          <a:spcPts val="0"/>
+                        </a:spcAft>
+                      </a:pPr>
+                      <a:r>
+                        <a:rPr lang="zh-CN" sz="1050" kern="100">
+                          <a:effectLst/>
+                        </a:rPr>
+                        <a:t>机会（</a:t>
+                      </a:r>
+                      <a:r>
+                        <a:rPr lang="en-US" sz="1050" kern="100">
+                          <a:effectLst/>
+                        </a:rPr>
+                        <a:t>Opportunities</a:t>
+                      </a:r>
+                      <a:r>
+                        <a:rPr lang="zh-CN" sz="1050" kern="100">
+                          <a:effectLst/>
+                        </a:rPr>
+                        <a:t>）</a:t>
+                      </a:r>
+                      <a:endParaRPr lang="zh-CN" sz="1050" kern="100">
+                        <a:effectLst/>
+                        <a:latin typeface="Times New Roman" panose="02020603050405020304" pitchFamily="18" charset="0"/>
+                        <a:ea typeface="宋体" panose="02010600030101010101" pitchFamily="2" charset="-122"/>
+                        <a:cs typeface="Times New Roman" panose="02020603050405020304" pitchFamily="18" charset="0"/>
+                      </a:endParaRPr>
+                    </a:p>
+                  </a:txBody>
+                  <a:tcPr marL="68580" marR="68580" marT="0" marB="0" anchor="ctr"/>
+                </a:tc>
+                <a:tc>
+                  <a:txBody>
+                    <a:bodyPr/>
+                    <a:lstStyle/>
+                    <a:p>
+                      <a:pPr indent="127000" algn="just">
+                        <a:spcAft>
+                          <a:spcPts val="0"/>
+                        </a:spcAft>
+                      </a:pPr>
+                      <a:r>
+                        <a:rPr lang="en-US" sz="1050" kern="100">
+                          <a:effectLst/>
+                        </a:rPr>
+                        <a:t>SO</a:t>
+                      </a:r>
+                      <a:endParaRPr lang="zh-CN" sz="1050" kern="100">
+                        <a:effectLst/>
+                        <a:latin typeface="Times New Roman" panose="02020603050405020304" pitchFamily="18" charset="0"/>
+                        <a:ea typeface="宋体" panose="02010600030101010101" pitchFamily="2" charset="-122"/>
+                        <a:cs typeface="Times New Roman" panose="02020603050405020304" pitchFamily="18" charset="0"/>
+                      </a:endParaRPr>
+                    </a:p>
+                  </a:txBody>
+                  <a:tcPr marL="68580" marR="68580" marT="0" marB="0" anchor="ctr"/>
+                </a:tc>
+                <a:tc>
+                  <a:txBody>
+                    <a:bodyPr/>
+                    <a:lstStyle/>
+                    <a:p>
+                      <a:pPr indent="127000" algn="just">
+                        <a:spcAft>
+                          <a:spcPts val="0"/>
+                        </a:spcAft>
+                      </a:pPr>
+                      <a:r>
+                        <a:rPr lang="en-US" sz="1050" kern="100">
+                          <a:effectLst/>
+                        </a:rPr>
+                        <a:t>WO</a:t>
+                      </a:r>
+                      <a:endParaRPr lang="zh-CN" sz="1050" kern="100">
+                        <a:effectLst/>
+                        <a:latin typeface="Times New Roman" panose="02020603050405020304" pitchFamily="18" charset="0"/>
+                        <a:ea typeface="宋体" panose="02010600030101010101" pitchFamily="2" charset="-122"/>
+                        <a:cs typeface="Times New Roman" panose="02020603050405020304" pitchFamily="18" charset="0"/>
+                      </a:endParaRPr>
+                    </a:p>
+                  </a:txBody>
+                  <a:tcPr marL="68580" marR="68580" marT="0" marB="0" anchor="ctr"/>
+                </a:tc>
+                <a:extLst>
+                  <a:ext uri="{0D108BD9-81ED-4DB2-BD59-A6C34878D82A}">
+                    <a16:rowId xmlns:a16="http://schemas.microsoft.com/office/drawing/2014/main" val="3374034384"/>
+                  </a:ext>
+                </a:extLst>
+              </a:tr>
+              <a:tr h="1146022">
+                <a:tc>
+                  <a:txBody>
+                    <a:bodyPr/>
+                    <a:lstStyle/>
+                    <a:p>
+                      <a:pPr marL="342900" lvl="0" indent="-342900" algn="just">
+                        <a:spcAft>
+                          <a:spcPts val="0"/>
+                        </a:spcAft>
+                        <a:buFont typeface="+mj-lt"/>
+                        <a:buAutoNum type="arabicPeriod"/>
+                      </a:pPr>
+                      <a:r>
+                        <a:rPr lang="zh-CN" sz="1050" kern="100">
+                          <a:effectLst/>
+                        </a:rPr>
+                        <a:t>新市场，新技术</a:t>
+                      </a:r>
+                      <a:endParaRPr lang="zh-CN" sz="1050" kern="100">
+                        <a:effectLst/>
+                        <a:latin typeface="Times New Roman" panose="02020603050405020304" pitchFamily="18" charset="0"/>
+                        <a:ea typeface="宋体" panose="02010600030101010101" pitchFamily="2" charset="-122"/>
+                        <a:cs typeface="Times New Roman" panose="02020603050405020304" pitchFamily="18" charset="0"/>
+                      </a:endParaRPr>
+                    </a:p>
+                  </a:txBody>
+                  <a:tcPr marL="68580" marR="68580" marT="0" marB="0" anchor="ctr"/>
+                </a:tc>
+                <a:tc>
+                  <a:txBody>
+                    <a:bodyPr/>
+                    <a:lstStyle/>
+                    <a:p>
+                      <a:pPr indent="127000" algn="just">
+                        <a:spcAft>
+                          <a:spcPts val="0"/>
+                        </a:spcAft>
+                      </a:pPr>
+                      <a:r>
+                        <a:rPr lang="zh-CN" sz="1050" kern="100">
+                          <a:effectLst/>
+                        </a:rPr>
+                        <a:t>小程序开发成本低，技术难度相对低，适合时间受限，技术受限的情况</a:t>
+                      </a:r>
+                      <a:endParaRPr lang="zh-CN" sz="1050" kern="100">
+                        <a:effectLst/>
+                        <a:latin typeface="Times New Roman" panose="02020603050405020304" pitchFamily="18" charset="0"/>
+                        <a:ea typeface="宋体" panose="02010600030101010101" pitchFamily="2" charset="-122"/>
+                        <a:cs typeface="Times New Roman" panose="02020603050405020304" pitchFamily="18" charset="0"/>
+                      </a:endParaRPr>
+                    </a:p>
+                  </a:txBody>
+                  <a:tcPr marL="68580" marR="68580" marT="0" marB="0" anchor="ctr"/>
+                </a:tc>
+                <a:tc>
+                  <a:txBody>
+                    <a:bodyPr/>
+                    <a:lstStyle/>
+                    <a:p>
+                      <a:pPr marL="342900" lvl="0" indent="-342900" algn="just">
+                        <a:spcAft>
+                          <a:spcPts val="0"/>
+                        </a:spcAft>
+                        <a:buFont typeface="+mj-lt"/>
+                        <a:buAutoNum type="arabicPeriod"/>
+                      </a:pPr>
+                      <a:r>
+                        <a:rPr lang="zh-CN" sz="1050" kern="100">
+                          <a:effectLst/>
+                        </a:rPr>
+                        <a:t>要注意实时升级维护</a:t>
+                      </a:r>
+                    </a:p>
+                    <a:p>
+                      <a:pPr marL="342900" lvl="0" indent="-342900" algn="just">
+                        <a:spcAft>
+                          <a:spcPts val="0"/>
+                        </a:spcAft>
+                        <a:buFont typeface="+mj-lt"/>
+                        <a:buAutoNum type="arabicPeriod"/>
+                      </a:pPr>
+                      <a:r>
+                        <a:rPr lang="zh-CN" sz="1050" kern="100">
+                          <a:effectLst/>
+                        </a:rPr>
+                        <a:t>支付功能受限，采用线下红包</a:t>
+                      </a:r>
+                    </a:p>
+                    <a:p>
+                      <a:pPr marL="342900" lvl="0" indent="-342900" algn="just">
+                        <a:spcAft>
+                          <a:spcPts val="0"/>
+                        </a:spcAft>
+                        <a:buFont typeface="+mj-lt"/>
+                        <a:buAutoNum type="arabicPeriod"/>
+                      </a:pPr>
+                      <a:r>
+                        <a:rPr lang="zh-CN" sz="1050" kern="100">
+                          <a:effectLst/>
+                        </a:rPr>
+                        <a:t>新技术容易引起人们关注。</a:t>
+                      </a:r>
+                      <a:endParaRPr lang="zh-CN" sz="1050" kern="100">
+                        <a:effectLst/>
+                        <a:latin typeface="Times New Roman" panose="02020603050405020304" pitchFamily="18" charset="0"/>
+                        <a:ea typeface="宋体" panose="02010600030101010101" pitchFamily="2" charset="-122"/>
+                        <a:cs typeface="Times New Roman" panose="02020603050405020304" pitchFamily="18" charset="0"/>
+                      </a:endParaRPr>
+                    </a:p>
+                  </a:txBody>
+                  <a:tcPr marL="68580" marR="68580" marT="0" marB="0" anchor="ctr"/>
+                </a:tc>
+                <a:extLst>
+                  <a:ext uri="{0D108BD9-81ED-4DB2-BD59-A6C34878D82A}">
+                    <a16:rowId xmlns:a16="http://schemas.microsoft.com/office/drawing/2014/main" val="3241697024"/>
+                  </a:ext>
+                </a:extLst>
+              </a:tr>
+              <a:tr h="191004">
+                <a:tc>
+                  <a:txBody>
+                    <a:bodyPr/>
+                    <a:lstStyle/>
+                    <a:p>
+                      <a:pPr indent="127000" algn="just">
+                        <a:spcAft>
+                          <a:spcPts val="0"/>
+                        </a:spcAft>
+                      </a:pPr>
+                      <a:r>
+                        <a:rPr lang="zh-CN" sz="1050" kern="100">
+                          <a:effectLst/>
+                        </a:rPr>
+                        <a:t>风险（</a:t>
+                      </a:r>
+                      <a:r>
+                        <a:rPr lang="en-US" sz="1050" kern="100">
+                          <a:effectLst/>
+                        </a:rPr>
+                        <a:t>Threats</a:t>
+                      </a:r>
+                      <a:r>
+                        <a:rPr lang="zh-CN" sz="1050" kern="100">
+                          <a:effectLst/>
+                        </a:rPr>
+                        <a:t>）</a:t>
+                      </a:r>
+                      <a:endParaRPr lang="zh-CN" sz="1050" kern="100">
+                        <a:effectLst/>
+                        <a:latin typeface="Times New Roman" panose="02020603050405020304" pitchFamily="18" charset="0"/>
+                        <a:ea typeface="宋体" panose="02010600030101010101" pitchFamily="2" charset="-122"/>
+                        <a:cs typeface="Times New Roman" panose="02020603050405020304" pitchFamily="18" charset="0"/>
+                      </a:endParaRPr>
+                    </a:p>
+                  </a:txBody>
+                  <a:tcPr marL="68580" marR="68580" marT="0" marB="0" anchor="ctr"/>
+                </a:tc>
+                <a:tc>
+                  <a:txBody>
+                    <a:bodyPr/>
+                    <a:lstStyle/>
+                    <a:p>
+                      <a:pPr indent="127000" algn="just">
+                        <a:spcAft>
+                          <a:spcPts val="0"/>
+                        </a:spcAft>
+                      </a:pPr>
+                      <a:r>
+                        <a:rPr lang="en-US" sz="1050" kern="100">
+                          <a:effectLst/>
+                        </a:rPr>
+                        <a:t>ST</a:t>
+                      </a:r>
+                      <a:endParaRPr lang="zh-CN" sz="1050" kern="100">
+                        <a:effectLst/>
+                        <a:latin typeface="Times New Roman" panose="02020603050405020304" pitchFamily="18" charset="0"/>
+                        <a:ea typeface="宋体" panose="02010600030101010101" pitchFamily="2" charset="-122"/>
+                        <a:cs typeface="Times New Roman" panose="02020603050405020304" pitchFamily="18" charset="0"/>
+                      </a:endParaRPr>
+                    </a:p>
+                  </a:txBody>
+                  <a:tcPr marL="68580" marR="68580" marT="0" marB="0" anchor="ctr"/>
+                </a:tc>
+                <a:tc>
+                  <a:txBody>
+                    <a:bodyPr/>
+                    <a:lstStyle/>
+                    <a:p>
+                      <a:pPr indent="127000" algn="just">
+                        <a:spcAft>
+                          <a:spcPts val="0"/>
+                        </a:spcAft>
+                      </a:pPr>
+                      <a:r>
+                        <a:rPr lang="en-US" sz="1050" kern="100">
+                          <a:effectLst/>
+                        </a:rPr>
+                        <a:t>WT</a:t>
+                      </a:r>
+                      <a:endParaRPr lang="zh-CN" sz="1050" kern="100">
+                        <a:effectLst/>
+                        <a:latin typeface="Times New Roman" panose="02020603050405020304" pitchFamily="18" charset="0"/>
+                        <a:ea typeface="宋体" panose="02010600030101010101" pitchFamily="2" charset="-122"/>
+                        <a:cs typeface="Times New Roman" panose="02020603050405020304" pitchFamily="18" charset="0"/>
+                      </a:endParaRPr>
+                    </a:p>
+                  </a:txBody>
+                  <a:tcPr marL="68580" marR="68580" marT="0" marB="0" anchor="ctr"/>
+                </a:tc>
+                <a:extLst>
+                  <a:ext uri="{0D108BD9-81ED-4DB2-BD59-A6C34878D82A}">
+                    <a16:rowId xmlns:a16="http://schemas.microsoft.com/office/drawing/2014/main" val="267599730"/>
+                  </a:ext>
+                </a:extLst>
+              </a:tr>
+              <a:tr h="955018">
+                <a:tc>
+                  <a:txBody>
+                    <a:bodyPr/>
+                    <a:lstStyle/>
+                    <a:p>
+                      <a:pPr marL="342900" lvl="0" indent="-342900" algn="just">
+                        <a:spcAft>
+                          <a:spcPts val="0"/>
+                        </a:spcAft>
+                        <a:buFont typeface="+mj-lt"/>
+                        <a:buAutoNum type="arabicPeriod"/>
+                      </a:pPr>
+                      <a:r>
+                        <a:rPr lang="zh-CN" sz="1050" kern="100">
+                          <a:effectLst/>
+                        </a:rPr>
+                        <a:t>功能丰富、交互更好的</a:t>
+                      </a:r>
+                      <a:r>
+                        <a:rPr lang="en-US" sz="1050" kern="100">
+                          <a:effectLst/>
+                        </a:rPr>
+                        <a:t>APP</a:t>
+                      </a:r>
+                      <a:r>
+                        <a:rPr lang="zh-CN" sz="1050" kern="100">
+                          <a:effectLst/>
+                        </a:rPr>
+                        <a:t>产品</a:t>
+                      </a:r>
+                      <a:endParaRPr lang="zh-CN" sz="1050" kern="100">
+                        <a:effectLst/>
+                        <a:latin typeface="Times New Roman" panose="02020603050405020304" pitchFamily="18" charset="0"/>
+                        <a:ea typeface="宋体" panose="02010600030101010101" pitchFamily="2" charset="-122"/>
+                        <a:cs typeface="Times New Roman" panose="02020603050405020304" pitchFamily="18" charset="0"/>
+                      </a:endParaRPr>
+                    </a:p>
+                  </a:txBody>
+                  <a:tcPr marL="68580" marR="68580" marT="0" marB="0" anchor="ctr"/>
+                </a:tc>
+                <a:tc>
+                  <a:txBody>
+                    <a:bodyPr/>
+                    <a:lstStyle/>
+                    <a:p>
+                      <a:pPr indent="127000" algn="just">
+                        <a:spcAft>
+                          <a:spcPts val="0"/>
+                        </a:spcAft>
+                      </a:pPr>
+                      <a:r>
+                        <a:rPr lang="zh-CN" sz="1050" kern="100">
+                          <a:effectLst/>
+                        </a:rPr>
+                        <a:t>小程序开发成本比</a:t>
+                      </a:r>
+                      <a:r>
+                        <a:rPr lang="en-US" sz="1050" kern="100">
+                          <a:effectLst/>
+                        </a:rPr>
+                        <a:t>APP</a:t>
+                      </a:r>
+                      <a:r>
+                        <a:rPr lang="zh-CN" sz="1050" kern="100">
+                          <a:effectLst/>
+                        </a:rPr>
+                        <a:t>低得多，能达到接近</a:t>
+                      </a:r>
+                      <a:r>
+                        <a:rPr lang="en-US" sz="1050" kern="100">
+                          <a:effectLst/>
+                        </a:rPr>
+                        <a:t>APP</a:t>
+                      </a:r>
+                      <a:r>
+                        <a:rPr lang="zh-CN" sz="1050" kern="100">
+                          <a:effectLst/>
+                        </a:rPr>
+                        <a:t>的效果</a:t>
+                      </a:r>
+                      <a:endParaRPr lang="zh-CN" sz="1050" kern="100">
+                        <a:effectLst/>
+                        <a:latin typeface="Times New Roman" panose="02020603050405020304" pitchFamily="18" charset="0"/>
+                        <a:ea typeface="宋体" panose="02010600030101010101" pitchFamily="2" charset="-122"/>
+                        <a:cs typeface="Times New Roman" panose="02020603050405020304" pitchFamily="18" charset="0"/>
+                      </a:endParaRPr>
+                    </a:p>
+                  </a:txBody>
+                  <a:tcPr marL="68580" marR="68580" marT="0" marB="0" anchor="ctr"/>
+                </a:tc>
+                <a:tc>
+                  <a:txBody>
+                    <a:bodyPr/>
+                    <a:lstStyle/>
+                    <a:p>
+                      <a:pPr marL="342900" lvl="0" indent="-342900" algn="just">
+                        <a:spcAft>
+                          <a:spcPts val="0"/>
+                        </a:spcAft>
+                        <a:buFont typeface="+mj-lt"/>
+                        <a:buAutoNum type="arabicPeriod"/>
+                      </a:pPr>
+                      <a:r>
+                        <a:rPr lang="zh-CN" sz="1050" kern="100" dirty="0">
+                          <a:effectLst/>
+                        </a:rPr>
+                        <a:t>做到接近</a:t>
+                      </a:r>
+                      <a:r>
+                        <a:rPr lang="en-US" sz="1050" kern="100" dirty="0">
+                          <a:effectLst/>
+                        </a:rPr>
+                        <a:t>APP</a:t>
+                      </a:r>
+                      <a:r>
+                        <a:rPr lang="zh-CN" sz="1050" kern="100" dirty="0">
+                          <a:effectLst/>
+                        </a:rPr>
+                        <a:t>的功能和交互</a:t>
+                      </a:r>
+                    </a:p>
+                    <a:p>
+                      <a:pPr marL="342900" lvl="0" indent="-342900" algn="just">
+                        <a:spcAft>
+                          <a:spcPts val="0"/>
+                        </a:spcAft>
+                        <a:buFont typeface="+mj-lt"/>
+                        <a:buAutoNum type="arabicPeriod"/>
+                      </a:pPr>
+                      <a:r>
+                        <a:rPr lang="zh-CN" sz="1050" kern="100" dirty="0">
+                          <a:effectLst/>
+                        </a:rPr>
+                        <a:t>通过微信庞大的用户量依旧能进行推广</a:t>
+                      </a:r>
+                      <a:endParaRPr lang="zh-CN" sz="1050" kern="100" dirty="0">
+                        <a:effectLst/>
+                        <a:latin typeface="Times New Roman" panose="02020603050405020304" pitchFamily="18" charset="0"/>
+                        <a:ea typeface="宋体" panose="02010600030101010101" pitchFamily="2" charset="-122"/>
+                        <a:cs typeface="Times New Roman" panose="02020603050405020304" pitchFamily="18" charset="0"/>
+                      </a:endParaRPr>
+                    </a:p>
+                  </a:txBody>
+                  <a:tcPr marL="68580" marR="68580" marT="0" marB="0" anchor="ctr"/>
+                </a:tc>
+                <a:extLst>
+                  <a:ext uri="{0D108BD9-81ED-4DB2-BD59-A6C34878D82A}">
+                    <a16:rowId xmlns:a16="http://schemas.microsoft.com/office/drawing/2014/main" val="3275140152"/>
+                  </a:ext>
+                </a:extLst>
+              </a:tr>
+            </a:tbl>
+          </a:graphicData>
+        </a:graphic>
+      </p:graphicFrame>
+      <p:cxnSp>
+        <p:nvCxnSpPr>
+          <p:cNvPr id="11" name="直接连接符 10"/>
+          <p:cNvCxnSpPr/>
+          <p:nvPr/>
+        </p:nvCxnSpPr>
+        <p:spPr>
+          <a:xfrm>
+            <a:off x="2181225" y="1219200"/>
+            <a:ext cx="3113280" cy="2649039"/>
+          </a:xfrm>
+          <a:prstGeom prst="line">
+            <a:avLst/>
+          </a:prstGeom>
+          <a:ln/>
+        </p:spPr>
+        <p:style>
+          <a:lnRef idx="1">
+            <a:schemeClr val="dk1"/>
+          </a:lnRef>
+          <a:fillRef idx="0">
+            <a:schemeClr val="dk1"/>
+          </a:fillRef>
+          <a:effectRef idx="0">
+            <a:schemeClr val="dk1"/>
+          </a:effectRef>
+          <a:fontRef idx="minor">
+            <a:schemeClr val="tx1"/>
+          </a:fontRef>
+        </p:style>
+      </p:cxnSp>
     </p:spTree>
     <p:extLst>
       <p:ext uri="{BB962C8B-B14F-4D97-AF65-F5344CB8AC3E}">
@@ -14060,6 +15616,13 @@
     <a:masterClrMapping/>
   </p:clrMapOvr>
   <p:transition spd="med"/>
+  <p:timing>
+    <p:tnLst>
+      <p:par>
+        <p:cTn id="1" dur="indefinite" restart="never" nodeType="tmRoot"/>
+      </p:par>
+    </p:tnLst>
+  </p:timing>
 </p:sld>
 </file>
 
@@ -15238,7 +16801,7 @@
           </a:ln>
           <a:extLst>
             <a:ext uri="{C572A759-6A51-4108-AA02-DFA0A04FC94B}">
-              <ma14:wrappingTextBoxFlag xmlns:ma14="http://schemas.microsoft.com/office/mac/drawingml/2011/main" xmlns="" val="1"/>
+              <ma14:wrappingTextBoxFlag xmlns="" xmlns:ma14="http://schemas.microsoft.com/office/mac/drawingml/2011/main" val="1"/>
             </a:ext>
           </a:extLst>
         </p:spPr>
@@ -15373,7 +16936,7 @@
           </a:ln>
           <a:extLst>
             <a:ext uri="{C572A759-6A51-4108-AA02-DFA0A04FC94B}">
-              <ma14:wrappingTextBoxFlag xmlns:ma14="http://schemas.microsoft.com/office/mac/drawingml/2011/main" xmlns="" val="1"/>
+              <ma14:wrappingTextBoxFlag xmlns="" xmlns:ma14="http://schemas.microsoft.com/office/mac/drawingml/2011/main" val="1"/>
             </a:ext>
           </a:extLst>
         </p:spPr>
@@ -15453,7 +17016,7 @@
           </a:ln>
           <a:extLst>
             <a:ext uri="{C572A759-6A51-4108-AA02-DFA0A04FC94B}">
-              <ma14:wrappingTextBoxFlag xmlns:ma14="http://schemas.microsoft.com/office/mac/drawingml/2011/main" xmlns="" val="1"/>
+              <ma14:wrappingTextBoxFlag xmlns="" xmlns:ma14="http://schemas.microsoft.com/office/mac/drawingml/2011/main" val="1"/>
             </a:ext>
           </a:extLst>
         </p:spPr>
@@ -15649,7 +17212,7 @@
           </a:ln>
           <a:extLst>
             <a:ext uri="{C572A759-6A51-4108-AA02-DFA0A04FC94B}">
-              <ma14:wrappingTextBoxFlag xmlns:ma14="http://schemas.microsoft.com/office/mac/drawingml/2011/main" xmlns="" val="1"/>
+              <ma14:wrappingTextBoxFlag xmlns="" xmlns:ma14="http://schemas.microsoft.com/office/mac/drawingml/2011/main" val="1"/>
             </a:ext>
           </a:extLst>
         </p:spPr>
@@ -15729,7 +17292,7 @@
           </a:ln>
           <a:extLst>
             <a:ext uri="{C572A759-6A51-4108-AA02-DFA0A04FC94B}">
-              <ma14:wrappingTextBoxFlag xmlns:ma14="http://schemas.microsoft.com/office/mac/drawingml/2011/main" xmlns="" val="1"/>
+              <ma14:wrappingTextBoxFlag xmlns="" xmlns:ma14="http://schemas.microsoft.com/office/mac/drawingml/2011/main" val="1"/>
             </a:ext>
           </a:extLst>
         </p:spPr>
@@ -15864,7 +17427,7 @@
           </a:ln>
           <a:extLst>
             <a:ext uri="{C572A759-6A51-4108-AA02-DFA0A04FC94B}">
-              <ma14:wrappingTextBoxFlag xmlns:ma14="http://schemas.microsoft.com/office/mac/drawingml/2011/main" xmlns="" val="1"/>
+              <ma14:wrappingTextBoxFlag xmlns="" xmlns:ma14="http://schemas.microsoft.com/office/mac/drawingml/2011/main" val="1"/>
             </a:ext>
           </a:extLst>
         </p:spPr>
@@ -15916,7 +17479,7 @@
           </a:ln>
           <a:extLst>
             <a:ext uri="{C572A759-6A51-4108-AA02-DFA0A04FC94B}">
-              <ma14:wrappingTextBoxFlag xmlns:ma14="http://schemas.microsoft.com/office/mac/drawingml/2011/main" xmlns="" val="1"/>
+              <ma14:wrappingTextBoxFlag xmlns="" xmlns:ma14="http://schemas.microsoft.com/office/mac/drawingml/2011/main" val="1"/>
             </a:ext>
           </a:extLst>
         </p:spPr>
@@ -17669,7 +19232,7 @@
           </a:ln>
           <a:extLst>
             <a:ext uri="{C572A759-6A51-4108-AA02-DFA0A04FC94B}">
-              <ma14:wrappingTextBoxFlag xmlns:ma14="http://schemas.microsoft.com/office/mac/drawingml/2011/main" xmlns="" val="1"/>
+              <ma14:wrappingTextBoxFlag xmlns="" xmlns:ma14="http://schemas.microsoft.com/office/mac/drawingml/2011/main" val="1"/>
             </a:ext>
           </a:extLst>
         </p:spPr>
@@ -17718,7 +19281,7 @@
           </a:ln>
           <a:extLst>
             <a:ext uri="{C572A759-6A51-4108-AA02-DFA0A04FC94B}">
-              <ma14:wrappingTextBoxFlag xmlns:ma14="http://schemas.microsoft.com/office/mac/drawingml/2011/main" xmlns="" val="1"/>
+              <ma14:wrappingTextBoxFlag xmlns="" xmlns:ma14="http://schemas.microsoft.com/office/mac/drawingml/2011/main" val="1"/>
             </a:ext>
           </a:extLst>
         </p:spPr>
@@ -17766,7 +19329,7 @@
           </a:ln>
           <a:extLst>
             <a:ext uri="{C572A759-6A51-4108-AA02-DFA0A04FC94B}">
-              <ma14:wrappingTextBoxFlag xmlns:ma14="http://schemas.microsoft.com/office/mac/drawingml/2011/main" xmlns="" val="1"/>
+              <ma14:wrappingTextBoxFlag xmlns="" xmlns:ma14="http://schemas.microsoft.com/office/mac/drawingml/2011/main" val="1"/>
             </a:ext>
           </a:extLst>
         </p:spPr>
@@ -18348,7 +19911,7 @@
           </a:ln>
           <a:extLst>
             <a:ext uri="{C572A759-6A51-4108-AA02-DFA0A04FC94B}">
-              <ma14:wrappingTextBoxFlag xmlns:ma14="http://schemas.microsoft.com/office/mac/drawingml/2011/main" xmlns="" val="1"/>
+              <ma14:wrappingTextBoxFlag xmlns="" xmlns:ma14="http://schemas.microsoft.com/office/mac/drawingml/2011/main" val="1"/>
             </a:ext>
           </a:extLst>
         </p:spPr>
@@ -18399,7 +19962,7 @@
           </a:ln>
           <a:extLst>
             <a:ext uri="{C572A759-6A51-4108-AA02-DFA0A04FC94B}">
-              <ma14:wrappingTextBoxFlag xmlns:ma14="http://schemas.microsoft.com/office/mac/drawingml/2011/main" xmlns="" val="1"/>
+              <ma14:wrappingTextBoxFlag xmlns="" xmlns:ma14="http://schemas.microsoft.com/office/mac/drawingml/2011/main" val="1"/>
             </a:ext>
           </a:extLst>
         </p:spPr>
@@ -19014,7 +20577,7 @@
           </a:ln>
           <a:extLst>
             <a:ext uri="{C572A759-6A51-4108-AA02-DFA0A04FC94B}">
-              <ma14:wrappingTextBoxFlag xmlns:ma14="http://schemas.microsoft.com/office/mac/drawingml/2011/main" xmlns="" val="1"/>
+              <ma14:wrappingTextBoxFlag xmlns="" xmlns:ma14="http://schemas.microsoft.com/office/mac/drawingml/2011/main" val="1"/>
             </a:ext>
           </a:extLst>
         </p:spPr>
@@ -19063,7 +20626,7 @@
           </a:ln>
           <a:extLst>
             <a:ext uri="{C572A759-6A51-4108-AA02-DFA0A04FC94B}">
-              <ma14:wrappingTextBoxFlag xmlns:ma14="http://schemas.microsoft.com/office/mac/drawingml/2011/main" xmlns="" val="1"/>
+              <ma14:wrappingTextBoxFlag xmlns="" xmlns:ma14="http://schemas.microsoft.com/office/mac/drawingml/2011/main" val="1"/>
             </a:ext>
           </a:extLst>
         </p:spPr>
@@ -19115,7 +20678,7 @@
           </a:ln>
           <a:extLst>
             <a:ext uri="{C572A759-6A51-4108-AA02-DFA0A04FC94B}">
-              <ma14:wrappingTextBoxFlag xmlns:ma14="http://schemas.microsoft.com/office/mac/drawingml/2011/main" xmlns="" val="1"/>
+              <ma14:wrappingTextBoxFlag xmlns="" xmlns:ma14="http://schemas.microsoft.com/office/mac/drawingml/2011/main" val="1"/>
             </a:ext>
           </a:extLst>
         </p:spPr>
@@ -19193,7 +20756,7 @@
           </a:ln>
           <a:extLst>
             <a:ext uri="{C572A759-6A51-4108-AA02-DFA0A04FC94B}">
-              <ma14:wrappingTextBoxFlag xmlns:ma14="http://schemas.microsoft.com/office/mac/drawingml/2011/main" xmlns="" val="1"/>
+              <ma14:wrappingTextBoxFlag xmlns="" xmlns:ma14="http://schemas.microsoft.com/office/mac/drawingml/2011/main" val="1"/>
             </a:ext>
           </a:extLst>
         </p:spPr>
@@ -19242,7 +20805,7 @@
           </a:ln>
           <a:extLst>
             <a:ext uri="{C572A759-6A51-4108-AA02-DFA0A04FC94B}">
-              <ma14:wrappingTextBoxFlag xmlns:ma14="http://schemas.microsoft.com/office/mac/drawingml/2011/main" xmlns="" val="1"/>
+              <ma14:wrappingTextBoxFlag xmlns="" xmlns:ma14="http://schemas.microsoft.com/office/mac/drawingml/2011/main" val="1"/>
             </a:ext>
           </a:extLst>
         </p:spPr>
@@ -19295,7 +20858,7 @@
           </a:ln>
           <a:extLst>
             <a:ext uri="{C572A759-6A51-4108-AA02-DFA0A04FC94B}">
-              <ma14:wrappingTextBoxFlag xmlns:ma14="http://schemas.microsoft.com/office/mac/drawingml/2011/main" xmlns="" val="1"/>
+              <ma14:wrappingTextBoxFlag xmlns="" xmlns:ma14="http://schemas.microsoft.com/office/mac/drawingml/2011/main" val="1"/>
             </a:ext>
           </a:extLst>
         </p:spPr>
@@ -19342,7 +20905,7 @@
           </a:ln>
           <a:extLst>
             <a:ext uri="{C572A759-6A51-4108-AA02-DFA0A04FC94B}">
-              <ma14:wrappingTextBoxFlag xmlns:ma14="http://schemas.microsoft.com/office/mac/drawingml/2011/main" xmlns="" val="1"/>
+              <ma14:wrappingTextBoxFlag xmlns="" xmlns:ma14="http://schemas.microsoft.com/office/mac/drawingml/2011/main" val="1"/>
             </a:ext>
           </a:extLst>
         </p:spPr>
@@ -19391,7 +20954,7 @@
           </a:ln>
           <a:extLst>
             <a:ext uri="{C572A759-6A51-4108-AA02-DFA0A04FC94B}">
-              <ma14:wrappingTextBoxFlag xmlns:ma14="http://schemas.microsoft.com/office/mac/drawingml/2011/main" xmlns="" val="1"/>
+              <ma14:wrappingTextBoxFlag xmlns="" xmlns:ma14="http://schemas.microsoft.com/office/mac/drawingml/2011/main" val="1"/>
             </a:ext>
           </a:extLst>
         </p:spPr>
@@ -19444,7 +21007,7 @@
           </a:ln>
           <a:extLst>
             <a:ext uri="{C572A759-6A51-4108-AA02-DFA0A04FC94B}">
-              <ma14:wrappingTextBoxFlag xmlns:ma14="http://schemas.microsoft.com/office/mac/drawingml/2011/main" xmlns="" val="1"/>
+              <ma14:wrappingTextBoxFlag xmlns="" xmlns:ma14="http://schemas.microsoft.com/office/mac/drawingml/2011/main" val="1"/>
             </a:ext>
           </a:extLst>
         </p:spPr>
@@ -19491,7 +21054,7 @@
           </a:ln>
           <a:extLst>
             <a:ext uri="{C572A759-6A51-4108-AA02-DFA0A04FC94B}">
-              <ma14:wrappingTextBoxFlag xmlns:ma14="http://schemas.microsoft.com/office/mac/drawingml/2011/main" xmlns="" val="1"/>
+              <ma14:wrappingTextBoxFlag xmlns="" xmlns:ma14="http://schemas.microsoft.com/office/mac/drawingml/2011/main" val="1"/>
             </a:ext>
           </a:extLst>
         </p:spPr>
@@ -19548,7 +21111,7 @@
           </a:ln>
           <a:extLst>
             <a:ext uri="{C572A759-6A51-4108-AA02-DFA0A04FC94B}">
-              <ma14:wrappingTextBoxFlag xmlns:ma14="http://schemas.microsoft.com/office/mac/drawingml/2011/main" xmlns="" val="1"/>
+              <ma14:wrappingTextBoxFlag xmlns="" xmlns:ma14="http://schemas.microsoft.com/office/mac/drawingml/2011/main" val="1"/>
             </a:ext>
           </a:extLst>
         </p:spPr>
@@ -19601,7 +21164,7 @@
           </a:ln>
           <a:extLst>
             <a:ext uri="{C572A759-6A51-4108-AA02-DFA0A04FC94B}">
-              <ma14:wrappingTextBoxFlag xmlns:ma14="http://schemas.microsoft.com/office/mac/drawingml/2011/main" xmlns="" val="1"/>
+              <ma14:wrappingTextBoxFlag xmlns="" xmlns:ma14="http://schemas.microsoft.com/office/mac/drawingml/2011/main" val="1"/>
             </a:ext>
           </a:extLst>
         </p:spPr>
@@ -19691,7 +21254,7 @@
           </a:ln>
           <a:extLst>
             <a:ext uri="{C572A759-6A51-4108-AA02-DFA0A04FC94B}">
-              <ma14:wrappingTextBoxFlag xmlns:ma14="http://schemas.microsoft.com/office/mac/drawingml/2011/main" xmlns="" val="1"/>
+              <ma14:wrappingTextBoxFlag xmlns="" xmlns:ma14="http://schemas.microsoft.com/office/mac/drawingml/2011/main" val="1"/>
             </a:ext>
           </a:extLst>
         </p:spPr>
@@ -20673,8 +22236,8 @@
         </p:nvSpPr>
         <p:spPr>
           <a:xfrm>
-            <a:off x="3695343" y="6080176"/>
-            <a:ext cx="4801314" cy="707886"/>
+            <a:off x="5036998" y="6080176"/>
+            <a:ext cx="2236510" cy="707886"/>
           </a:xfrm>
           <a:prstGeom prst="rect">
             <a:avLst/>
@@ -20687,6 +22250,17 @@
           <a:lstStyle/>
           <a:p>
             <a:r>
+              <a:rPr lang="zh-CN" altLang="zh-CN" sz="4000" b="1" dirty="0" smtClean="0">
+                <a:solidFill>
+                  <a:srgbClr val="FCFCFD"/>
+                </a:solidFill>
+                <a:latin typeface="微软雅黑"/>
+                <a:ea typeface="微软雅黑"/>
+                <a:sym typeface="微软雅黑"/>
+              </a:rPr>
+              <a:t>处理</a:t>
+            </a:r>
+            <a:r>
               <a:rPr lang="zh-CN" altLang="zh-CN" sz="4000" b="1" dirty="0">
                 <a:solidFill>
                   <a:srgbClr val="FCFCFD"/>
@@ -20695,7 +22269,7 @@
                 <a:ea typeface="微软雅黑"/>
                 <a:sym typeface="微软雅黑"/>
               </a:rPr>
-              <a:t>数据流程和处理流程</a:t>
+              <a:t>流程</a:t>
             </a:r>
             <a:endParaRPr lang="zh-CN" altLang="en-US" sz="4000" b="1" dirty="0">
               <a:solidFill>
@@ -20805,7 +22379,7 @@
           <a:graphicData uri="http://schemas.openxmlformats.org/presentationml/2006/ole">
             <mc:AlternateContent xmlns:mc="http://schemas.openxmlformats.org/markup-compatibility/2006">
               <mc:Choice xmlns:v="urn:schemas-microsoft-com:vml" Requires="v">
-                <p:oleObj spid="_x0000_s1033" r:id="rId3" imgW="6296069" imgH="5810289" progId="Visio.Drawing.15">
+                <p:oleObj spid="_x0000_s1039" r:id="rId3" imgW="6296069" imgH="5810289" progId="Visio.Drawing.15">
                   <p:embed/>
                 </p:oleObj>
               </mc:Choice>
@@ -21116,25 +22690,25 @@
           <p:nvPr>
             <p:extLst>
               <p:ext uri="{D42A27DB-BD31-4B8C-83A1-F6EECF244321}">
-                <p14:modId xmlns:p14="http://schemas.microsoft.com/office/powerpoint/2010/main" val="999514776"/>
+                <p14:modId xmlns:p14="http://schemas.microsoft.com/office/powerpoint/2010/main" val="1772959502"/>
               </p:ext>
             </p:extLst>
           </p:nvPr>
         </p:nvGraphicFramePr>
         <p:xfrm>
-          <a:off x="863601" y="538902"/>
+          <a:off x="933279" y="160105"/>
           <a:ext cx="8511064" cy="5780195"/>
         </p:xfrm>
         <a:graphic>
           <a:graphicData uri="http://schemas.openxmlformats.org/presentationml/2006/ole">
             <mc:AlternateContent xmlns:mc="http://schemas.openxmlformats.org/markup-compatibility/2006">
               <mc:Choice xmlns:v="urn:schemas-microsoft-com:vml" Requires="v">
-                <p:oleObj spid="_x0000_s2057" r:id="rId3" imgW="6505390" imgH="4419736" progId="Visio.Drawing.15">
+                <p:oleObj spid="_x0000_s2063" name="Visio" r:id="rId3" imgW="6505390" imgH="4419736" progId="Visio.Drawing.15">
                   <p:embed/>
                 </p:oleObj>
               </mc:Choice>
               <mc:Fallback>
-                <p:oleObj r:id="rId3" imgW="6505390" imgH="4419736" progId="Visio.Drawing.15">
+                <p:oleObj name="Visio" r:id="rId3" imgW="6505390" imgH="4419736" progId="Visio.Drawing.15">
                   <p:embed/>
                   <p:pic>
                     <p:nvPicPr>
@@ -21145,13 +22719,7 @@
                       <p:nvPr/>
                     </p:nvPicPr>
                     <p:blipFill>
-                      <a:blip r:embed="rId4">
-                        <a:extLst>
-                          <a:ext uri="{28A0092B-C50C-407E-A947-70E740481C1C}">
-                            <a14:useLocalDpi xmlns:a14="http://schemas.microsoft.com/office/drawing/2010/main" val="0"/>
-                          </a:ext>
-                        </a:extLst>
-                      </a:blip>
+                      <a:blip r:embed="rId4"/>
                       <a:srcRect/>
                       <a:stretch>
                         <a:fillRect/>
@@ -21159,7 +22727,7 @@
                     </p:blipFill>
                     <p:spPr bwMode="auto">
                       <a:xfrm>
-                        <a:off x="863601" y="538902"/>
+                        <a:off x="933279" y="160105"/>
                         <a:ext cx="8511064" cy="5780195"/>
                       </a:xfrm>
                       <a:prstGeom prst="rect">
@@ -21204,6 +22772,109 @@
           </a:prstGeom>
         </p:spPr>
       </p:pic>
+      <p:sp>
+        <p:nvSpPr>
+          <p:cNvPr id="5" name="矩形 23"/>
+          <p:cNvSpPr/>
+          <p:nvPr/>
+        </p:nvSpPr>
+        <p:spPr>
+          <a:xfrm>
+            <a:off x="0" y="6010238"/>
+            <a:ext cx="12192000" cy="847762"/>
+          </a:xfrm>
+          <a:prstGeom prst="rect">
+            <a:avLst/>
+          </a:prstGeom>
+          <a:solidFill>
+            <a:srgbClr val="F9B359"/>
+          </a:solidFill>
+          <a:ln w="12700">
+            <a:miter lim="400000"/>
+          </a:ln>
+          <a:effectLst>
+            <a:outerShdw blurRad="127000" rotWithShape="0">
+              <a:srgbClr val="D5D7D5">
+                <a:alpha val="40000"/>
+              </a:srgbClr>
+            </a:outerShdw>
+          </a:effectLst>
+        </p:spPr>
+        <p:txBody>
+          <a:bodyPr lIns="45719" rIns="45719" anchor="ctr"/>
+          <a:lstStyle/>
+          <a:p>
+            <a:pPr algn="ctr">
+              <a:defRPr>
+                <a:solidFill>
+                  <a:srgbClr val="FFFFFF"/>
+                </a:solidFill>
+              </a:defRPr>
+            </a:pPr>
+            <a:endParaRPr/>
+          </a:p>
+        </p:txBody>
+      </p:sp>
+      <p:sp>
+        <p:nvSpPr>
+          <p:cNvPr id="6" name="矩形 5">
+            <a:extLst>
+              <a:ext uri="{FF2B5EF4-FFF2-40B4-BE49-F238E27FC236}">
+                <a16:creationId xmlns:a16="http://schemas.microsoft.com/office/drawing/2014/main" id="{8DE7B9DD-A358-4858-97BE-231CCC12F061}"/>
+              </a:ext>
+            </a:extLst>
+          </p:cNvPr>
+          <p:cNvSpPr/>
+          <p:nvPr/>
+        </p:nvSpPr>
+        <p:spPr>
+          <a:xfrm>
+            <a:off x="5036998" y="6080176"/>
+            <a:ext cx="2236510" cy="707886"/>
+          </a:xfrm>
+          <a:prstGeom prst="rect">
+            <a:avLst/>
+          </a:prstGeom>
+        </p:spPr>
+        <p:txBody>
+          <a:bodyPr wrap="none">
+            <a:spAutoFit/>
+          </a:bodyPr>
+          <a:lstStyle/>
+          <a:p>
+            <a:r>
+              <a:rPr lang="zh-CN" altLang="zh-CN" sz="4000" b="1" dirty="0" smtClean="0">
+                <a:solidFill>
+                  <a:srgbClr val="FCFCFD"/>
+                </a:solidFill>
+                <a:latin typeface="微软雅黑"/>
+                <a:ea typeface="微软雅黑"/>
+                <a:sym typeface="微软雅黑"/>
+              </a:rPr>
+              <a:t>处理流</a:t>
+            </a:r>
+            <a:r>
+              <a:rPr lang="zh-CN" altLang="en-US" sz="4000" b="1" dirty="0" smtClean="0">
+                <a:solidFill>
+                  <a:srgbClr val="FCFCFD"/>
+                </a:solidFill>
+                <a:latin typeface="微软雅黑"/>
+                <a:ea typeface="微软雅黑"/>
+                <a:sym typeface="微软雅黑"/>
+              </a:rPr>
+              <a:t>图</a:t>
+            </a:r>
+            <a:endParaRPr lang="zh-CN" altLang="en-US" sz="4000" b="1" dirty="0">
+              <a:solidFill>
+                <a:srgbClr val="FCFCFD"/>
+              </a:solidFill>
+              <a:latin typeface="微软雅黑"/>
+              <a:ea typeface="微软雅黑"/>
+              <a:sym typeface="微软雅黑"/>
+            </a:endParaRPr>
+          </a:p>
+        </p:txBody>
+      </p:sp>
     </p:spTree>
     <p:extLst>
       <p:ext uri="{BB962C8B-B14F-4D97-AF65-F5344CB8AC3E}">
@@ -21215,10 +22886,522 @@
     <a:masterClrMapping/>
   </p:clrMapOvr>
   <p:transition spd="med"/>
+  <p:timing>
+    <p:tnLst>
+      <p:par>
+        <p:cTn id="1" dur="indefinite" restart="never" nodeType="tmRoot">
+          <p:childTnLst>
+            <p:seq concurrent="1" nextAc="seek">
+              <p:cTn id="2" dur="indefinite" nodeType="mainSeq">
+                <p:childTnLst>
+                  <p:par>
+                    <p:cTn id="3" fill="hold">
+                      <p:stCondLst>
+                        <p:cond delay="indefinite"/>
+                        <p:cond evt="onBegin" delay="0">
+                          <p:tn val="2"/>
+                        </p:cond>
+                      </p:stCondLst>
+                      <p:childTnLst>
+                        <p:par>
+                          <p:cTn id="4" fill="hold">
+                            <p:stCondLst>
+                              <p:cond delay="0"/>
+                            </p:stCondLst>
+                            <p:childTnLst>
+                              <p:par>
+                                <p:cTn id="5" presetID="2" presetClass="entr" presetSubtype="4" fill="hold" grpId="0" nodeType="afterEffect">
+                                  <p:stCondLst>
+                                    <p:cond delay="0"/>
+                                  </p:stCondLst>
+                                  <p:iterate>
+                                    <p:tmAbs val="0"/>
+                                  </p:iterate>
+                                  <p:childTnLst>
+                                    <p:set>
+                                      <p:cBhvr>
+                                        <p:cTn id="6" fill="hold"/>
+                                        <p:tgtEl>
+                                          <p:spTgt spid="5"/>
+                                        </p:tgtEl>
+                                        <p:attrNameLst>
+                                          <p:attrName>style.visibility</p:attrName>
+                                        </p:attrNameLst>
+                                      </p:cBhvr>
+                                      <p:to>
+                                        <p:strVal val="visible"/>
+                                      </p:to>
+                                    </p:set>
+                                    <p:anim calcmode="lin" valueType="num">
+                                      <p:cBhvr>
+                                        <p:cTn id="7" dur="1000" fill="hold"/>
+                                        <p:tgtEl>
+                                          <p:spTgt spid="5"/>
+                                        </p:tgtEl>
+                                        <p:attrNameLst>
+                                          <p:attrName>ppt_x</p:attrName>
+                                        </p:attrNameLst>
+                                      </p:cBhvr>
+                                      <p:tavLst>
+                                        <p:tav tm="0">
+                                          <p:val>
+                                            <p:strVal val="#ppt_x"/>
+                                          </p:val>
+                                        </p:tav>
+                                        <p:tav tm="100000">
+                                          <p:val>
+                                            <p:strVal val="#ppt_x"/>
+                                          </p:val>
+                                        </p:tav>
+                                      </p:tavLst>
+                                    </p:anim>
+                                    <p:anim calcmode="lin" valueType="num">
+                                      <p:cBhvr>
+                                        <p:cTn id="8" dur="1000" fill="hold"/>
+                                        <p:tgtEl>
+                                          <p:spTgt spid="5"/>
+                                        </p:tgtEl>
+                                        <p:attrNameLst>
+                                          <p:attrName>ppt_y</p:attrName>
+                                        </p:attrNameLst>
+                                      </p:cBhvr>
+                                      <p:tavLst>
+                                        <p:tav tm="0">
+                                          <p:val>
+                                            <p:strVal val="1+#ppt_h/2"/>
+                                          </p:val>
+                                        </p:tav>
+                                        <p:tav tm="100000">
+                                          <p:val>
+                                            <p:strVal val="#ppt_y"/>
+                                          </p:val>
+                                        </p:tav>
+                                      </p:tavLst>
+                                    </p:anim>
+                                  </p:childTnLst>
+                                </p:cTn>
+                              </p:par>
+                            </p:childTnLst>
+                          </p:cTn>
+                        </p:par>
+                      </p:childTnLst>
+                    </p:cTn>
+                  </p:par>
+                </p:childTnLst>
+              </p:cTn>
+              <p:prevCondLst>
+                <p:cond evt="onPrev" delay="0">
+                  <p:tgtEl>
+                    <p:sldTgt/>
+                  </p:tgtEl>
+                </p:cond>
+              </p:prevCondLst>
+              <p:nextCondLst>
+                <p:cond evt="onNext" delay="0">
+                  <p:tgtEl>
+                    <p:sldTgt/>
+                  </p:tgtEl>
+                </p:cond>
+              </p:nextCondLst>
+            </p:seq>
+          </p:childTnLst>
+        </p:cTn>
+      </p:par>
+    </p:tnLst>
+    <p:bldLst>
+      <p:bldP spid="5" grpId="0" animBg="1" advAuto="0"/>
+    </p:bldLst>
+  </p:timing>
 </p:sld>
 </file>
 
 <file path=ppt/slides/slide22.xml><?xml version="1.0" encoding="utf-8"?>
+<p:sld xmlns:a="http://schemas.openxmlformats.org/drawingml/2006/main" xmlns:r="http://schemas.openxmlformats.org/officeDocument/2006/relationships" xmlns:p="http://schemas.openxmlformats.org/presentationml/2006/main">
+  <p:cSld>
+    <p:spTree>
+      <p:nvGrpSpPr>
+        <p:cNvPr id="1" name=""/>
+        <p:cNvGrpSpPr/>
+        <p:nvPr/>
+      </p:nvGrpSpPr>
+      <p:grpSpPr>
+        <a:xfrm>
+          <a:off x="0" y="0"/>
+          <a:ext cx="0" cy="0"/>
+          <a:chOff x="0" y="0"/>
+          <a:chExt cx="0" cy="0"/>
+        </a:xfrm>
+      </p:grpSpPr>
+      <p:sp>
+        <p:nvSpPr>
+          <p:cNvPr id="2" name="矩形 23"/>
+          <p:cNvSpPr/>
+          <p:nvPr/>
+        </p:nvSpPr>
+        <p:spPr>
+          <a:xfrm>
+            <a:off x="0" y="6010238"/>
+            <a:ext cx="12192000" cy="847762"/>
+          </a:xfrm>
+          <a:prstGeom prst="rect">
+            <a:avLst/>
+          </a:prstGeom>
+          <a:solidFill>
+            <a:srgbClr val="F9B359"/>
+          </a:solidFill>
+          <a:ln w="12700">
+            <a:miter lim="400000"/>
+          </a:ln>
+          <a:effectLst>
+            <a:outerShdw blurRad="127000" rotWithShape="0">
+              <a:srgbClr val="D5D7D5">
+                <a:alpha val="40000"/>
+              </a:srgbClr>
+            </a:outerShdw>
+          </a:effectLst>
+        </p:spPr>
+        <p:txBody>
+          <a:bodyPr lIns="45719" rIns="45719" anchor="ctr"/>
+          <a:lstStyle/>
+          <a:p>
+            <a:pPr algn="ctr">
+              <a:defRPr>
+                <a:solidFill>
+                  <a:srgbClr val="FFFFFF"/>
+                </a:solidFill>
+              </a:defRPr>
+            </a:pPr>
+            <a:endParaRPr/>
+          </a:p>
+        </p:txBody>
+      </p:sp>
+      <p:sp>
+        <p:nvSpPr>
+          <p:cNvPr id="3" name="矩形 2">
+            <a:extLst>
+              <a:ext uri="{FF2B5EF4-FFF2-40B4-BE49-F238E27FC236}">
+                <a16:creationId xmlns:a16="http://schemas.microsoft.com/office/drawing/2014/main" id="{8DE7B9DD-A358-4858-97BE-231CCC12F061}"/>
+              </a:ext>
+            </a:extLst>
+          </p:cNvPr>
+          <p:cNvSpPr/>
+          <p:nvPr/>
+        </p:nvSpPr>
+        <p:spPr>
+          <a:xfrm>
+            <a:off x="3695343" y="6080176"/>
+            <a:ext cx="4801314" cy="707886"/>
+          </a:xfrm>
+          <a:prstGeom prst="rect">
+            <a:avLst/>
+          </a:prstGeom>
+        </p:spPr>
+        <p:txBody>
+          <a:bodyPr wrap="none">
+            <a:spAutoFit/>
+          </a:bodyPr>
+          <a:lstStyle/>
+          <a:p>
+            <a:pPr algn="ctr"/>
+            <a:r>
+              <a:rPr lang="zh-CN" altLang="en-US" sz="4000" b="1" dirty="0">
+                <a:solidFill>
+                  <a:srgbClr val="FCFCFD"/>
+                </a:solidFill>
+                <a:latin typeface="微软雅黑"/>
+                <a:ea typeface="微软雅黑"/>
+                <a:sym typeface="微软雅黑"/>
+              </a:rPr>
+              <a:t>系统</a:t>
+            </a:r>
+            <a:r>
+              <a:rPr lang="zh-CN" altLang="zh-CN" sz="4000" b="1" dirty="0" smtClean="0">
+                <a:solidFill>
+                  <a:srgbClr val="FCFCFD"/>
+                </a:solidFill>
+                <a:latin typeface="微软雅黑"/>
+                <a:ea typeface="微软雅黑"/>
+                <a:sym typeface="微软雅黑"/>
+              </a:rPr>
+              <a:t>流程</a:t>
+            </a:r>
+            <a:r>
+              <a:rPr lang="zh-CN" altLang="en-US" sz="4000" b="1" dirty="0" smtClean="0">
+                <a:solidFill>
+                  <a:srgbClr val="FCFCFD"/>
+                </a:solidFill>
+                <a:latin typeface="微软雅黑"/>
+                <a:ea typeface="微软雅黑"/>
+                <a:sym typeface="微软雅黑"/>
+              </a:rPr>
+              <a:t>和数据字典</a:t>
+            </a:r>
+            <a:endParaRPr lang="zh-CN" altLang="en-US" sz="4000" b="1" dirty="0">
+              <a:solidFill>
+                <a:srgbClr val="FCFCFD"/>
+              </a:solidFill>
+              <a:latin typeface="微软雅黑"/>
+              <a:ea typeface="微软雅黑"/>
+              <a:sym typeface="微软雅黑"/>
+            </a:endParaRPr>
+          </a:p>
+        </p:txBody>
+      </p:sp>
+      <p:graphicFrame>
+        <p:nvGraphicFramePr>
+          <p:cNvPr id="4" name="对象 3"/>
+          <p:cNvGraphicFramePr>
+            <a:graphicFrameLocks noChangeAspect="1"/>
+          </p:cNvGraphicFramePr>
+          <p:nvPr>
+            <p:extLst>
+              <p:ext uri="{D42A27DB-BD31-4B8C-83A1-F6EECF244321}">
+                <p14:modId xmlns:p14="http://schemas.microsoft.com/office/powerpoint/2010/main" val="1108488637"/>
+              </p:ext>
+            </p:extLst>
+          </p:nvPr>
+        </p:nvGraphicFramePr>
+        <p:xfrm>
+          <a:off x="2100262" y="320550"/>
+          <a:ext cx="3095625" cy="5619750"/>
+        </p:xfrm>
+        <a:graphic>
+          <a:graphicData uri="http://schemas.openxmlformats.org/presentationml/2006/ole">
+            <mc:AlternateContent xmlns:mc="http://schemas.openxmlformats.org/markup-compatibility/2006">
+              <mc:Choice xmlns:v="urn:schemas-microsoft-com:vml" Requires="v">
+                <p:oleObj spid="_x0000_s6148" name="Visio" r:id="rId3" imgW="3095708" imgH="5619886" progId="Visio.Drawing.15">
+                  <p:embed/>
+                </p:oleObj>
+              </mc:Choice>
+              <mc:Fallback>
+                <p:oleObj name="Visio" r:id="rId3" imgW="3095708" imgH="5619886" progId="Visio.Drawing.15">
+                  <p:embed/>
+                  <p:pic>
+                    <p:nvPicPr>
+                      <p:cNvPr id="0" name=""/>
+                      <p:cNvPicPr/>
+                      <p:nvPr/>
+                    </p:nvPicPr>
+                    <p:blipFill>
+                      <a:blip r:embed="rId4"/>
+                      <a:stretch>
+                        <a:fillRect/>
+                      </a:stretch>
+                    </p:blipFill>
+                    <p:spPr>
+                      <a:xfrm>
+                        <a:off x="2100262" y="320550"/>
+                        <a:ext cx="3095625" cy="5619750"/>
+                      </a:xfrm>
+                      <a:prstGeom prst="rect">
+                        <a:avLst/>
+                      </a:prstGeom>
+                    </p:spPr>
+                  </p:pic>
+                </p:oleObj>
+              </mc:Fallback>
+            </mc:AlternateContent>
+          </a:graphicData>
+        </a:graphic>
+      </p:graphicFrame>
+      <p:graphicFrame>
+        <p:nvGraphicFramePr>
+          <p:cNvPr id="5" name="对象 4"/>
+          <p:cNvGraphicFramePr>
+            <a:graphicFrameLocks noChangeAspect="1"/>
+          </p:cNvGraphicFramePr>
+          <p:nvPr>
+            <p:extLst>
+              <p:ext uri="{D42A27DB-BD31-4B8C-83A1-F6EECF244321}">
+                <p14:modId xmlns:p14="http://schemas.microsoft.com/office/powerpoint/2010/main" val="744129092"/>
+              </p:ext>
+            </p:extLst>
+          </p:nvPr>
+        </p:nvGraphicFramePr>
+        <p:xfrm>
+          <a:off x="5481638" y="1222375"/>
+          <a:ext cx="5553075" cy="4086225"/>
+        </p:xfrm>
+        <a:graphic>
+          <a:graphicData uri="http://schemas.openxmlformats.org/presentationml/2006/ole">
+            <mc:AlternateContent xmlns:mc="http://schemas.openxmlformats.org/markup-compatibility/2006">
+              <mc:Choice xmlns:v="urn:schemas-microsoft-com:vml" Requires="v">
+                <p:oleObj spid="_x0000_s6149" name="Visio" r:id="rId5" imgW="5553273" imgH="4086225" progId="Visio.Drawing.15">
+                  <p:embed/>
+                </p:oleObj>
+              </mc:Choice>
+              <mc:Fallback>
+                <p:oleObj name="Visio" r:id="rId5" imgW="5553273" imgH="4086225" progId="Visio.Drawing.15">
+                  <p:embed/>
+                  <p:pic>
+                    <p:nvPicPr>
+                      <p:cNvPr id="0" name=""/>
+                      <p:cNvPicPr/>
+                      <p:nvPr/>
+                    </p:nvPicPr>
+                    <p:blipFill>
+                      <a:blip r:embed="rId6"/>
+                      <a:stretch>
+                        <a:fillRect/>
+                      </a:stretch>
+                    </p:blipFill>
+                    <p:spPr>
+                      <a:xfrm>
+                        <a:off x="5481638" y="1222375"/>
+                        <a:ext cx="5553075" cy="4086225"/>
+                      </a:xfrm>
+                      <a:prstGeom prst="rect">
+                        <a:avLst/>
+                      </a:prstGeom>
+                    </p:spPr>
+                  </p:pic>
+                </p:oleObj>
+              </mc:Fallback>
+            </mc:AlternateContent>
+          </a:graphicData>
+        </a:graphic>
+      </p:graphicFrame>
+    </p:spTree>
+    <p:extLst>
+      <p:ext uri="{BB962C8B-B14F-4D97-AF65-F5344CB8AC3E}">
+        <p14:creationId xmlns:p14="http://schemas.microsoft.com/office/powerpoint/2010/main" val="2871286755"/>
+      </p:ext>
+    </p:extLst>
+  </p:cSld>
+  <p:clrMapOvr>
+    <a:masterClrMapping/>
+  </p:clrMapOvr>
+  <p:transition spd="med"/>
+  <p:timing>
+    <p:tnLst>
+      <p:par>
+        <p:cTn id="1" dur="indefinite" restart="never" nodeType="tmRoot">
+          <p:childTnLst>
+            <p:seq concurrent="1" nextAc="seek">
+              <p:cTn id="2" dur="indefinite" nodeType="mainSeq">
+                <p:childTnLst>
+                  <p:par>
+                    <p:cTn id="3" fill="hold">
+                      <p:stCondLst>
+                        <p:cond delay="indefinite"/>
+                        <p:cond evt="onBegin" delay="0">
+                          <p:tn val="2"/>
+                        </p:cond>
+                      </p:stCondLst>
+                      <p:childTnLst>
+                        <p:par>
+                          <p:cTn id="4" fill="hold">
+                            <p:stCondLst>
+                              <p:cond delay="0"/>
+                            </p:stCondLst>
+                            <p:childTnLst>
+                              <p:par>
+                                <p:cTn id="5" presetID="2" presetClass="entr" presetSubtype="4" fill="hold" grpId="0" nodeType="afterEffect">
+                                  <p:stCondLst>
+                                    <p:cond delay="0"/>
+                                  </p:stCondLst>
+                                  <p:iterate>
+                                    <p:tmAbs val="0"/>
+                                  </p:iterate>
+                                  <p:childTnLst>
+                                    <p:set>
+                                      <p:cBhvr>
+                                        <p:cTn id="6" fill="hold"/>
+                                        <p:tgtEl>
+                                          <p:spTgt spid="2"/>
+                                        </p:tgtEl>
+                                        <p:attrNameLst>
+                                          <p:attrName>style.visibility</p:attrName>
+                                        </p:attrNameLst>
+                                      </p:cBhvr>
+                                      <p:to>
+                                        <p:strVal val="visible"/>
+                                      </p:to>
+                                    </p:set>
+                                    <p:anim calcmode="lin" valueType="num">
+                                      <p:cBhvr>
+                                        <p:cTn id="7" dur="1000" fill="hold"/>
+                                        <p:tgtEl>
+                                          <p:spTgt spid="2"/>
+                                        </p:tgtEl>
+                                        <p:attrNameLst>
+                                          <p:attrName>ppt_x</p:attrName>
+                                        </p:attrNameLst>
+                                      </p:cBhvr>
+                                      <p:tavLst>
+                                        <p:tav tm="0">
+                                          <p:val>
+                                            <p:strVal val="#ppt_x"/>
+                                          </p:val>
+                                        </p:tav>
+                                        <p:tav tm="100000">
+                                          <p:val>
+                                            <p:strVal val="#ppt_x"/>
+                                          </p:val>
+                                        </p:tav>
+                                      </p:tavLst>
+                                    </p:anim>
+                                    <p:anim calcmode="lin" valueType="num">
+                                      <p:cBhvr>
+                                        <p:cTn id="8" dur="1000" fill="hold"/>
+                                        <p:tgtEl>
+                                          <p:spTgt spid="2"/>
+                                        </p:tgtEl>
+                                        <p:attrNameLst>
+                                          <p:attrName>ppt_y</p:attrName>
+                                        </p:attrNameLst>
+                                      </p:cBhvr>
+                                      <p:tavLst>
+                                        <p:tav tm="0">
+                                          <p:val>
+                                            <p:strVal val="1+#ppt_h/2"/>
+                                          </p:val>
+                                        </p:tav>
+                                        <p:tav tm="100000">
+                                          <p:val>
+                                            <p:strVal val="#ppt_y"/>
+                                          </p:val>
+                                        </p:tav>
+                                      </p:tavLst>
+                                    </p:anim>
+                                  </p:childTnLst>
+                                </p:cTn>
+                              </p:par>
+                            </p:childTnLst>
+                          </p:cTn>
+                        </p:par>
+                      </p:childTnLst>
+                    </p:cTn>
+                  </p:par>
+                </p:childTnLst>
+              </p:cTn>
+              <p:prevCondLst>
+                <p:cond evt="onPrev" delay="0">
+                  <p:tgtEl>
+                    <p:sldTgt/>
+                  </p:tgtEl>
+                </p:cond>
+              </p:prevCondLst>
+              <p:nextCondLst>
+                <p:cond evt="onNext" delay="0">
+                  <p:tgtEl>
+                    <p:sldTgt/>
+                  </p:tgtEl>
+                </p:cond>
+              </p:nextCondLst>
+            </p:seq>
+          </p:childTnLst>
+        </p:cTn>
+      </p:par>
+    </p:tnLst>
+    <p:bldLst>
+      <p:bldP spid="2" grpId="0" animBg="1" advAuto="0"/>
+    </p:bldLst>
+  </p:timing>
+</p:sld>
+</file>
+
+<file path=ppt/slides/slide23.xml><?xml version="1.0" encoding="utf-8"?>
 <p:sld xmlns:a="http://schemas.openxmlformats.org/drawingml/2006/main" xmlns:r="http://schemas.openxmlformats.org/officeDocument/2006/relationships" xmlns:p="http://schemas.openxmlformats.org/presentationml/2006/main">
   <p:cSld>
     <p:spTree>
@@ -23148,7 +25331,7 @@
           </a:ln>
           <a:extLst>
             <a:ext uri="{C572A759-6A51-4108-AA02-DFA0A04FC94B}">
-              <ma14:wrappingTextBoxFlag xmlns:ma14="http://schemas.microsoft.com/office/mac/drawingml/2011/main" xmlns="" val="1"/>
+              <ma14:wrappingTextBoxFlag xmlns="" xmlns:ma14="http://schemas.microsoft.com/office/mac/drawingml/2011/main" val="1"/>
             </a:ext>
           </a:extLst>
         </p:spPr>
@@ -23242,7 +25425,7 @@
           </a:ln>
           <a:extLst>
             <a:ext uri="{C572A759-6A51-4108-AA02-DFA0A04FC94B}">
-              <ma14:wrappingTextBoxFlag xmlns:ma14="http://schemas.microsoft.com/office/mac/drawingml/2011/main" xmlns="" val="1"/>
+              <ma14:wrappingTextBoxFlag xmlns="" xmlns:ma14="http://schemas.microsoft.com/office/mac/drawingml/2011/main" val="1"/>
             </a:ext>
           </a:extLst>
         </p:spPr>
@@ -23322,7 +25505,7 @@
           </a:ln>
           <a:extLst>
             <a:ext uri="{C572A759-6A51-4108-AA02-DFA0A04FC94B}">
-              <ma14:wrappingTextBoxFlag xmlns:ma14="http://schemas.microsoft.com/office/mac/drawingml/2011/main" xmlns="" val="1"/>
+              <ma14:wrappingTextBoxFlag xmlns="" xmlns:ma14="http://schemas.microsoft.com/office/mac/drawingml/2011/main" val="1"/>
             </a:ext>
           </a:extLst>
         </p:spPr>
@@ -23395,7 +25578,7 @@
           </a:ln>
           <a:extLst>
             <a:ext uri="{C572A759-6A51-4108-AA02-DFA0A04FC94B}">
-              <ma14:wrappingTextBoxFlag xmlns:ma14="http://schemas.microsoft.com/office/mac/drawingml/2011/main" xmlns="" val="1"/>
+              <ma14:wrappingTextBoxFlag xmlns="" xmlns:ma14="http://schemas.microsoft.com/office/mac/drawingml/2011/main" val="1"/>
             </a:ext>
           </a:extLst>
         </p:spPr>
@@ -23475,7 +25658,7 @@
           </a:ln>
           <a:extLst>
             <a:ext uri="{C572A759-6A51-4108-AA02-DFA0A04FC94B}">
-              <ma14:wrappingTextBoxFlag xmlns:ma14="http://schemas.microsoft.com/office/mac/drawingml/2011/main" xmlns="" val="1"/>
+              <ma14:wrappingTextBoxFlag xmlns="" xmlns:ma14="http://schemas.microsoft.com/office/mac/drawingml/2011/main" val="1"/>
             </a:ext>
           </a:extLst>
         </p:spPr>
@@ -23585,7 +25768,7 @@
           </a:ln>
           <a:extLst>
             <a:ext uri="{C572A759-6A51-4108-AA02-DFA0A04FC94B}">
-              <ma14:wrappingTextBoxFlag xmlns:ma14="http://schemas.microsoft.com/office/mac/drawingml/2011/main" xmlns="" val="1"/>
+              <ma14:wrappingTextBoxFlag xmlns="" xmlns:ma14="http://schemas.microsoft.com/office/mac/drawingml/2011/main" val="1"/>
             </a:ext>
           </a:extLst>
         </p:spPr>
@@ -23665,7 +25848,7 @@
           </a:ln>
           <a:extLst>
             <a:ext uri="{C572A759-6A51-4108-AA02-DFA0A04FC94B}">
-              <ma14:wrappingTextBoxFlag xmlns:ma14="http://schemas.microsoft.com/office/mac/drawingml/2011/main" xmlns="" val="1"/>
+              <ma14:wrappingTextBoxFlag xmlns="" xmlns:ma14="http://schemas.microsoft.com/office/mac/drawingml/2011/main" val="1"/>
             </a:ext>
           </a:extLst>
         </p:spPr>
@@ -23729,7 +25912,7 @@
           </a:ln>
           <a:extLst>
             <a:ext uri="{C572A759-6A51-4108-AA02-DFA0A04FC94B}">
-              <ma14:wrappingTextBoxFlag xmlns:ma14="http://schemas.microsoft.com/office/mac/drawingml/2011/main" xmlns="" val="1"/>
+              <ma14:wrappingTextBoxFlag xmlns="" xmlns:ma14="http://schemas.microsoft.com/office/mac/drawingml/2011/main" val="1"/>
             </a:ext>
           </a:extLst>
         </p:spPr>
@@ -24940,7 +27123,7 @@
 </p:sld>
 </file>
 
-<file path=ppt/slides/slide23.xml><?xml version="1.0" encoding="utf-8"?>
+<file path=ppt/slides/slide24.xml><?xml version="1.0" encoding="utf-8"?>
 <p:sld xmlns:a="http://schemas.openxmlformats.org/drawingml/2006/main" xmlns:r="http://schemas.openxmlformats.org/officeDocument/2006/relationships" xmlns:p="http://schemas.openxmlformats.org/presentationml/2006/main">
   <p:cSld>
     <p:spTree>
@@ -25100,7 +27283,7 @@
           </a:ln>
           <a:extLst>
             <a:ext uri="{C572A759-6A51-4108-AA02-DFA0A04FC94B}">
-              <ma14:wrappingTextBoxFlag xmlns:ma14="http://schemas.microsoft.com/office/mac/drawingml/2011/main" xmlns="" val="1"/>
+              <ma14:wrappingTextBoxFlag xmlns="" xmlns:ma14="http://schemas.microsoft.com/office/mac/drawingml/2011/main" val="1"/>
             </a:ext>
           </a:extLst>
         </p:spPr>
@@ -25156,7 +27339,7 @@
           </a:ln>
           <a:extLst>
             <a:ext uri="{C572A759-6A51-4108-AA02-DFA0A04FC94B}">
-              <ma14:wrappingTextBoxFlag xmlns:ma14="http://schemas.microsoft.com/office/mac/drawingml/2011/main" xmlns="" val="1"/>
+              <ma14:wrappingTextBoxFlag xmlns="" xmlns:ma14="http://schemas.microsoft.com/office/mac/drawingml/2011/main" val="1"/>
             </a:ext>
           </a:extLst>
         </p:spPr>
@@ -25204,7 +27387,7 @@
           </a:ln>
           <a:extLst>
             <a:ext uri="{C572A759-6A51-4108-AA02-DFA0A04FC94B}">
-              <ma14:wrappingTextBoxFlag xmlns:ma14="http://schemas.microsoft.com/office/mac/drawingml/2011/main" xmlns="" val="1"/>
+              <ma14:wrappingTextBoxFlag xmlns="" xmlns:ma14="http://schemas.microsoft.com/office/mac/drawingml/2011/main" val="1"/>
             </a:ext>
           </a:extLst>
         </p:spPr>
@@ -25628,7 +27811,7 @@
 </p:sld>
 </file>
 
-<file path=ppt/slides/slide24.xml><?xml version="1.0" encoding="utf-8"?>
+<file path=ppt/slides/slide25.xml><?xml version="1.0" encoding="utf-8"?>
 <p:sld xmlns:a="http://schemas.openxmlformats.org/drawingml/2006/main" xmlns:r="http://schemas.openxmlformats.org/officeDocument/2006/relationships" xmlns:p="http://schemas.openxmlformats.org/presentationml/2006/main">
   <p:cSld>
     <p:spTree>
@@ -25796,7 +27979,7 @@
           </a:ln>
           <a:extLst>
             <a:ext uri="{C572A759-6A51-4108-AA02-DFA0A04FC94B}">
-              <ma14:wrappingTextBoxFlag xmlns:ma14="http://schemas.microsoft.com/office/mac/drawingml/2011/main" xmlns="" val="1"/>
+              <ma14:wrappingTextBoxFlag xmlns="" xmlns:ma14="http://schemas.microsoft.com/office/mac/drawingml/2011/main" val="1"/>
             </a:ext>
           </a:extLst>
         </p:spPr>
@@ -25875,7 +28058,7 @@
           </a:effectLst>
           <a:extLst>
             <a:ext uri="{C572A759-6A51-4108-AA02-DFA0A04FC94B}">
-              <ma14:wrappingTextBoxFlag xmlns:ma14="http://schemas.microsoft.com/office/mac/drawingml/2011/main" xmlns="" val="1"/>
+              <ma14:wrappingTextBoxFlag xmlns="" xmlns:ma14="http://schemas.microsoft.com/office/mac/drawingml/2011/main" val="1"/>
             </a:ext>
           </a:extLst>
         </p:spPr>
@@ -25931,7 +28114,7 @@
           </a:ln>
           <a:extLst>
             <a:ext uri="{C572A759-6A51-4108-AA02-DFA0A04FC94B}">
-              <ma14:wrappingTextBoxFlag xmlns:ma14="http://schemas.microsoft.com/office/mac/drawingml/2011/main" xmlns="" val="1"/>
+              <ma14:wrappingTextBoxFlag xmlns="" xmlns:ma14="http://schemas.microsoft.com/office/mac/drawingml/2011/main" val="1"/>
             </a:ext>
           </a:extLst>
         </p:spPr>
@@ -25985,7 +28168,7 @@
           </a:effectLst>
           <a:extLst>
             <a:ext uri="{C572A759-6A51-4108-AA02-DFA0A04FC94B}">
-              <ma14:wrappingTextBoxFlag xmlns:ma14="http://schemas.microsoft.com/office/mac/drawingml/2011/main" xmlns="" val="1"/>
+              <ma14:wrappingTextBoxFlag xmlns="" xmlns:ma14="http://schemas.microsoft.com/office/mac/drawingml/2011/main" val="1"/>
             </a:ext>
           </a:extLst>
         </p:spPr>
@@ -27256,7 +29439,7 @@
           </a:ln>
           <a:extLst>
             <a:ext uri="{C572A759-6A51-4108-AA02-DFA0A04FC94B}">
-              <ma14:wrappingTextBoxFlag xmlns:ma14="http://schemas.microsoft.com/office/mac/drawingml/2011/main" xmlns="" val="1"/>
+              <ma14:wrappingTextBoxFlag xmlns="" xmlns:ma14="http://schemas.microsoft.com/office/mac/drawingml/2011/main" val="1"/>
             </a:ext>
           </a:extLst>
         </p:spPr>
@@ -28058,7 +30241,7 @@
 </p:sld>
 </file>
 
-<file path=ppt/slides/slide25.xml><?xml version="1.0" encoding="utf-8"?>
+<file path=ppt/slides/slide26.xml><?xml version="1.0" encoding="utf-8"?>
 <p:sld xmlns:a="http://schemas.openxmlformats.org/drawingml/2006/main" xmlns:r="http://schemas.openxmlformats.org/officeDocument/2006/relationships" xmlns:p="http://schemas.openxmlformats.org/presentationml/2006/main">
   <p:cSld>
     <p:spTree>
@@ -28383,7 +30566,7 @@
           </a:ln>
           <a:extLst>
             <a:ext uri="{C572A759-6A51-4108-AA02-DFA0A04FC94B}">
-              <ma14:wrappingTextBoxFlag xmlns:ma14="http://schemas.microsoft.com/office/mac/drawingml/2011/main" xmlns="" val="1"/>
+              <ma14:wrappingTextBoxFlag xmlns="" xmlns:ma14="http://schemas.microsoft.com/office/mac/drawingml/2011/main" val="1"/>
             </a:ext>
           </a:extLst>
         </p:spPr>
@@ -28466,7 +30649,7 @@
           </a:effectLst>
           <a:extLst>
             <a:ext uri="{C572A759-6A51-4108-AA02-DFA0A04FC94B}">
-              <ma14:wrappingTextBoxFlag xmlns:ma14="http://schemas.microsoft.com/office/mac/drawingml/2011/main" xmlns="" val="1"/>
+              <ma14:wrappingTextBoxFlag xmlns="" xmlns:ma14="http://schemas.microsoft.com/office/mac/drawingml/2011/main" val="1"/>
             </a:ext>
           </a:extLst>
         </p:spPr>
@@ -28518,7 +30701,7 @@
           </a:effectLst>
           <a:extLst>
             <a:ext uri="{C572A759-6A51-4108-AA02-DFA0A04FC94B}">
-              <ma14:wrappingTextBoxFlag xmlns:ma14="http://schemas.microsoft.com/office/mac/drawingml/2011/main" xmlns="" val="1"/>
+              <ma14:wrappingTextBoxFlag xmlns="" xmlns:ma14="http://schemas.microsoft.com/office/mac/drawingml/2011/main" val="1"/>
             </a:ext>
           </a:extLst>
         </p:spPr>
@@ -28567,7 +30750,7 @@
           </a:ln>
           <a:extLst>
             <a:ext uri="{C572A759-6A51-4108-AA02-DFA0A04FC94B}">
-              <ma14:wrappingTextBoxFlag xmlns:ma14="http://schemas.microsoft.com/office/mac/drawingml/2011/main" xmlns="" val="1"/>
+              <ma14:wrappingTextBoxFlag xmlns="" xmlns:ma14="http://schemas.microsoft.com/office/mac/drawingml/2011/main" val="1"/>
             </a:ext>
           </a:extLst>
         </p:spPr>
@@ -28634,7 +30817,7 @@
           </a:effectLst>
           <a:extLst>
             <a:ext uri="{C572A759-6A51-4108-AA02-DFA0A04FC94B}">
-              <ma14:wrappingTextBoxFlag xmlns:ma14="http://schemas.microsoft.com/office/mac/drawingml/2011/main" xmlns="" val="1"/>
+              <ma14:wrappingTextBoxFlag xmlns="" xmlns:ma14="http://schemas.microsoft.com/office/mac/drawingml/2011/main" val="1"/>
             </a:ext>
           </a:extLst>
         </p:spPr>
@@ -29465,7 +31648,7 @@
 </p:sld>
 </file>
 
-<file path=ppt/slides/slide26.xml><?xml version="1.0" encoding="utf-8"?>
+<file path=ppt/slides/slide27.xml><?xml version="1.0" encoding="utf-8"?>
 <p:sld xmlns:a="http://schemas.openxmlformats.org/drawingml/2006/main" xmlns:r="http://schemas.openxmlformats.org/officeDocument/2006/relationships" xmlns:p="http://schemas.openxmlformats.org/presentationml/2006/main">
   <p:cSld>
     <p:spTree>
@@ -29695,7 +31878,7 @@
           </a:ln>
           <a:extLst>
             <a:ext uri="{C572A759-6A51-4108-AA02-DFA0A04FC94B}">
-              <ma14:wrappingTextBoxFlag xmlns:ma14="http://schemas.microsoft.com/office/mac/drawingml/2011/main" xmlns="" val="1"/>
+              <ma14:wrappingTextBoxFlag xmlns="" xmlns:ma14="http://schemas.microsoft.com/office/mac/drawingml/2011/main" val="1"/>
             </a:ext>
           </a:extLst>
         </p:spPr>
@@ -29762,7 +31945,7 @@
           </a:effectLst>
           <a:extLst>
             <a:ext uri="{C572A759-6A51-4108-AA02-DFA0A04FC94B}">
-              <ma14:wrappingTextBoxFlag xmlns:ma14="http://schemas.microsoft.com/office/mac/drawingml/2011/main" xmlns="" val="1"/>
+              <ma14:wrappingTextBoxFlag xmlns="" xmlns:ma14="http://schemas.microsoft.com/office/mac/drawingml/2011/main" val="1"/>
             </a:ext>
           </a:extLst>
         </p:spPr>
@@ -29845,7 +32028,7 @@
           </a:effectLst>
           <a:extLst>
             <a:ext uri="{C572A759-6A51-4108-AA02-DFA0A04FC94B}">
-              <ma14:wrappingTextBoxFlag xmlns:ma14="http://schemas.microsoft.com/office/mac/drawingml/2011/main" xmlns="" val="1"/>
+              <ma14:wrappingTextBoxFlag xmlns="" xmlns:ma14="http://schemas.microsoft.com/office/mac/drawingml/2011/main" val="1"/>
             </a:ext>
           </a:extLst>
         </p:spPr>
@@ -29897,7 +32080,7 @@
           </a:ln>
           <a:extLst>
             <a:ext uri="{C572A759-6A51-4108-AA02-DFA0A04FC94B}">
-              <ma14:wrappingTextBoxFlag xmlns:ma14="http://schemas.microsoft.com/office/mac/drawingml/2011/main" xmlns="" val="1"/>
+              <ma14:wrappingTextBoxFlag xmlns="" xmlns:ma14="http://schemas.microsoft.com/office/mac/drawingml/2011/main" val="1"/>
             </a:ext>
           </a:extLst>
         </p:spPr>
@@ -29969,7 +32152,7 @@
           </a:effectLst>
           <a:extLst>
             <a:ext uri="{C572A759-6A51-4108-AA02-DFA0A04FC94B}">
-              <ma14:wrappingTextBoxFlag xmlns:ma14="http://schemas.microsoft.com/office/mac/drawingml/2011/main" xmlns="" val="1"/>
+              <ma14:wrappingTextBoxFlag xmlns="" xmlns:ma14="http://schemas.microsoft.com/office/mac/drawingml/2011/main" val="1"/>
             </a:ext>
           </a:extLst>
         </p:spPr>
@@ -30836,7 +33019,7 @@
 </p:sld>
 </file>
 
-<file path=ppt/slides/slide27.xml><?xml version="1.0" encoding="utf-8"?>
+<file path=ppt/slides/slide28.xml><?xml version="1.0" encoding="utf-8"?>
 <p:sld xmlns:a="http://schemas.openxmlformats.org/drawingml/2006/main" xmlns:r="http://schemas.openxmlformats.org/officeDocument/2006/relationships" xmlns:p="http://schemas.openxmlformats.org/presentationml/2006/main">
   <p:cSld>
     <p:spTree>
@@ -31028,7 +33211,7 @@
           </a:ln>
           <a:extLst>
             <a:ext uri="{C572A759-6A51-4108-AA02-DFA0A04FC94B}">
-              <ma14:wrappingTextBoxFlag xmlns:ma14="http://schemas.microsoft.com/office/mac/drawingml/2011/main" xmlns="" val="1"/>
+              <ma14:wrappingTextBoxFlag xmlns="" xmlns:ma14="http://schemas.microsoft.com/office/mac/drawingml/2011/main" val="1"/>
             </a:ext>
           </a:extLst>
         </p:spPr>
@@ -31085,7 +33268,7 @@
           </a:ln>
           <a:extLst>
             <a:ext uri="{C572A759-6A51-4108-AA02-DFA0A04FC94B}">
-              <ma14:wrappingTextBoxFlag xmlns:ma14="http://schemas.microsoft.com/office/mac/drawingml/2011/main" xmlns="" val="1"/>
+              <ma14:wrappingTextBoxFlag xmlns="" xmlns:ma14="http://schemas.microsoft.com/office/mac/drawingml/2011/main" val="1"/>
             </a:ext>
           </a:extLst>
         </p:spPr>
@@ -31462,7 +33645,7 @@
         <p15:prstTrans prst="pageCurlDouble"/>
       </p:transition>
     </mc:Choice>
-    <mc:Choice xmlns:p14="http://schemas.microsoft.com/office/powerpoint/2010/main" xmlns="" Requires="p14">
+    <mc:Choice xmlns="" xmlns:p14="http://schemas.microsoft.com/office/powerpoint/2010/main" Requires="p14">
       <p:transition spd="slow" advClick="1" p14:dur="1200">
         <p14:prism dir="l"/>
       </p:transition>
@@ -31948,7 +34131,7 @@
 </p:sld>
 </file>
 
-<file path=ppt/slides/slide28.xml><?xml version="1.0" encoding="utf-8"?>
+<file path=ppt/slides/slide29.xml><?xml version="1.0" encoding="utf-8"?>
 <p:sld xmlns:a="http://schemas.openxmlformats.org/drawingml/2006/main" xmlns:r="http://schemas.openxmlformats.org/officeDocument/2006/relationships" xmlns:p="http://schemas.openxmlformats.org/presentationml/2006/main">
   <p:cSld>
     <p:spTree>
@@ -33954,7 +36137,7 @@
           </a:ln>
           <a:extLst>
             <a:ext uri="{C572A759-6A51-4108-AA02-DFA0A04FC94B}">
-              <ma14:wrappingTextBoxFlag xmlns:ma14="http://schemas.microsoft.com/office/mac/drawingml/2011/main" xmlns="" val="1"/>
+              <ma14:wrappingTextBoxFlag xmlns="" xmlns:ma14="http://schemas.microsoft.com/office/mac/drawingml/2011/main" val="1"/>
             </a:ext>
           </a:extLst>
         </p:spPr>
@@ -34061,7 +36244,7 @@
           </a:effectLst>
           <a:extLst>
             <a:ext uri="{C572A759-6A51-4108-AA02-DFA0A04FC94B}">
-              <ma14:wrappingTextBoxFlag xmlns:ma14="http://schemas.microsoft.com/office/mac/drawingml/2011/main" xmlns="" val="1"/>
+              <ma14:wrappingTextBoxFlag xmlns="" xmlns:ma14="http://schemas.microsoft.com/office/mac/drawingml/2011/main" val="1"/>
             </a:ext>
           </a:extLst>
         </p:spPr>
@@ -34476,968 +36659,6 @@
       <p:bldP spid="456" grpId="3" animBg="1" advAuto="0"/>
       <p:bldP spid="457" grpId="6" animBg="1" advAuto="0"/>
       <p:bldP spid="465" grpId="2" animBg="1" advAuto="0"/>
-    </p:bldLst>
-  </p:timing>
-</p:sld>
-</file>
-
-<file path=ppt/slides/slide29.xml><?xml version="1.0" encoding="utf-8"?>
-<p:sld xmlns:a="http://schemas.openxmlformats.org/drawingml/2006/main" xmlns:r="http://schemas.openxmlformats.org/officeDocument/2006/relationships" xmlns:p="http://schemas.openxmlformats.org/presentationml/2006/main">
-  <p:cSld>
-    <p:spTree>
-      <p:nvGrpSpPr>
-        <p:cNvPr id="1" name=""/>
-        <p:cNvGrpSpPr/>
-        <p:nvPr/>
-      </p:nvGrpSpPr>
-      <p:grpSpPr>
-        <a:xfrm>
-          <a:off x="0" y="0"/>
-          <a:ext cx="0" cy="0"/>
-          <a:chOff x="0" y="0"/>
-          <a:chExt cx="0" cy="0"/>
-        </a:xfrm>
-      </p:grpSpPr>
-      <p:sp>
-        <p:nvSpPr>
-          <p:cNvPr id="711" name="PA_矩形 28"/>
-          <p:cNvSpPr/>
-          <p:nvPr/>
-        </p:nvSpPr>
-        <p:spPr>
-          <a:xfrm>
-            <a:off x="0" y="3438045"/>
-            <a:ext cx="12192000" cy="3428999"/>
-          </a:xfrm>
-          <a:prstGeom prst="rect">
-            <a:avLst/>
-          </a:prstGeom>
-          <a:solidFill>
-            <a:srgbClr val="F9B359"/>
-          </a:solidFill>
-          <a:ln w="12700">
-            <a:miter lim="400000"/>
-          </a:ln>
-        </p:spPr>
-        <p:txBody>
-          <a:bodyPr lIns="45719" rIns="45719" anchor="ctr"/>
-          <a:lstStyle/>
-          <a:p>
-            <a:pPr algn="ctr">
-              <a:defRPr>
-                <a:solidFill>
-                  <a:srgbClr val="FFFFFF"/>
-                </a:solidFill>
-              </a:defRPr>
-            </a:pPr>
-            <a:endParaRPr/>
-          </a:p>
-        </p:txBody>
-      </p:sp>
-      <p:sp>
-        <p:nvSpPr>
-          <p:cNvPr id="712" name="PA_文本框 34"/>
-          <p:cNvSpPr txBox="1"/>
-          <p:nvPr/>
-        </p:nvSpPr>
-        <p:spPr>
-          <a:xfrm>
-            <a:off x="2310027" y="-51764"/>
-            <a:ext cx="7571943" cy="3770263"/>
-          </a:xfrm>
-          <a:prstGeom prst="rect">
-            <a:avLst/>
-          </a:prstGeom>
-          <a:ln w="12700">
-            <a:miter lim="400000"/>
-          </a:ln>
-          <a:extLst>
-            <a:ext uri="{C572A759-6A51-4108-AA02-DFA0A04FC94B}">
-              <ma14:wrappingTextBoxFlag xmlns:ma14="http://schemas.microsoft.com/office/mac/drawingml/2011/main" xmlns="" val="1"/>
-            </a:ext>
-          </a:extLst>
-        </p:spPr>
-        <p:txBody>
-          <a:bodyPr wrap="none" lIns="45719" rIns="45719">
-            <a:spAutoFit/>
-          </a:bodyPr>
-          <a:lstStyle>
-            <a:lvl1pPr algn="ctr">
-              <a:defRPr sz="23900">
-                <a:solidFill>
-                  <a:srgbClr val="F9B359">
-                    <a:alpha val="30000"/>
-                  </a:srgbClr>
-                </a:solidFill>
-                <a:latin typeface="微软雅黑"/>
-                <a:ea typeface="微软雅黑"/>
-                <a:cs typeface="微软雅黑"/>
-                <a:sym typeface="微软雅黑"/>
-              </a:defRPr>
-            </a:lvl1pPr>
-          </a:lstStyle>
-          <a:p>
-            <a:r>
-              <a:rPr lang="en-US" dirty="0"/>
-              <a:t>LAZY</a:t>
-            </a:r>
-            <a:endParaRPr dirty="0"/>
-          </a:p>
-        </p:txBody>
-      </p:sp>
-      <p:sp>
-        <p:nvSpPr>
-          <p:cNvPr id="713" name="PA_矩形 32"/>
-          <p:cNvSpPr/>
-          <p:nvPr/>
-        </p:nvSpPr>
-        <p:spPr>
-          <a:xfrm>
-            <a:off x="1329367" y="1354006"/>
-            <a:ext cx="9533264" cy="4149987"/>
-          </a:xfrm>
-          <a:prstGeom prst="rect">
-            <a:avLst/>
-          </a:prstGeom>
-          <a:solidFill>
-            <a:srgbClr val="FCFCFD">
-              <a:alpha val="60000"/>
-            </a:srgbClr>
-          </a:solidFill>
-          <a:ln w="12700">
-            <a:miter lim="400000"/>
-          </a:ln>
-          <a:effectLst>
-            <a:outerShdw blurRad="254000" dist="38100" dir="5400000" rotWithShape="0">
-              <a:srgbClr val="969F98">
-                <a:alpha val="20000"/>
-              </a:srgbClr>
-            </a:outerShdw>
-          </a:effectLst>
-        </p:spPr>
-        <p:txBody>
-          <a:bodyPr lIns="45719" rIns="45719" anchor="ctr"/>
-          <a:lstStyle/>
-          <a:p>
-            <a:pPr algn="ctr">
-              <a:defRPr>
-                <a:solidFill>
-                  <a:srgbClr val="FFFFFF"/>
-                </a:solidFill>
-              </a:defRPr>
-            </a:pPr>
-            <a:endParaRPr/>
-          </a:p>
-        </p:txBody>
-      </p:sp>
-      <p:sp>
-        <p:nvSpPr>
-          <p:cNvPr id="714" name="PA_矩形 27"/>
-          <p:cNvSpPr/>
-          <p:nvPr/>
-        </p:nvSpPr>
-        <p:spPr>
-          <a:xfrm>
-            <a:off x="2351313" y="2153796"/>
-            <a:ext cx="7489375" cy="2280496"/>
-          </a:xfrm>
-          <a:prstGeom prst="rect">
-            <a:avLst/>
-          </a:prstGeom>
-          <a:ln w="25400">
-            <a:solidFill>
-              <a:srgbClr val="3F403E"/>
-            </a:solidFill>
-            <a:miter/>
-          </a:ln>
-        </p:spPr>
-        <p:txBody>
-          <a:bodyPr lIns="45719" rIns="45719" anchor="ctr"/>
-          <a:lstStyle/>
-          <a:p>
-            <a:pPr algn="ctr">
-              <a:defRPr>
-                <a:solidFill>
-                  <a:srgbClr val="FFFFFF"/>
-                </a:solidFill>
-              </a:defRPr>
-            </a:pPr>
-            <a:endParaRPr/>
-          </a:p>
-        </p:txBody>
-      </p:sp>
-      <p:sp>
-        <p:nvSpPr>
-          <p:cNvPr id="715" name="PA_矩形 33"/>
-          <p:cNvSpPr/>
-          <p:nvPr/>
-        </p:nvSpPr>
-        <p:spPr>
-          <a:xfrm flipV="1">
-            <a:off x="5034567" y="4973403"/>
-            <a:ext cx="2067271" cy="189545"/>
-          </a:xfrm>
-          <a:prstGeom prst="rect">
-            <a:avLst/>
-          </a:prstGeom>
-          <a:solidFill>
-            <a:srgbClr val="F9B359"/>
-          </a:solidFill>
-          <a:ln w="12700">
-            <a:miter lim="400000"/>
-          </a:ln>
-        </p:spPr>
-        <p:txBody>
-          <a:bodyPr lIns="45719" rIns="45719" anchor="ctr"/>
-          <a:lstStyle/>
-          <a:p>
-            <a:pPr algn="ctr">
-              <a:defRPr>
-                <a:solidFill>
-                  <a:srgbClr val="FFFFFF"/>
-                </a:solidFill>
-              </a:defRPr>
-            </a:pPr>
-            <a:endParaRPr/>
-          </a:p>
-        </p:txBody>
-      </p:sp>
-      <p:sp>
-        <p:nvSpPr>
-          <p:cNvPr id="716" name="PA_文本框 29"/>
-          <p:cNvSpPr txBox="1"/>
-          <p:nvPr/>
-        </p:nvSpPr>
-        <p:spPr>
-          <a:xfrm>
-            <a:off x="5117686" y="4883509"/>
-            <a:ext cx="1956624" cy="461665"/>
-          </a:xfrm>
-          <a:prstGeom prst="rect">
-            <a:avLst/>
-          </a:prstGeom>
-          <a:ln w="12700">
-            <a:miter lim="400000"/>
-          </a:ln>
-          <a:extLst>
-            <a:ext uri="{C572A759-6A51-4108-AA02-DFA0A04FC94B}">
-              <ma14:wrappingTextBoxFlag xmlns:ma14="http://schemas.microsoft.com/office/mac/drawingml/2011/main" xmlns="" val="1"/>
-            </a:ext>
-          </a:extLst>
-        </p:spPr>
-        <p:txBody>
-          <a:bodyPr wrap="none" lIns="45719" rIns="45719">
-            <a:spAutoFit/>
-          </a:bodyPr>
-          <a:lstStyle/>
-          <a:p>
-            <a:pPr algn="ctr">
-              <a:defRPr>
-                <a:solidFill>
-                  <a:srgbClr val="3F403E"/>
-                </a:solidFill>
-                <a:latin typeface="微软雅黑 Light"/>
-                <a:ea typeface="微软雅黑 Light"/>
-                <a:cs typeface="微软雅黑 Light"/>
-                <a:sym typeface="微软雅黑 Light"/>
-              </a:defRPr>
-            </a:pPr>
-            <a:r>
-              <a:rPr lang="en-US" sz="2400" dirty="0"/>
-              <a:t>SE2019</a:t>
-            </a:r>
-            <a:r>
-              <a:rPr lang="zh-CN" altLang="en-US" sz="2400" dirty="0"/>
-              <a:t>春</a:t>
-            </a:r>
-            <a:r>
-              <a:rPr lang="en-US" altLang="zh-CN" sz="2400" dirty="0"/>
-              <a:t>-G11</a:t>
-            </a:r>
-            <a:endParaRPr sz="2400" dirty="0"/>
-          </a:p>
-        </p:txBody>
-      </p:sp>
-      <p:sp>
-        <p:nvSpPr>
-          <p:cNvPr id="717" name="PA_文本框 20"/>
-          <p:cNvSpPr txBox="1"/>
-          <p:nvPr/>
-        </p:nvSpPr>
-        <p:spPr>
-          <a:xfrm>
-            <a:off x="3571299" y="2509212"/>
-            <a:ext cx="5049401" cy="1551941"/>
-          </a:xfrm>
-          <a:prstGeom prst="rect">
-            <a:avLst/>
-          </a:prstGeom>
-          <a:solidFill>
-            <a:srgbClr val="FCFCFD"/>
-          </a:solidFill>
-          <a:ln w="12700">
-            <a:miter lim="400000"/>
-          </a:ln>
-          <a:extLst>
-            <a:ext uri="{C572A759-6A51-4108-AA02-DFA0A04FC94B}">
-              <ma14:wrappingTextBoxFlag xmlns:ma14="http://schemas.microsoft.com/office/mac/drawingml/2011/main" xmlns="" val="1"/>
-            </a:ext>
-          </a:extLst>
-        </p:spPr>
-        <p:txBody>
-          <a:bodyPr wrap="none" lIns="45719" rIns="45719">
-            <a:spAutoFit/>
-          </a:bodyPr>
-          <a:lstStyle>
-            <a:lvl1pPr algn="ctr">
-              <a:defRPr sz="9600">
-                <a:solidFill>
-                  <a:srgbClr val="F9B359"/>
-                </a:solidFill>
-                <a:latin typeface="微软雅黑"/>
-                <a:ea typeface="微软雅黑"/>
-                <a:cs typeface="微软雅黑"/>
-                <a:sym typeface="微软雅黑"/>
-              </a:defRPr>
-            </a:lvl1pPr>
-          </a:lstStyle>
-          <a:p>
-            <a:r>
-              <a:t>THANKS</a:t>
-            </a:r>
-          </a:p>
-        </p:txBody>
-      </p:sp>
-      <p:pic>
-        <p:nvPicPr>
-          <p:cNvPr id="9" name="图片 8"/>
-          <p:cNvPicPr>
-            <a:picLocks noChangeAspect="1"/>
-          </p:cNvPicPr>
-          <p:nvPr/>
-        </p:nvPicPr>
-        <p:blipFill>
-          <a:blip r:embed="rId2" cstate="print">
-            <a:extLst>
-              <a:ext uri="{28A0092B-C50C-407E-A947-70E740481C1C}">
-                <a14:useLocalDpi xmlns:a14="http://schemas.microsoft.com/office/drawing/2010/main" val="0"/>
-              </a:ext>
-            </a:extLst>
-          </a:blip>
-          <a:stretch>
-            <a:fillRect/>
-          </a:stretch>
-        </p:blipFill>
-        <p:spPr>
-          <a:xfrm>
-            <a:off x="7101838" y="4814415"/>
-            <a:ext cx="504307" cy="504307"/>
-          </a:xfrm>
-          <a:prstGeom prst="rect">
-            <a:avLst/>
-          </a:prstGeom>
-        </p:spPr>
-      </p:pic>
-    </p:spTree>
-  </p:cSld>
-  <p:clrMapOvr>
-    <a:masterClrMapping/>
-  </p:clrMapOvr>
-  <mc:AlternateContent xmlns:mc="http://schemas.openxmlformats.org/markup-compatibility/2006" xmlns:p15="http://schemas.microsoft.com/office/powerpoint/2012/main">
-    <mc:Choice Requires="p15">
-      <p:transition xmlns:p14="http://schemas.microsoft.com/office/powerpoint/2010/main" spd="slow" p14:dur="1200">
-        <p15:prstTrans prst="pageCurlDouble"/>
-      </p:transition>
-    </mc:Choice>
-    <mc:Choice xmlns:p14="http://schemas.microsoft.com/office/powerpoint/2010/main" xmlns="" Requires="p14">
-      <p:transition spd="slow" advClick="1" p14:dur="1200">
-        <p14:prism dir="d"/>
-      </p:transition>
-    </mc:Choice>
-    <mc:Fallback xmlns="">
-      <p:transition spd="slow">
-        <p:fade/>
-      </p:transition>
-    </mc:Fallback>
-  </mc:AlternateContent>
-  <p:timing>
-    <p:tnLst>
-      <p:par>
-        <p:cTn id="1" dur="indefinite" restart="never" fill="hold" nodeType="tmRoot">
-          <p:childTnLst>
-            <p:seq concurrent="1" prevAc="none" nextAc="seek">
-              <p:cTn id="2" dur="indefinite" fill="hold" nodeType="mainSeq">
-                <p:childTnLst>
-                  <p:par>
-                    <p:cTn id="3" fill="hold">
-                      <p:stCondLst>
-                        <p:cond delay="indefinite"/>
-                        <p:cond evt="onBegin" delay="0">
-                          <p:tn val="2"/>
-                        </p:cond>
-                      </p:stCondLst>
-                      <p:childTnLst>
-                        <p:par>
-                          <p:cTn id="4" fill="hold">
-                            <p:stCondLst>
-                              <p:cond delay="0"/>
-                            </p:stCondLst>
-                            <p:childTnLst>
-                              <p:par>
-                                <p:cTn id="5" presetID="9" presetClass="entr" fill="hold" grpId="1" nodeType="afterEffect">
-                                  <p:stCondLst>
-                                    <p:cond delay="0"/>
-                                  </p:stCondLst>
-                                  <p:iterate>
-                                    <p:tmAbs val="0"/>
-                                  </p:iterate>
-                                  <p:childTnLst>
-                                    <p:set>
-                                      <p:cBhvr>
-                                        <p:cTn id="6" fill="hold"/>
-                                        <p:tgtEl>
-                                          <p:spTgt spid="712"/>
-                                        </p:tgtEl>
-                                        <p:attrNameLst>
-                                          <p:attrName>style.visibility</p:attrName>
-                                        </p:attrNameLst>
-                                      </p:cBhvr>
-                                      <p:to>
-                                        <p:strVal val="visible"/>
-                                      </p:to>
-                                    </p:set>
-                                    <p:animEffect transition="in" filter="dissolve">
-                                      <p:cBhvr>
-                                        <p:cTn id="7" dur="1000"/>
-                                        <p:tgtEl>
-                                          <p:spTgt spid="712"/>
-                                        </p:tgtEl>
-                                      </p:cBhvr>
-                                    </p:animEffect>
-                                  </p:childTnLst>
-                                </p:cTn>
-                              </p:par>
-                            </p:childTnLst>
-                          </p:cTn>
-                        </p:par>
-                        <p:par>
-                          <p:cTn id="8" fill="hold">
-                            <p:stCondLst>
-                              <p:cond delay="1000"/>
-                            </p:stCondLst>
-                            <p:childTnLst>
-                              <p:par>
-                                <p:cTn id="9" presetID="2" presetClass="entr" presetSubtype="4" fill="hold" grpId="2" nodeType="afterEffect">
-                                  <p:stCondLst>
-                                    <p:cond delay="0"/>
-                                  </p:stCondLst>
-                                  <p:iterate>
-                                    <p:tmAbs val="0"/>
-                                  </p:iterate>
-                                  <p:childTnLst>
-                                    <p:set>
-                                      <p:cBhvr>
-                                        <p:cTn id="10" fill="hold"/>
-                                        <p:tgtEl>
-                                          <p:spTgt spid="711"/>
-                                        </p:tgtEl>
-                                        <p:attrNameLst>
-                                          <p:attrName>style.visibility</p:attrName>
-                                        </p:attrNameLst>
-                                      </p:cBhvr>
-                                      <p:to>
-                                        <p:strVal val="visible"/>
-                                      </p:to>
-                                    </p:set>
-                                    <p:anim calcmode="lin" valueType="num">
-                                      <p:cBhvr>
-                                        <p:cTn id="11" dur="1000" fill="hold"/>
-                                        <p:tgtEl>
-                                          <p:spTgt spid="711"/>
-                                        </p:tgtEl>
-                                        <p:attrNameLst>
-                                          <p:attrName>ppt_x</p:attrName>
-                                        </p:attrNameLst>
-                                      </p:cBhvr>
-                                      <p:tavLst>
-                                        <p:tav tm="0">
-                                          <p:val>
-                                            <p:strVal val="#ppt_x"/>
-                                          </p:val>
-                                        </p:tav>
-                                        <p:tav tm="100000">
-                                          <p:val>
-                                            <p:strVal val="#ppt_x"/>
-                                          </p:val>
-                                        </p:tav>
-                                      </p:tavLst>
-                                    </p:anim>
-                                    <p:anim calcmode="lin" valueType="num">
-                                      <p:cBhvr>
-                                        <p:cTn id="12" dur="1000" fill="hold"/>
-                                        <p:tgtEl>
-                                          <p:spTgt spid="711"/>
-                                        </p:tgtEl>
-                                        <p:attrNameLst>
-                                          <p:attrName>ppt_y</p:attrName>
-                                        </p:attrNameLst>
-                                      </p:cBhvr>
-                                      <p:tavLst>
-                                        <p:tav tm="0">
-                                          <p:val>
-                                            <p:strVal val="1+#ppt_h/2"/>
-                                          </p:val>
-                                        </p:tav>
-                                        <p:tav tm="100000">
-                                          <p:val>
-                                            <p:strVal val="#ppt_y"/>
-                                          </p:val>
-                                        </p:tav>
-                                      </p:tavLst>
-                                    </p:anim>
-                                  </p:childTnLst>
-                                </p:cTn>
-                              </p:par>
-                            </p:childTnLst>
-                          </p:cTn>
-                        </p:par>
-                        <p:par>
-                          <p:cTn id="13" fill="hold">
-                            <p:stCondLst>
-                              <p:cond delay="2000"/>
-                            </p:stCondLst>
-                            <p:childTnLst>
-                              <p:par>
-                                <p:cTn id="14" presetID="2" presetClass="entr" presetSubtype="4" fill="hold" grpId="3" nodeType="afterEffect">
-                                  <p:stCondLst>
-                                    <p:cond delay="0"/>
-                                  </p:stCondLst>
-                                  <p:iterate>
-                                    <p:tmAbs val="0"/>
-                                  </p:iterate>
-                                  <p:childTnLst>
-                                    <p:set>
-                                      <p:cBhvr>
-                                        <p:cTn id="15" fill="hold"/>
-                                        <p:tgtEl>
-                                          <p:spTgt spid="713"/>
-                                        </p:tgtEl>
-                                        <p:attrNameLst>
-                                          <p:attrName>style.visibility</p:attrName>
-                                        </p:attrNameLst>
-                                      </p:cBhvr>
-                                      <p:to>
-                                        <p:strVal val="visible"/>
-                                      </p:to>
-                                    </p:set>
-                                    <p:anim calcmode="lin" valueType="num">
-                                      <p:cBhvr>
-                                        <p:cTn id="16" dur="1000" fill="hold"/>
-                                        <p:tgtEl>
-                                          <p:spTgt spid="713"/>
-                                        </p:tgtEl>
-                                        <p:attrNameLst>
-                                          <p:attrName>ppt_x</p:attrName>
-                                        </p:attrNameLst>
-                                      </p:cBhvr>
-                                      <p:tavLst>
-                                        <p:tav tm="0">
-                                          <p:val>
-                                            <p:strVal val="#ppt_x"/>
-                                          </p:val>
-                                        </p:tav>
-                                        <p:tav tm="100000">
-                                          <p:val>
-                                            <p:strVal val="#ppt_x"/>
-                                          </p:val>
-                                        </p:tav>
-                                      </p:tavLst>
-                                    </p:anim>
-                                    <p:anim calcmode="lin" valueType="num">
-                                      <p:cBhvr>
-                                        <p:cTn id="17" dur="1000" fill="hold"/>
-                                        <p:tgtEl>
-                                          <p:spTgt spid="713"/>
-                                        </p:tgtEl>
-                                        <p:attrNameLst>
-                                          <p:attrName>ppt_y</p:attrName>
-                                        </p:attrNameLst>
-                                      </p:cBhvr>
-                                      <p:tavLst>
-                                        <p:tav tm="0">
-                                          <p:val>
-                                            <p:strVal val="1+#ppt_h/2"/>
-                                          </p:val>
-                                        </p:tav>
-                                        <p:tav tm="100000">
-                                          <p:val>
-                                            <p:strVal val="#ppt_y"/>
-                                          </p:val>
-                                        </p:tav>
-                                      </p:tavLst>
-                                    </p:anim>
-                                  </p:childTnLst>
-                                </p:cTn>
-                              </p:par>
-                            </p:childTnLst>
-                          </p:cTn>
-                        </p:par>
-                        <p:par>
-                          <p:cTn id="18" fill="hold">
-                            <p:stCondLst>
-                              <p:cond delay="3000"/>
-                            </p:stCondLst>
-                            <p:childTnLst>
-                              <p:par>
-                                <p:cTn id="19" presetID="2" presetClass="entr" presetSubtype="4" fill="hold" grpId="4" nodeType="afterEffect">
-                                  <p:stCondLst>
-                                    <p:cond delay="0"/>
-                                  </p:stCondLst>
-                                  <p:iterate>
-                                    <p:tmAbs val="0"/>
-                                  </p:iterate>
-                                  <p:childTnLst>
-                                    <p:set>
-                                      <p:cBhvr>
-                                        <p:cTn id="20" fill="hold"/>
-                                        <p:tgtEl>
-                                          <p:spTgt spid="714"/>
-                                        </p:tgtEl>
-                                        <p:attrNameLst>
-                                          <p:attrName>style.visibility</p:attrName>
-                                        </p:attrNameLst>
-                                      </p:cBhvr>
-                                      <p:to>
-                                        <p:strVal val="visible"/>
-                                      </p:to>
-                                    </p:set>
-                                    <p:anim calcmode="lin" valueType="num">
-                                      <p:cBhvr>
-                                        <p:cTn id="21" dur="1000" fill="hold"/>
-                                        <p:tgtEl>
-                                          <p:spTgt spid="714"/>
-                                        </p:tgtEl>
-                                        <p:attrNameLst>
-                                          <p:attrName>ppt_x</p:attrName>
-                                        </p:attrNameLst>
-                                      </p:cBhvr>
-                                      <p:tavLst>
-                                        <p:tav tm="0">
-                                          <p:val>
-                                            <p:strVal val="#ppt_x"/>
-                                          </p:val>
-                                        </p:tav>
-                                        <p:tav tm="100000">
-                                          <p:val>
-                                            <p:strVal val="#ppt_x"/>
-                                          </p:val>
-                                        </p:tav>
-                                      </p:tavLst>
-                                    </p:anim>
-                                    <p:anim calcmode="lin" valueType="num">
-                                      <p:cBhvr>
-                                        <p:cTn id="22" dur="1000" fill="hold"/>
-                                        <p:tgtEl>
-                                          <p:spTgt spid="714"/>
-                                        </p:tgtEl>
-                                        <p:attrNameLst>
-                                          <p:attrName>ppt_y</p:attrName>
-                                        </p:attrNameLst>
-                                      </p:cBhvr>
-                                      <p:tavLst>
-                                        <p:tav tm="0">
-                                          <p:val>
-                                            <p:strVal val="1+#ppt_h/2"/>
-                                          </p:val>
-                                        </p:tav>
-                                        <p:tav tm="100000">
-                                          <p:val>
-                                            <p:strVal val="#ppt_y"/>
-                                          </p:val>
-                                        </p:tav>
-                                      </p:tavLst>
-                                    </p:anim>
-                                  </p:childTnLst>
-                                </p:cTn>
-                              </p:par>
-                            </p:childTnLst>
-                          </p:cTn>
-                        </p:par>
-                        <p:par>
-                          <p:cTn id="23" fill="hold">
-                            <p:stCondLst>
-                              <p:cond delay="4000"/>
-                            </p:stCondLst>
-                            <p:childTnLst>
-                              <p:par>
-                                <p:cTn id="24" presetID="2" presetClass="entr" presetSubtype="4" fill="hold" grpId="5" nodeType="afterEffect">
-                                  <p:stCondLst>
-                                    <p:cond delay="0"/>
-                                  </p:stCondLst>
-                                  <p:iterate>
-                                    <p:tmAbs val="0"/>
-                                  </p:iterate>
-                                  <p:childTnLst>
-                                    <p:set>
-                                      <p:cBhvr>
-                                        <p:cTn id="25" fill="hold"/>
-                                        <p:tgtEl>
-                                          <p:spTgt spid="715"/>
-                                        </p:tgtEl>
-                                        <p:attrNameLst>
-                                          <p:attrName>style.visibility</p:attrName>
-                                        </p:attrNameLst>
-                                      </p:cBhvr>
-                                      <p:to>
-                                        <p:strVal val="visible"/>
-                                      </p:to>
-                                    </p:set>
-                                    <p:anim calcmode="lin" valueType="num">
-                                      <p:cBhvr>
-                                        <p:cTn id="26" dur="1000" fill="hold"/>
-                                        <p:tgtEl>
-                                          <p:spTgt spid="715"/>
-                                        </p:tgtEl>
-                                        <p:attrNameLst>
-                                          <p:attrName>ppt_x</p:attrName>
-                                        </p:attrNameLst>
-                                      </p:cBhvr>
-                                      <p:tavLst>
-                                        <p:tav tm="0">
-                                          <p:val>
-                                            <p:strVal val="#ppt_x"/>
-                                          </p:val>
-                                        </p:tav>
-                                        <p:tav tm="100000">
-                                          <p:val>
-                                            <p:strVal val="#ppt_x"/>
-                                          </p:val>
-                                        </p:tav>
-                                      </p:tavLst>
-                                    </p:anim>
-                                    <p:anim calcmode="lin" valueType="num">
-                                      <p:cBhvr>
-                                        <p:cTn id="27" dur="1000" fill="hold"/>
-                                        <p:tgtEl>
-                                          <p:spTgt spid="715"/>
-                                        </p:tgtEl>
-                                        <p:attrNameLst>
-                                          <p:attrName>ppt_y</p:attrName>
-                                        </p:attrNameLst>
-                                      </p:cBhvr>
-                                      <p:tavLst>
-                                        <p:tav tm="0">
-                                          <p:val>
-                                            <p:strVal val="1+#ppt_h/2"/>
-                                          </p:val>
-                                        </p:tav>
-                                        <p:tav tm="100000">
-                                          <p:val>
-                                            <p:strVal val="#ppt_y"/>
-                                          </p:val>
-                                        </p:tav>
-                                      </p:tavLst>
-                                    </p:anim>
-                                  </p:childTnLst>
-                                </p:cTn>
-                              </p:par>
-                            </p:childTnLst>
-                          </p:cTn>
-                        </p:par>
-                        <p:par>
-                          <p:cTn id="28" fill="hold">
-                            <p:stCondLst>
-                              <p:cond delay="5000"/>
-                            </p:stCondLst>
-                            <p:childTnLst>
-                              <p:par>
-                                <p:cTn id="29" presetID="2" presetClass="entr" presetSubtype="4" fill="hold" grpId="6" nodeType="afterEffect">
-                                  <p:stCondLst>
-                                    <p:cond delay="0"/>
-                                  </p:stCondLst>
-                                  <p:iterate>
-                                    <p:tmAbs val="0"/>
-                                  </p:iterate>
-                                  <p:childTnLst>
-                                    <p:set>
-                                      <p:cBhvr>
-                                        <p:cTn id="30" fill="hold"/>
-                                        <p:tgtEl>
-                                          <p:spTgt spid="716"/>
-                                        </p:tgtEl>
-                                        <p:attrNameLst>
-                                          <p:attrName>style.visibility</p:attrName>
-                                        </p:attrNameLst>
-                                      </p:cBhvr>
-                                      <p:to>
-                                        <p:strVal val="visible"/>
-                                      </p:to>
-                                    </p:set>
-                                    <p:anim calcmode="lin" valueType="num">
-                                      <p:cBhvr>
-                                        <p:cTn id="31" dur="1000" fill="hold"/>
-                                        <p:tgtEl>
-                                          <p:spTgt spid="716"/>
-                                        </p:tgtEl>
-                                        <p:attrNameLst>
-                                          <p:attrName>ppt_x</p:attrName>
-                                        </p:attrNameLst>
-                                      </p:cBhvr>
-                                      <p:tavLst>
-                                        <p:tav tm="0">
-                                          <p:val>
-                                            <p:strVal val="#ppt_x"/>
-                                          </p:val>
-                                        </p:tav>
-                                        <p:tav tm="100000">
-                                          <p:val>
-                                            <p:strVal val="#ppt_x"/>
-                                          </p:val>
-                                        </p:tav>
-                                      </p:tavLst>
-                                    </p:anim>
-                                    <p:anim calcmode="lin" valueType="num">
-                                      <p:cBhvr>
-                                        <p:cTn id="32" dur="1000" fill="hold"/>
-                                        <p:tgtEl>
-                                          <p:spTgt spid="716"/>
-                                        </p:tgtEl>
-                                        <p:attrNameLst>
-                                          <p:attrName>ppt_y</p:attrName>
-                                        </p:attrNameLst>
-                                      </p:cBhvr>
-                                      <p:tavLst>
-                                        <p:tav tm="0">
-                                          <p:val>
-                                            <p:strVal val="1+#ppt_h/2"/>
-                                          </p:val>
-                                        </p:tav>
-                                        <p:tav tm="100000">
-                                          <p:val>
-                                            <p:strVal val="#ppt_y"/>
-                                          </p:val>
-                                        </p:tav>
-                                      </p:tavLst>
-                                    </p:anim>
-                                  </p:childTnLst>
-                                </p:cTn>
-                              </p:par>
-                            </p:childTnLst>
-                          </p:cTn>
-                        </p:par>
-                        <p:par>
-                          <p:cTn id="33" fill="hold">
-                            <p:stCondLst>
-                              <p:cond delay="6000"/>
-                            </p:stCondLst>
-                            <p:childTnLst>
-                              <p:par>
-                                <p:cTn id="34" presetID="2" presetClass="entr" presetSubtype="4" fill="hold" grpId="7" nodeType="afterEffect">
-                                  <p:stCondLst>
-                                    <p:cond delay="0"/>
-                                  </p:stCondLst>
-                                  <p:iterate>
-                                    <p:tmAbs val="0"/>
-                                  </p:iterate>
-                                  <p:childTnLst>
-                                    <p:set>
-                                      <p:cBhvr>
-                                        <p:cTn id="35" fill="hold"/>
-                                        <p:tgtEl>
-                                          <p:spTgt spid="717"/>
-                                        </p:tgtEl>
-                                        <p:attrNameLst>
-                                          <p:attrName>style.visibility</p:attrName>
-                                        </p:attrNameLst>
-                                      </p:cBhvr>
-                                      <p:to>
-                                        <p:strVal val="visible"/>
-                                      </p:to>
-                                    </p:set>
-                                    <p:anim calcmode="lin" valueType="num">
-                                      <p:cBhvr>
-                                        <p:cTn id="36" dur="1000" fill="hold"/>
-                                        <p:tgtEl>
-                                          <p:spTgt spid="717"/>
-                                        </p:tgtEl>
-                                        <p:attrNameLst>
-                                          <p:attrName>ppt_x</p:attrName>
-                                        </p:attrNameLst>
-                                      </p:cBhvr>
-                                      <p:tavLst>
-                                        <p:tav tm="0">
-                                          <p:val>
-                                            <p:strVal val="#ppt_x"/>
-                                          </p:val>
-                                        </p:tav>
-                                        <p:tav tm="100000">
-                                          <p:val>
-                                            <p:strVal val="#ppt_x"/>
-                                          </p:val>
-                                        </p:tav>
-                                      </p:tavLst>
-                                    </p:anim>
-                                    <p:anim calcmode="lin" valueType="num">
-                                      <p:cBhvr>
-                                        <p:cTn id="37" dur="1000" fill="hold"/>
-                                        <p:tgtEl>
-                                          <p:spTgt spid="717"/>
-                                        </p:tgtEl>
-                                        <p:attrNameLst>
-                                          <p:attrName>ppt_y</p:attrName>
-                                        </p:attrNameLst>
-                                      </p:cBhvr>
-                                      <p:tavLst>
-                                        <p:tav tm="0">
-                                          <p:val>
-                                            <p:strVal val="1+#ppt_h/2"/>
-                                          </p:val>
-                                        </p:tav>
-                                        <p:tav tm="100000">
-                                          <p:val>
-                                            <p:strVal val="#ppt_y"/>
-                                          </p:val>
-                                        </p:tav>
-                                      </p:tavLst>
-                                    </p:anim>
-                                  </p:childTnLst>
-                                </p:cTn>
-                              </p:par>
-                            </p:childTnLst>
-                          </p:cTn>
-                        </p:par>
-                      </p:childTnLst>
-                    </p:cTn>
-                  </p:par>
-                </p:childTnLst>
-              </p:cTn>
-              <p:prevCondLst>
-                <p:cond evt="onPrev" delay="0">
-                  <p:tgtEl>
-                    <p:sldTgt/>
-                  </p:tgtEl>
-                </p:cond>
-              </p:prevCondLst>
-              <p:nextCondLst>
-                <p:cond evt="onNext" delay="0">
-                  <p:tgtEl>
-                    <p:sldTgt/>
-                  </p:tgtEl>
-                </p:cond>
-              </p:nextCondLst>
-            </p:seq>
-          </p:childTnLst>
-        </p:cTn>
-      </p:par>
-    </p:tnLst>
-    <p:bldLst>
-      <p:bldP spid="711" grpId="2" animBg="1" advAuto="0"/>
-      <p:bldP spid="712" grpId="1" animBg="1" advAuto="0"/>
-      <p:bldP spid="713" grpId="3" animBg="1" advAuto="0"/>
-      <p:bldP spid="714" grpId="4" animBg="1" advAuto="0"/>
-      <p:bldP spid="715" grpId="5" animBg="1" advAuto="0"/>
-      <p:bldP spid="716" grpId="6" animBg="1" advAuto="0"/>
-      <p:bldP spid="717" grpId="7" animBg="1" advAuto="0"/>
     </p:bldLst>
   </p:timing>
 </p:sld>
@@ -35601,7 +36822,7 @@
           </a:ln>
           <a:extLst>
             <a:ext uri="{C572A759-6A51-4108-AA02-DFA0A04FC94B}">
-              <ma14:wrappingTextBoxFlag xmlns:ma14="http://schemas.microsoft.com/office/mac/drawingml/2011/main" xmlns="" val="1"/>
+              <ma14:wrappingTextBoxFlag xmlns="" xmlns:ma14="http://schemas.microsoft.com/office/mac/drawingml/2011/main" val="1"/>
             </a:ext>
           </a:extLst>
         </p:spPr>
@@ -35674,7 +36895,7 @@
           </a:ln>
           <a:extLst>
             <a:ext uri="{C572A759-6A51-4108-AA02-DFA0A04FC94B}">
-              <ma14:wrappingTextBoxFlag xmlns:ma14="http://schemas.microsoft.com/office/mac/drawingml/2011/main" xmlns="" val="1"/>
+              <ma14:wrappingTextBoxFlag xmlns="" xmlns:ma14="http://schemas.microsoft.com/office/mac/drawingml/2011/main" val="1"/>
             </a:ext>
           </a:extLst>
         </p:spPr>
@@ -36169,6 +37390,968 @@
       <p:bldP spid="298" grpId="0" animBg="1" advAuto="0"/>
       <p:bldP spid="299" grpId="0" animBg="1" advAuto="0"/>
       <p:bldP spid="300" grpId="0" animBg="1" advAuto="0"/>
+    </p:bldLst>
+  </p:timing>
+</p:sld>
+</file>
+
+<file path=ppt/slides/slide30.xml><?xml version="1.0" encoding="utf-8"?>
+<p:sld xmlns:a="http://schemas.openxmlformats.org/drawingml/2006/main" xmlns:r="http://schemas.openxmlformats.org/officeDocument/2006/relationships" xmlns:p="http://schemas.openxmlformats.org/presentationml/2006/main">
+  <p:cSld>
+    <p:spTree>
+      <p:nvGrpSpPr>
+        <p:cNvPr id="1" name=""/>
+        <p:cNvGrpSpPr/>
+        <p:nvPr/>
+      </p:nvGrpSpPr>
+      <p:grpSpPr>
+        <a:xfrm>
+          <a:off x="0" y="0"/>
+          <a:ext cx="0" cy="0"/>
+          <a:chOff x="0" y="0"/>
+          <a:chExt cx="0" cy="0"/>
+        </a:xfrm>
+      </p:grpSpPr>
+      <p:sp>
+        <p:nvSpPr>
+          <p:cNvPr id="711" name="PA_矩形 28"/>
+          <p:cNvSpPr/>
+          <p:nvPr/>
+        </p:nvSpPr>
+        <p:spPr>
+          <a:xfrm>
+            <a:off x="0" y="3438045"/>
+            <a:ext cx="12192000" cy="3428999"/>
+          </a:xfrm>
+          <a:prstGeom prst="rect">
+            <a:avLst/>
+          </a:prstGeom>
+          <a:solidFill>
+            <a:srgbClr val="F9B359"/>
+          </a:solidFill>
+          <a:ln w="12700">
+            <a:miter lim="400000"/>
+          </a:ln>
+        </p:spPr>
+        <p:txBody>
+          <a:bodyPr lIns="45719" rIns="45719" anchor="ctr"/>
+          <a:lstStyle/>
+          <a:p>
+            <a:pPr algn="ctr">
+              <a:defRPr>
+                <a:solidFill>
+                  <a:srgbClr val="FFFFFF"/>
+                </a:solidFill>
+              </a:defRPr>
+            </a:pPr>
+            <a:endParaRPr/>
+          </a:p>
+        </p:txBody>
+      </p:sp>
+      <p:sp>
+        <p:nvSpPr>
+          <p:cNvPr id="712" name="PA_文本框 34"/>
+          <p:cNvSpPr txBox="1"/>
+          <p:nvPr/>
+        </p:nvSpPr>
+        <p:spPr>
+          <a:xfrm>
+            <a:off x="2310027" y="-51764"/>
+            <a:ext cx="7571943" cy="3770263"/>
+          </a:xfrm>
+          <a:prstGeom prst="rect">
+            <a:avLst/>
+          </a:prstGeom>
+          <a:ln w="12700">
+            <a:miter lim="400000"/>
+          </a:ln>
+          <a:extLst>
+            <a:ext uri="{C572A759-6A51-4108-AA02-DFA0A04FC94B}">
+              <ma14:wrappingTextBoxFlag xmlns="" xmlns:ma14="http://schemas.microsoft.com/office/mac/drawingml/2011/main" val="1"/>
+            </a:ext>
+          </a:extLst>
+        </p:spPr>
+        <p:txBody>
+          <a:bodyPr wrap="none" lIns="45719" rIns="45719">
+            <a:spAutoFit/>
+          </a:bodyPr>
+          <a:lstStyle>
+            <a:lvl1pPr algn="ctr">
+              <a:defRPr sz="23900">
+                <a:solidFill>
+                  <a:srgbClr val="F9B359">
+                    <a:alpha val="30000"/>
+                  </a:srgbClr>
+                </a:solidFill>
+                <a:latin typeface="微软雅黑"/>
+                <a:ea typeface="微软雅黑"/>
+                <a:cs typeface="微软雅黑"/>
+                <a:sym typeface="微软雅黑"/>
+              </a:defRPr>
+            </a:lvl1pPr>
+          </a:lstStyle>
+          <a:p>
+            <a:r>
+              <a:rPr lang="en-US" dirty="0"/>
+              <a:t>LAZY</a:t>
+            </a:r>
+            <a:endParaRPr dirty="0"/>
+          </a:p>
+        </p:txBody>
+      </p:sp>
+      <p:sp>
+        <p:nvSpPr>
+          <p:cNvPr id="713" name="PA_矩形 32"/>
+          <p:cNvSpPr/>
+          <p:nvPr/>
+        </p:nvSpPr>
+        <p:spPr>
+          <a:xfrm>
+            <a:off x="1329367" y="1354006"/>
+            <a:ext cx="9533264" cy="4149987"/>
+          </a:xfrm>
+          <a:prstGeom prst="rect">
+            <a:avLst/>
+          </a:prstGeom>
+          <a:solidFill>
+            <a:srgbClr val="FCFCFD">
+              <a:alpha val="60000"/>
+            </a:srgbClr>
+          </a:solidFill>
+          <a:ln w="12700">
+            <a:miter lim="400000"/>
+          </a:ln>
+          <a:effectLst>
+            <a:outerShdw blurRad="254000" dist="38100" dir="5400000" rotWithShape="0">
+              <a:srgbClr val="969F98">
+                <a:alpha val="20000"/>
+              </a:srgbClr>
+            </a:outerShdw>
+          </a:effectLst>
+        </p:spPr>
+        <p:txBody>
+          <a:bodyPr lIns="45719" rIns="45719" anchor="ctr"/>
+          <a:lstStyle/>
+          <a:p>
+            <a:pPr algn="ctr">
+              <a:defRPr>
+                <a:solidFill>
+                  <a:srgbClr val="FFFFFF"/>
+                </a:solidFill>
+              </a:defRPr>
+            </a:pPr>
+            <a:endParaRPr/>
+          </a:p>
+        </p:txBody>
+      </p:sp>
+      <p:sp>
+        <p:nvSpPr>
+          <p:cNvPr id="714" name="PA_矩形 27"/>
+          <p:cNvSpPr/>
+          <p:nvPr/>
+        </p:nvSpPr>
+        <p:spPr>
+          <a:xfrm>
+            <a:off x="2351313" y="2153796"/>
+            <a:ext cx="7489375" cy="2280496"/>
+          </a:xfrm>
+          <a:prstGeom prst="rect">
+            <a:avLst/>
+          </a:prstGeom>
+          <a:ln w="25400">
+            <a:solidFill>
+              <a:srgbClr val="3F403E"/>
+            </a:solidFill>
+            <a:miter/>
+          </a:ln>
+        </p:spPr>
+        <p:txBody>
+          <a:bodyPr lIns="45719" rIns="45719" anchor="ctr"/>
+          <a:lstStyle/>
+          <a:p>
+            <a:pPr algn="ctr">
+              <a:defRPr>
+                <a:solidFill>
+                  <a:srgbClr val="FFFFFF"/>
+                </a:solidFill>
+              </a:defRPr>
+            </a:pPr>
+            <a:endParaRPr/>
+          </a:p>
+        </p:txBody>
+      </p:sp>
+      <p:sp>
+        <p:nvSpPr>
+          <p:cNvPr id="715" name="PA_矩形 33"/>
+          <p:cNvSpPr/>
+          <p:nvPr/>
+        </p:nvSpPr>
+        <p:spPr>
+          <a:xfrm flipV="1">
+            <a:off x="5034567" y="4973403"/>
+            <a:ext cx="2067271" cy="189545"/>
+          </a:xfrm>
+          <a:prstGeom prst="rect">
+            <a:avLst/>
+          </a:prstGeom>
+          <a:solidFill>
+            <a:srgbClr val="F9B359"/>
+          </a:solidFill>
+          <a:ln w="12700">
+            <a:miter lim="400000"/>
+          </a:ln>
+        </p:spPr>
+        <p:txBody>
+          <a:bodyPr lIns="45719" rIns="45719" anchor="ctr"/>
+          <a:lstStyle/>
+          <a:p>
+            <a:pPr algn="ctr">
+              <a:defRPr>
+                <a:solidFill>
+                  <a:srgbClr val="FFFFFF"/>
+                </a:solidFill>
+              </a:defRPr>
+            </a:pPr>
+            <a:endParaRPr/>
+          </a:p>
+        </p:txBody>
+      </p:sp>
+      <p:sp>
+        <p:nvSpPr>
+          <p:cNvPr id="716" name="PA_文本框 29"/>
+          <p:cNvSpPr txBox="1"/>
+          <p:nvPr/>
+        </p:nvSpPr>
+        <p:spPr>
+          <a:xfrm>
+            <a:off x="5117686" y="4883509"/>
+            <a:ext cx="1956624" cy="461665"/>
+          </a:xfrm>
+          <a:prstGeom prst="rect">
+            <a:avLst/>
+          </a:prstGeom>
+          <a:ln w="12700">
+            <a:miter lim="400000"/>
+          </a:ln>
+          <a:extLst>
+            <a:ext uri="{C572A759-6A51-4108-AA02-DFA0A04FC94B}">
+              <ma14:wrappingTextBoxFlag xmlns="" xmlns:ma14="http://schemas.microsoft.com/office/mac/drawingml/2011/main" val="1"/>
+            </a:ext>
+          </a:extLst>
+        </p:spPr>
+        <p:txBody>
+          <a:bodyPr wrap="none" lIns="45719" rIns="45719">
+            <a:spAutoFit/>
+          </a:bodyPr>
+          <a:lstStyle/>
+          <a:p>
+            <a:pPr algn="ctr">
+              <a:defRPr>
+                <a:solidFill>
+                  <a:srgbClr val="3F403E"/>
+                </a:solidFill>
+                <a:latin typeface="微软雅黑 Light"/>
+                <a:ea typeface="微软雅黑 Light"/>
+                <a:cs typeface="微软雅黑 Light"/>
+                <a:sym typeface="微软雅黑 Light"/>
+              </a:defRPr>
+            </a:pPr>
+            <a:r>
+              <a:rPr lang="en-US" sz="2400" dirty="0"/>
+              <a:t>SE2019</a:t>
+            </a:r>
+            <a:r>
+              <a:rPr lang="zh-CN" altLang="en-US" sz="2400" dirty="0"/>
+              <a:t>春</a:t>
+            </a:r>
+            <a:r>
+              <a:rPr lang="en-US" altLang="zh-CN" sz="2400" dirty="0"/>
+              <a:t>-G11</a:t>
+            </a:r>
+            <a:endParaRPr sz="2400" dirty="0"/>
+          </a:p>
+        </p:txBody>
+      </p:sp>
+      <p:sp>
+        <p:nvSpPr>
+          <p:cNvPr id="717" name="PA_文本框 20"/>
+          <p:cNvSpPr txBox="1"/>
+          <p:nvPr/>
+        </p:nvSpPr>
+        <p:spPr>
+          <a:xfrm>
+            <a:off x="3571299" y="2509212"/>
+            <a:ext cx="5049401" cy="1551941"/>
+          </a:xfrm>
+          <a:prstGeom prst="rect">
+            <a:avLst/>
+          </a:prstGeom>
+          <a:solidFill>
+            <a:srgbClr val="FCFCFD"/>
+          </a:solidFill>
+          <a:ln w="12700">
+            <a:miter lim="400000"/>
+          </a:ln>
+          <a:extLst>
+            <a:ext uri="{C572A759-6A51-4108-AA02-DFA0A04FC94B}">
+              <ma14:wrappingTextBoxFlag xmlns="" xmlns:ma14="http://schemas.microsoft.com/office/mac/drawingml/2011/main" val="1"/>
+            </a:ext>
+          </a:extLst>
+        </p:spPr>
+        <p:txBody>
+          <a:bodyPr wrap="none" lIns="45719" rIns="45719">
+            <a:spAutoFit/>
+          </a:bodyPr>
+          <a:lstStyle>
+            <a:lvl1pPr algn="ctr">
+              <a:defRPr sz="9600">
+                <a:solidFill>
+                  <a:srgbClr val="F9B359"/>
+                </a:solidFill>
+                <a:latin typeface="微软雅黑"/>
+                <a:ea typeface="微软雅黑"/>
+                <a:cs typeface="微软雅黑"/>
+                <a:sym typeface="微软雅黑"/>
+              </a:defRPr>
+            </a:lvl1pPr>
+          </a:lstStyle>
+          <a:p>
+            <a:r>
+              <a:t>THANKS</a:t>
+            </a:r>
+          </a:p>
+        </p:txBody>
+      </p:sp>
+      <p:pic>
+        <p:nvPicPr>
+          <p:cNvPr id="9" name="图片 8"/>
+          <p:cNvPicPr>
+            <a:picLocks noChangeAspect="1"/>
+          </p:cNvPicPr>
+          <p:nvPr/>
+        </p:nvPicPr>
+        <p:blipFill>
+          <a:blip r:embed="rId2" cstate="print">
+            <a:extLst>
+              <a:ext uri="{28A0092B-C50C-407E-A947-70E740481C1C}">
+                <a14:useLocalDpi xmlns:a14="http://schemas.microsoft.com/office/drawing/2010/main" val="0"/>
+              </a:ext>
+            </a:extLst>
+          </a:blip>
+          <a:stretch>
+            <a:fillRect/>
+          </a:stretch>
+        </p:blipFill>
+        <p:spPr>
+          <a:xfrm>
+            <a:off x="7101838" y="4814415"/>
+            <a:ext cx="504307" cy="504307"/>
+          </a:xfrm>
+          <a:prstGeom prst="rect">
+            <a:avLst/>
+          </a:prstGeom>
+        </p:spPr>
+      </p:pic>
+    </p:spTree>
+  </p:cSld>
+  <p:clrMapOvr>
+    <a:masterClrMapping/>
+  </p:clrMapOvr>
+  <mc:AlternateContent xmlns:mc="http://schemas.openxmlformats.org/markup-compatibility/2006" xmlns:p15="http://schemas.microsoft.com/office/powerpoint/2012/main">
+    <mc:Choice Requires="p15">
+      <p:transition xmlns:p14="http://schemas.microsoft.com/office/powerpoint/2010/main" spd="slow" p14:dur="1200">
+        <p15:prstTrans prst="pageCurlDouble"/>
+      </p:transition>
+    </mc:Choice>
+    <mc:Choice xmlns="" xmlns:p14="http://schemas.microsoft.com/office/powerpoint/2010/main" Requires="p14">
+      <p:transition spd="slow" advClick="1" p14:dur="1200">
+        <p14:prism dir="d"/>
+      </p:transition>
+    </mc:Choice>
+    <mc:Fallback xmlns="">
+      <p:transition spd="slow">
+        <p:fade/>
+      </p:transition>
+    </mc:Fallback>
+  </mc:AlternateContent>
+  <p:timing>
+    <p:tnLst>
+      <p:par>
+        <p:cTn id="1" dur="indefinite" restart="never" fill="hold" nodeType="tmRoot">
+          <p:childTnLst>
+            <p:seq concurrent="1" prevAc="none" nextAc="seek">
+              <p:cTn id="2" dur="indefinite" fill="hold" nodeType="mainSeq">
+                <p:childTnLst>
+                  <p:par>
+                    <p:cTn id="3" fill="hold">
+                      <p:stCondLst>
+                        <p:cond delay="indefinite"/>
+                        <p:cond evt="onBegin" delay="0">
+                          <p:tn val="2"/>
+                        </p:cond>
+                      </p:stCondLst>
+                      <p:childTnLst>
+                        <p:par>
+                          <p:cTn id="4" fill="hold">
+                            <p:stCondLst>
+                              <p:cond delay="0"/>
+                            </p:stCondLst>
+                            <p:childTnLst>
+                              <p:par>
+                                <p:cTn id="5" presetID="9" presetClass="entr" fill="hold" grpId="1" nodeType="afterEffect">
+                                  <p:stCondLst>
+                                    <p:cond delay="0"/>
+                                  </p:stCondLst>
+                                  <p:iterate>
+                                    <p:tmAbs val="0"/>
+                                  </p:iterate>
+                                  <p:childTnLst>
+                                    <p:set>
+                                      <p:cBhvr>
+                                        <p:cTn id="6" fill="hold"/>
+                                        <p:tgtEl>
+                                          <p:spTgt spid="712"/>
+                                        </p:tgtEl>
+                                        <p:attrNameLst>
+                                          <p:attrName>style.visibility</p:attrName>
+                                        </p:attrNameLst>
+                                      </p:cBhvr>
+                                      <p:to>
+                                        <p:strVal val="visible"/>
+                                      </p:to>
+                                    </p:set>
+                                    <p:animEffect transition="in" filter="dissolve">
+                                      <p:cBhvr>
+                                        <p:cTn id="7" dur="1000"/>
+                                        <p:tgtEl>
+                                          <p:spTgt spid="712"/>
+                                        </p:tgtEl>
+                                      </p:cBhvr>
+                                    </p:animEffect>
+                                  </p:childTnLst>
+                                </p:cTn>
+                              </p:par>
+                            </p:childTnLst>
+                          </p:cTn>
+                        </p:par>
+                        <p:par>
+                          <p:cTn id="8" fill="hold">
+                            <p:stCondLst>
+                              <p:cond delay="1000"/>
+                            </p:stCondLst>
+                            <p:childTnLst>
+                              <p:par>
+                                <p:cTn id="9" presetID="2" presetClass="entr" presetSubtype="4" fill="hold" grpId="2" nodeType="afterEffect">
+                                  <p:stCondLst>
+                                    <p:cond delay="0"/>
+                                  </p:stCondLst>
+                                  <p:iterate>
+                                    <p:tmAbs val="0"/>
+                                  </p:iterate>
+                                  <p:childTnLst>
+                                    <p:set>
+                                      <p:cBhvr>
+                                        <p:cTn id="10" fill="hold"/>
+                                        <p:tgtEl>
+                                          <p:spTgt spid="711"/>
+                                        </p:tgtEl>
+                                        <p:attrNameLst>
+                                          <p:attrName>style.visibility</p:attrName>
+                                        </p:attrNameLst>
+                                      </p:cBhvr>
+                                      <p:to>
+                                        <p:strVal val="visible"/>
+                                      </p:to>
+                                    </p:set>
+                                    <p:anim calcmode="lin" valueType="num">
+                                      <p:cBhvr>
+                                        <p:cTn id="11" dur="1000" fill="hold"/>
+                                        <p:tgtEl>
+                                          <p:spTgt spid="711"/>
+                                        </p:tgtEl>
+                                        <p:attrNameLst>
+                                          <p:attrName>ppt_x</p:attrName>
+                                        </p:attrNameLst>
+                                      </p:cBhvr>
+                                      <p:tavLst>
+                                        <p:tav tm="0">
+                                          <p:val>
+                                            <p:strVal val="#ppt_x"/>
+                                          </p:val>
+                                        </p:tav>
+                                        <p:tav tm="100000">
+                                          <p:val>
+                                            <p:strVal val="#ppt_x"/>
+                                          </p:val>
+                                        </p:tav>
+                                      </p:tavLst>
+                                    </p:anim>
+                                    <p:anim calcmode="lin" valueType="num">
+                                      <p:cBhvr>
+                                        <p:cTn id="12" dur="1000" fill="hold"/>
+                                        <p:tgtEl>
+                                          <p:spTgt spid="711"/>
+                                        </p:tgtEl>
+                                        <p:attrNameLst>
+                                          <p:attrName>ppt_y</p:attrName>
+                                        </p:attrNameLst>
+                                      </p:cBhvr>
+                                      <p:tavLst>
+                                        <p:tav tm="0">
+                                          <p:val>
+                                            <p:strVal val="1+#ppt_h/2"/>
+                                          </p:val>
+                                        </p:tav>
+                                        <p:tav tm="100000">
+                                          <p:val>
+                                            <p:strVal val="#ppt_y"/>
+                                          </p:val>
+                                        </p:tav>
+                                      </p:tavLst>
+                                    </p:anim>
+                                  </p:childTnLst>
+                                </p:cTn>
+                              </p:par>
+                            </p:childTnLst>
+                          </p:cTn>
+                        </p:par>
+                        <p:par>
+                          <p:cTn id="13" fill="hold">
+                            <p:stCondLst>
+                              <p:cond delay="2000"/>
+                            </p:stCondLst>
+                            <p:childTnLst>
+                              <p:par>
+                                <p:cTn id="14" presetID="2" presetClass="entr" presetSubtype="4" fill="hold" grpId="3" nodeType="afterEffect">
+                                  <p:stCondLst>
+                                    <p:cond delay="0"/>
+                                  </p:stCondLst>
+                                  <p:iterate>
+                                    <p:tmAbs val="0"/>
+                                  </p:iterate>
+                                  <p:childTnLst>
+                                    <p:set>
+                                      <p:cBhvr>
+                                        <p:cTn id="15" fill="hold"/>
+                                        <p:tgtEl>
+                                          <p:spTgt spid="713"/>
+                                        </p:tgtEl>
+                                        <p:attrNameLst>
+                                          <p:attrName>style.visibility</p:attrName>
+                                        </p:attrNameLst>
+                                      </p:cBhvr>
+                                      <p:to>
+                                        <p:strVal val="visible"/>
+                                      </p:to>
+                                    </p:set>
+                                    <p:anim calcmode="lin" valueType="num">
+                                      <p:cBhvr>
+                                        <p:cTn id="16" dur="1000" fill="hold"/>
+                                        <p:tgtEl>
+                                          <p:spTgt spid="713"/>
+                                        </p:tgtEl>
+                                        <p:attrNameLst>
+                                          <p:attrName>ppt_x</p:attrName>
+                                        </p:attrNameLst>
+                                      </p:cBhvr>
+                                      <p:tavLst>
+                                        <p:tav tm="0">
+                                          <p:val>
+                                            <p:strVal val="#ppt_x"/>
+                                          </p:val>
+                                        </p:tav>
+                                        <p:tav tm="100000">
+                                          <p:val>
+                                            <p:strVal val="#ppt_x"/>
+                                          </p:val>
+                                        </p:tav>
+                                      </p:tavLst>
+                                    </p:anim>
+                                    <p:anim calcmode="lin" valueType="num">
+                                      <p:cBhvr>
+                                        <p:cTn id="17" dur="1000" fill="hold"/>
+                                        <p:tgtEl>
+                                          <p:spTgt spid="713"/>
+                                        </p:tgtEl>
+                                        <p:attrNameLst>
+                                          <p:attrName>ppt_y</p:attrName>
+                                        </p:attrNameLst>
+                                      </p:cBhvr>
+                                      <p:tavLst>
+                                        <p:tav tm="0">
+                                          <p:val>
+                                            <p:strVal val="1+#ppt_h/2"/>
+                                          </p:val>
+                                        </p:tav>
+                                        <p:tav tm="100000">
+                                          <p:val>
+                                            <p:strVal val="#ppt_y"/>
+                                          </p:val>
+                                        </p:tav>
+                                      </p:tavLst>
+                                    </p:anim>
+                                  </p:childTnLst>
+                                </p:cTn>
+                              </p:par>
+                            </p:childTnLst>
+                          </p:cTn>
+                        </p:par>
+                        <p:par>
+                          <p:cTn id="18" fill="hold">
+                            <p:stCondLst>
+                              <p:cond delay="3000"/>
+                            </p:stCondLst>
+                            <p:childTnLst>
+                              <p:par>
+                                <p:cTn id="19" presetID="2" presetClass="entr" presetSubtype="4" fill="hold" grpId="4" nodeType="afterEffect">
+                                  <p:stCondLst>
+                                    <p:cond delay="0"/>
+                                  </p:stCondLst>
+                                  <p:iterate>
+                                    <p:tmAbs val="0"/>
+                                  </p:iterate>
+                                  <p:childTnLst>
+                                    <p:set>
+                                      <p:cBhvr>
+                                        <p:cTn id="20" fill="hold"/>
+                                        <p:tgtEl>
+                                          <p:spTgt spid="714"/>
+                                        </p:tgtEl>
+                                        <p:attrNameLst>
+                                          <p:attrName>style.visibility</p:attrName>
+                                        </p:attrNameLst>
+                                      </p:cBhvr>
+                                      <p:to>
+                                        <p:strVal val="visible"/>
+                                      </p:to>
+                                    </p:set>
+                                    <p:anim calcmode="lin" valueType="num">
+                                      <p:cBhvr>
+                                        <p:cTn id="21" dur="1000" fill="hold"/>
+                                        <p:tgtEl>
+                                          <p:spTgt spid="714"/>
+                                        </p:tgtEl>
+                                        <p:attrNameLst>
+                                          <p:attrName>ppt_x</p:attrName>
+                                        </p:attrNameLst>
+                                      </p:cBhvr>
+                                      <p:tavLst>
+                                        <p:tav tm="0">
+                                          <p:val>
+                                            <p:strVal val="#ppt_x"/>
+                                          </p:val>
+                                        </p:tav>
+                                        <p:tav tm="100000">
+                                          <p:val>
+                                            <p:strVal val="#ppt_x"/>
+                                          </p:val>
+                                        </p:tav>
+                                      </p:tavLst>
+                                    </p:anim>
+                                    <p:anim calcmode="lin" valueType="num">
+                                      <p:cBhvr>
+                                        <p:cTn id="22" dur="1000" fill="hold"/>
+                                        <p:tgtEl>
+                                          <p:spTgt spid="714"/>
+                                        </p:tgtEl>
+                                        <p:attrNameLst>
+                                          <p:attrName>ppt_y</p:attrName>
+                                        </p:attrNameLst>
+                                      </p:cBhvr>
+                                      <p:tavLst>
+                                        <p:tav tm="0">
+                                          <p:val>
+                                            <p:strVal val="1+#ppt_h/2"/>
+                                          </p:val>
+                                        </p:tav>
+                                        <p:tav tm="100000">
+                                          <p:val>
+                                            <p:strVal val="#ppt_y"/>
+                                          </p:val>
+                                        </p:tav>
+                                      </p:tavLst>
+                                    </p:anim>
+                                  </p:childTnLst>
+                                </p:cTn>
+                              </p:par>
+                            </p:childTnLst>
+                          </p:cTn>
+                        </p:par>
+                        <p:par>
+                          <p:cTn id="23" fill="hold">
+                            <p:stCondLst>
+                              <p:cond delay="4000"/>
+                            </p:stCondLst>
+                            <p:childTnLst>
+                              <p:par>
+                                <p:cTn id="24" presetID="2" presetClass="entr" presetSubtype="4" fill="hold" grpId="5" nodeType="afterEffect">
+                                  <p:stCondLst>
+                                    <p:cond delay="0"/>
+                                  </p:stCondLst>
+                                  <p:iterate>
+                                    <p:tmAbs val="0"/>
+                                  </p:iterate>
+                                  <p:childTnLst>
+                                    <p:set>
+                                      <p:cBhvr>
+                                        <p:cTn id="25" fill="hold"/>
+                                        <p:tgtEl>
+                                          <p:spTgt spid="715"/>
+                                        </p:tgtEl>
+                                        <p:attrNameLst>
+                                          <p:attrName>style.visibility</p:attrName>
+                                        </p:attrNameLst>
+                                      </p:cBhvr>
+                                      <p:to>
+                                        <p:strVal val="visible"/>
+                                      </p:to>
+                                    </p:set>
+                                    <p:anim calcmode="lin" valueType="num">
+                                      <p:cBhvr>
+                                        <p:cTn id="26" dur="1000" fill="hold"/>
+                                        <p:tgtEl>
+                                          <p:spTgt spid="715"/>
+                                        </p:tgtEl>
+                                        <p:attrNameLst>
+                                          <p:attrName>ppt_x</p:attrName>
+                                        </p:attrNameLst>
+                                      </p:cBhvr>
+                                      <p:tavLst>
+                                        <p:tav tm="0">
+                                          <p:val>
+                                            <p:strVal val="#ppt_x"/>
+                                          </p:val>
+                                        </p:tav>
+                                        <p:tav tm="100000">
+                                          <p:val>
+                                            <p:strVal val="#ppt_x"/>
+                                          </p:val>
+                                        </p:tav>
+                                      </p:tavLst>
+                                    </p:anim>
+                                    <p:anim calcmode="lin" valueType="num">
+                                      <p:cBhvr>
+                                        <p:cTn id="27" dur="1000" fill="hold"/>
+                                        <p:tgtEl>
+                                          <p:spTgt spid="715"/>
+                                        </p:tgtEl>
+                                        <p:attrNameLst>
+                                          <p:attrName>ppt_y</p:attrName>
+                                        </p:attrNameLst>
+                                      </p:cBhvr>
+                                      <p:tavLst>
+                                        <p:tav tm="0">
+                                          <p:val>
+                                            <p:strVal val="1+#ppt_h/2"/>
+                                          </p:val>
+                                        </p:tav>
+                                        <p:tav tm="100000">
+                                          <p:val>
+                                            <p:strVal val="#ppt_y"/>
+                                          </p:val>
+                                        </p:tav>
+                                      </p:tavLst>
+                                    </p:anim>
+                                  </p:childTnLst>
+                                </p:cTn>
+                              </p:par>
+                            </p:childTnLst>
+                          </p:cTn>
+                        </p:par>
+                        <p:par>
+                          <p:cTn id="28" fill="hold">
+                            <p:stCondLst>
+                              <p:cond delay="5000"/>
+                            </p:stCondLst>
+                            <p:childTnLst>
+                              <p:par>
+                                <p:cTn id="29" presetID="2" presetClass="entr" presetSubtype="4" fill="hold" grpId="6" nodeType="afterEffect">
+                                  <p:stCondLst>
+                                    <p:cond delay="0"/>
+                                  </p:stCondLst>
+                                  <p:iterate>
+                                    <p:tmAbs val="0"/>
+                                  </p:iterate>
+                                  <p:childTnLst>
+                                    <p:set>
+                                      <p:cBhvr>
+                                        <p:cTn id="30" fill="hold"/>
+                                        <p:tgtEl>
+                                          <p:spTgt spid="716"/>
+                                        </p:tgtEl>
+                                        <p:attrNameLst>
+                                          <p:attrName>style.visibility</p:attrName>
+                                        </p:attrNameLst>
+                                      </p:cBhvr>
+                                      <p:to>
+                                        <p:strVal val="visible"/>
+                                      </p:to>
+                                    </p:set>
+                                    <p:anim calcmode="lin" valueType="num">
+                                      <p:cBhvr>
+                                        <p:cTn id="31" dur="1000" fill="hold"/>
+                                        <p:tgtEl>
+                                          <p:spTgt spid="716"/>
+                                        </p:tgtEl>
+                                        <p:attrNameLst>
+                                          <p:attrName>ppt_x</p:attrName>
+                                        </p:attrNameLst>
+                                      </p:cBhvr>
+                                      <p:tavLst>
+                                        <p:tav tm="0">
+                                          <p:val>
+                                            <p:strVal val="#ppt_x"/>
+                                          </p:val>
+                                        </p:tav>
+                                        <p:tav tm="100000">
+                                          <p:val>
+                                            <p:strVal val="#ppt_x"/>
+                                          </p:val>
+                                        </p:tav>
+                                      </p:tavLst>
+                                    </p:anim>
+                                    <p:anim calcmode="lin" valueType="num">
+                                      <p:cBhvr>
+                                        <p:cTn id="32" dur="1000" fill="hold"/>
+                                        <p:tgtEl>
+                                          <p:spTgt spid="716"/>
+                                        </p:tgtEl>
+                                        <p:attrNameLst>
+                                          <p:attrName>ppt_y</p:attrName>
+                                        </p:attrNameLst>
+                                      </p:cBhvr>
+                                      <p:tavLst>
+                                        <p:tav tm="0">
+                                          <p:val>
+                                            <p:strVal val="1+#ppt_h/2"/>
+                                          </p:val>
+                                        </p:tav>
+                                        <p:tav tm="100000">
+                                          <p:val>
+                                            <p:strVal val="#ppt_y"/>
+                                          </p:val>
+                                        </p:tav>
+                                      </p:tavLst>
+                                    </p:anim>
+                                  </p:childTnLst>
+                                </p:cTn>
+                              </p:par>
+                            </p:childTnLst>
+                          </p:cTn>
+                        </p:par>
+                        <p:par>
+                          <p:cTn id="33" fill="hold">
+                            <p:stCondLst>
+                              <p:cond delay="6000"/>
+                            </p:stCondLst>
+                            <p:childTnLst>
+                              <p:par>
+                                <p:cTn id="34" presetID="2" presetClass="entr" presetSubtype="4" fill="hold" grpId="7" nodeType="afterEffect">
+                                  <p:stCondLst>
+                                    <p:cond delay="0"/>
+                                  </p:stCondLst>
+                                  <p:iterate>
+                                    <p:tmAbs val="0"/>
+                                  </p:iterate>
+                                  <p:childTnLst>
+                                    <p:set>
+                                      <p:cBhvr>
+                                        <p:cTn id="35" fill="hold"/>
+                                        <p:tgtEl>
+                                          <p:spTgt spid="717"/>
+                                        </p:tgtEl>
+                                        <p:attrNameLst>
+                                          <p:attrName>style.visibility</p:attrName>
+                                        </p:attrNameLst>
+                                      </p:cBhvr>
+                                      <p:to>
+                                        <p:strVal val="visible"/>
+                                      </p:to>
+                                    </p:set>
+                                    <p:anim calcmode="lin" valueType="num">
+                                      <p:cBhvr>
+                                        <p:cTn id="36" dur="1000" fill="hold"/>
+                                        <p:tgtEl>
+                                          <p:spTgt spid="717"/>
+                                        </p:tgtEl>
+                                        <p:attrNameLst>
+                                          <p:attrName>ppt_x</p:attrName>
+                                        </p:attrNameLst>
+                                      </p:cBhvr>
+                                      <p:tavLst>
+                                        <p:tav tm="0">
+                                          <p:val>
+                                            <p:strVal val="#ppt_x"/>
+                                          </p:val>
+                                        </p:tav>
+                                        <p:tav tm="100000">
+                                          <p:val>
+                                            <p:strVal val="#ppt_x"/>
+                                          </p:val>
+                                        </p:tav>
+                                      </p:tavLst>
+                                    </p:anim>
+                                    <p:anim calcmode="lin" valueType="num">
+                                      <p:cBhvr>
+                                        <p:cTn id="37" dur="1000" fill="hold"/>
+                                        <p:tgtEl>
+                                          <p:spTgt spid="717"/>
+                                        </p:tgtEl>
+                                        <p:attrNameLst>
+                                          <p:attrName>ppt_y</p:attrName>
+                                        </p:attrNameLst>
+                                      </p:cBhvr>
+                                      <p:tavLst>
+                                        <p:tav tm="0">
+                                          <p:val>
+                                            <p:strVal val="1+#ppt_h/2"/>
+                                          </p:val>
+                                        </p:tav>
+                                        <p:tav tm="100000">
+                                          <p:val>
+                                            <p:strVal val="#ppt_y"/>
+                                          </p:val>
+                                        </p:tav>
+                                      </p:tavLst>
+                                    </p:anim>
+                                  </p:childTnLst>
+                                </p:cTn>
+                              </p:par>
+                            </p:childTnLst>
+                          </p:cTn>
+                        </p:par>
+                      </p:childTnLst>
+                    </p:cTn>
+                  </p:par>
+                </p:childTnLst>
+              </p:cTn>
+              <p:prevCondLst>
+                <p:cond evt="onPrev" delay="0">
+                  <p:tgtEl>
+                    <p:sldTgt/>
+                  </p:tgtEl>
+                </p:cond>
+              </p:prevCondLst>
+              <p:nextCondLst>
+                <p:cond evt="onNext" delay="0">
+                  <p:tgtEl>
+                    <p:sldTgt/>
+                  </p:tgtEl>
+                </p:cond>
+              </p:nextCondLst>
+            </p:seq>
+          </p:childTnLst>
+        </p:cTn>
+      </p:par>
+    </p:tnLst>
+    <p:bldLst>
+      <p:bldP spid="711" grpId="2" animBg="1" advAuto="0"/>
+      <p:bldP spid="712" grpId="1" animBg="1" advAuto="0"/>
+      <p:bldP spid="713" grpId="3" animBg="1" advAuto="0"/>
+      <p:bldP spid="714" grpId="4" animBg="1" advAuto="0"/>
+      <p:bldP spid="715" grpId="5" animBg="1" advAuto="0"/>
+      <p:bldP spid="716" grpId="6" animBg="1" advAuto="0"/>
+      <p:bldP spid="717" grpId="7" animBg="1" advAuto="0"/>
     </p:bldLst>
   </p:timing>
 </p:sld>
@@ -36332,7 +38515,7 @@
           </a:ln>
           <a:extLst>
             <a:ext uri="{C572A759-6A51-4108-AA02-DFA0A04FC94B}">
-              <ma14:wrappingTextBoxFlag xmlns:ma14="http://schemas.microsoft.com/office/mac/drawingml/2011/main" xmlns="" val="1"/>
+              <ma14:wrappingTextBoxFlag xmlns="" xmlns:ma14="http://schemas.microsoft.com/office/mac/drawingml/2011/main" val="1"/>
             </a:ext>
           </a:extLst>
         </p:spPr>
@@ -36457,7 +38640,7 @@
           </a:ln>
           <a:extLst>
             <a:ext uri="{C572A759-6A51-4108-AA02-DFA0A04FC94B}">
-              <ma14:wrappingTextBoxFlag xmlns:ma14="http://schemas.microsoft.com/office/mac/drawingml/2011/main" xmlns="" val="1"/>
+              <ma14:wrappingTextBoxFlag xmlns="" xmlns:ma14="http://schemas.microsoft.com/office/mac/drawingml/2011/main" val="1"/>
             </a:ext>
           </a:extLst>
         </p:spPr>
@@ -37105,7 +39288,7 @@
         <p:spPr>
           <a:xfrm>
             <a:off x="1957632" y="3089608"/>
-            <a:ext cx="8276734" cy="2140138"/>
+            <a:ext cx="8276734" cy="1643527"/>
           </a:xfrm>
           <a:prstGeom prst="rect">
             <a:avLst/>
@@ -37115,7 +39298,7 @@
           </a:ln>
           <a:extLst>
             <a:ext uri="{C572A759-6A51-4108-AA02-DFA0A04FC94B}">
-              <ma14:wrappingTextBoxFlag xmlns:ma14="http://schemas.microsoft.com/office/mac/drawingml/2011/main" xmlns="" val="1"/>
+              <ma14:wrappingTextBoxFlag xmlns="" xmlns:ma14="http://schemas.microsoft.com/office/mac/drawingml/2011/main" val="1"/>
             </a:ext>
           </a:extLst>
         </p:spPr>
@@ -37218,88 +39401,40 @@
               <a:t>3. </a:t>
             </a:r>
             <a:r>
-              <a:rPr lang="zh-CN" altLang="zh-CN" sz="1400" dirty="0"/>
-              <a:t>墨染枫林</a:t>
+              <a:rPr lang="zh-CN" altLang="en-US" sz="1400" dirty="0"/>
+              <a:t>小程序竞品分析法：</a:t>
             </a:r>
             <a:r>
               <a:rPr lang="en-US" altLang="zh-CN" sz="1400" dirty="0"/>
-              <a:t>.</a:t>
-            </a:r>
-            <a:r>
-              <a:rPr lang="zh-CN" altLang="zh-CN" sz="1400" dirty="0"/>
-              <a:t>《小程序，</a:t>
+              <a:t>SWOT</a:t>
+            </a:r>
+            <a:r>
+              <a:rPr lang="zh-CN" altLang="en-US" sz="1400" dirty="0"/>
+              <a:t>分析</a:t>
             </a:r>
             <a:r>
               <a:rPr lang="en-US" altLang="zh-CN" sz="1400" dirty="0"/>
-              <a:t>APP</a:t>
-            </a:r>
-            <a:r>
-              <a:rPr lang="zh-CN" altLang="zh-CN" sz="1400" dirty="0"/>
-              <a:t>，</a:t>
-            </a:r>
-            <a:r>
-              <a:rPr lang="en-US" altLang="zh-CN" sz="1400" dirty="0"/>
-              <a:t>H5</a:t>
-            </a:r>
-            <a:r>
-              <a:rPr lang="zh-CN" altLang="zh-CN" sz="1400" dirty="0"/>
-              <a:t>的区别》</a:t>
-            </a:r>
-            <a:r>
-              <a:rPr lang="en-US" altLang="zh-CN" sz="1400" dirty="0"/>
-              <a:t>.</a:t>
-            </a:r>
-            <a:endParaRPr lang="zh-CN" altLang="zh-CN" sz="1400" dirty="0"/>
+              <a:t>+</a:t>
+            </a:r>
+            <a:r>
+              <a:rPr lang="zh-CN" altLang="en-US" sz="1400" dirty="0"/>
+              <a:t>各种表格</a:t>
+            </a:r>
           </a:p>
           <a:p>
             <a:r>
               <a:rPr lang="en-US" altLang="zh-CN" sz="1400" dirty="0"/>
-              <a:t>https://blog.csdn.net/weixin_38055381/article/details/88322652</a:t>
-            </a:r>
-            <a:endParaRPr lang="zh-CN" altLang="zh-CN" sz="1400" dirty="0"/>
+              <a:t>http://xcx.kuai8.com/news/2314.html</a:t>
+            </a:r>
           </a:p>
           <a:p>
             <a:r>
-              <a:rPr lang="en-US" altLang="zh-CN" sz="1400" dirty="0"/>
-              <a:t>4.</a:t>
+              <a:rPr lang="zh-CN" altLang="zh-CN" sz="1400" dirty="0" smtClean="0"/>
+              <a:t>本</a:t>
             </a:r>
             <a:r>
               <a:rPr lang="zh-CN" altLang="zh-CN" sz="1400" dirty="0"/>
-              <a:t>齿轮易创</a:t>
-            </a:r>
-            <a:r>
-              <a:rPr lang="en-US" altLang="zh-CN" sz="1400" dirty="0"/>
-              <a:t>. </a:t>
-            </a:r>
-            <a:r>
-              <a:rPr lang="zh-CN" altLang="zh-CN" sz="1400" dirty="0"/>
-              <a:t>《文章读懂</a:t>
-            </a:r>
-            <a:r>
-              <a:rPr lang="en-US" altLang="zh-CN" sz="1400" dirty="0"/>
-              <a:t>H5/App/</a:t>
-            </a:r>
-            <a:r>
-              <a:rPr lang="zh-CN" altLang="zh-CN" sz="1400" dirty="0"/>
-              <a:t>小程序的区别》</a:t>
-            </a:r>
-            <a:r>
-              <a:rPr lang="en-US" altLang="zh-CN" sz="1400" dirty="0"/>
-              <a:t>.</a:t>
-            </a:r>
-            <a:endParaRPr lang="zh-CN" altLang="zh-CN" sz="1400" dirty="0"/>
-          </a:p>
-          <a:p>
-            <a:r>
-              <a:rPr lang="en-US" altLang="zh-CN" sz="1400" dirty="0"/>
-              <a:t>	https://www.jianshu.com/p/2effb367aaf0</a:t>
-            </a:r>
-            <a:endParaRPr lang="zh-CN" altLang="zh-CN" sz="1400" dirty="0"/>
-          </a:p>
-          <a:p>
-            <a:r>
-              <a:rPr lang="zh-CN" altLang="zh-CN" sz="1400" dirty="0"/>
-              <a:t>本项目遵从以下标准：</a:t>
+              <a:t>项目遵从以下标准：</a:t>
             </a:r>
           </a:p>
           <a:p>
@@ -37333,7 +39468,7 @@
           </a:ln>
           <a:extLst>
             <a:ext uri="{C572A759-6A51-4108-AA02-DFA0A04FC94B}">
-              <ma14:wrappingTextBoxFlag xmlns:ma14="http://schemas.microsoft.com/office/mac/drawingml/2011/main" xmlns="" val="1"/>
+              <ma14:wrappingTextBoxFlag xmlns="" xmlns:ma14="http://schemas.microsoft.com/office/mac/drawingml/2011/main" val="1"/>
             </a:ext>
           </a:extLst>
         </p:spPr>
@@ -37993,7 +40128,7 @@
           </a:ln>
           <a:extLst>
             <a:ext uri="{C572A759-6A51-4108-AA02-DFA0A04FC94B}">
-              <ma14:wrappingTextBoxFlag xmlns:ma14="http://schemas.microsoft.com/office/mac/drawingml/2011/main" xmlns="" val="1"/>
+              <ma14:wrappingTextBoxFlag xmlns="" xmlns:ma14="http://schemas.microsoft.com/office/mac/drawingml/2011/main" val="1"/>
             </a:ext>
           </a:extLst>
         </p:spPr>
@@ -38042,7 +40177,7 @@
           </a:ln>
           <a:extLst>
             <a:ext uri="{C572A759-6A51-4108-AA02-DFA0A04FC94B}">
-              <ma14:wrappingTextBoxFlag xmlns:ma14="http://schemas.microsoft.com/office/mac/drawingml/2011/main" xmlns="" val="1"/>
+              <ma14:wrappingTextBoxFlag xmlns="" xmlns:ma14="http://schemas.microsoft.com/office/mac/drawingml/2011/main" val="1"/>
             </a:ext>
           </a:extLst>
         </p:spPr>
@@ -38090,7 +40225,7 @@
           </a:ln>
           <a:extLst>
             <a:ext uri="{C572A759-6A51-4108-AA02-DFA0A04FC94B}">
-              <ma14:wrappingTextBoxFlag xmlns:ma14="http://schemas.microsoft.com/office/mac/drawingml/2011/main" xmlns="" val="1"/>
+              <ma14:wrappingTextBoxFlag xmlns="" xmlns:ma14="http://schemas.microsoft.com/office/mac/drawingml/2011/main" val="1"/>
             </a:ext>
           </a:extLst>
         </p:spPr>
@@ -38666,7 +40801,7 @@
           </a:ln>
           <a:extLst>
             <a:ext uri="{C572A759-6A51-4108-AA02-DFA0A04FC94B}">
-              <ma14:wrappingTextBoxFlag xmlns:ma14="http://schemas.microsoft.com/office/mac/drawingml/2011/main" xmlns="" val="1"/>
+              <ma14:wrappingTextBoxFlag xmlns="" xmlns:ma14="http://schemas.microsoft.com/office/mac/drawingml/2011/main" val="1"/>
             </a:ext>
           </a:extLst>
         </p:spPr>
@@ -38792,7 +40927,7 @@
           </a:ln>
           <a:extLst>
             <a:ext uri="{C572A759-6A51-4108-AA02-DFA0A04FC94B}">
-              <ma14:wrappingTextBoxFlag xmlns:ma14="http://schemas.microsoft.com/office/mac/drawingml/2011/main" xmlns="" val="1"/>
+              <ma14:wrappingTextBoxFlag xmlns="" xmlns:ma14="http://schemas.microsoft.com/office/mac/drawingml/2011/main" val="1"/>
             </a:ext>
           </a:extLst>
         </p:spPr>
@@ -38841,7 +40976,7 @@
           </a:ln>
           <a:extLst>
             <a:ext uri="{C572A759-6A51-4108-AA02-DFA0A04FC94B}">
-              <ma14:wrappingTextBoxFlag xmlns:ma14="http://schemas.microsoft.com/office/mac/drawingml/2011/main" xmlns="" val="1"/>
+              <ma14:wrappingTextBoxFlag xmlns="" xmlns:ma14="http://schemas.microsoft.com/office/mac/drawingml/2011/main" val="1"/>
             </a:ext>
           </a:extLst>
         </p:spPr>
@@ -39141,7 +41276,7 @@
         <p15:prstTrans prst="pageCurlDouble"/>
       </p:transition>
     </mc:Choice>
-    <mc:Choice xmlns:p14="http://schemas.microsoft.com/office/powerpoint/2010/main" xmlns="" Requires="p14">
+    <mc:Choice xmlns="" xmlns:p14="http://schemas.microsoft.com/office/powerpoint/2010/main" Requires="p14">
       <p:transition spd="slow" advClick="0" advTm="4000" p14:dur="1200">
         <p14:prism dir="l"/>
       </p:transition>
@@ -39949,7 +42084,7 @@
           </a:ln>
           <a:extLst>
             <a:ext uri="{C572A759-6A51-4108-AA02-DFA0A04FC94B}">
-              <ma14:wrappingTextBoxFlag xmlns:ma14="http://schemas.microsoft.com/office/mac/drawingml/2011/main" xmlns="" val="1"/>
+              <ma14:wrappingTextBoxFlag xmlns="" xmlns:ma14="http://schemas.microsoft.com/office/mac/drawingml/2011/main" val="1"/>
             </a:ext>
           </a:extLst>
         </p:spPr>
@@ -40101,7 +42236,7 @@
           </a:ln>
           <a:extLst>
             <a:ext uri="{C572A759-6A51-4108-AA02-DFA0A04FC94B}">
-              <ma14:wrappingTextBoxFlag xmlns:ma14="http://schemas.microsoft.com/office/mac/drawingml/2011/main" xmlns="" val="1"/>
+              <ma14:wrappingTextBoxFlag xmlns="" xmlns:ma14="http://schemas.microsoft.com/office/mac/drawingml/2011/main" val="1"/>
             </a:ext>
           </a:extLst>
         </p:spPr>
@@ -40181,7 +42316,7 @@
           </a:ln>
           <a:extLst>
             <a:ext uri="{C572A759-6A51-4108-AA02-DFA0A04FC94B}">
-              <ma14:wrappingTextBoxFlag xmlns:ma14="http://schemas.microsoft.com/office/mac/drawingml/2011/main" xmlns="" val="1"/>
+              <ma14:wrappingTextBoxFlag xmlns="" xmlns:ma14="http://schemas.microsoft.com/office/mac/drawingml/2011/main" val="1"/>
             </a:ext>
           </a:extLst>
         </p:spPr>
@@ -40251,7 +42386,7 @@
           </a:ln>
           <a:extLst>
             <a:ext uri="{C572A759-6A51-4108-AA02-DFA0A04FC94B}">
-              <ma14:wrappingTextBoxFlag xmlns:ma14="http://schemas.microsoft.com/office/mac/drawingml/2011/main" xmlns="" val="1"/>
+              <ma14:wrappingTextBoxFlag xmlns="" xmlns:ma14="http://schemas.microsoft.com/office/mac/drawingml/2011/main" val="1"/>
             </a:ext>
           </a:extLst>
         </p:spPr>
@@ -40360,7 +42495,7 @@
           </a:ln>
           <a:extLst>
             <a:ext uri="{C572A759-6A51-4108-AA02-DFA0A04FC94B}">
-              <ma14:wrappingTextBoxFlag xmlns:ma14="http://schemas.microsoft.com/office/mac/drawingml/2011/main" xmlns="" val="1"/>
+              <ma14:wrappingTextBoxFlag xmlns="" xmlns:ma14="http://schemas.microsoft.com/office/mac/drawingml/2011/main" val="1"/>
             </a:ext>
           </a:extLst>
         </p:spPr>
@@ -40431,7 +42566,7 @@
           </a:ln>
           <a:extLst>
             <a:ext uri="{C572A759-6A51-4108-AA02-DFA0A04FC94B}">
-              <ma14:wrappingTextBoxFlag xmlns:ma14="http://schemas.microsoft.com/office/mac/drawingml/2011/main" xmlns="" val="1"/>
+              <ma14:wrappingTextBoxFlag xmlns="" xmlns:ma14="http://schemas.microsoft.com/office/mac/drawingml/2011/main" val="1"/>
             </a:ext>
           </a:extLst>
         </p:spPr>
@@ -40514,7 +42649,7 @@
           </a:ln>
           <a:extLst>
             <a:ext uri="{C572A759-6A51-4108-AA02-DFA0A04FC94B}">
-              <ma14:wrappingTextBoxFlag xmlns:ma14="http://schemas.microsoft.com/office/mac/drawingml/2011/main" xmlns="" val="1"/>
+              <ma14:wrappingTextBoxFlag xmlns="" xmlns:ma14="http://schemas.microsoft.com/office/mac/drawingml/2011/main" val="1"/>
             </a:ext>
           </a:extLst>
         </p:spPr>
@@ -41987,7 +44122,7 @@
           </a:ln>
           <a:extLst>
             <a:ext uri="{C572A759-6A51-4108-AA02-DFA0A04FC94B}">
-              <ma14:wrappingTextBoxFlag xmlns:ma14="http://schemas.microsoft.com/office/mac/drawingml/2011/main" xmlns="" val="1"/>
+              <ma14:wrappingTextBoxFlag xmlns="" xmlns:ma14="http://schemas.microsoft.com/office/mac/drawingml/2011/main" val="1"/>
             </a:ext>
           </a:extLst>
         </p:spPr>
@@ -42065,7 +44200,7 @@
           </a:ln>
           <a:extLst>
             <a:ext uri="{C572A759-6A51-4108-AA02-DFA0A04FC94B}">
-              <ma14:wrappingTextBoxFlag xmlns:ma14="http://schemas.microsoft.com/office/mac/drawingml/2011/main" xmlns="" val="1"/>
+              <ma14:wrappingTextBoxFlag xmlns="" xmlns:ma14="http://schemas.microsoft.com/office/mac/drawingml/2011/main" val="1"/>
             </a:ext>
           </a:extLst>
         </p:spPr>

--- a/评审PPT/SE2019春-G11_ZUCCLazyBone可行性分析报告ppt.pptx
+++ b/评审PPT/SE2019春-G11_ZUCCLazyBone可行性分析报告ppt.pptx
@@ -4458,7 +4458,7 @@
           </a:ln>
           <a:extLst>
             <a:ext uri="{C572A759-6A51-4108-AA02-DFA0A04FC94B}">
-              <ma14:wrappingTextBoxFlag xmlns="" xmlns:ma14="http://schemas.microsoft.com/office/mac/drawingml/2011/main" val="1"/>
+              <ma14:wrappingTextBoxFlag xmlns:ma14="http://schemas.microsoft.com/office/mac/drawingml/2011/main" xmlns="" val="1"/>
             </a:ext>
           </a:extLst>
         </p:spPr>
@@ -4497,7 +4497,7 @@
           </a:ln>
           <a:extLst>
             <a:ext uri="{C572A759-6A51-4108-AA02-DFA0A04FC94B}">
-              <ma14:wrappingTextBoxFlag xmlns="" xmlns:ma14="http://schemas.microsoft.com/office/mac/drawingml/2011/main" val="1"/>
+              <ma14:wrappingTextBoxFlag xmlns:ma14="http://schemas.microsoft.com/office/mac/drawingml/2011/main" xmlns="" val="1"/>
             </a:ext>
           </a:extLst>
         </p:spPr>
@@ -5473,7 +5473,7 @@
           </a:ln>
           <a:extLst>
             <a:ext uri="{C572A759-6A51-4108-AA02-DFA0A04FC94B}">
-              <ma14:wrappingTextBoxFlag xmlns="" xmlns:ma14="http://schemas.microsoft.com/office/mac/drawingml/2011/main" val="1"/>
+              <ma14:wrappingTextBoxFlag xmlns:ma14="http://schemas.microsoft.com/office/mac/drawingml/2011/main" xmlns="" val="1"/>
             </a:ext>
           </a:extLst>
         </p:spPr>
@@ -5641,7 +5641,7 @@
           </a:ln>
           <a:extLst>
             <a:ext uri="{C572A759-6A51-4108-AA02-DFA0A04FC94B}">
-              <ma14:wrappingTextBoxFlag xmlns="" xmlns:ma14="http://schemas.microsoft.com/office/mac/drawingml/2011/main" val="1"/>
+              <ma14:wrappingTextBoxFlag xmlns:ma14="http://schemas.microsoft.com/office/mac/drawingml/2011/main" xmlns="" val="1"/>
             </a:ext>
           </a:extLst>
         </p:spPr>
@@ -5740,7 +5740,7 @@
           </a:ln>
           <a:extLst>
             <a:ext uri="{C572A759-6A51-4108-AA02-DFA0A04FC94B}">
-              <ma14:wrappingTextBoxFlag xmlns="" xmlns:ma14="http://schemas.microsoft.com/office/mac/drawingml/2011/main" val="1"/>
+              <ma14:wrappingTextBoxFlag xmlns:ma14="http://schemas.microsoft.com/office/mac/drawingml/2011/main" xmlns="" val="1"/>
             </a:ext>
           </a:extLst>
         </p:spPr>
@@ -5789,7 +5789,7 @@
           </a:ln>
           <a:extLst>
             <a:ext uri="{C572A759-6A51-4108-AA02-DFA0A04FC94B}">
-              <ma14:wrappingTextBoxFlag xmlns="" xmlns:ma14="http://schemas.microsoft.com/office/mac/drawingml/2011/main" val="1"/>
+              <ma14:wrappingTextBoxFlag xmlns:ma14="http://schemas.microsoft.com/office/mac/drawingml/2011/main" xmlns="" val="1"/>
             </a:ext>
           </a:extLst>
         </p:spPr>
@@ -5843,7 +5843,7 @@
           </a:ln>
           <a:extLst>
             <a:ext uri="{C572A759-6A51-4108-AA02-DFA0A04FC94B}">
-              <ma14:wrappingTextBoxFlag xmlns="" xmlns:ma14="http://schemas.microsoft.com/office/mac/drawingml/2011/main" val="1"/>
+              <ma14:wrappingTextBoxFlag xmlns:ma14="http://schemas.microsoft.com/office/mac/drawingml/2011/main" xmlns="" val="1"/>
             </a:ext>
           </a:extLst>
         </p:spPr>
@@ -6570,8 +6570,8 @@
         </p:nvSpPr>
         <p:spPr>
           <a:xfrm>
-            <a:off x="381232" y="680577"/>
-            <a:ext cx="6002005" cy="6049156"/>
+            <a:off x="471298" y="512438"/>
+            <a:ext cx="6002005" cy="6407908"/>
           </a:xfrm>
           <a:prstGeom prst="rect">
             <a:avLst/>
@@ -6581,7 +6581,7 @@
           </a:ln>
           <a:extLst>
             <a:ext uri="{C572A759-6A51-4108-AA02-DFA0A04FC94B}">
-              <ma14:wrappingTextBoxFlag xmlns="" xmlns:ma14="http://schemas.microsoft.com/office/mac/drawingml/2011/main" val="1"/>
+              <ma14:wrappingTextBoxFlag xmlns:ma14="http://schemas.microsoft.com/office/mac/drawingml/2011/main" xmlns="" val="1"/>
             </a:ext>
           </a:extLst>
         </p:spPr>
@@ -6675,43 +6675,92 @@
           </a:p>
           <a:p>
             <a:r>
-              <a:rPr lang="zh-CN" altLang="zh-CN" dirty="0"/>
-              <a:t>根据生活费</a:t>
+              <a:rPr lang="zh-CN" altLang="en-US" dirty="0"/>
+              <a:t>依据群内得出的平均时薪的标准（</a:t>
             </a:r>
             <a:r>
               <a:rPr lang="en-US" altLang="zh-CN" dirty="0"/>
-              <a:t>2000</a:t>
-            </a:r>
-            <a:r>
-              <a:rPr lang="zh-CN" altLang="zh-CN" dirty="0"/>
-              <a:t>元每月计算，则工资支出成本为</a:t>
+              <a:t>68.06</a:t>
+            </a:r>
+            <a:r>
+              <a:rPr lang="zh-CN" altLang="en-US" dirty="0"/>
+              <a:t>元</a:t>
             </a:r>
             <a:r>
               <a:rPr lang="en-US" altLang="zh-CN" dirty="0"/>
-              <a:t>3*2000*5=30000</a:t>
-            </a:r>
-            <a:r>
-              <a:rPr lang="zh-CN" altLang="zh-CN" dirty="0"/>
-              <a:t>元，服务器 </a:t>
+              <a:t>/h</a:t>
+            </a:r>
+            <a:r>
+              <a:rPr lang="zh-CN" altLang="en-US" dirty="0"/>
+              <a:t>）</a:t>
             </a:r>
             <a:r>
               <a:rPr lang="en-US" altLang="zh-CN" dirty="0"/>
-              <a:t>?</a:t>
-            </a:r>
-            <a:r>
-              <a:rPr lang="zh-CN" altLang="zh-CN" dirty="0"/>
-              <a:t>，其他软件硬件基本每个人员都具备。</a:t>
+              <a:t>,</a:t>
+            </a:r>
+            <a:r>
+              <a:rPr lang="zh-CN" altLang="en-US" dirty="0"/>
+              <a:t>每人一周花费</a:t>
+            </a:r>
+            <a:r>
+              <a:rPr lang="en-US" altLang="zh-CN" dirty="0"/>
+              <a:t>4h</a:t>
+            </a:r>
+            <a:r>
+              <a:rPr lang="zh-CN" altLang="en-US" dirty="0"/>
+              <a:t>，总共</a:t>
+            </a:r>
+            <a:r>
+              <a:rPr lang="en-US" altLang="zh-CN" dirty="0"/>
+              <a:t>8</a:t>
+            </a:r>
+            <a:r>
+              <a:rPr lang="zh-CN" altLang="en-US" dirty="0"/>
+              <a:t>周</a:t>
             </a:r>
           </a:p>
           <a:p>
             <a:r>
-              <a:rPr lang="zh-CN" altLang="zh-CN" dirty="0"/>
+              <a:rPr lang="zh-CN" altLang="en-US" dirty="0"/>
+              <a:t>则工资支出为 </a:t>
+            </a:r>
+            <a:r>
+              <a:rPr lang="en-US" altLang="zh-CN" dirty="0"/>
+              <a:t>68.06*4*8*3=6553.76</a:t>
+            </a:r>
+            <a:r>
+              <a:rPr lang="zh-CN" altLang="en-US" dirty="0"/>
+              <a:t>元</a:t>
+            </a:r>
+          </a:p>
+          <a:p>
+            <a:r>
+              <a:rPr lang="zh-CN" altLang="en-US" dirty="0"/>
+              <a:t>服务器 </a:t>
+            </a:r>
+            <a:r>
+              <a:rPr lang="en-US" altLang="zh-CN" dirty="0"/>
+              <a:t>0</a:t>
+            </a:r>
+            <a:r>
+              <a:rPr lang="zh-CN" altLang="en-US" dirty="0"/>
+              <a:t>元</a:t>
+            </a:r>
+          </a:p>
+          <a:p>
+            <a:r>
+              <a:rPr lang="zh-CN" altLang="en-US" dirty="0"/>
               <a:t>总成本：</a:t>
             </a:r>
             <a:r>
               <a:rPr lang="en-US" altLang="zh-CN" dirty="0"/>
-              <a:t>30000+?</a:t>
-            </a:r>
+              <a:t>6553.76</a:t>
+            </a:r>
+            <a:r>
+              <a:rPr lang="zh-CN" altLang="en-US" dirty="0" smtClean="0"/>
+              <a:t>元</a:t>
+            </a:r>
+            <a:endParaRPr lang="en-US" altLang="zh-CN" dirty="0" smtClean="0"/>
           </a:p>
           <a:p>
             <a:endParaRPr lang="zh-CN" altLang="zh-CN" dirty="0"/>
@@ -6789,7 +6838,7 @@
           </a:ln>
           <a:extLst>
             <a:ext uri="{C572A759-6A51-4108-AA02-DFA0A04FC94B}">
-              <ma14:wrappingTextBoxFlag xmlns="" xmlns:ma14="http://schemas.microsoft.com/office/mac/drawingml/2011/main" val="1"/>
+              <ma14:wrappingTextBoxFlag xmlns:ma14="http://schemas.microsoft.com/office/mac/drawingml/2011/main" xmlns="" val="1"/>
             </a:ext>
           </a:extLst>
         </p:spPr>
@@ -7417,7 +7466,7 @@
           </a:ln>
           <a:extLst>
             <a:ext uri="{C572A759-6A51-4108-AA02-DFA0A04FC94B}">
-              <ma14:wrappingTextBoxFlag xmlns="" xmlns:ma14="http://schemas.microsoft.com/office/mac/drawingml/2011/main" val="1"/>
+              <ma14:wrappingTextBoxFlag xmlns:ma14="http://schemas.microsoft.com/office/mac/drawingml/2011/main" xmlns="" val="1"/>
             </a:ext>
           </a:extLst>
         </p:spPr>
@@ -7466,7 +7515,7 @@
           </a:ln>
           <a:extLst>
             <a:ext uri="{C572A759-6A51-4108-AA02-DFA0A04FC94B}">
-              <ma14:wrappingTextBoxFlag xmlns="" xmlns:ma14="http://schemas.microsoft.com/office/mac/drawingml/2011/main" val="1"/>
+              <ma14:wrappingTextBoxFlag xmlns:ma14="http://schemas.microsoft.com/office/mac/drawingml/2011/main" xmlns="" val="1"/>
             </a:ext>
           </a:extLst>
         </p:spPr>
@@ -7514,7 +7563,7 @@
           </a:ln>
           <a:extLst>
             <a:ext uri="{C572A759-6A51-4108-AA02-DFA0A04FC94B}">
-              <ma14:wrappingTextBoxFlag xmlns="" xmlns:ma14="http://schemas.microsoft.com/office/mac/drawingml/2011/main" val="1"/>
+              <ma14:wrappingTextBoxFlag xmlns:ma14="http://schemas.microsoft.com/office/mac/drawingml/2011/main" xmlns="" val="1"/>
             </a:ext>
           </a:extLst>
         </p:spPr>
@@ -8182,7 +8231,7 @@
           </a:ln>
           <a:extLst>
             <a:ext uri="{C572A759-6A51-4108-AA02-DFA0A04FC94B}">
-              <ma14:wrappingTextBoxFlag xmlns="" xmlns:ma14="http://schemas.microsoft.com/office/mac/drawingml/2011/main" val="1"/>
+              <ma14:wrappingTextBoxFlag xmlns:ma14="http://schemas.microsoft.com/office/mac/drawingml/2011/main" xmlns="" val="1"/>
             </a:ext>
           </a:extLst>
         </p:spPr>
@@ -8231,7 +8280,7 @@
           </a:ln>
           <a:extLst>
             <a:ext uri="{C572A759-6A51-4108-AA02-DFA0A04FC94B}">
-              <ma14:wrappingTextBoxFlag xmlns="" xmlns:ma14="http://schemas.microsoft.com/office/mac/drawingml/2011/main" val="1"/>
+              <ma14:wrappingTextBoxFlag xmlns:ma14="http://schemas.microsoft.com/office/mac/drawingml/2011/main" xmlns="" val="1"/>
             </a:ext>
           </a:extLst>
         </p:spPr>
@@ -8350,7 +8399,7 @@
           </a:ln>
           <a:extLst>
             <a:ext uri="{C572A759-6A51-4108-AA02-DFA0A04FC94B}">
-              <ma14:wrappingTextBoxFlag xmlns="" xmlns:ma14="http://schemas.microsoft.com/office/mac/drawingml/2011/main" val="1"/>
+              <ma14:wrappingTextBoxFlag xmlns:ma14="http://schemas.microsoft.com/office/mac/drawingml/2011/main" xmlns="" val="1"/>
             </a:ext>
           </a:extLst>
         </p:spPr>
@@ -8669,7 +8718,7 @@
           </a:ln>
           <a:extLst>
             <a:ext uri="{C572A759-6A51-4108-AA02-DFA0A04FC94B}">
-              <ma14:wrappingTextBoxFlag xmlns="" xmlns:ma14="http://schemas.microsoft.com/office/mac/drawingml/2011/main" val="1"/>
+              <ma14:wrappingTextBoxFlag xmlns:ma14="http://schemas.microsoft.com/office/mac/drawingml/2011/main" xmlns="" val="1"/>
             </a:ext>
           </a:extLst>
         </p:spPr>
@@ -8742,7 +8791,7 @@
         <p15:prstTrans prst="pageCurlDouble"/>
       </p:transition>
     </mc:Choice>
-    <mc:Choice xmlns="" xmlns:p14="http://schemas.microsoft.com/office/powerpoint/2010/main" Requires="p14">
+    <mc:Choice xmlns:p14="http://schemas.microsoft.com/office/powerpoint/2010/main" xmlns="" Requires="p14">
       <p:transition spd="slow" advClick="0" advTm="9000" p14:dur="1200">
         <p14:prism dir="l"/>
       </p:transition>
@@ -9431,7 +9480,7 @@
           </a:ln>
           <a:extLst>
             <a:ext uri="{C572A759-6A51-4108-AA02-DFA0A04FC94B}">
-              <ma14:wrappingTextBoxFlag xmlns="" xmlns:ma14="http://schemas.microsoft.com/office/mac/drawingml/2011/main" val="1"/>
+              <ma14:wrappingTextBoxFlag xmlns:ma14="http://schemas.microsoft.com/office/mac/drawingml/2011/main" xmlns="" val="1"/>
             </a:ext>
           </a:extLst>
         </p:spPr>
@@ -10806,7 +10855,7 @@
           </a:ln>
           <a:extLst>
             <a:ext uri="{C572A759-6A51-4108-AA02-DFA0A04FC94B}">
-              <ma14:wrappingTextBoxFlag xmlns="" xmlns:ma14="http://schemas.microsoft.com/office/mac/drawingml/2011/main" val="1"/>
+              <ma14:wrappingTextBoxFlag xmlns:ma14="http://schemas.microsoft.com/office/mac/drawingml/2011/main" xmlns="" val="1"/>
             </a:ext>
           </a:extLst>
         </p:spPr>
@@ -11734,7 +11783,7 @@
           </a:ln>
           <a:extLst>
             <a:ext uri="{C572A759-6A51-4108-AA02-DFA0A04FC94B}">
-              <ma14:wrappingTextBoxFlag xmlns="" xmlns:ma14="http://schemas.microsoft.com/office/mac/drawingml/2011/main" val="1"/>
+              <ma14:wrappingTextBoxFlag xmlns:ma14="http://schemas.microsoft.com/office/mac/drawingml/2011/main" xmlns="" val="1"/>
             </a:ext>
           </a:extLst>
         </p:spPr>
@@ -13027,7 +13076,7 @@
           </a:ln>
           <a:extLst>
             <a:ext uri="{C572A759-6A51-4108-AA02-DFA0A04FC94B}">
-              <ma14:wrappingTextBoxFlag xmlns="" xmlns:ma14="http://schemas.microsoft.com/office/mac/drawingml/2011/main" val="1"/>
+              <ma14:wrappingTextBoxFlag xmlns:ma14="http://schemas.microsoft.com/office/mac/drawingml/2011/main" xmlns="" val="1"/>
             </a:ext>
           </a:extLst>
         </p:spPr>
@@ -13095,7 +13144,7 @@
           </a:ln>
           <a:extLst>
             <a:ext uri="{C572A759-6A51-4108-AA02-DFA0A04FC94B}">
-              <ma14:wrappingTextBoxFlag xmlns="" xmlns:ma14="http://schemas.microsoft.com/office/mac/drawingml/2011/main" val="1"/>
+              <ma14:wrappingTextBoxFlag xmlns:ma14="http://schemas.microsoft.com/office/mac/drawingml/2011/main" xmlns="" val="1"/>
             </a:ext>
           </a:extLst>
         </p:spPr>
@@ -16801,7 +16850,7 @@
           </a:ln>
           <a:extLst>
             <a:ext uri="{C572A759-6A51-4108-AA02-DFA0A04FC94B}">
-              <ma14:wrappingTextBoxFlag xmlns="" xmlns:ma14="http://schemas.microsoft.com/office/mac/drawingml/2011/main" val="1"/>
+              <ma14:wrappingTextBoxFlag xmlns:ma14="http://schemas.microsoft.com/office/mac/drawingml/2011/main" xmlns="" val="1"/>
             </a:ext>
           </a:extLst>
         </p:spPr>
@@ -16936,7 +16985,7 @@
           </a:ln>
           <a:extLst>
             <a:ext uri="{C572A759-6A51-4108-AA02-DFA0A04FC94B}">
-              <ma14:wrappingTextBoxFlag xmlns="" xmlns:ma14="http://schemas.microsoft.com/office/mac/drawingml/2011/main" val="1"/>
+              <ma14:wrappingTextBoxFlag xmlns:ma14="http://schemas.microsoft.com/office/mac/drawingml/2011/main" xmlns="" val="1"/>
             </a:ext>
           </a:extLst>
         </p:spPr>
@@ -17016,7 +17065,7 @@
           </a:ln>
           <a:extLst>
             <a:ext uri="{C572A759-6A51-4108-AA02-DFA0A04FC94B}">
-              <ma14:wrappingTextBoxFlag xmlns="" xmlns:ma14="http://schemas.microsoft.com/office/mac/drawingml/2011/main" val="1"/>
+              <ma14:wrappingTextBoxFlag xmlns:ma14="http://schemas.microsoft.com/office/mac/drawingml/2011/main" xmlns="" val="1"/>
             </a:ext>
           </a:extLst>
         </p:spPr>
@@ -17212,7 +17261,7 @@
           </a:ln>
           <a:extLst>
             <a:ext uri="{C572A759-6A51-4108-AA02-DFA0A04FC94B}">
-              <ma14:wrappingTextBoxFlag xmlns="" xmlns:ma14="http://schemas.microsoft.com/office/mac/drawingml/2011/main" val="1"/>
+              <ma14:wrappingTextBoxFlag xmlns:ma14="http://schemas.microsoft.com/office/mac/drawingml/2011/main" xmlns="" val="1"/>
             </a:ext>
           </a:extLst>
         </p:spPr>
@@ -17292,7 +17341,7 @@
           </a:ln>
           <a:extLst>
             <a:ext uri="{C572A759-6A51-4108-AA02-DFA0A04FC94B}">
-              <ma14:wrappingTextBoxFlag xmlns="" xmlns:ma14="http://schemas.microsoft.com/office/mac/drawingml/2011/main" val="1"/>
+              <ma14:wrappingTextBoxFlag xmlns:ma14="http://schemas.microsoft.com/office/mac/drawingml/2011/main" xmlns="" val="1"/>
             </a:ext>
           </a:extLst>
         </p:spPr>
@@ -17427,7 +17476,7 @@
           </a:ln>
           <a:extLst>
             <a:ext uri="{C572A759-6A51-4108-AA02-DFA0A04FC94B}">
-              <ma14:wrappingTextBoxFlag xmlns="" xmlns:ma14="http://schemas.microsoft.com/office/mac/drawingml/2011/main" val="1"/>
+              <ma14:wrappingTextBoxFlag xmlns:ma14="http://schemas.microsoft.com/office/mac/drawingml/2011/main" xmlns="" val="1"/>
             </a:ext>
           </a:extLst>
         </p:spPr>
@@ -17479,7 +17528,7 @@
           </a:ln>
           <a:extLst>
             <a:ext uri="{C572A759-6A51-4108-AA02-DFA0A04FC94B}">
-              <ma14:wrappingTextBoxFlag xmlns="" xmlns:ma14="http://schemas.microsoft.com/office/mac/drawingml/2011/main" val="1"/>
+              <ma14:wrappingTextBoxFlag xmlns:ma14="http://schemas.microsoft.com/office/mac/drawingml/2011/main" xmlns="" val="1"/>
             </a:ext>
           </a:extLst>
         </p:spPr>
@@ -19232,7 +19281,7 @@
           </a:ln>
           <a:extLst>
             <a:ext uri="{C572A759-6A51-4108-AA02-DFA0A04FC94B}">
-              <ma14:wrappingTextBoxFlag xmlns="" xmlns:ma14="http://schemas.microsoft.com/office/mac/drawingml/2011/main" val="1"/>
+              <ma14:wrappingTextBoxFlag xmlns:ma14="http://schemas.microsoft.com/office/mac/drawingml/2011/main" xmlns="" val="1"/>
             </a:ext>
           </a:extLst>
         </p:spPr>
@@ -19281,7 +19330,7 @@
           </a:ln>
           <a:extLst>
             <a:ext uri="{C572A759-6A51-4108-AA02-DFA0A04FC94B}">
-              <ma14:wrappingTextBoxFlag xmlns="" xmlns:ma14="http://schemas.microsoft.com/office/mac/drawingml/2011/main" val="1"/>
+              <ma14:wrappingTextBoxFlag xmlns:ma14="http://schemas.microsoft.com/office/mac/drawingml/2011/main" xmlns="" val="1"/>
             </a:ext>
           </a:extLst>
         </p:spPr>
@@ -19329,7 +19378,7 @@
           </a:ln>
           <a:extLst>
             <a:ext uri="{C572A759-6A51-4108-AA02-DFA0A04FC94B}">
-              <ma14:wrappingTextBoxFlag xmlns="" xmlns:ma14="http://schemas.microsoft.com/office/mac/drawingml/2011/main" val="1"/>
+              <ma14:wrappingTextBoxFlag xmlns:ma14="http://schemas.microsoft.com/office/mac/drawingml/2011/main" xmlns="" val="1"/>
             </a:ext>
           </a:extLst>
         </p:spPr>
@@ -19911,7 +19960,7 @@
           </a:ln>
           <a:extLst>
             <a:ext uri="{C572A759-6A51-4108-AA02-DFA0A04FC94B}">
-              <ma14:wrappingTextBoxFlag xmlns="" xmlns:ma14="http://schemas.microsoft.com/office/mac/drawingml/2011/main" val="1"/>
+              <ma14:wrappingTextBoxFlag xmlns:ma14="http://schemas.microsoft.com/office/mac/drawingml/2011/main" xmlns="" val="1"/>
             </a:ext>
           </a:extLst>
         </p:spPr>
@@ -19962,7 +20011,7 @@
           </a:ln>
           <a:extLst>
             <a:ext uri="{C572A759-6A51-4108-AA02-DFA0A04FC94B}">
-              <ma14:wrappingTextBoxFlag xmlns="" xmlns:ma14="http://schemas.microsoft.com/office/mac/drawingml/2011/main" val="1"/>
+              <ma14:wrappingTextBoxFlag xmlns:ma14="http://schemas.microsoft.com/office/mac/drawingml/2011/main" xmlns="" val="1"/>
             </a:ext>
           </a:extLst>
         </p:spPr>
@@ -20577,7 +20626,7 @@
           </a:ln>
           <a:extLst>
             <a:ext uri="{C572A759-6A51-4108-AA02-DFA0A04FC94B}">
-              <ma14:wrappingTextBoxFlag xmlns="" xmlns:ma14="http://schemas.microsoft.com/office/mac/drawingml/2011/main" val="1"/>
+              <ma14:wrappingTextBoxFlag xmlns:ma14="http://schemas.microsoft.com/office/mac/drawingml/2011/main" xmlns="" val="1"/>
             </a:ext>
           </a:extLst>
         </p:spPr>
@@ -20626,7 +20675,7 @@
           </a:ln>
           <a:extLst>
             <a:ext uri="{C572A759-6A51-4108-AA02-DFA0A04FC94B}">
-              <ma14:wrappingTextBoxFlag xmlns="" xmlns:ma14="http://schemas.microsoft.com/office/mac/drawingml/2011/main" val="1"/>
+              <ma14:wrappingTextBoxFlag xmlns:ma14="http://schemas.microsoft.com/office/mac/drawingml/2011/main" xmlns="" val="1"/>
             </a:ext>
           </a:extLst>
         </p:spPr>
@@ -20678,7 +20727,7 @@
           </a:ln>
           <a:extLst>
             <a:ext uri="{C572A759-6A51-4108-AA02-DFA0A04FC94B}">
-              <ma14:wrappingTextBoxFlag xmlns="" xmlns:ma14="http://schemas.microsoft.com/office/mac/drawingml/2011/main" val="1"/>
+              <ma14:wrappingTextBoxFlag xmlns:ma14="http://schemas.microsoft.com/office/mac/drawingml/2011/main" xmlns="" val="1"/>
             </a:ext>
           </a:extLst>
         </p:spPr>
@@ -20756,7 +20805,7 @@
           </a:ln>
           <a:extLst>
             <a:ext uri="{C572A759-6A51-4108-AA02-DFA0A04FC94B}">
-              <ma14:wrappingTextBoxFlag xmlns="" xmlns:ma14="http://schemas.microsoft.com/office/mac/drawingml/2011/main" val="1"/>
+              <ma14:wrappingTextBoxFlag xmlns:ma14="http://schemas.microsoft.com/office/mac/drawingml/2011/main" xmlns="" val="1"/>
             </a:ext>
           </a:extLst>
         </p:spPr>
@@ -20805,7 +20854,7 @@
           </a:ln>
           <a:extLst>
             <a:ext uri="{C572A759-6A51-4108-AA02-DFA0A04FC94B}">
-              <ma14:wrappingTextBoxFlag xmlns="" xmlns:ma14="http://schemas.microsoft.com/office/mac/drawingml/2011/main" val="1"/>
+              <ma14:wrappingTextBoxFlag xmlns:ma14="http://schemas.microsoft.com/office/mac/drawingml/2011/main" xmlns="" val="1"/>
             </a:ext>
           </a:extLst>
         </p:spPr>
@@ -20858,7 +20907,7 @@
           </a:ln>
           <a:extLst>
             <a:ext uri="{C572A759-6A51-4108-AA02-DFA0A04FC94B}">
-              <ma14:wrappingTextBoxFlag xmlns="" xmlns:ma14="http://schemas.microsoft.com/office/mac/drawingml/2011/main" val="1"/>
+              <ma14:wrappingTextBoxFlag xmlns:ma14="http://schemas.microsoft.com/office/mac/drawingml/2011/main" xmlns="" val="1"/>
             </a:ext>
           </a:extLst>
         </p:spPr>
@@ -20905,7 +20954,7 @@
           </a:ln>
           <a:extLst>
             <a:ext uri="{C572A759-6A51-4108-AA02-DFA0A04FC94B}">
-              <ma14:wrappingTextBoxFlag xmlns="" xmlns:ma14="http://schemas.microsoft.com/office/mac/drawingml/2011/main" val="1"/>
+              <ma14:wrappingTextBoxFlag xmlns:ma14="http://schemas.microsoft.com/office/mac/drawingml/2011/main" xmlns="" val="1"/>
             </a:ext>
           </a:extLst>
         </p:spPr>
@@ -20954,7 +21003,7 @@
           </a:ln>
           <a:extLst>
             <a:ext uri="{C572A759-6A51-4108-AA02-DFA0A04FC94B}">
-              <ma14:wrappingTextBoxFlag xmlns="" xmlns:ma14="http://schemas.microsoft.com/office/mac/drawingml/2011/main" val="1"/>
+              <ma14:wrappingTextBoxFlag xmlns:ma14="http://schemas.microsoft.com/office/mac/drawingml/2011/main" xmlns="" val="1"/>
             </a:ext>
           </a:extLst>
         </p:spPr>
@@ -21007,7 +21056,7 @@
           </a:ln>
           <a:extLst>
             <a:ext uri="{C572A759-6A51-4108-AA02-DFA0A04FC94B}">
-              <ma14:wrappingTextBoxFlag xmlns="" xmlns:ma14="http://schemas.microsoft.com/office/mac/drawingml/2011/main" val="1"/>
+              <ma14:wrappingTextBoxFlag xmlns:ma14="http://schemas.microsoft.com/office/mac/drawingml/2011/main" xmlns="" val="1"/>
             </a:ext>
           </a:extLst>
         </p:spPr>
@@ -21054,7 +21103,7 @@
           </a:ln>
           <a:extLst>
             <a:ext uri="{C572A759-6A51-4108-AA02-DFA0A04FC94B}">
-              <ma14:wrappingTextBoxFlag xmlns="" xmlns:ma14="http://schemas.microsoft.com/office/mac/drawingml/2011/main" val="1"/>
+              <ma14:wrappingTextBoxFlag xmlns:ma14="http://schemas.microsoft.com/office/mac/drawingml/2011/main" xmlns="" val="1"/>
             </a:ext>
           </a:extLst>
         </p:spPr>
@@ -21111,7 +21160,7 @@
           </a:ln>
           <a:extLst>
             <a:ext uri="{C572A759-6A51-4108-AA02-DFA0A04FC94B}">
-              <ma14:wrappingTextBoxFlag xmlns="" xmlns:ma14="http://schemas.microsoft.com/office/mac/drawingml/2011/main" val="1"/>
+              <ma14:wrappingTextBoxFlag xmlns:ma14="http://schemas.microsoft.com/office/mac/drawingml/2011/main" xmlns="" val="1"/>
             </a:ext>
           </a:extLst>
         </p:spPr>
@@ -21164,7 +21213,7 @@
           </a:ln>
           <a:extLst>
             <a:ext uri="{C572A759-6A51-4108-AA02-DFA0A04FC94B}">
-              <ma14:wrappingTextBoxFlag xmlns="" xmlns:ma14="http://schemas.microsoft.com/office/mac/drawingml/2011/main" val="1"/>
+              <ma14:wrappingTextBoxFlag xmlns:ma14="http://schemas.microsoft.com/office/mac/drawingml/2011/main" xmlns="" val="1"/>
             </a:ext>
           </a:extLst>
         </p:spPr>
@@ -21254,7 +21303,7 @@
           </a:ln>
           <a:extLst>
             <a:ext uri="{C572A759-6A51-4108-AA02-DFA0A04FC94B}">
-              <ma14:wrappingTextBoxFlag xmlns="" xmlns:ma14="http://schemas.microsoft.com/office/mac/drawingml/2011/main" val="1"/>
+              <ma14:wrappingTextBoxFlag xmlns:ma14="http://schemas.microsoft.com/office/mac/drawingml/2011/main" xmlns="" val="1"/>
             </a:ext>
           </a:extLst>
         </p:spPr>
@@ -22379,7 +22428,7 @@
           <a:graphicData uri="http://schemas.openxmlformats.org/presentationml/2006/ole">
             <mc:AlternateContent xmlns:mc="http://schemas.openxmlformats.org/markup-compatibility/2006">
               <mc:Choice xmlns:v="urn:schemas-microsoft-com:vml" Requires="v">
-                <p:oleObj spid="_x0000_s1039" r:id="rId3" imgW="6296069" imgH="5810289" progId="Visio.Drawing.15">
+                <p:oleObj spid="_x0000_s1041" r:id="rId3" imgW="6296069" imgH="5810289" progId="Visio.Drawing.15">
                   <p:embed/>
                 </p:oleObj>
               </mc:Choice>
@@ -22703,7 +22752,7 @@
           <a:graphicData uri="http://schemas.openxmlformats.org/presentationml/2006/ole">
             <mc:AlternateContent xmlns:mc="http://schemas.openxmlformats.org/markup-compatibility/2006">
               <mc:Choice xmlns:v="urn:schemas-microsoft-com:vml" Requires="v">
-                <p:oleObj spid="_x0000_s2063" name="Visio" r:id="rId3" imgW="6505390" imgH="4419736" progId="Visio.Drawing.15">
+                <p:oleObj spid="_x0000_s2065" name="Visio" r:id="rId3" imgW="6505390" imgH="4419736" progId="Visio.Drawing.15">
                   <p:embed/>
                 </p:oleObj>
               </mc:Choice>
@@ -23169,7 +23218,7 @@
           <a:graphicData uri="http://schemas.openxmlformats.org/presentationml/2006/ole">
             <mc:AlternateContent xmlns:mc="http://schemas.openxmlformats.org/markup-compatibility/2006">
               <mc:Choice xmlns:v="urn:schemas-microsoft-com:vml" Requires="v">
-                <p:oleObj spid="_x0000_s6148" name="Visio" r:id="rId3" imgW="3095708" imgH="5619886" progId="Visio.Drawing.15">
+                <p:oleObj spid="_x0000_s6152" name="Visio" r:id="rId3" imgW="3095708" imgH="5619886" progId="Visio.Drawing.15">
                   <p:embed/>
                 </p:oleObj>
               </mc:Choice>
@@ -23226,7 +23275,7 @@
           <a:graphicData uri="http://schemas.openxmlformats.org/presentationml/2006/ole">
             <mc:AlternateContent xmlns:mc="http://schemas.openxmlformats.org/markup-compatibility/2006">
               <mc:Choice xmlns:v="urn:schemas-microsoft-com:vml" Requires="v">
-                <p:oleObj spid="_x0000_s6149" name="Visio" r:id="rId5" imgW="5553273" imgH="4086225" progId="Visio.Drawing.15">
+                <p:oleObj spid="_x0000_s6153" name="Visio" r:id="rId5" imgW="5553273" imgH="4086225" progId="Visio.Drawing.15">
                   <p:embed/>
                 </p:oleObj>
               </mc:Choice>
@@ -25331,7 +25380,7 @@
           </a:ln>
           <a:extLst>
             <a:ext uri="{C572A759-6A51-4108-AA02-DFA0A04FC94B}">
-              <ma14:wrappingTextBoxFlag xmlns="" xmlns:ma14="http://schemas.microsoft.com/office/mac/drawingml/2011/main" val="1"/>
+              <ma14:wrappingTextBoxFlag xmlns:ma14="http://schemas.microsoft.com/office/mac/drawingml/2011/main" xmlns="" val="1"/>
             </a:ext>
           </a:extLst>
         </p:spPr>
@@ -25425,7 +25474,7 @@
           </a:ln>
           <a:extLst>
             <a:ext uri="{C572A759-6A51-4108-AA02-DFA0A04FC94B}">
-              <ma14:wrappingTextBoxFlag xmlns="" xmlns:ma14="http://schemas.microsoft.com/office/mac/drawingml/2011/main" val="1"/>
+              <ma14:wrappingTextBoxFlag xmlns:ma14="http://schemas.microsoft.com/office/mac/drawingml/2011/main" xmlns="" val="1"/>
             </a:ext>
           </a:extLst>
         </p:spPr>
@@ -25505,7 +25554,7 @@
           </a:ln>
           <a:extLst>
             <a:ext uri="{C572A759-6A51-4108-AA02-DFA0A04FC94B}">
-              <ma14:wrappingTextBoxFlag xmlns="" xmlns:ma14="http://schemas.microsoft.com/office/mac/drawingml/2011/main" val="1"/>
+              <ma14:wrappingTextBoxFlag xmlns:ma14="http://schemas.microsoft.com/office/mac/drawingml/2011/main" xmlns="" val="1"/>
             </a:ext>
           </a:extLst>
         </p:spPr>
@@ -25578,7 +25627,7 @@
           </a:ln>
           <a:extLst>
             <a:ext uri="{C572A759-6A51-4108-AA02-DFA0A04FC94B}">
-              <ma14:wrappingTextBoxFlag xmlns="" xmlns:ma14="http://schemas.microsoft.com/office/mac/drawingml/2011/main" val="1"/>
+              <ma14:wrappingTextBoxFlag xmlns:ma14="http://schemas.microsoft.com/office/mac/drawingml/2011/main" xmlns="" val="1"/>
             </a:ext>
           </a:extLst>
         </p:spPr>
@@ -25658,7 +25707,7 @@
           </a:ln>
           <a:extLst>
             <a:ext uri="{C572A759-6A51-4108-AA02-DFA0A04FC94B}">
-              <ma14:wrappingTextBoxFlag xmlns="" xmlns:ma14="http://schemas.microsoft.com/office/mac/drawingml/2011/main" val="1"/>
+              <ma14:wrappingTextBoxFlag xmlns:ma14="http://schemas.microsoft.com/office/mac/drawingml/2011/main" xmlns="" val="1"/>
             </a:ext>
           </a:extLst>
         </p:spPr>
@@ -25768,7 +25817,7 @@
           </a:ln>
           <a:extLst>
             <a:ext uri="{C572A759-6A51-4108-AA02-DFA0A04FC94B}">
-              <ma14:wrappingTextBoxFlag xmlns="" xmlns:ma14="http://schemas.microsoft.com/office/mac/drawingml/2011/main" val="1"/>
+              <ma14:wrappingTextBoxFlag xmlns:ma14="http://schemas.microsoft.com/office/mac/drawingml/2011/main" xmlns="" val="1"/>
             </a:ext>
           </a:extLst>
         </p:spPr>
@@ -25848,7 +25897,7 @@
           </a:ln>
           <a:extLst>
             <a:ext uri="{C572A759-6A51-4108-AA02-DFA0A04FC94B}">
-              <ma14:wrappingTextBoxFlag xmlns="" xmlns:ma14="http://schemas.microsoft.com/office/mac/drawingml/2011/main" val="1"/>
+              <ma14:wrappingTextBoxFlag xmlns:ma14="http://schemas.microsoft.com/office/mac/drawingml/2011/main" xmlns="" val="1"/>
             </a:ext>
           </a:extLst>
         </p:spPr>
@@ -25912,7 +25961,7 @@
           </a:ln>
           <a:extLst>
             <a:ext uri="{C572A759-6A51-4108-AA02-DFA0A04FC94B}">
-              <ma14:wrappingTextBoxFlag xmlns="" xmlns:ma14="http://schemas.microsoft.com/office/mac/drawingml/2011/main" val="1"/>
+              <ma14:wrappingTextBoxFlag xmlns:ma14="http://schemas.microsoft.com/office/mac/drawingml/2011/main" xmlns="" val="1"/>
             </a:ext>
           </a:extLst>
         </p:spPr>
@@ -27283,7 +27332,7 @@
           </a:ln>
           <a:extLst>
             <a:ext uri="{C572A759-6A51-4108-AA02-DFA0A04FC94B}">
-              <ma14:wrappingTextBoxFlag xmlns="" xmlns:ma14="http://schemas.microsoft.com/office/mac/drawingml/2011/main" val="1"/>
+              <ma14:wrappingTextBoxFlag xmlns:ma14="http://schemas.microsoft.com/office/mac/drawingml/2011/main" xmlns="" val="1"/>
             </a:ext>
           </a:extLst>
         </p:spPr>
@@ -27339,7 +27388,7 @@
           </a:ln>
           <a:extLst>
             <a:ext uri="{C572A759-6A51-4108-AA02-DFA0A04FC94B}">
-              <ma14:wrappingTextBoxFlag xmlns="" xmlns:ma14="http://schemas.microsoft.com/office/mac/drawingml/2011/main" val="1"/>
+              <ma14:wrappingTextBoxFlag xmlns:ma14="http://schemas.microsoft.com/office/mac/drawingml/2011/main" xmlns="" val="1"/>
             </a:ext>
           </a:extLst>
         </p:spPr>
@@ -27387,7 +27436,7 @@
           </a:ln>
           <a:extLst>
             <a:ext uri="{C572A759-6A51-4108-AA02-DFA0A04FC94B}">
-              <ma14:wrappingTextBoxFlag xmlns="" xmlns:ma14="http://schemas.microsoft.com/office/mac/drawingml/2011/main" val="1"/>
+              <ma14:wrappingTextBoxFlag xmlns:ma14="http://schemas.microsoft.com/office/mac/drawingml/2011/main" xmlns="" val="1"/>
             </a:ext>
           </a:extLst>
         </p:spPr>
@@ -27979,7 +28028,7 @@
           </a:ln>
           <a:extLst>
             <a:ext uri="{C572A759-6A51-4108-AA02-DFA0A04FC94B}">
-              <ma14:wrappingTextBoxFlag xmlns="" xmlns:ma14="http://schemas.microsoft.com/office/mac/drawingml/2011/main" val="1"/>
+              <ma14:wrappingTextBoxFlag xmlns:ma14="http://schemas.microsoft.com/office/mac/drawingml/2011/main" xmlns="" val="1"/>
             </a:ext>
           </a:extLst>
         </p:spPr>
@@ -28058,7 +28107,7 @@
           </a:effectLst>
           <a:extLst>
             <a:ext uri="{C572A759-6A51-4108-AA02-DFA0A04FC94B}">
-              <ma14:wrappingTextBoxFlag xmlns="" xmlns:ma14="http://schemas.microsoft.com/office/mac/drawingml/2011/main" val="1"/>
+              <ma14:wrappingTextBoxFlag xmlns:ma14="http://schemas.microsoft.com/office/mac/drawingml/2011/main" xmlns="" val="1"/>
             </a:ext>
           </a:extLst>
         </p:spPr>
@@ -28114,7 +28163,7 @@
           </a:ln>
           <a:extLst>
             <a:ext uri="{C572A759-6A51-4108-AA02-DFA0A04FC94B}">
-              <ma14:wrappingTextBoxFlag xmlns="" xmlns:ma14="http://schemas.microsoft.com/office/mac/drawingml/2011/main" val="1"/>
+              <ma14:wrappingTextBoxFlag xmlns:ma14="http://schemas.microsoft.com/office/mac/drawingml/2011/main" xmlns="" val="1"/>
             </a:ext>
           </a:extLst>
         </p:spPr>
@@ -28168,7 +28217,7 @@
           </a:effectLst>
           <a:extLst>
             <a:ext uri="{C572A759-6A51-4108-AA02-DFA0A04FC94B}">
-              <ma14:wrappingTextBoxFlag xmlns="" xmlns:ma14="http://schemas.microsoft.com/office/mac/drawingml/2011/main" val="1"/>
+              <ma14:wrappingTextBoxFlag xmlns:ma14="http://schemas.microsoft.com/office/mac/drawingml/2011/main" xmlns="" val="1"/>
             </a:ext>
           </a:extLst>
         </p:spPr>
@@ -29439,7 +29488,7 @@
           </a:ln>
           <a:extLst>
             <a:ext uri="{C572A759-6A51-4108-AA02-DFA0A04FC94B}">
-              <ma14:wrappingTextBoxFlag xmlns="" xmlns:ma14="http://schemas.microsoft.com/office/mac/drawingml/2011/main" val="1"/>
+              <ma14:wrappingTextBoxFlag xmlns:ma14="http://schemas.microsoft.com/office/mac/drawingml/2011/main" xmlns="" val="1"/>
             </a:ext>
           </a:extLst>
         </p:spPr>
@@ -30566,7 +30615,7 @@
           </a:ln>
           <a:extLst>
             <a:ext uri="{C572A759-6A51-4108-AA02-DFA0A04FC94B}">
-              <ma14:wrappingTextBoxFlag xmlns="" xmlns:ma14="http://schemas.microsoft.com/office/mac/drawingml/2011/main" val="1"/>
+              <ma14:wrappingTextBoxFlag xmlns:ma14="http://schemas.microsoft.com/office/mac/drawingml/2011/main" xmlns="" val="1"/>
             </a:ext>
           </a:extLst>
         </p:spPr>
@@ -30649,7 +30698,7 @@
           </a:effectLst>
           <a:extLst>
             <a:ext uri="{C572A759-6A51-4108-AA02-DFA0A04FC94B}">
-              <ma14:wrappingTextBoxFlag xmlns="" xmlns:ma14="http://schemas.microsoft.com/office/mac/drawingml/2011/main" val="1"/>
+              <ma14:wrappingTextBoxFlag xmlns:ma14="http://schemas.microsoft.com/office/mac/drawingml/2011/main" xmlns="" val="1"/>
             </a:ext>
           </a:extLst>
         </p:spPr>
@@ -30701,7 +30750,7 @@
           </a:effectLst>
           <a:extLst>
             <a:ext uri="{C572A759-6A51-4108-AA02-DFA0A04FC94B}">
-              <ma14:wrappingTextBoxFlag xmlns="" xmlns:ma14="http://schemas.microsoft.com/office/mac/drawingml/2011/main" val="1"/>
+              <ma14:wrappingTextBoxFlag xmlns:ma14="http://schemas.microsoft.com/office/mac/drawingml/2011/main" xmlns="" val="1"/>
             </a:ext>
           </a:extLst>
         </p:spPr>
@@ -30750,7 +30799,7 @@
           </a:ln>
           <a:extLst>
             <a:ext uri="{C572A759-6A51-4108-AA02-DFA0A04FC94B}">
-              <ma14:wrappingTextBoxFlag xmlns="" xmlns:ma14="http://schemas.microsoft.com/office/mac/drawingml/2011/main" val="1"/>
+              <ma14:wrappingTextBoxFlag xmlns:ma14="http://schemas.microsoft.com/office/mac/drawingml/2011/main" xmlns="" val="1"/>
             </a:ext>
           </a:extLst>
         </p:spPr>
@@ -30817,7 +30866,7 @@
           </a:effectLst>
           <a:extLst>
             <a:ext uri="{C572A759-6A51-4108-AA02-DFA0A04FC94B}">
-              <ma14:wrappingTextBoxFlag xmlns="" xmlns:ma14="http://schemas.microsoft.com/office/mac/drawingml/2011/main" val="1"/>
+              <ma14:wrappingTextBoxFlag xmlns:ma14="http://schemas.microsoft.com/office/mac/drawingml/2011/main" xmlns="" val="1"/>
             </a:ext>
           </a:extLst>
         </p:spPr>
@@ -31878,7 +31927,7 @@
           </a:ln>
           <a:extLst>
             <a:ext uri="{C572A759-6A51-4108-AA02-DFA0A04FC94B}">
-              <ma14:wrappingTextBoxFlag xmlns="" xmlns:ma14="http://schemas.microsoft.com/office/mac/drawingml/2011/main" val="1"/>
+              <ma14:wrappingTextBoxFlag xmlns:ma14="http://schemas.microsoft.com/office/mac/drawingml/2011/main" xmlns="" val="1"/>
             </a:ext>
           </a:extLst>
         </p:spPr>
@@ -31945,7 +31994,7 @@
           </a:effectLst>
           <a:extLst>
             <a:ext uri="{C572A759-6A51-4108-AA02-DFA0A04FC94B}">
-              <ma14:wrappingTextBoxFlag xmlns="" xmlns:ma14="http://schemas.microsoft.com/office/mac/drawingml/2011/main" val="1"/>
+              <ma14:wrappingTextBoxFlag xmlns:ma14="http://schemas.microsoft.com/office/mac/drawingml/2011/main" xmlns="" val="1"/>
             </a:ext>
           </a:extLst>
         </p:spPr>
@@ -32028,7 +32077,7 @@
           </a:effectLst>
           <a:extLst>
             <a:ext uri="{C572A759-6A51-4108-AA02-DFA0A04FC94B}">
-              <ma14:wrappingTextBoxFlag xmlns="" xmlns:ma14="http://schemas.microsoft.com/office/mac/drawingml/2011/main" val="1"/>
+              <ma14:wrappingTextBoxFlag xmlns:ma14="http://schemas.microsoft.com/office/mac/drawingml/2011/main" xmlns="" val="1"/>
             </a:ext>
           </a:extLst>
         </p:spPr>
@@ -32080,7 +32129,7 @@
           </a:ln>
           <a:extLst>
             <a:ext uri="{C572A759-6A51-4108-AA02-DFA0A04FC94B}">
-              <ma14:wrappingTextBoxFlag xmlns="" xmlns:ma14="http://schemas.microsoft.com/office/mac/drawingml/2011/main" val="1"/>
+              <ma14:wrappingTextBoxFlag xmlns:ma14="http://schemas.microsoft.com/office/mac/drawingml/2011/main" xmlns="" val="1"/>
             </a:ext>
           </a:extLst>
         </p:spPr>
@@ -32152,7 +32201,7 @@
           </a:effectLst>
           <a:extLst>
             <a:ext uri="{C572A759-6A51-4108-AA02-DFA0A04FC94B}">
-              <ma14:wrappingTextBoxFlag xmlns="" xmlns:ma14="http://schemas.microsoft.com/office/mac/drawingml/2011/main" val="1"/>
+              <ma14:wrappingTextBoxFlag xmlns:ma14="http://schemas.microsoft.com/office/mac/drawingml/2011/main" xmlns="" val="1"/>
             </a:ext>
           </a:extLst>
         </p:spPr>
@@ -33211,7 +33260,7 @@
           </a:ln>
           <a:extLst>
             <a:ext uri="{C572A759-6A51-4108-AA02-DFA0A04FC94B}">
-              <ma14:wrappingTextBoxFlag xmlns="" xmlns:ma14="http://schemas.microsoft.com/office/mac/drawingml/2011/main" val="1"/>
+              <ma14:wrappingTextBoxFlag xmlns:ma14="http://schemas.microsoft.com/office/mac/drawingml/2011/main" xmlns="" val="1"/>
             </a:ext>
           </a:extLst>
         </p:spPr>
@@ -33268,7 +33317,7 @@
           </a:ln>
           <a:extLst>
             <a:ext uri="{C572A759-6A51-4108-AA02-DFA0A04FC94B}">
-              <ma14:wrappingTextBoxFlag xmlns="" xmlns:ma14="http://schemas.microsoft.com/office/mac/drawingml/2011/main" val="1"/>
+              <ma14:wrappingTextBoxFlag xmlns:ma14="http://schemas.microsoft.com/office/mac/drawingml/2011/main" xmlns="" val="1"/>
             </a:ext>
           </a:extLst>
         </p:spPr>
@@ -33645,7 +33694,7 @@
         <p15:prstTrans prst="pageCurlDouble"/>
       </p:transition>
     </mc:Choice>
-    <mc:Choice xmlns="" xmlns:p14="http://schemas.microsoft.com/office/powerpoint/2010/main" Requires="p14">
+    <mc:Choice xmlns:p14="http://schemas.microsoft.com/office/powerpoint/2010/main" xmlns="" Requires="p14">
       <p:transition spd="slow" advClick="1" p14:dur="1200">
         <p14:prism dir="l"/>
       </p:transition>
@@ -36137,7 +36186,7 @@
           </a:ln>
           <a:extLst>
             <a:ext uri="{C572A759-6A51-4108-AA02-DFA0A04FC94B}">
-              <ma14:wrappingTextBoxFlag xmlns="" xmlns:ma14="http://schemas.microsoft.com/office/mac/drawingml/2011/main" val="1"/>
+              <ma14:wrappingTextBoxFlag xmlns:ma14="http://schemas.microsoft.com/office/mac/drawingml/2011/main" xmlns="" val="1"/>
             </a:ext>
           </a:extLst>
         </p:spPr>
@@ -36244,7 +36293,7 @@
           </a:effectLst>
           <a:extLst>
             <a:ext uri="{C572A759-6A51-4108-AA02-DFA0A04FC94B}">
-              <ma14:wrappingTextBoxFlag xmlns="" xmlns:ma14="http://schemas.microsoft.com/office/mac/drawingml/2011/main" val="1"/>
+              <ma14:wrappingTextBoxFlag xmlns:ma14="http://schemas.microsoft.com/office/mac/drawingml/2011/main" xmlns="" val="1"/>
             </a:ext>
           </a:extLst>
         </p:spPr>
@@ -36812,7 +36861,7 @@
         <p:spPr>
           <a:xfrm>
             <a:off x="2508173" y="3220586"/>
-            <a:ext cx="7175654" cy="1063176"/>
+            <a:ext cx="7175654" cy="1089529"/>
           </a:xfrm>
           <a:prstGeom prst="rect">
             <a:avLst/>
@@ -36822,7 +36871,7 @@
           </a:ln>
           <a:extLst>
             <a:ext uri="{C572A759-6A51-4108-AA02-DFA0A04FC94B}">
-              <ma14:wrappingTextBoxFlag xmlns="" xmlns:ma14="http://schemas.microsoft.com/office/mac/drawingml/2011/main" val="1"/>
+              <ma14:wrappingTextBoxFlag xmlns:ma14="http://schemas.microsoft.com/office/mac/drawingml/2011/main" xmlns="" val="1"/>
             </a:ext>
           </a:extLst>
         </p:spPr>
@@ -36866,11 +36915,15 @@
           <a:p>
             <a:r>
               <a:rPr lang="zh-CN" altLang="zh-CN" dirty="0"/>
-              <a:t>版本号：</a:t>
-            </a:r>
-            <a:r>
-              <a:rPr lang="en-US" altLang="zh-CN" dirty="0"/>
-              <a:t>0.5</a:t>
+              <a:t>版本号</a:t>
+            </a:r>
+            <a:r>
+              <a:rPr lang="zh-CN" altLang="zh-CN" dirty="0" smtClean="0"/>
+              <a:t>：</a:t>
+            </a:r>
+            <a:r>
+              <a:rPr lang="en-US" altLang="zh-CN" dirty="0" smtClean="0"/>
+              <a:t>1.1</a:t>
             </a:r>
             <a:endParaRPr dirty="0"/>
           </a:p>
@@ -36895,7 +36948,7 @@
           </a:ln>
           <a:extLst>
             <a:ext uri="{C572A759-6A51-4108-AA02-DFA0A04FC94B}">
-              <ma14:wrappingTextBoxFlag xmlns="" xmlns:ma14="http://schemas.microsoft.com/office/mac/drawingml/2011/main" val="1"/>
+              <ma14:wrappingTextBoxFlag xmlns:ma14="http://schemas.microsoft.com/office/mac/drawingml/2011/main" xmlns="" val="1"/>
             </a:ext>
           </a:extLst>
         </p:spPr>
@@ -37467,7 +37520,7 @@
           </a:ln>
           <a:extLst>
             <a:ext uri="{C572A759-6A51-4108-AA02-DFA0A04FC94B}">
-              <ma14:wrappingTextBoxFlag xmlns="" xmlns:ma14="http://schemas.microsoft.com/office/mac/drawingml/2011/main" val="1"/>
+              <ma14:wrappingTextBoxFlag xmlns:ma14="http://schemas.microsoft.com/office/mac/drawingml/2011/main" xmlns="" val="1"/>
             </a:ext>
           </a:extLst>
         </p:spPr>
@@ -37635,7 +37688,7 @@
           </a:ln>
           <a:extLst>
             <a:ext uri="{C572A759-6A51-4108-AA02-DFA0A04FC94B}">
-              <ma14:wrappingTextBoxFlag xmlns="" xmlns:ma14="http://schemas.microsoft.com/office/mac/drawingml/2011/main" val="1"/>
+              <ma14:wrappingTextBoxFlag xmlns:ma14="http://schemas.microsoft.com/office/mac/drawingml/2011/main" xmlns="" val="1"/>
             </a:ext>
           </a:extLst>
         </p:spPr>
@@ -37694,7 +37747,7 @@
           </a:ln>
           <a:extLst>
             <a:ext uri="{C572A759-6A51-4108-AA02-DFA0A04FC94B}">
-              <ma14:wrappingTextBoxFlag xmlns="" xmlns:ma14="http://schemas.microsoft.com/office/mac/drawingml/2011/main" val="1"/>
+              <ma14:wrappingTextBoxFlag xmlns:ma14="http://schemas.microsoft.com/office/mac/drawingml/2011/main" xmlns="" val="1"/>
             </a:ext>
           </a:extLst>
         </p:spPr>
@@ -37763,7 +37816,7 @@
         <p15:prstTrans prst="pageCurlDouble"/>
       </p:transition>
     </mc:Choice>
-    <mc:Choice xmlns="" xmlns:p14="http://schemas.microsoft.com/office/powerpoint/2010/main" Requires="p14">
+    <mc:Choice xmlns:p14="http://schemas.microsoft.com/office/powerpoint/2010/main" xmlns="" Requires="p14">
       <p:transition spd="slow" advClick="1" p14:dur="1200">
         <p14:prism dir="d"/>
       </p:transition>
@@ -38515,7 +38568,7 @@
           </a:ln>
           <a:extLst>
             <a:ext uri="{C572A759-6A51-4108-AA02-DFA0A04FC94B}">
-              <ma14:wrappingTextBoxFlag xmlns="" xmlns:ma14="http://schemas.microsoft.com/office/mac/drawingml/2011/main" val="1"/>
+              <ma14:wrappingTextBoxFlag xmlns:ma14="http://schemas.microsoft.com/office/mac/drawingml/2011/main" xmlns="" val="1"/>
             </a:ext>
           </a:extLst>
         </p:spPr>
@@ -38640,7 +38693,7 @@
           </a:ln>
           <a:extLst>
             <a:ext uri="{C572A759-6A51-4108-AA02-DFA0A04FC94B}">
-              <ma14:wrappingTextBoxFlag xmlns="" xmlns:ma14="http://schemas.microsoft.com/office/mac/drawingml/2011/main" val="1"/>
+              <ma14:wrappingTextBoxFlag xmlns:ma14="http://schemas.microsoft.com/office/mac/drawingml/2011/main" xmlns="" val="1"/>
             </a:ext>
           </a:extLst>
         </p:spPr>
@@ -39298,7 +39351,7 @@
           </a:ln>
           <a:extLst>
             <a:ext uri="{C572A759-6A51-4108-AA02-DFA0A04FC94B}">
-              <ma14:wrappingTextBoxFlag xmlns="" xmlns:ma14="http://schemas.microsoft.com/office/mac/drawingml/2011/main" val="1"/>
+              <ma14:wrappingTextBoxFlag xmlns:ma14="http://schemas.microsoft.com/office/mac/drawingml/2011/main" xmlns="" val="1"/>
             </a:ext>
           </a:extLst>
         </p:spPr>
@@ -39468,7 +39521,7 @@
           </a:ln>
           <a:extLst>
             <a:ext uri="{C572A759-6A51-4108-AA02-DFA0A04FC94B}">
-              <ma14:wrappingTextBoxFlag xmlns="" xmlns:ma14="http://schemas.microsoft.com/office/mac/drawingml/2011/main" val="1"/>
+              <ma14:wrappingTextBoxFlag xmlns:ma14="http://schemas.microsoft.com/office/mac/drawingml/2011/main" xmlns="" val="1"/>
             </a:ext>
           </a:extLst>
         </p:spPr>
@@ -40128,7 +40181,7 @@
           </a:ln>
           <a:extLst>
             <a:ext uri="{C572A759-6A51-4108-AA02-DFA0A04FC94B}">
-              <ma14:wrappingTextBoxFlag xmlns="" xmlns:ma14="http://schemas.microsoft.com/office/mac/drawingml/2011/main" val="1"/>
+              <ma14:wrappingTextBoxFlag xmlns:ma14="http://schemas.microsoft.com/office/mac/drawingml/2011/main" xmlns="" val="1"/>
             </a:ext>
           </a:extLst>
         </p:spPr>
@@ -40177,7 +40230,7 @@
           </a:ln>
           <a:extLst>
             <a:ext uri="{C572A759-6A51-4108-AA02-DFA0A04FC94B}">
-              <ma14:wrappingTextBoxFlag xmlns="" xmlns:ma14="http://schemas.microsoft.com/office/mac/drawingml/2011/main" val="1"/>
+              <ma14:wrappingTextBoxFlag xmlns:ma14="http://schemas.microsoft.com/office/mac/drawingml/2011/main" xmlns="" val="1"/>
             </a:ext>
           </a:extLst>
         </p:spPr>
@@ -40225,7 +40278,7 @@
           </a:ln>
           <a:extLst>
             <a:ext uri="{C572A759-6A51-4108-AA02-DFA0A04FC94B}">
-              <ma14:wrappingTextBoxFlag xmlns="" xmlns:ma14="http://schemas.microsoft.com/office/mac/drawingml/2011/main" val="1"/>
+              <ma14:wrappingTextBoxFlag xmlns:ma14="http://schemas.microsoft.com/office/mac/drawingml/2011/main" xmlns="" val="1"/>
             </a:ext>
           </a:extLst>
         </p:spPr>
@@ -40801,7 +40854,7 @@
           </a:ln>
           <a:extLst>
             <a:ext uri="{C572A759-6A51-4108-AA02-DFA0A04FC94B}">
-              <ma14:wrappingTextBoxFlag xmlns="" xmlns:ma14="http://schemas.microsoft.com/office/mac/drawingml/2011/main" val="1"/>
+              <ma14:wrappingTextBoxFlag xmlns:ma14="http://schemas.microsoft.com/office/mac/drawingml/2011/main" xmlns="" val="1"/>
             </a:ext>
           </a:extLst>
         </p:spPr>
@@ -40927,7 +40980,7 @@
           </a:ln>
           <a:extLst>
             <a:ext uri="{C572A759-6A51-4108-AA02-DFA0A04FC94B}">
-              <ma14:wrappingTextBoxFlag xmlns="" xmlns:ma14="http://schemas.microsoft.com/office/mac/drawingml/2011/main" val="1"/>
+              <ma14:wrappingTextBoxFlag xmlns:ma14="http://schemas.microsoft.com/office/mac/drawingml/2011/main" xmlns="" val="1"/>
             </a:ext>
           </a:extLst>
         </p:spPr>
@@ -40976,7 +41029,7 @@
           </a:ln>
           <a:extLst>
             <a:ext uri="{C572A759-6A51-4108-AA02-DFA0A04FC94B}">
-              <ma14:wrappingTextBoxFlag xmlns="" xmlns:ma14="http://schemas.microsoft.com/office/mac/drawingml/2011/main" val="1"/>
+              <ma14:wrappingTextBoxFlag xmlns:ma14="http://schemas.microsoft.com/office/mac/drawingml/2011/main" xmlns="" val="1"/>
             </a:ext>
           </a:extLst>
         </p:spPr>
@@ -41276,7 +41329,7 @@
         <p15:prstTrans prst="pageCurlDouble"/>
       </p:transition>
     </mc:Choice>
-    <mc:Choice xmlns="" xmlns:p14="http://schemas.microsoft.com/office/powerpoint/2010/main" Requires="p14">
+    <mc:Choice xmlns:p14="http://schemas.microsoft.com/office/powerpoint/2010/main" xmlns="" Requires="p14">
       <p:transition spd="slow" advClick="0" advTm="4000" p14:dur="1200">
         <p14:prism dir="l"/>
       </p:transition>
@@ -42084,7 +42137,7 @@
           </a:ln>
           <a:extLst>
             <a:ext uri="{C572A759-6A51-4108-AA02-DFA0A04FC94B}">
-              <ma14:wrappingTextBoxFlag xmlns="" xmlns:ma14="http://schemas.microsoft.com/office/mac/drawingml/2011/main" val="1"/>
+              <ma14:wrappingTextBoxFlag xmlns:ma14="http://schemas.microsoft.com/office/mac/drawingml/2011/main" xmlns="" val="1"/>
             </a:ext>
           </a:extLst>
         </p:spPr>
@@ -42236,7 +42289,7 @@
           </a:ln>
           <a:extLst>
             <a:ext uri="{C572A759-6A51-4108-AA02-DFA0A04FC94B}">
-              <ma14:wrappingTextBoxFlag xmlns="" xmlns:ma14="http://schemas.microsoft.com/office/mac/drawingml/2011/main" val="1"/>
+              <ma14:wrappingTextBoxFlag xmlns:ma14="http://schemas.microsoft.com/office/mac/drawingml/2011/main" xmlns="" val="1"/>
             </a:ext>
           </a:extLst>
         </p:spPr>
@@ -42316,7 +42369,7 @@
           </a:ln>
           <a:extLst>
             <a:ext uri="{C572A759-6A51-4108-AA02-DFA0A04FC94B}">
-              <ma14:wrappingTextBoxFlag xmlns="" xmlns:ma14="http://schemas.microsoft.com/office/mac/drawingml/2011/main" val="1"/>
+              <ma14:wrappingTextBoxFlag xmlns:ma14="http://schemas.microsoft.com/office/mac/drawingml/2011/main" xmlns="" val="1"/>
             </a:ext>
           </a:extLst>
         </p:spPr>
@@ -42386,7 +42439,7 @@
           </a:ln>
           <a:extLst>
             <a:ext uri="{C572A759-6A51-4108-AA02-DFA0A04FC94B}">
-              <ma14:wrappingTextBoxFlag xmlns="" xmlns:ma14="http://schemas.microsoft.com/office/mac/drawingml/2011/main" val="1"/>
+              <ma14:wrappingTextBoxFlag xmlns:ma14="http://schemas.microsoft.com/office/mac/drawingml/2011/main" xmlns="" val="1"/>
             </a:ext>
           </a:extLst>
         </p:spPr>
@@ -42495,7 +42548,7 @@
           </a:ln>
           <a:extLst>
             <a:ext uri="{C572A759-6A51-4108-AA02-DFA0A04FC94B}">
-              <ma14:wrappingTextBoxFlag xmlns="" xmlns:ma14="http://schemas.microsoft.com/office/mac/drawingml/2011/main" val="1"/>
+              <ma14:wrappingTextBoxFlag xmlns:ma14="http://schemas.microsoft.com/office/mac/drawingml/2011/main" xmlns="" val="1"/>
             </a:ext>
           </a:extLst>
         </p:spPr>
@@ -42566,7 +42619,7 @@
           </a:ln>
           <a:extLst>
             <a:ext uri="{C572A759-6A51-4108-AA02-DFA0A04FC94B}">
-              <ma14:wrappingTextBoxFlag xmlns="" xmlns:ma14="http://schemas.microsoft.com/office/mac/drawingml/2011/main" val="1"/>
+              <ma14:wrappingTextBoxFlag xmlns:ma14="http://schemas.microsoft.com/office/mac/drawingml/2011/main" xmlns="" val="1"/>
             </a:ext>
           </a:extLst>
         </p:spPr>
@@ -42649,7 +42702,7 @@
           </a:ln>
           <a:extLst>
             <a:ext uri="{C572A759-6A51-4108-AA02-DFA0A04FC94B}">
-              <ma14:wrappingTextBoxFlag xmlns="" xmlns:ma14="http://schemas.microsoft.com/office/mac/drawingml/2011/main" val="1"/>
+              <ma14:wrappingTextBoxFlag xmlns:ma14="http://schemas.microsoft.com/office/mac/drawingml/2011/main" xmlns="" val="1"/>
             </a:ext>
           </a:extLst>
         </p:spPr>
@@ -44122,7 +44175,7 @@
           </a:ln>
           <a:extLst>
             <a:ext uri="{C572A759-6A51-4108-AA02-DFA0A04FC94B}">
-              <ma14:wrappingTextBoxFlag xmlns="" xmlns:ma14="http://schemas.microsoft.com/office/mac/drawingml/2011/main" val="1"/>
+              <ma14:wrappingTextBoxFlag xmlns:ma14="http://schemas.microsoft.com/office/mac/drawingml/2011/main" xmlns="" val="1"/>
             </a:ext>
           </a:extLst>
         </p:spPr>
@@ -44200,7 +44253,7 @@
           </a:ln>
           <a:extLst>
             <a:ext uri="{C572A759-6A51-4108-AA02-DFA0A04FC94B}">
-              <ma14:wrappingTextBoxFlag xmlns="" xmlns:ma14="http://schemas.microsoft.com/office/mac/drawingml/2011/main" val="1"/>
+              <ma14:wrappingTextBoxFlag xmlns:ma14="http://schemas.microsoft.com/office/mac/drawingml/2011/main" xmlns="" val="1"/>
             </a:ext>
           </a:extLst>
         </p:spPr>
